--- a/BetterRubyThroughDesignPatterns.pptx
+++ b/BetterRubyThroughDesignPatterns.pptx
@@ -4,6 +4,9 @@
   <p:sldMasterIdLst>
     <p:sldMasterId id="2147483696" r:id="rId1"/>
   </p:sldMasterIdLst>
+  <p:notesMasterIdLst>
+    <p:notesMasterId r:id="rId26"/>
+  </p:notesMasterIdLst>
   <p:sldIdLst>
     <p:sldId id="256" r:id="rId2"/>
     <p:sldId id="257" r:id="rId3"/>
@@ -14,20 +17,21 @@
     <p:sldId id="262" r:id="rId8"/>
     <p:sldId id="263" r:id="rId9"/>
     <p:sldId id="264" r:id="rId10"/>
-    <p:sldId id="265" r:id="rId11"/>
-    <p:sldId id="267" r:id="rId12"/>
-    <p:sldId id="268" r:id="rId13"/>
-    <p:sldId id="269" r:id="rId14"/>
-    <p:sldId id="270" r:id="rId15"/>
+    <p:sldId id="269" r:id="rId11"/>
+    <p:sldId id="270" r:id="rId12"/>
+    <p:sldId id="267" r:id="rId13"/>
+    <p:sldId id="268" r:id="rId14"/>
+    <p:sldId id="265" r:id="rId15"/>
     <p:sldId id="273" r:id="rId16"/>
     <p:sldId id="274" r:id="rId17"/>
     <p:sldId id="278" r:id="rId18"/>
     <p:sldId id="276" r:id="rId19"/>
     <p:sldId id="279" r:id="rId20"/>
     <p:sldId id="277" r:id="rId21"/>
-    <p:sldId id="271" r:id="rId22"/>
-    <p:sldId id="280" r:id="rId23"/>
+    <p:sldId id="280" r:id="rId22"/>
+    <p:sldId id="271" r:id="rId23"/>
     <p:sldId id="266" r:id="rId24"/>
+    <p:sldId id="281" r:id="rId25"/>
   </p:sldIdLst>
   <p:sldSz cx="9144000" cy="6858000" type="screen4x3"/>
   <p:notesSz cx="6858000" cy="9144000"/>
@@ -140,26 +144,744 @@
             <p14:sldId id="262"/>
             <p14:sldId id="263"/>
             <p14:sldId id="264"/>
-            <p14:sldId id="265"/>
+            <p14:sldId id="269"/>
+            <p14:sldId id="270"/>
             <p14:sldId id="267"/>
             <p14:sldId id="268"/>
-            <p14:sldId id="269"/>
-            <p14:sldId id="270"/>
+            <p14:sldId id="265"/>
             <p14:sldId id="273"/>
             <p14:sldId id="274"/>
             <p14:sldId id="278"/>
             <p14:sldId id="276"/>
             <p14:sldId id="279"/>
             <p14:sldId id="277"/>
+            <p14:sldId id="280"/>
             <p14:sldId id="271"/>
-            <p14:sldId id="280"/>
             <p14:sldId id="266"/>
+            <p14:sldId id="281"/>
           </p14:sldIdLst>
         </p14:section>
       </p14:sectionLst>
     </p:ext>
   </p:extLst>
 </p:presentation>
+</file>
+
+<file path=ppt/notesMasters/notesMaster1.xml><?xml version="1.0" encoding="utf-8"?>
+<p:notesMaster xmlns:a="http://schemas.openxmlformats.org/drawingml/2006/main" xmlns:r="http://schemas.openxmlformats.org/officeDocument/2006/relationships" xmlns:p="http://schemas.openxmlformats.org/presentationml/2006/main">
+  <p:cSld>
+    <p:bg>
+      <p:bgRef idx="1001">
+        <a:schemeClr val="bg1"/>
+      </p:bgRef>
+    </p:bg>
+    <p:spTree>
+      <p:nvGrpSpPr>
+        <p:cNvPr id="1" name=""/>
+        <p:cNvGrpSpPr/>
+        <p:nvPr/>
+      </p:nvGrpSpPr>
+      <p:grpSpPr>
+        <a:xfrm>
+          <a:off x="0" y="0"/>
+          <a:ext cx="0" cy="0"/>
+          <a:chOff x="0" y="0"/>
+          <a:chExt cx="0" cy="0"/>
+        </a:xfrm>
+      </p:grpSpPr>
+      <p:sp>
+        <p:nvSpPr>
+          <p:cNvPr id="2" name="Header Placeholder 1"/>
+          <p:cNvSpPr>
+            <a:spLocks noGrp="1"/>
+          </p:cNvSpPr>
+          <p:nvPr>
+            <p:ph type="hdr" sz="quarter"/>
+          </p:nvPr>
+        </p:nvSpPr>
+        <p:spPr>
+          <a:xfrm>
+            <a:off x="0" y="0"/>
+            <a:ext cx="2971800" cy="457200"/>
+          </a:xfrm>
+          <a:prstGeom prst="rect">
+            <a:avLst/>
+          </a:prstGeom>
+        </p:spPr>
+        <p:txBody>
+          <a:bodyPr vert="horz" lIns="91440" tIns="45720" rIns="91440" bIns="45720" rtlCol="0"/>
+          <a:lstStyle>
+            <a:lvl1pPr algn="l">
+              <a:defRPr sz="1200"/>
+            </a:lvl1pPr>
+          </a:lstStyle>
+          <a:p>
+            <a:endParaRPr lang="en-US"/>
+          </a:p>
+        </p:txBody>
+      </p:sp>
+      <p:sp>
+        <p:nvSpPr>
+          <p:cNvPr id="3" name="Date Placeholder 2"/>
+          <p:cNvSpPr>
+            <a:spLocks noGrp="1"/>
+          </p:cNvSpPr>
+          <p:nvPr>
+            <p:ph type="dt" idx="1"/>
+          </p:nvPr>
+        </p:nvSpPr>
+        <p:spPr>
+          <a:xfrm>
+            <a:off x="3884613" y="0"/>
+            <a:ext cx="2971800" cy="457200"/>
+          </a:xfrm>
+          <a:prstGeom prst="rect">
+            <a:avLst/>
+          </a:prstGeom>
+        </p:spPr>
+        <p:txBody>
+          <a:bodyPr vert="horz" lIns="91440" tIns="45720" rIns="91440" bIns="45720" rtlCol="0"/>
+          <a:lstStyle>
+            <a:lvl1pPr algn="r">
+              <a:defRPr sz="1200"/>
+            </a:lvl1pPr>
+          </a:lstStyle>
+          <a:p>
+            <a:fld id="{5A1F8130-46FA-7040-B513-FDA7EF4EBAF4}" type="datetimeFigureOut">
+              <a:rPr lang="en-US" smtClean="0"/>
+              <a:t>3/11/12</a:t>
+            </a:fld>
+            <a:endParaRPr lang="en-US"/>
+          </a:p>
+        </p:txBody>
+      </p:sp>
+      <p:sp>
+        <p:nvSpPr>
+          <p:cNvPr id="4" name="Slide Image Placeholder 3"/>
+          <p:cNvSpPr>
+            <a:spLocks noGrp="1" noRot="1" noChangeAspect="1"/>
+          </p:cNvSpPr>
+          <p:nvPr>
+            <p:ph type="sldImg" idx="2"/>
+          </p:nvPr>
+        </p:nvSpPr>
+        <p:spPr>
+          <a:xfrm>
+            <a:off x="1143000" y="685800"/>
+            <a:ext cx="4572000" cy="3429000"/>
+          </a:xfrm>
+          <a:prstGeom prst="rect">
+            <a:avLst/>
+          </a:prstGeom>
+          <a:noFill/>
+          <a:ln w="12700">
+            <a:solidFill>
+              <a:prstClr val="black"/>
+            </a:solidFill>
+          </a:ln>
+        </p:spPr>
+        <p:txBody>
+          <a:bodyPr vert="horz" lIns="91440" tIns="45720" rIns="91440" bIns="45720" rtlCol="0" anchor="ctr"/>
+          <a:lstStyle/>
+          <a:p>
+            <a:endParaRPr lang="en-US"/>
+          </a:p>
+        </p:txBody>
+      </p:sp>
+      <p:sp>
+        <p:nvSpPr>
+          <p:cNvPr id="5" name="Notes Placeholder 4"/>
+          <p:cNvSpPr>
+            <a:spLocks noGrp="1"/>
+          </p:cNvSpPr>
+          <p:nvPr>
+            <p:ph type="body" sz="quarter" idx="3"/>
+          </p:nvPr>
+        </p:nvSpPr>
+        <p:spPr>
+          <a:xfrm>
+            <a:off x="685800" y="4343400"/>
+            <a:ext cx="5486400" cy="4114800"/>
+          </a:xfrm>
+          <a:prstGeom prst="rect">
+            <a:avLst/>
+          </a:prstGeom>
+        </p:spPr>
+        <p:txBody>
+          <a:bodyPr vert="horz" lIns="91440" tIns="45720" rIns="91440" bIns="45720" rtlCol="0"/>
+          <a:lstStyle/>
+          <a:p>
+            <a:pPr lvl="0"/>
+            <a:r>
+              <a:rPr lang="en-US" smtClean="0"/>
+              <a:t>Click to edit Master text styles</a:t>
+            </a:r>
+          </a:p>
+          <a:p>
+            <a:pPr lvl="1"/>
+            <a:r>
+              <a:rPr lang="en-US" smtClean="0"/>
+              <a:t>Second level</a:t>
+            </a:r>
+          </a:p>
+          <a:p>
+            <a:pPr lvl="2"/>
+            <a:r>
+              <a:rPr lang="en-US" smtClean="0"/>
+              <a:t>Third level</a:t>
+            </a:r>
+          </a:p>
+          <a:p>
+            <a:pPr lvl="3"/>
+            <a:r>
+              <a:rPr lang="en-US" smtClean="0"/>
+              <a:t>Fourth level</a:t>
+            </a:r>
+          </a:p>
+          <a:p>
+            <a:pPr lvl="4"/>
+            <a:r>
+              <a:rPr lang="en-US" smtClean="0"/>
+              <a:t>Fifth level</a:t>
+            </a:r>
+            <a:endParaRPr lang="en-US"/>
+          </a:p>
+        </p:txBody>
+      </p:sp>
+      <p:sp>
+        <p:nvSpPr>
+          <p:cNvPr id="6" name="Footer Placeholder 5"/>
+          <p:cNvSpPr>
+            <a:spLocks noGrp="1"/>
+          </p:cNvSpPr>
+          <p:nvPr>
+            <p:ph type="ftr" sz="quarter" idx="4"/>
+          </p:nvPr>
+        </p:nvSpPr>
+        <p:spPr>
+          <a:xfrm>
+            <a:off x="0" y="8685213"/>
+            <a:ext cx="2971800" cy="457200"/>
+          </a:xfrm>
+          <a:prstGeom prst="rect">
+            <a:avLst/>
+          </a:prstGeom>
+        </p:spPr>
+        <p:txBody>
+          <a:bodyPr vert="horz" lIns="91440" tIns="45720" rIns="91440" bIns="45720" rtlCol="0" anchor="b"/>
+          <a:lstStyle>
+            <a:lvl1pPr algn="l">
+              <a:defRPr sz="1200"/>
+            </a:lvl1pPr>
+          </a:lstStyle>
+          <a:p>
+            <a:endParaRPr lang="en-US"/>
+          </a:p>
+        </p:txBody>
+      </p:sp>
+      <p:sp>
+        <p:nvSpPr>
+          <p:cNvPr id="7" name="Slide Number Placeholder 6"/>
+          <p:cNvSpPr>
+            <a:spLocks noGrp="1"/>
+          </p:cNvSpPr>
+          <p:nvPr>
+            <p:ph type="sldNum" sz="quarter" idx="5"/>
+          </p:nvPr>
+        </p:nvSpPr>
+        <p:spPr>
+          <a:xfrm>
+            <a:off x="3884613" y="8685213"/>
+            <a:ext cx="2971800" cy="457200"/>
+          </a:xfrm>
+          <a:prstGeom prst="rect">
+            <a:avLst/>
+          </a:prstGeom>
+        </p:spPr>
+        <p:txBody>
+          <a:bodyPr vert="horz" lIns="91440" tIns="45720" rIns="91440" bIns="45720" rtlCol="0" anchor="b"/>
+          <a:lstStyle>
+            <a:lvl1pPr algn="r">
+              <a:defRPr sz="1200"/>
+            </a:lvl1pPr>
+          </a:lstStyle>
+          <a:p>
+            <a:fld id="{5B0F0E0A-5925-EE41-9E85-45EE46DBCCF5}" type="slidenum">
+              <a:rPr lang="en-US" smtClean="0"/>
+              <a:t>‹#›</a:t>
+            </a:fld>
+            <a:endParaRPr lang="en-US"/>
+          </a:p>
+        </p:txBody>
+      </p:sp>
+    </p:spTree>
+    <p:extLst>
+      <p:ext uri="{BB962C8B-B14F-4D97-AF65-F5344CB8AC3E}">
+        <p14:creationId xmlns:p14="http://schemas.microsoft.com/office/powerpoint/2010/main" val="2054609241"/>
+      </p:ext>
+    </p:extLst>
+  </p:cSld>
+  <p:clrMap bg1="lt1" tx1="dk1" bg2="lt2" tx2="dk2" accent1="accent1" accent2="accent2" accent3="accent3" accent4="accent4" accent5="accent5" accent6="accent6" hlink="hlink" folHlink="folHlink"/>
+  <p:notesStyle>
+    <a:lvl1pPr marL="0" algn="l" defTabSz="457200" rtl="0" eaLnBrk="1" latinLnBrk="0" hangingPunct="1">
+      <a:defRPr sz="1200" kern="1200">
+        <a:solidFill>
+          <a:schemeClr val="tx1"/>
+        </a:solidFill>
+        <a:latin typeface="+mn-lt"/>
+        <a:ea typeface="+mn-ea"/>
+        <a:cs typeface="+mn-cs"/>
+      </a:defRPr>
+    </a:lvl1pPr>
+    <a:lvl2pPr marL="457200" algn="l" defTabSz="457200" rtl="0" eaLnBrk="1" latinLnBrk="0" hangingPunct="1">
+      <a:defRPr sz="1200" kern="1200">
+        <a:solidFill>
+          <a:schemeClr val="tx1"/>
+        </a:solidFill>
+        <a:latin typeface="+mn-lt"/>
+        <a:ea typeface="+mn-ea"/>
+        <a:cs typeface="+mn-cs"/>
+      </a:defRPr>
+    </a:lvl2pPr>
+    <a:lvl3pPr marL="914400" algn="l" defTabSz="457200" rtl="0" eaLnBrk="1" latinLnBrk="0" hangingPunct="1">
+      <a:defRPr sz="1200" kern="1200">
+        <a:solidFill>
+          <a:schemeClr val="tx1"/>
+        </a:solidFill>
+        <a:latin typeface="+mn-lt"/>
+        <a:ea typeface="+mn-ea"/>
+        <a:cs typeface="+mn-cs"/>
+      </a:defRPr>
+    </a:lvl3pPr>
+    <a:lvl4pPr marL="1371600" algn="l" defTabSz="457200" rtl="0" eaLnBrk="1" latinLnBrk="0" hangingPunct="1">
+      <a:defRPr sz="1200" kern="1200">
+        <a:solidFill>
+          <a:schemeClr val="tx1"/>
+        </a:solidFill>
+        <a:latin typeface="+mn-lt"/>
+        <a:ea typeface="+mn-ea"/>
+        <a:cs typeface="+mn-cs"/>
+      </a:defRPr>
+    </a:lvl4pPr>
+    <a:lvl5pPr marL="1828800" algn="l" defTabSz="457200" rtl="0" eaLnBrk="1" latinLnBrk="0" hangingPunct="1">
+      <a:defRPr sz="1200" kern="1200">
+        <a:solidFill>
+          <a:schemeClr val="tx1"/>
+        </a:solidFill>
+        <a:latin typeface="+mn-lt"/>
+        <a:ea typeface="+mn-ea"/>
+        <a:cs typeface="+mn-cs"/>
+      </a:defRPr>
+    </a:lvl5pPr>
+    <a:lvl6pPr marL="2286000" algn="l" defTabSz="457200" rtl="0" eaLnBrk="1" latinLnBrk="0" hangingPunct="1">
+      <a:defRPr sz="1200" kern="1200">
+        <a:solidFill>
+          <a:schemeClr val="tx1"/>
+        </a:solidFill>
+        <a:latin typeface="+mn-lt"/>
+        <a:ea typeface="+mn-ea"/>
+        <a:cs typeface="+mn-cs"/>
+      </a:defRPr>
+    </a:lvl6pPr>
+    <a:lvl7pPr marL="2743200" algn="l" defTabSz="457200" rtl="0" eaLnBrk="1" latinLnBrk="0" hangingPunct="1">
+      <a:defRPr sz="1200" kern="1200">
+        <a:solidFill>
+          <a:schemeClr val="tx1"/>
+        </a:solidFill>
+        <a:latin typeface="+mn-lt"/>
+        <a:ea typeface="+mn-ea"/>
+        <a:cs typeface="+mn-cs"/>
+      </a:defRPr>
+    </a:lvl7pPr>
+    <a:lvl8pPr marL="3200400" algn="l" defTabSz="457200" rtl="0" eaLnBrk="1" latinLnBrk="0" hangingPunct="1">
+      <a:defRPr sz="1200" kern="1200">
+        <a:solidFill>
+          <a:schemeClr val="tx1"/>
+        </a:solidFill>
+        <a:latin typeface="+mn-lt"/>
+        <a:ea typeface="+mn-ea"/>
+        <a:cs typeface="+mn-cs"/>
+      </a:defRPr>
+    </a:lvl8pPr>
+    <a:lvl9pPr marL="3657600" algn="l" defTabSz="457200" rtl="0" eaLnBrk="1" latinLnBrk="0" hangingPunct="1">
+      <a:defRPr sz="1200" kern="1200">
+        <a:solidFill>
+          <a:schemeClr val="tx1"/>
+        </a:solidFill>
+        <a:latin typeface="+mn-lt"/>
+        <a:ea typeface="+mn-ea"/>
+        <a:cs typeface="+mn-cs"/>
+      </a:defRPr>
+    </a:lvl9pPr>
+  </p:notesStyle>
+</p:notesMaster>
+</file>
+
+<file path=ppt/notesSlides/notesSlide1.xml><?xml version="1.0" encoding="utf-8"?>
+<p:notes xmlns:a="http://schemas.openxmlformats.org/drawingml/2006/main" xmlns:r="http://schemas.openxmlformats.org/officeDocument/2006/relationships" xmlns:p="http://schemas.openxmlformats.org/presentationml/2006/main">
+  <p:cSld>
+    <p:spTree>
+      <p:nvGrpSpPr>
+        <p:cNvPr id="1" name=""/>
+        <p:cNvGrpSpPr/>
+        <p:nvPr/>
+      </p:nvGrpSpPr>
+      <p:grpSpPr>
+        <a:xfrm>
+          <a:off x="0" y="0"/>
+          <a:ext cx="0" cy="0"/>
+          <a:chOff x="0" y="0"/>
+          <a:chExt cx="0" cy="0"/>
+        </a:xfrm>
+      </p:grpSpPr>
+      <p:sp>
+        <p:nvSpPr>
+          <p:cNvPr id="2" name="Slide Image Placeholder 1"/>
+          <p:cNvSpPr>
+            <a:spLocks noGrp="1" noRot="1" noChangeAspect="1"/>
+          </p:cNvSpPr>
+          <p:nvPr>
+            <p:ph type="sldImg"/>
+          </p:nvPr>
+        </p:nvSpPr>
+        <p:spPr/>
+      </p:sp>
+      <p:sp>
+        <p:nvSpPr>
+          <p:cNvPr id="3" name="Notes Placeholder 2"/>
+          <p:cNvSpPr>
+            <a:spLocks noGrp="1"/>
+          </p:cNvSpPr>
+          <p:nvPr>
+            <p:ph type="body" idx="1"/>
+          </p:nvPr>
+        </p:nvSpPr>
+        <p:spPr/>
+        <p:txBody>
+          <a:bodyPr/>
+          <a:lstStyle/>
+          <a:p>
+            <a:r>
+              <a:rPr lang="en-US" dirty="0" smtClean="0"/>
+              <a:t>Apps change because</a:t>
+            </a:r>
+            <a:r>
+              <a:rPr lang="en-US" baseline="0" dirty="0" smtClean="0"/>
+              <a:t> their requirement change.</a:t>
+            </a:r>
+          </a:p>
+        </p:txBody>
+      </p:sp>
+      <p:sp>
+        <p:nvSpPr>
+          <p:cNvPr id="4" name="Slide Number Placeholder 3"/>
+          <p:cNvSpPr>
+            <a:spLocks noGrp="1"/>
+          </p:cNvSpPr>
+          <p:nvPr>
+            <p:ph type="sldNum" sz="quarter" idx="10"/>
+          </p:nvPr>
+        </p:nvSpPr>
+        <p:spPr/>
+        <p:txBody>
+          <a:bodyPr/>
+          <a:lstStyle/>
+          <a:p>
+            <a:fld id="{5B0F0E0A-5925-EE41-9E85-45EE46DBCCF5}" type="slidenum">
+              <a:rPr lang="en-US" smtClean="0"/>
+              <a:t>4</a:t>
+            </a:fld>
+            <a:endParaRPr lang="en-US"/>
+          </a:p>
+        </p:txBody>
+      </p:sp>
+    </p:spTree>
+    <p:extLst>
+      <p:ext uri="{BB962C8B-B14F-4D97-AF65-F5344CB8AC3E}">
+        <p14:creationId xmlns:p14="http://schemas.microsoft.com/office/powerpoint/2010/main" val="1334017850"/>
+      </p:ext>
+    </p:extLst>
+  </p:cSld>
+  <p:clrMapOvr>
+    <a:masterClrMapping/>
+  </p:clrMapOvr>
+</p:notes>
+</file>
+
+<file path=ppt/notesSlides/notesSlide2.xml><?xml version="1.0" encoding="utf-8"?>
+<p:notes xmlns:a="http://schemas.openxmlformats.org/drawingml/2006/main" xmlns:r="http://schemas.openxmlformats.org/officeDocument/2006/relationships" xmlns:p="http://schemas.openxmlformats.org/presentationml/2006/main">
+  <p:cSld>
+    <p:spTree>
+      <p:nvGrpSpPr>
+        <p:cNvPr id="1" name=""/>
+        <p:cNvGrpSpPr/>
+        <p:nvPr/>
+      </p:nvGrpSpPr>
+      <p:grpSpPr>
+        <a:xfrm>
+          <a:off x="0" y="0"/>
+          <a:ext cx="0" cy="0"/>
+          <a:chOff x="0" y="0"/>
+          <a:chExt cx="0" cy="0"/>
+        </a:xfrm>
+      </p:grpSpPr>
+      <p:sp>
+        <p:nvSpPr>
+          <p:cNvPr id="2" name="Slide Image Placeholder 1"/>
+          <p:cNvSpPr>
+            <a:spLocks noGrp="1" noRot="1" noChangeAspect="1"/>
+          </p:cNvSpPr>
+          <p:nvPr>
+            <p:ph type="sldImg"/>
+          </p:nvPr>
+        </p:nvSpPr>
+        <p:spPr/>
+      </p:sp>
+      <p:sp>
+        <p:nvSpPr>
+          <p:cNvPr id="3" name="Notes Placeholder 2"/>
+          <p:cNvSpPr>
+            <a:spLocks noGrp="1"/>
+          </p:cNvSpPr>
+          <p:nvPr>
+            <p:ph type="body" idx="1"/>
+          </p:nvPr>
+        </p:nvSpPr>
+        <p:spPr/>
+        <p:txBody>
+          <a:bodyPr/>
+          <a:lstStyle/>
+          <a:p>
+            <a:r>
+              <a:rPr lang="en-US" dirty="0" smtClean="0"/>
+              <a:t>This is why you should pay attention to</a:t>
+            </a:r>
+            <a:r>
+              <a:rPr lang="en-US" baseline="0" dirty="0" smtClean="0"/>
+              <a:t> design, it pays off in the long run.</a:t>
+            </a:r>
+          </a:p>
+          <a:p>
+            <a:endParaRPr lang="en-US" baseline="0" dirty="0" smtClean="0"/>
+          </a:p>
+          <a:p>
+            <a:r>
+              <a:rPr lang="en-US" baseline="0" dirty="0" smtClean="0"/>
+              <a:t>So if you feel like your app is going to not be around that long then you can stop listening.</a:t>
+            </a:r>
+            <a:endParaRPr lang="en-US" dirty="0"/>
+          </a:p>
+        </p:txBody>
+      </p:sp>
+      <p:sp>
+        <p:nvSpPr>
+          <p:cNvPr id="4" name="Slide Number Placeholder 3"/>
+          <p:cNvSpPr>
+            <a:spLocks noGrp="1"/>
+          </p:cNvSpPr>
+          <p:nvPr>
+            <p:ph type="sldNum" sz="quarter" idx="10"/>
+          </p:nvPr>
+        </p:nvSpPr>
+        <p:spPr/>
+        <p:txBody>
+          <a:bodyPr/>
+          <a:lstStyle/>
+          <a:p>
+            <a:fld id="{5B0F0E0A-5925-EE41-9E85-45EE46DBCCF5}" type="slidenum">
+              <a:rPr lang="en-US" smtClean="0"/>
+              <a:t>14</a:t>
+            </a:fld>
+            <a:endParaRPr lang="en-US"/>
+          </a:p>
+        </p:txBody>
+      </p:sp>
+    </p:spTree>
+    <p:extLst>
+      <p:ext uri="{BB962C8B-B14F-4D97-AF65-F5344CB8AC3E}">
+        <p14:creationId xmlns:p14="http://schemas.microsoft.com/office/powerpoint/2010/main" val="2346602537"/>
+      </p:ext>
+    </p:extLst>
+  </p:cSld>
+  <p:clrMapOvr>
+    <a:masterClrMapping/>
+  </p:clrMapOvr>
+</p:notes>
+</file>
+
+<file path=ppt/notesSlides/notesSlide3.xml><?xml version="1.0" encoding="utf-8"?>
+<p:notes xmlns:a="http://schemas.openxmlformats.org/drawingml/2006/main" xmlns:r="http://schemas.openxmlformats.org/officeDocument/2006/relationships" xmlns:p="http://schemas.openxmlformats.org/presentationml/2006/main">
+  <p:cSld>
+    <p:spTree>
+      <p:nvGrpSpPr>
+        <p:cNvPr id="1" name=""/>
+        <p:cNvGrpSpPr/>
+        <p:nvPr/>
+      </p:nvGrpSpPr>
+      <p:grpSpPr>
+        <a:xfrm>
+          <a:off x="0" y="0"/>
+          <a:ext cx="0" cy="0"/>
+          <a:chOff x="0" y="0"/>
+          <a:chExt cx="0" cy="0"/>
+        </a:xfrm>
+      </p:grpSpPr>
+      <p:sp>
+        <p:nvSpPr>
+          <p:cNvPr id="2" name="Slide Image Placeholder 1"/>
+          <p:cNvSpPr>
+            <a:spLocks noGrp="1" noRot="1" noChangeAspect="1"/>
+          </p:cNvSpPr>
+          <p:nvPr>
+            <p:ph type="sldImg"/>
+          </p:nvPr>
+        </p:nvSpPr>
+        <p:spPr/>
+      </p:sp>
+      <p:sp>
+        <p:nvSpPr>
+          <p:cNvPr id="3" name="Notes Placeholder 2"/>
+          <p:cNvSpPr>
+            <a:spLocks noGrp="1"/>
+          </p:cNvSpPr>
+          <p:nvPr>
+            <p:ph type="body" idx="1"/>
+          </p:nvPr>
+        </p:nvSpPr>
+        <p:spPr/>
+        <p:txBody>
+          <a:bodyPr/>
+          <a:lstStyle/>
+          <a:p>
+            <a:r>
+              <a:rPr lang="en-US" dirty="0" smtClean="0"/>
+              <a:t>Show file_processor2.rb and</a:t>
+            </a:r>
+            <a:r>
+              <a:rPr lang="en-US" baseline="0" dirty="0" smtClean="0"/>
+              <a:t> file_processor2a.rb.</a:t>
+            </a:r>
+          </a:p>
+        </p:txBody>
+      </p:sp>
+      <p:sp>
+        <p:nvSpPr>
+          <p:cNvPr id="4" name="Slide Number Placeholder 3"/>
+          <p:cNvSpPr>
+            <a:spLocks noGrp="1"/>
+          </p:cNvSpPr>
+          <p:nvPr>
+            <p:ph type="sldNum" sz="quarter" idx="10"/>
+          </p:nvPr>
+        </p:nvSpPr>
+        <p:spPr/>
+        <p:txBody>
+          <a:bodyPr/>
+          <a:lstStyle/>
+          <a:p>
+            <a:fld id="{5B0F0E0A-5925-EE41-9E85-45EE46DBCCF5}" type="slidenum">
+              <a:rPr lang="en-US" smtClean="0"/>
+              <a:t>16</a:t>
+            </a:fld>
+            <a:endParaRPr lang="en-US"/>
+          </a:p>
+        </p:txBody>
+      </p:sp>
+    </p:spTree>
+    <p:extLst>
+      <p:ext uri="{BB962C8B-B14F-4D97-AF65-F5344CB8AC3E}">
+        <p14:creationId xmlns:p14="http://schemas.microsoft.com/office/powerpoint/2010/main" val="3512732652"/>
+      </p:ext>
+    </p:extLst>
+  </p:cSld>
+  <p:clrMapOvr>
+    <a:masterClrMapping/>
+  </p:clrMapOvr>
+</p:notes>
+</file>
+
+<file path=ppt/notesSlides/notesSlide4.xml><?xml version="1.0" encoding="utf-8"?>
+<p:notes xmlns:a="http://schemas.openxmlformats.org/drawingml/2006/main" xmlns:r="http://schemas.openxmlformats.org/officeDocument/2006/relationships" xmlns:p="http://schemas.openxmlformats.org/presentationml/2006/main">
+  <p:cSld>
+    <p:spTree>
+      <p:nvGrpSpPr>
+        <p:cNvPr id="1" name=""/>
+        <p:cNvGrpSpPr/>
+        <p:nvPr/>
+      </p:nvGrpSpPr>
+      <p:grpSpPr>
+        <a:xfrm>
+          <a:off x="0" y="0"/>
+          <a:ext cx="0" cy="0"/>
+          <a:chOff x="0" y="0"/>
+          <a:chExt cx="0" cy="0"/>
+        </a:xfrm>
+      </p:grpSpPr>
+      <p:sp>
+        <p:nvSpPr>
+          <p:cNvPr id="2" name="Slide Image Placeholder 1"/>
+          <p:cNvSpPr>
+            <a:spLocks noGrp="1" noRot="1" noChangeAspect="1"/>
+          </p:cNvSpPr>
+          <p:nvPr>
+            <p:ph type="sldImg"/>
+          </p:nvPr>
+        </p:nvSpPr>
+        <p:spPr/>
+      </p:sp>
+      <p:sp>
+        <p:nvSpPr>
+          <p:cNvPr id="3" name="Notes Placeholder 2"/>
+          <p:cNvSpPr>
+            <a:spLocks noGrp="1"/>
+          </p:cNvSpPr>
+          <p:nvPr>
+            <p:ph type="body" idx="1"/>
+          </p:nvPr>
+        </p:nvSpPr>
+        <p:spPr/>
+        <p:txBody>
+          <a:bodyPr/>
+          <a:lstStyle/>
+          <a:p>
+            <a:endParaRPr lang="en-US" dirty="0"/>
+          </a:p>
+        </p:txBody>
+      </p:sp>
+      <p:sp>
+        <p:nvSpPr>
+          <p:cNvPr id="4" name="Slide Number Placeholder 3"/>
+          <p:cNvSpPr>
+            <a:spLocks noGrp="1"/>
+          </p:cNvSpPr>
+          <p:nvPr>
+            <p:ph type="sldNum" sz="quarter" idx="10"/>
+          </p:nvPr>
+        </p:nvSpPr>
+        <p:spPr/>
+        <p:txBody>
+          <a:bodyPr/>
+          <a:lstStyle/>
+          <a:p>
+            <a:fld id="{5B0F0E0A-5925-EE41-9E85-45EE46DBCCF5}" type="slidenum">
+              <a:rPr lang="en-US" smtClean="0"/>
+              <a:t>17</a:t>
+            </a:fld>
+            <a:endParaRPr lang="en-US"/>
+          </a:p>
+        </p:txBody>
+      </p:sp>
+    </p:spTree>
+    <p:extLst>
+      <p:ext uri="{BB962C8B-B14F-4D97-AF65-F5344CB8AC3E}">
+        <p14:creationId xmlns:p14="http://schemas.microsoft.com/office/powerpoint/2010/main" val="2402981392"/>
+      </p:ext>
+    </p:extLst>
+  </p:cSld>
+  <p:clrMapOvr>
+    <a:masterClrMapping/>
+  </p:clrMapOvr>
+</p:notes>
 </file>
 
 <file path=ppt/slideLayouts/slideLayout1.xml><?xml version="1.0" encoding="utf-8"?>
@@ -3268,16 +3990,8 @@
 </file>
 
 <file path=ppt/slides/slide10.xml><?xml version="1.0" encoding="utf-8"?>
-<p:sld xmlns:a="http://schemas.openxmlformats.org/drawingml/2006/main" xmlns:r="http://schemas.openxmlformats.org/officeDocument/2006/relationships" xmlns:p="http://schemas.openxmlformats.org/presentationml/2006/main">
+<p:sld xmlns:a="http://schemas.openxmlformats.org/drawingml/2006/main" xmlns:r="http://schemas.openxmlformats.org/officeDocument/2006/relationships" xmlns:p="http://schemas.openxmlformats.org/presentationml/2006/main" show="0">
   <p:cSld>
-    <p:bg>
-      <p:bgPr>
-        <a:solidFill>
-          <a:schemeClr val="tx1"/>
-        </a:solidFill>
-        <a:effectLst/>
-      </p:bgPr>
-    </p:bg>
     <p:spTree>
       <p:nvGrpSpPr>
         <p:cNvPr id="1" name=""/>
@@ -3304,75 +4018,72 @@
         </p:nvSpPr>
         <p:spPr>
           <a:xfrm>
-            <a:off x="457200" y="5519624"/>
-            <a:ext cx="8229600" cy="645869"/>
+            <a:off x="457200" y="2843946"/>
+            <a:ext cx="8229600" cy="1143000"/>
           </a:xfrm>
         </p:spPr>
         <p:txBody>
           <a:bodyPr>
-            <a:noAutofit/>
+            <a:normAutofit fontScale="90000"/>
           </a:bodyPr>
           <a:lstStyle/>
           <a:p>
-            <a:r>
-              <a:rPr lang="en-US" sz="2400" dirty="0">
-                <a:solidFill>
-                  <a:schemeClr val="bg1"/>
-                </a:solidFill>
-              </a:rPr>
-              <a:t>http://</a:t>
-            </a:r>
-            <a:r>
-              <a:rPr lang="en-US" sz="2400" dirty="0" err="1">
-                <a:solidFill>
-                  <a:schemeClr val="bg1"/>
-                </a:solidFill>
-              </a:rPr>
-              <a:t>martinfowler.com</a:t>
-            </a:r>
-            <a:r>
-              <a:rPr lang="en-US" sz="2400" dirty="0">
-                <a:solidFill>
-                  <a:schemeClr val="bg1"/>
-                </a:solidFill>
-              </a:rPr>
-              <a:t>/</a:t>
-            </a:r>
-            <a:r>
-              <a:rPr lang="en-US" sz="2400" dirty="0" err="1" smtClean="0">
-                <a:solidFill>
-                  <a:schemeClr val="bg1"/>
-                </a:solidFill>
-              </a:rPr>
-              <a:t>bliki</a:t>
-            </a:r>
-            <a:r>
-              <a:rPr lang="en-US" sz="2400" dirty="0" smtClean="0">
-                <a:solidFill>
-                  <a:schemeClr val="bg1"/>
-                </a:solidFill>
-              </a:rPr>
-              <a:t>/</a:t>
-            </a:r>
-            <a:r>
-              <a:rPr lang="en-US" sz="2400" dirty="0" err="1" smtClean="0">
-                <a:solidFill>
-                  <a:schemeClr val="bg1"/>
-                </a:solidFill>
-              </a:rPr>
-              <a:t>DesignStaminaHypothesis.html</a:t>
-            </a:r>
-            <a:endParaRPr lang="en-US" sz="2400" dirty="0">
-              <a:solidFill>
-                <a:schemeClr val="bg1"/>
-              </a:solidFill>
-            </a:endParaRPr>
-          </a:p>
-        </p:txBody>
-      </p:sp>
+            <a:pPr algn="l"/>
+            <a:r>
+              <a:rPr lang="en-US" dirty="0"/>
+              <a:t>How do you measure the design of your application?</a:t>
+            </a:r>
+          </a:p>
+        </p:txBody>
+      </p:sp>
+    </p:spTree>
+    <p:extLst>
+      <p:ext uri="{BB962C8B-B14F-4D97-AF65-F5344CB8AC3E}">
+        <p14:creationId xmlns:p14="http://schemas.microsoft.com/office/powerpoint/2010/main" val="3808431009"/>
+      </p:ext>
+    </p:extLst>
+  </p:cSld>
+  <p:clrMapOvr>
+    <a:masterClrMapping/>
+  </p:clrMapOvr>
+  <mc:AlternateContent xmlns:mc="http://schemas.openxmlformats.org/markup-compatibility/2006">
+    <mc:Choice xmlns:p14="http://schemas.microsoft.com/office/powerpoint/2010/main" Requires="p14">
+      <p:transition spd="slow" p14:dur="2000"/>
+    </mc:Choice>
+    <mc:Fallback>
+      <p:transition xmlns:p14="http://schemas.microsoft.com/office/powerpoint/2010/main" spd="slow"/>
+    </mc:Fallback>
+  </mc:AlternateContent>
+  <p:timing>
+    <p:tnLst>
+      <p:par>
+        <p:cTn xmlns:p14="http://schemas.microsoft.com/office/powerpoint/2010/main" id="1" dur="indefinite" restart="never" nodeType="tmRoot"/>
+      </p:par>
+    </p:tnLst>
+  </p:timing>
+</p:sld>
+</file>
+
+<file path=ppt/slides/slide11.xml><?xml version="1.0" encoding="utf-8"?>
+<p:sld xmlns:a="http://schemas.openxmlformats.org/drawingml/2006/main" xmlns:r="http://schemas.openxmlformats.org/officeDocument/2006/relationships" xmlns:p="http://schemas.openxmlformats.org/presentationml/2006/main" show="0">
+  <p:cSld>
+    <p:spTree>
+      <p:nvGrpSpPr>
+        <p:cNvPr id="1" name=""/>
+        <p:cNvGrpSpPr/>
+        <p:nvPr/>
+      </p:nvGrpSpPr>
+      <p:grpSpPr>
+        <a:xfrm>
+          <a:off x="0" y="0"/>
+          <a:ext cx="0" cy="0"/>
+          <a:chOff x="0" y="0"/>
+          <a:chExt cx="0" cy="0"/>
+        </a:xfrm>
+      </p:grpSpPr>
       <p:pic>
         <p:nvPicPr>
-          <p:cNvPr id="3" name="Picture 2" descr="designStaminaGraph.gif"/>
+          <p:cNvPr id="3" name="Picture 2" descr="bonds.jpg"/>
           <p:cNvPicPr>
             <a:picLocks noChangeAspect="1"/>
           </p:cNvPicPr>
@@ -3392,24 +4103,68 @@
         </p:blipFill>
         <p:spPr>
           <a:xfrm>
-            <a:off x="275856" y="566627"/>
-            <a:ext cx="8350371" cy="4445425"/>
+            <a:off x="0" y="0"/>
+            <a:ext cx="9144000" cy="9144000"/>
           </a:xfrm>
           <a:prstGeom prst="rect">
             <a:avLst/>
           </a:prstGeom>
         </p:spPr>
       </p:pic>
+      <p:sp>
+        <p:nvSpPr>
+          <p:cNvPr id="4" name="TextBox 3"/>
+          <p:cNvSpPr txBox="1"/>
+          <p:nvPr/>
+        </p:nvSpPr>
+        <p:spPr>
+          <a:xfrm>
+            <a:off x="0" y="4708770"/>
+            <a:ext cx="9144000" cy="707886"/>
+          </a:xfrm>
+          <a:prstGeom prst="rect">
+            <a:avLst/>
+          </a:prstGeom>
+          <a:solidFill>
+            <a:schemeClr val="bg1"/>
+          </a:solidFill>
+        </p:spPr>
+        <p:txBody>
+          <a:bodyPr wrap="square" rtlCol="0">
+            <a:spAutoFit/>
+          </a:bodyPr>
+          <a:lstStyle/>
+          <a:p>
+            <a:r>
+              <a:rPr lang="en-US" sz="4000" dirty="0"/>
+              <a:t>The interactions between classes </a:t>
+            </a:r>
+            <a:r>
+              <a:rPr lang="en-US" sz="4000" baseline="30000" dirty="0" smtClean="0"/>
+              <a:t>(2)</a:t>
+            </a:r>
+            <a:endParaRPr lang="en-US" sz="4000" baseline="30000" dirty="0"/>
+          </a:p>
+        </p:txBody>
+      </p:sp>
     </p:spTree>
     <p:extLst>
       <p:ext uri="{BB962C8B-B14F-4D97-AF65-F5344CB8AC3E}">
-        <p14:creationId xmlns:p14="http://schemas.microsoft.com/office/powerpoint/2010/main" val="2640619494"/>
+        <p14:creationId xmlns:p14="http://schemas.microsoft.com/office/powerpoint/2010/main" val="3306007938"/>
       </p:ext>
     </p:extLst>
   </p:cSld>
   <p:clrMapOvr>
     <a:masterClrMapping/>
   </p:clrMapOvr>
+  <mc:AlternateContent xmlns:mc="http://schemas.openxmlformats.org/markup-compatibility/2006">
+    <mc:Choice xmlns:p14="http://schemas.microsoft.com/office/powerpoint/2010/main" Requires="p14">
+      <p:transition spd="slow" p14:dur="2000"/>
+    </mc:Choice>
+    <mc:Fallback>
+      <p:transition xmlns:p14="http://schemas.microsoft.com/office/powerpoint/2010/main" spd="slow"/>
+    </mc:Fallback>
+  </mc:AlternateContent>
   <p:timing>
     <p:tnLst>
       <p:par>
@@ -3420,7 +4175,7 @@
 </p:sld>
 </file>
 
-<file path=ppt/slides/slide11.xml><?xml version="1.0" encoding="utf-8"?>
+<file path=ppt/slides/slide12.xml><?xml version="1.0" encoding="utf-8"?>
 <p:sld xmlns:a="http://schemas.openxmlformats.org/drawingml/2006/main" xmlns:r="http://schemas.openxmlformats.org/officeDocument/2006/relationships" xmlns:p="http://schemas.openxmlformats.org/presentationml/2006/main">
   <p:cSld>
     <p:spTree>
@@ -3518,7 +4273,7 @@
 </p:sld>
 </file>
 
-<file path=ppt/slides/slide12.xml><?xml version="1.0" encoding="utf-8"?>
+<file path=ppt/slides/slide13.xml><?xml version="1.0" encoding="utf-8"?>
 <p:sld xmlns:a="http://schemas.openxmlformats.org/drawingml/2006/main" xmlns:r="http://schemas.openxmlformats.org/officeDocument/2006/relationships" xmlns:p="http://schemas.openxmlformats.org/presentationml/2006/main">
   <p:cSld>
     <p:spTree>
@@ -3575,12 +4330,27 @@
   <p:clrMapOvr>
     <a:masterClrMapping/>
   </p:clrMapOvr>
+  <p:timing>
+    <p:tnLst>
+      <p:par>
+        <p:cTn xmlns:p14="http://schemas.microsoft.com/office/powerpoint/2010/main" id="1" dur="indefinite" restart="never" nodeType="tmRoot"/>
+      </p:par>
+    </p:tnLst>
+  </p:timing>
 </p:sld>
 </file>
 
-<file path=ppt/slides/slide13.xml><?xml version="1.0" encoding="utf-8"?>
+<file path=ppt/slides/slide14.xml><?xml version="1.0" encoding="utf-8"?>
 <p:sld xmlns:a="http://schemas.openxmlformats.org/drawingml/2006/main" xmlns:r="http://schemas.openxmlformats.org/officeDocument/2006/relationships" xmlns:p="http://schemas.openxmlformats.org/presentationml/2006/main">
   <p:cSld>
+    <p:bg>
+      <p:bgPr>
+        <a:solidFill>
+          <a:schemeClr val="tx1"/>
+        </a:solidFill>
+        <a:effectLst/>
+      </p:bgPr>
+    </p:bg>
     <p:spTree>
       <p:nvGrpSpPr>
         <p:cNvPr id="1" name=""/>
@@ -3607,71 +4377,82 @@
         </p:nvSpPr>
         <p:spPr>
           <a:xfrm>
-            <a:off x="457200" y="2843946"/>
-            <a:ext cx="8229600" cy="1143000"/>
+            <a:off x="457200" y="5519624"/>
+            <a:ext cx="8229600" cy="645869"/>
           </a:xfrm>
         </p:spPr>
         <p:txBody>
           <a:bodyPr>
-            <a:normAutofit fontScale="90000"/>
+            <a:noAutofit/>
           </a:bodyPr>
           <a:lstStyle/>
           <a:p>
-            <a:pPr algn="l"/>
-            <a:r>
-              <a:rPr lang="en-US" dirty="0"/>
-              <a:t>How do you measure the design of your application?</a:t>
-            </a:r>
-          </a:p>
-        </p:txBody>
-      </p:sp>
-    </p:spTree>
-    <p:extLst>
-      <p:ext uri="{BB962C8B-B14F-4D97-AF65-F5344CB8AC3E}">
-        <p14:creationId xmlns:p14="http://schemas.microsoft.com/office/powerpoint/2010/main" val="3808431009"/>
-      </p:ext>
-    </p:extLst>
-  </p:cSld>
-  <p:clrMapOvr>
-    <a:masterClrMapping/>
-  </p:clrMapOvr>
-  <p:timing>
-    <p:tnLst>
-      <p:par>
-        <p:cTn xmlns:p14="http://schemas.microsoft.com/office/powerpoint/2010/main" id="1" dur="indefinite" restart="never" nodeType="tmRoot"/>
-      </p:par>
-    </p:tnLst>
-  </p:timing>
-</p:sld>
-</file>
-
-<file path=ppt/slides/slide14.xml><?xml version="1.0" encoding="utf-8"?>
-<p:sld xmlns:a="http://schemas.openxmlformats.org/drawingml/2006/main" xmlns:r="http://schemas.openxmlformats.org/officeDocument/2006/relationships" xmlns:p="http://schemas.openxmlformats.org/presentationml/2006/main">
-  <p:cSld>
-    <p:spTree>
-      <p:nvGrpSpPr>
-        <p:cNvPr id="1" name=""/>
-        <p:cNvGrpSpPr/>
-        <p:nvPr/>
-      </p:nvGrpSpPr>
-      <p:grpSpPr>
-        <a:xfrm>
-          <a:off x="0" y="0"/>
-          <a:ext cx="0" cy="0"/>
-          <a:chOff x="0" y="0"/>
-          <a:chExt cx="0" cy="0"/>
-        </a:xfrm>
-      </p:grpSpPr>
+            <a:r>
+              <a:rPr lang="en-US" sz="2400" dirty="0">
+                <a:solidFill>
+                  <a:schemeClr val="bg1"/>
+                </a:solidFill>
+              </a:rPr>
+              <a:t>http://</a:t>
+            </a:r>
+            <a:r>
+              <a:rPr lang="en-US" sz="2400" dirty="0" err="1">
+                <a:solidFill>
+                  <a:schemeClr val="bg1"/>
+                </a:solidFill>
+              </a:rPr>
+              <a:t>martinfowler.com</a:t>
+            </a:r>
+            <a:r>
+              <a:rPr lang="en-US" sz="2400" dirty="0">
+                <a:solidFill>
+                  <a:schemeClr val="bg1"/>
+                </a:solidFill>
+              </a:rPr>
+              <a:t>/</a:t>
+            </a:r>
+            <a:r>
+              <a:rPr lang="en-US" sz="2400" dirty="0" err="1" smtClean="0">
+                <a:solidFill>
+                  <a:schemeClr val="bg1"/>
+                </a:solidFill>
+              </a:rPr>
+              <a:t>bliki</a:t>
+            </a:r>
+            <a:r>
+              <a:rPr lang="en-US" sz="2400" dirty="0" smtClean="0">
+                <a:solidFill>
+                  <a:schemeClr val="bg1"/>
+                </a:solidFill>
+              </a:rPr>
+              <a:t>/</a:t>
+            </a:r>
+            <a:r>
+              <a:rPr lang="en-US" sz="2400" dirty="0" err="1" smtClean="0">
+                <a:solidFill>
+                  <a:schemeClr val="bg1"/>
+                </a:solidFill>
+              </a:rPr>
+              <a:t>DesignStaminaHypothesis.html</a:t>
+            </a:r>
+            <a:endParaRPr lang="en-US" sz="2400" dirty="0">
+              <a:solidFill>
+                <a:schemeClr val="bg1"/>
+              </a:solidFill>
+            </a:endParaRPr>
+          </a:p>
+        </p:txBody>
+      </p:sp>
       <p:pic>
         <p:nvPicPr>
-          <p:cNvPr id="3" name="Picture 2" descr="bonds.jpg"/>
+          <p:cNvPr id="3" name="Picture 2" descr="designStaminaGraph.gif"/>
           <p:cNvPicPr>
             <a:picLocks noChangeAspect="1"/>
           </p:cNvPicPr>
           <p:nvPr/>
         </p:nvPicPr>
         <p:blipFill>
-          <a:blip r:embed="rId2">
+          <a:blip r:embed="rId3">
             <a:extLst>
               <a:ext uri="{28A0092B-C50C-407E-A947-70E740481C1C}">
                 <a14:useLocalDpi xmlns:a14="http://schemas.microsoft.com/office/drawing/2010/main" val="0"/>
@@ -3684,58 +4465,18 @@
         </p:blipFill>
         <p:spPr>
           <a:xfrm>
-            <a:off x="0" y="0"/>
-            <a:ext cx="9144000" cy="9144000"/>
+            <a:off x="275856" y="566627"/>
+            <a:ext cx="8350371" cy="4445425"/>
           </a:xfrm>
           <a:prstGeom prst="rect">
             <a:avLst/>
           </a:prstGeom>
         </p:spPr>
       </p:pic>
-      <p:sp>
-        <p:nvSpPr>
-          <p:cNvPr id="4" name="TextBox 3"/>
-          <p:cNvSpPr txBox="1"/>
-          <p:nvPr/>
-        </p:nvSpPr>
-        <p:spPr>
-          <a:xfrm>
-            <a:off x="0" y="4708770"/>
-            <a:ext cx="9144000" cy="707886"/>
-          </a:xfrm>
-          <a:prstGeom prst="rect">
-            <a:avLst/>
-          </a:prstGeom>
-          <a:solidFill>
-            <a:schemeClr val="bg1"/>
-          </a:solidFill>
-        </p:spPr>
-        <p:txBody>
-          <a:bodyPr wrap="square" rtlCol="0">
-            <a:spAutoFit/>
-          </a:bodyPr>
-          <a:lstStyle/>
-          <a:p>
-            <a:r>
-              <a:rPr lang="en-US" sz="4000" dirty="0"/>
-              <a:t>The interactions between classes </a:t>
-            </a:r>
-            <a:r>
-              <a:rPr lang="en-US" sz="4000" baseline="30000" dirty="0" smtClean="0"/>
-              <a:t>(</a:t>
-            </a:r>
-            <a:r>
-              <a:rPr lang="en-US" sz="4000" baseline="30000" dirty="0" smtClean="0"/>
-              <a:t>2)</a:t>
-            </a:r>
-            <a:endParaRPr lang="en-US" sz="4000" baseline="30000" dirty="0"/>
-          </a:p>
-        </p:txBody>
-      </p:sp>
     </p:spTree>
     <p:extLst>
       <p:ext uri="{BB962C8B-B14F-4D97-AF65-F5344CB8AC3E}">
-        <p14:creationId xmlns:p14="http://schemas.microsoft.com/office/powerpoint/2010/main" val="3306007938"/>
+        <p14:creationId xmlns:p14="http://schemas.microsoft.com/office/powerpoint/2010/main" val="2640619494"/>
       </p:ext>
     </p:extLst>
   </p:cSld>
@@ -3861,6 +4602,13 @@
   <p:clrMapOvr>
     <a:masterClrMapping/>
   </p:clrMapOvr>
+  <p:timing>
+    <p:tnLst>
+      <p:par>
+        <p:cTn xmlns:p14="http://schemas.microsoft.com/office/powerpoint/2010/main" id="1" dur="indefinite" restart="never" nodeType="tmRoot"/>
+      </p:par>
+    </p:tnLst>
+  </p:timing>
 </p:sld>
 </file>
 
@@ -3973,6 +4721,13 @@
   <p:clrMapOvr>
     <a:masterClrMapping/>
   </p:clrMapOvr>
+  <p:timing>
+    <p:tnLst>
+      <p:par>
+        <p:cTn xmlns:p14="http://schemas.microsoft.com/office/powerpoint/2010/main" id="1" dur="indefinite" restart="never" nodeType="tmRoot"/>
+      </p:par>
+    </p:tnLst>
+  </p:timing>
 </p:sld>
 </file>
 
@@ -4003,11 +4758,17 @@
             <p:ph type="title"/>
           </p:nvPr>
         </p:nvSpPr>
-        <p:spPr/>
+        <p:spPr>
+          <a:xfrm>
+            <a:off x="457200" y="1661869"/>
+            <a:ext cx="8229600" cy="1143000"/>
+          </a:xfrm>
+        </p:spPr>
         <p:txBody>
           <a:bodyPr/>
           <a:lstStyle/>
           <a:p>
+            <a:pPr algn="l"/>
             <a:r>
               <a:rPr lang="en-US" dirty="0" smtClean="0"/>
               <a:t>What is the difference?</a:t>
@@ -4024,8 +4785,8 @@
         </p:nvSpPr>
         <p:spPr>
           <a:xfrm>
-            <a:off x="1524000" y="2061308"/>
-            <a:ext cx="5519615" cy="923330"/>
+            <a:off x="457200" y="2775562"/>
+            <a:ext cx="8229600" cy="2554545"/>
           </a:xfrm>
           <a:prstGeom prst="rect">
             <a:avLst/>
@@ -4043,8 +4804,28 @@
               <a:buAutoNum type="arabicPeriod"/>
             </a:pPr>
             <a:r>
-              <a:rPr lang="en-US" dirty="0" smtClean="0"/>
-              <a:t>Each class is responsible for one thing.</a:t>
+              <a:rPr lang="en-US" sz="3200" dirty="0" err="1" smtClean="0"/>
+              <a:t>FileProcessor</a:t>
+            </a:r>
+            <a:r>
+              <a:rPr lang="en-US" sz="3200" dirty="0" smtClean="0"/>
+              <a:t> </a:t>
+            </a:r>
+            <a:r>
+              <a:rPr lang="en-US" sz="3200" dirty="0" smtClean="0"/>
+              <a:t>is </a:t>
+            </a:r>
+            <a:r>
+              <a:rPr lang="en-US" sz="3200" dirty="0" smtClean="0"/>
+              <a:t>no longer responsible </a:t>
+            </a:r>
+            <a:r>
+              <a:rPr lang="en-US" sz="3200" dirty="0" smtClean="0"/>
+              <a:t>for </a:t>
+            </a:r>
+            <a:r>
+              <a:rPr lang="en-US" sz="3200" dirty="0" smtClean="0"/>
+              <a:t>file processing.</a:t>
             </a:r>
           </a:p>
           <a:p>
@@ -4053,13 +4834,40 @@
               <a:buAutoNum type="arabicPeriod"/>
             </a:pPr>
             <a:r>
-              <a:rPr lang="en-US" dirty="0" err="1" smtClean="0"/>
+              <a:rPr lang="en-US" sz="3200" dirty="0" err="1" smtClean="0"/>
               <a:t>FileProcessor</a:t>
             </a:r>
             <a:r>
-              <a:rPr lang="en-US" dirty="0" smtClean="0"/>
-              <a:t> can be augmented without changing the class.</a:t>
-            </a:r>
+              <a:rPr lang="en-US" sz="3200" dirty="0" smtClean="0"/>
+              <a:t> </a:t>
+            </a:r>
+            <a:r>
+              <a:rPr lang="en-US" sz="3200" dirty="0" smtClean="0"/>
+              <a:t>can </a:t>
+            </a:r>
+            <a:r>
+              <a:rPr lang="en-US" sz="3200" dirty="0" smtClean="0"/>
+              <a:t>parse new file types </a:t>
+            </a:r>
+            <a:r>
+              <a:rPr lang="en-US" sz="3200" dirty="0" smtClean="0"/>
+              <a:t>without changing the class</a:t>
+            </a:r>
+            <a:r>
+              <a:rPr lang="en-US" sz="3200" dirty="0" smtClean="0"/>
+              <a:t>.</a:t>
+            </a:r>
+          </a:p>
+          <a:p>
+            <a:pPr marL="342900" indent="-342900">
+              <a:buFont typeface="+mj-lt"/>
+              <a:buAutoNum type="arabicPeriod"/>
+            </a:pPr>
+            <a:r>
+              <a:rPr lang="en-US" sz="3200" dirty="0" smtClean="0"/>
+              <a:t>Testing of parsing can be done in isolation.</a:t>
+            </a:r>
+            <a:endParaRPr lang="en-US" sz="3200" dirty="0" smtClean="0"/>
           </a:p>
         </p:txBody>
       </p:sp>
@@ -4073,6 +4881,85 @@
   <p:clrMapOvr>
     <a:masterClrMapping/>
   </p:clrMapOvr>
+  <p:timing>
+    <p:tnLst>
+      <p:par>
+        <p:cTn xmlns:p14="http://schemas.microsoft.com/office/powerpoint/2010/main" id="1" dur="indefinite" restart="never" nodeType="tmRoot">
+          <p:childTnLst>
+            <p:seq concurrent="1" nextAc="seek">
+              <p:cTn id="2" dur="indefinite" nodeType="mainSeq">
+                <p:childTnLst>
+                  <p:par>
+                    <p:cTn id="3" fill="hold">
+                      <p:stCondLst>
+                        <p:cond delay="indefinite"/>
+                      </p:stCondLst>
+                      <p:childTnLst>
+                        <p:par>
+                          <p:cTn id="4" fill="hold">
+                            <p:stCondLst>
+                              <p:cond delay="0"/>
+                            </p:stCondLst>
+                            <p:childTnLst>
+                              <p:par>
+                                <p:cTn id="5" presetID="1" presetClass="entr" presetSubtype="0" fill="hold" nodeType="clickEffect">
+                                  <p:stCondLst>
+                                    <p:cond delay="0"/>
+                                  </p:stCondLst>
+                                  <p:childTnLst>
+                                    <p:set>
+                                      <p:cBhvr>
+                                        <p:cTn id="6" dur="1" fill="hold">
+                                          <p:stCondLst>
+                                            <p:cond delay="0"/>
+                                          </p:stCondLst>
+                                        </p:cTn>
+                                        <p:tgtEl>
+                                          <p:spTgt spid="3">
+                                            <p:txEl>
+                                              <p:pRg st="0" end="0"/>
+                                            </p:txEl>
+                                          </p:spTgt>
+                                        </p:tgtEl>
+                                        <p:attrNameLst>
+                                          <p:attrName>style.visibility</p:attrName>
+                                        </p:attrNameLst>
+                                      </p:cBhvr>
+                                      <p:to>
+                                        <p:strVal val="visible"/>
+                                      </p:to>
+                                    </p:set>
+                                  </p:childTnLst>
+                                </p:cTn>
+                              </p:par>
+                            </p:childTnLst>
+                          </p:cTn>
+                        </p:par>
+                      </p:childTnLst>
+                    </p:cTn>
+                  </p:par>
+                </p:childTnLst>
+              </p:cTn>
+              <p:prevCondLst>
+                <p:cond evt="onPrev" delay="0">
+                  <p:tgtEl>
+                    <p:sldTgt/>
+                  </p:tgtEl>
+                </p:cond>
+              </p:prevCondLst>
+              <p:nextCondLst>
+                <p:cond evt="onNext" delay="0">
+                  <p:tgtEl>
+                    <p:sldTgt/>
+                  </p:tgtEl>
+                </p:cond>
+              </p:nextCondLst>
+            </p:seq>
+          </p:childTnLst>
+        </p:cTn>
+      </p:par>
+    </p:tnLst>
+  </p:timing>
 </p:sld>
 </file>
 
@@ -4190,6 +5077,13 @@
   <p:clrMapOvr>
     <a:masterClrMapping/>
   </p:clrMapOvr>
+  <p:timing>
+    <p:tnLst>
+      <p:par>
+        <p:cTn xmlns:p14="http://schemas.microsoft.com/office/powerpoint/2010/main" id="1" dur="indefinite" restart="never" nodeType="tmRoot"/>
+      </p:par>
+    </p:tnLst>
+  </p:timing>
 </p:sld>
 </file>
 
@@ -4220,11 +5114,17 @@
             <p:ph type="title"/>
           </p:nvPr>
         </p:nvSpPr>
-        <p:spPr/>
+        <p:spPr>
+          <a:xfrm>
+            <a:off x="457199" y="946272"/>
+            <a:ext cx="8229600" cy="920993"/>
+          </a:xfrm>
+        </p:spPr>
         <p:txBody>
           <a:bodyPr/>
           <a:lstStyle/>
           <a:p>
+            <a:pPr algn="l"/>
             <a:r>
               <a:rPr lang="en-US" dirty="0" smtClean="0"/>
               <a:t>What is the difference?</a:t>
@@ -4241,8 +5141,8 @@
         </p:nvSpPr>
         <p:spPr>
           <a:xfrm>
-            <a:off x="1211385" y="2110154"/>
-            <a:ext cx="5695461" cy="1477328"/>
+            <a:off x="457199" y="1886804"/>
+            <a:ext cx="8229599" cy="3539430"/>
           </a:xfrm>
           <a:prstGeom prst="rect">
             <a:avLst/>
@@ -4260,16 +5160,8 @@
               <a:buAutoNum type="arabicPeriod"/>
             </a:pPr>
             <a:r>
-              <a:rPr lang="en-US" dirty="0" smtClean="0"/>
-              <a:t>I can easily change how I report statuses because status reporters are </a:t>
-            </a:r>
-            <a:r>
-              <a:rPr lang="en-US" dirty="0" err="1" smtClean="0"/>
-              <a:t>interchangable</a:t>
-            </a:r>
-            <a:r>
-              <a:rPr lang="en-US" dirty="0" smtClean="0"/>
-              <a:t>.</a:t>
+              <a:rPr lang="en-US" sz="3200" dirty="0"/>
+              <a:t>Each class is responsible for one thing.</a:t>
             </a:r>
           </a:p>
           <a:p>
@@ -4278,13 +5170,22 @@
               <a:buAutoNum type="arabicPeriod"/>
             </a:pPr>
             <a:r>
-              <a:rPr lang="en-US" dirty="0" err="1" smtClean="0"/>
-              <a:t>FileProcessor</a:t>
-            </a:r>
-            <a:r>
-              <a:rPr lang="en-US" dirty="0" smtClean="0"/>
-              <a:t> depends on abstract idea of a reporter.</a:t>
-            </a:r>
+              <a:rPr lang="en-US" sz="3200" dirty="0" smtClean="0"/>
+              <a:t>Reporters </a:t>
+            </a:r>
+            <a:r>
+              <a:rPr lang="en-US" sz="3200" dirty="0" smtClean="0"/>
+              <a:t>are </a:t>
+            </a:r>
+            <a:r>
+              <a:rPr lang="en-US" sz="3200" dirty="0" smtClean="0"/>
+              <a:t>functionally interchangeable</a:t>
+            </a:r>
+            <a:r>
+              <a:rPr lang="en-US" sz="3200" dirty="0" smtClean="0"/>
+              <a:t>.</a:t>
+            </a:r>
+            <a:endParaRPr lang="en-US" sz="3200" dirty="0" smtClean="0"/>
           </a:p>
           <a:p>
             <a:pPr marL="342900" indent="-342900">
@@ -4292,18 +5193,53 @@
               <a:buAutoNum type="arabicPeriod"/>
             </a:pPr>
             <a:r>
-              <a:rPr lang="en-US" dirty="0" smtClean="0"/>
-              <a:t>Contracts between </a:t>
-            </a:r>
-            <a:r>
-              <a:rPr lang="en-US" dirty="0" err="1" smtClean="0"/>
+              <a:rPr lang="en-US" sz="3200" dirty="0" smtClean="0"/>
+              <a:t>Contracts </a:t>
+            </a:r>
+            <a:r>
+              <a:rPr lang="en-US" sz="3200" dirty="0" smtClean="0"/>
+              <a:t>between </a:t>
+            </a:r>
+            <a:r>
+              <a:rPr lang="en-US" sz="3200" dirty="0" err="1" smtClean="0"/>
               <a:t>FileReporter</a:t>
             </a:r>
             <a:r>
-              <a:rPr lang="en-US" dirty="0" smtClean="0"/>
-              <a:t> and supporting objects are small and easy to learn.</a:t>
-            </a:r>
-            <a:endParaRPr lang="en-US" dirty="0"/>
+              <a:rPr lang="en-US" sz="3200" dirty="0" smtClean="0"/>
+              <a:t> and supporting objects are small and easy to learn</a:t>
+            </a:r>
+            <a:r>
+              <a:rPr lang="en-US" sz="3200" dirty="0" smtClean="0"/>
+              <a:t>.</a:t>
+            </a:r>
+          </a:p>
+          <a:p>
+            <a:pPr marL="342900" indent="-342900">
+              <a:buFont typeface="+mj-lt"/>
+              <a:buAutoNum type="arabicPeriod"/>
+            </a:pPr>
+            <a:r>
+              <a:rPr lang="en-US" sz="3200" dirty="0" err="1"/>
+              <a:t>FileProcessor</a:t>
+            </a:r>
+            <a:r>
+              <a:rPr lang="en-US" sz="3200" dirty="0"/>
+              <a:t> depends on abstract idea of a reporter</a:t>
+            </a:r>
+            <a:r>
+              <a:rPr lang="en-US" sz="3200" dirty="0" smtClean="0"/>
+              <a:t>.</a:t>
+            </a:r>
+          </a:p>
+          <a:p>
+            <a:pPr marL="342900" indent="-342900">
+              <a:buFont typeface="+mj-lt"/>
+              <a:buAutoNum type="arabicPeriod"/>
+            </a:pPr>
+            <a:r>
+              <a:rPr lang="en-US" sz="3200" dirty="0" smtClean="0"/>
+              <a:t>Testing of reporting can be done in isolation.</a:t>
+            </a:r>
           </a:p>
         </p:txBody>
       </p:sp>
@@ -4317,6 +5253,13 @@
   <p:clrMapOvr>
     <a:masterClrMapping/>
   </p:clrMapOvr>
+  <p:timing>
+    <p:tnLst>
+      <p:par>
+        <p:cTn xmlns:p14="http://schemas.microsoft.com/office/powerpoint/2010/main" id="1" dur="indefinite" restart="never" nodeType="tmRoot"/>
+      </p:par>
+    </p:tnLst>
+  </p:timing>
 </p:sld>
 </file>
 
@@ -4535,7 +5478,15 @@
             </a:r>
             <a:r>
               <a:rPr lang="en-US" sz="3200" dirty="0" smtClean="0"/>
-              <a:t>Email, SMS or fax.</a:t>
+              <a:t>Email, SMS or </a:t>
+            </a:r>
+            <a:r>
+              <a:rPr lang="en-US" sz="3200" dirty="0" err="1" smtClean="0"/>
+              <a:t>Nagios</a:t>
+            </a:r>
+            <a:r>
+              <a:rPr lang="en-US" sz="3200" dirty="0" smtClean="0"/>
+              <a:t>.</a:t>
             </a:r>
             <a:endParaRPr lang="en-US" sz="3200" dirty="0"/>
           </a:p>
@@ -4551,10 +5502,155 @@
   <p:clrMapOvr>
     <a:masterClrMapping/>
   </p:clrMapOvr>
+  <p:timing>
+    <p:tnLst>
+      <p:par>
+        <p:cTn xmlns:p14="http://schemas.microsoft.com/office/powerpoint/2010/main" id="1" dur="indefinite" restart="never" nodeType="tmRoot"/>
+      </p:par>
+    </p:tnLst>
+  </p:timing>
 </p:sld>
 </file>
 
 <file path=ppt/slides/slide21.xml><?xml version="1.0" encoding="utf-8"?>
+<p:sld xmlns:a="http://schemas.openxmlformats.org/drawingml/2006/main" xmlns:r="http://schemas.openxmlformats.org/officeDocument/2006/relationships" xmlns:p="http://schemas.openxmlformats.org/presentationml/2006/main">
+  <p:cSld>
+    <p:spTree>
+      <p:nvGrpSpPr>
+        <p:cNvPr id="1" name=""/>
+        <p:cNvGrpSpPr/>
+        <p:nvPr/>
+      </p:nvGrpSpPr>
+      <p:grpSpPr>
+        <a:xfrm>
+          <a:off x="0" y="0"/>
+          <a:ext cx="0" cy="0"/>
+          <a:chOff x="0" y="0"/>
+          <a:chExt cx="0" cy="0"/>
+        </a:xfrm>
+      </p:grpSpPr>
+      <p:sp>
+        <p:nvSpPr>
+          <p:cNvPr id="2" name="Title 1"/>
+          <p:cNvSpPr>
+            <a:spLocks noGrp="1"/>
+          </p:cNvSpPr>
+          <p:nvPr>
+            <p:ph type="title"/>
+          </p:nvPr>
+        </p:nvSpPr>
+        <p:spPr/>
+        <p:txBody>
+          <a:bodyPr/>
+          <a:lstStyle/>
+          <a:p>
+            <a:r>
+              <a:rPr lang="en-US" dirty="0" smtClean="0"/>
+              <a:t>SOLID</a:t>
+            </a:r>
+            <a:endParaRPr lang="en-US" dirty="0"/>
+          </a:p>
+        </p:txBody>
+      </p:sp>
+      <p:sp>
+        <p:nvSpPr>
+          <p:cNvPr id="3" name="TextBox 2"/>
+          <p:cNvSpPr txBox="1"/>
+          <p:nvPr/>
+        </p:nvSpPr>
+        <p:spPr>
+          <a:xfrm>
+            <a:off x="457200" y="2012462"/>
+            <a:ext cx="8229600" cy="2554545"/>
+          </a:xfrm>
+          <a:prstGeom prst="rect">
+            <a:avLst/>
+          </a:prstGeom>
+          <a:noFill/>
+        </p:spPr>
+        <p:txBody>
+          <a:bodyPr wrap="square" rtlCol="0">
+            <a:spAutoFit/>
+          </a:bodyPr>
+          <a:lstStyle/>
+          <a:p>
+            <a:r>
+              <a:rPr lang="en-US" sz="3200" u="sng" dirty="0" smtClean="0"/>
+              <a:t>S</a:t>
+            </a:r>
+            <a:r>
+              <a:rPr lang="en-US" sz="3200" dirty="0" smtClean="0"/>
+              <a:t>ingle Responsibility Principle</a:t>
+            </a:r>
+          </a:p>
+          <a:p>
+            <a:r>
+              <a:rPr lang="en-US" sz="3200" u="sng" dirty="0" smtClean="0"/>
+              <a:t>O</a:t>
+            </a:r>
+            <a:r>
+              <a:rPr lang="en-US" sz="3200" dirty="0" smtClean="0"/>
+              <a:t>pen for extension/ closed to modification</a:t>
+            </a:r>
+          </a:p>
+          <a:p>
+            <a:r>
+              <a:rPr lang="en-US" sz="3200" u="sng" dirty="0" err="1" smtClean="0"/>
+              <a:t>L</a:t>
+            </a:r>
+            <a:r>
+              <a:rPr lang="en-US" sz="3200" dirty="0" err="1" smtClean="0"/>
+              <a:t>iskov</a:t>
+            </a:r>
+            <a:r>
+              <a:rPr lang="en-US" sz="3200" dirty="0" smtClean="0"/>
+              <a:t> Substitution Principle</a:t>
+            </a:r>
+          </a:p>
+          <a:p>
+            <a:r>
+              <a:rPr lang="en-US" sz="3200" u="sng" dirty="0" smtClean="0"/>
+              <a:t>I</a:t>
+            </a:r>
+            <a:r>
+              <a:rPr lang="en-US" sz="3200" dirty="0" smtClean="0"/>
+              <a:t>nterface Segregation</a:t>
+            </a:r>
+          </a:p>
+          <a:p>
+            <a:r>
+              <a:rPr lang="en-US" sz="3200" u="sng" dirty="0" smtClean="0"/>
+              <a:t>D</a:t>
+            </a:r>
+            <a:r>
+              <a:rPr lang="en-US" sz="3200" dirty="0" smtClean="0"/>
+              <a:t>ependency Inversion</a:t>
+            </a:r>
+            <a:endParaRPr lang="en-US" sz="3200" dirty="0"/>
+          </a:p>
+        </p:txBody>
+      </p:sp>
+    </p:spTree>
+    <p:extLst>
+      <p:ext uri="{BB962C8B-B14F-4D97-AF65-F5344CB8AC3E}">
+        <p14:creationId xmlns:p14="http://schemas.microsoft.com/office/powerpoint/2010/main" val="3162907776"/>
+      </p:ext>
+    </p:extLst>
+  </p:cSld>
+  <p:clrMapOvr>
+    <a:masterClrMapping/>
+  </p:clrMapOvr>
+  <p:timing>
+    <p:tnLst>
+      <p:par>
+        <p:cTn xmlns:p14="http://schemas.microsoft.com/office/powerpoint/2010/main" id="1" dur="indefinite" restart="never" nodeType="tmRoot"/>
+      </p:par>
+    </p:tnLst>
+  </p:timing>
+</p:sld>
+</file>
+
+<file path=ppt/slides/slide22.xml><?xml version="1.0" encoding="utf-8"?>
 <p:sld xmlns:a="http://schemas.openxmlformats.org/drawingml/2006/main" xmlns:r="http://schemas.openxmlformats.org/officeDocument/2006/relationships" xmlns:p="http://schemas.openxmlformats.org/presentationml/2006/main">
   <p:cSld>
     <p:bg>
@@ -4629,117 +5725,6 @@
 </p:sld>
 </file>
 
-<file path=ppt/slides/slide22.xml><?xml version="1.0" encoding="utf-8"?>
-<p:sld xmlns:a="http://schemas.openxmlformats.org/drawingml/2006/main" xmlns:r="http://schemas.openxmlformats.org/officeDocument/2006/relationships" xmlns:p="http://schemas.openxmlformats.org/presentationml/2006/main">
-  <p:cSld>
-    <p:spTree>
-      <p:nvGrpSpPr>
-        <p:cNvPr id="1" name=""/>
-        <p:cNvGrpSpPr/>
-        <p:nvPr/>
-      </p:nvGrpSpPr>
-      <p:grpSpPr>
-        <a:xfrm>
-          <a:off x="0" y="0"/>
-          <a:ext cx="0" cy="0"/>
-          <a:chOff x="0" y="0"/>
-          <a:chExt cx="0" cy="0"/>
-        </a:xfrm>
-      </p:grpSpPr>
-      <p:sp>
-        <p:nvSpPr>
-          <p:cNvPr id="2" name="Title 1"/>
-          <p:cNvSpPr>
-            <a:spLocks noGrp="1"/>
-          </p:cNvSpPr>
-          <p:nvPr>
-            <p:ph type="title"/>
-          </p:nvPr>
-        </p:nvSpPr>
-        <p:spPr/>
-        <p:txBody>
-          <a:bodyPr/>
-          <a:lstStyle/>
-          <a:p>
-            <a:r>
-              <a:rPr lang="en-US" dirty="0" smtClean="0"/>
-              <a:t>SOLID</a:t>
-            </a:r>
-            <a:endParaRPr lang="en-US" dirty="0"/>
-          </a:p>
-        </p:txBody>
-      </p:sp>
-      <p:sp>
-        <p:nvSpPr>
-          <p:cNvPr id="3" name="TextBox 2"/>
-          <p:cNvSpPr txBox="1"/>
-          <p:nvPr/>
-        </p:nvSpPr>
-        <p:spPr>
-          <a:xfrm>
-            <a:off x="457200" y="2012462"/>
-            <a:ext cx="8229600" cy="2554545"/>
-          </a:xfrm>
-          <a:prstGeom prst="rect">
-            <a:avLst/>
-          </a:prstGeom>
-          <a:noFill/>
-        </p:spPr>
-        <p:txBody>
-          <a:bodyPr wrap="square" rtlCol="0">
-            <a:spAutoFit/>
-          </a:bodyPr>
-          <a:lstStyle/>
-          <a:p>
-            <a:r>
-              <a:rPr lang="en-US" sz="3200" dirty="0" smtClean="0"/>
-              <a:t>Single Responsibility Principle</a:t>
-            </a:r>
-          </a:p>
-          <a:p>
-            <a:r>
-              <a:rPr lang="en-US" sz="3200" dirty="0" smtClean="0"/>
-              <a:t>Open for extension/ closed to modification</a:t>
-            </a:r>
-          </a:p>
-          <a:p>
-            <a:r>
-              <a:rPr lang="en-US" sz="3200" dirty="0" err="1" smtClean="0"/>
-              <a:t>Liskov</a:t>
-            </a:r>
-            <a:r>
-              <a:rPr lang="en-US" sz="3200" dirty="0" smtClean="0"/>
-              <a:t> Substitution Principle</a:t>
-            </a:r>
-          </a:p>
-          <a:p>
-            <a:r>
-              <a:rPr lang="en-US" sz="3200" dirty="0" smtClean="0"/>
-              <a:t>Interface Segregation</a:t>
-            </a:r>
-          </a:p>
-          <a:p>
-            <a:r>
-              <a:rPr lang="en-US" sz="3200" dirty="0" smtClean="0"/>
-              <a:t>Dependency Inversion</a:t>
-            </a:r>
-            <a:endParaRPr lang="en-US" sz="3200" dirty="0"/>
-          </a:p>
-        </p:txBody>
-      </p:sp>
-    </p:spTree>
-    <p:extLst>
-      <p:ext uri="{BB962C8B-B14F-4D97-AF65-F5344CB8AC3E}">
-        <p14:creationId xmlns:p14="http://schemas.microsoft.com/office/powerpoint/2010/main" val="3162907776"/>
-      </p:ext>
-    </p:extLst>
-  </p:cSld>
-  <p:clrMapOvr>
-    <a:masterClrMapping/>
-  </p:clrMapOvr>
-</p:sld>
-</file>
-
 <file path=ppt/slides/slide23.xml><?xml version="1.0" encoding="utf-8"?>
 <p:sld xmlns:a="http://schemas.openxmlformats.org/drawingml/2006/main" xmlns:r="http://schemas.openxmlformats.org/officeDocument/2006/relationships" xmlns:p="http://schemas.openxmlformats.org/presentationml/2006/main">
   <p:cSld>
@@ -4837,6 +5822,223 @@
     <p:extLst>
       <p:ext uri="{BB962C8B-B14F-4D97-AF65-F5344CB8AC3E}">
         <p14:creationId xmlns:p14="http://schemas.microsoft.com/office/powerpoint/2010/main" val="536189703"/>
+      </p:ext>
+    </p:extLst>
+  </p:cSld>
+  <p:clrMapOvr>
+    <a:masterClrMapping/>
+  </p:clrMapOvr>
+  <p:timing>
+    <p:tnLst>
+      <p:par>
+        <p:cTn xmlns:p14="http://schemas.microsoft.com/office/powerpoint/2010/main" id="1" dur="indefinite" restart="never" nodeType="tmRoot"/>
+      </p:par>
+    </p:tnLst>
+  </p:timing>
+</p:sld>
+</file>
+
+<file path=ppt/slides/slide24.xml><?xml version="1.0" encoding="utf-8"?>
+<p:sld xmlns:a="http://schemas.openxmlformats.org/drawingml/2006/main" xmlns:r="http://schemas.openxmlformats.org/officeDocument/2006/relationships" xmlns:p="http://schemas.openxmlformats.org/presentationml/2006/main">
+  <p:cSld>
+    <p:spTree>
+      <p:nvGrpSpPr>
+        <p:cNvPr id="1" name=""/>
+        <p:cNvGrpSpPr/>
+        <p:nvPr/>
+      </p:nvGrpSpPr>
+      <p:grpSpPr>
+        <a:xfrm>
+          <a:off x="0" y="0"/>
+          <a:ext cx="0" cy="0"/>
+          <a:chOff x="0" y="0"/>
+          <a:chExt cx="0" cy="0"/>
+        </a:xfrm>
+      </p:grpSpPr>
+      <p:sp>
+        <p:nvSpPr>
+          <p:cNvPr id="2" name="Title 1"/>
+          <p:cNvSpPr>
+            <a:spLocks noGrp="1"/>
+          </p:cNvSpPr>
+          <p:nvPr>
+            <p:ph type="title"/>
+          </p:nvPr>
+        </p:nvSpPr>
+        <p:spPr>
+          <a:xfrm>
+            <a:off x="457200" y="605692"/>
+            <a:ext cx="8229600" cy="859693"/>
+          </a:xfrm>
+        </p:spPr>
+        <p:txBody>
+          <a:bodyPr>
+            <a:normAutofit/>
+          </a:bodyPr>
+          <a:lstStyle/>
+          <a:p>
+            <a:pPr algn="l"/>
+            <a:r>
+              <a:rPr lang="en-US" dirty="0" smtClean="0"/>
+              <a:t>References</a:t>
+            </a:r>
+            <a:endParaRPr lang="en-US" sz="2400" dirty="0"/>
+          </a:p>
+        </p:txBody>
+      </p:sp>
+      <p:sp>
+        <p:nvSpPr>
+          <p:cNvPr id="3" name="TextBox 2"/>
+          <p:cNvSpPr txBox="1"/>
+          <p:nvPr/>
+        </p:nvSpPr>
+        <p:spPr>
+          <a:xfrm>
+            <a:off x="457200" y="1465385"/>
+            <a:ext cx="8229600" cy="1754327"/>
+          </a:xfrm>
+          <a:prstGeom prst="rect">
+            <a:avLst/>
+          </a:prstGeom>
+          <a:noFill/>
+        </p:spPr>
+        <p:txBody>
+          <a:bodyPr wrap="square" rtlCol="0">
+            <a:spAutoFit/>
+          </a:bodyPr>
+          <a:lstStyle/>
+          <a:p>
+            <a:pPr marL="285750" indent="-285750">
+              <a:buFont typeface="Arial"/>
+              <a:buChar char="•"/>
+            </a:pPr>
+            <a:r>
+              <a:rPr lang="en-US" dirty="0"/>
+              <a:t>http://</a:t>
+            </a:r>
+            <a:r>
+              <a:rPr lang="en-US" dirty="0" err="1"/>
+              <a:t>www.objectmentor.com</a:t>
+            </a:r>
+            <a:r>
+              <a:rPr lang="en-US" dirty="0"/>
+              <a:t>/resources/articles/</a:t>
+            </a:r>
+            <a:r>
+              <a:rPr lang="en-US" dirty="0" err="1" smtClean="0"/>
+              <a:t>Principles_and_Patterns.pdf</a:t>
+            </a:r>
+            <a:endParaRPr lang="en-US" dirty="0" smtClean="0"/>
+          </a:p>
+          <a:p>
+            <a:pPr marL="285750" indent="-285750">
+              <a:buFont typeface="Arial"/>
+              <a:buChar char="•"/>
+            </a:pPr>
+            <a:r>
+              <a:rPr lang="en-US" dirty="0" smtClean="0"/>
+              <a:t>http</a:t>
+            </a:r>
+            <a:r>
+              <a:rPr lang="en-US" dirty="0"/>
+              <a:t>://www.butunclebob.com/</a:t>
+            </a:r>
+            <a:r>
+              <a:rPr lang="en-US" dirty="0" smtClean="0"/>
+              <a:t>ArticleS.UncleBob.PrinciplesOfOod</a:t>
+            </a:r>
+            <a:endParaRPr lang="en-US" dirty="0" smtClean="0"/>
+          </a:p>
+          <a:p>
+            <a:pPr marL="285750" indent="-285750">
+              <a:buFont typeface="Arial"/>
+              <a:buChar char="•"/>
+            </a:pPr>
+            <a:r>
+              <a:rPr lang="en-US" dirty="0" smtClean="0"/>
+              <a:t>http</a:t>
+            </a:r>
+            <a:r>
+              <a:rPr lang="en-US" dirty="0"/>
+              <a:t>://confreaks.com/videos/240-goruco2009-solid-object-oriented-</a:t>
+            </a:r>
+            <a:r>
+              <a:rPr lang="en-US" dirty="0" smtClean="0"/>
+              <a:t>design</a:t>
+            </a:r>
+          </a:p>
+          <a:p>
+            <a:pPr marL="285750" indent="-285750">
+              <a:buFont typeface="Arial"/>
+              <a:buChar char="•"/>
+            </a:pPr>
+            <a:r>
+              <a:rPr lang="en-US" dirty="0" smtClean="0"/>
+              <a:t>http</a:t>
+            </a:r>
+            <a:r>
+              <a:rPr lang="en-US" dirty="0"/>
+              <a:t>://confreaks.com/videos/185-rubyconf2009-solid-</a:t>
+            </a:r>
+            <a:r>
+              <a:rPr lang="en-US" dirty="0" smtClean="0"/>
+              <a:t>ruby</a:t>
+            </a:r>
+          </a:p>
+          <a:p>
+            <a:pPr marL="285750" indent="-285750">
+              <a:buFont typeface="Arial"/>
+              <a:buChar char="•"/>
+            </a:pPr>
+            <a:r>
+              <a:rPr lang="en-US" dirty="0" smtClean="0"/>
+              <a:t>http</a:t>
+            </a:r>
+            <a:r>
+              <a:rPr lang="en-US" dirty="0"/>
+              <a:t>://blog.rubybestpractices.com/posts/gregory/055-issue-23-solid-</a:t>
+            </a:r>
+            <a:r>
+              <a:rPr lang="en-US" dirty="0" smtClean="0"/>
+              <a:t>design.html</a:t>
+            </a:r>
+          </a:p>
+          <a:p>
+            <a:pPr marL="285750" indent="-285750">
+              <a:buFont typeface="Arial"/>
+              <a:buChar char="•"/>
+            </a:pPr>
+            <a:r>
+              <a:rPr lang="en-US" dirty="0" smtClean="0"/>
+              <a:t>http</a:t>
+            </a:r>
+            <a:r>
+              <a:rPr lang="en-US" dirty="0"/>
+              <a:t>://</a:t>
+            </a:r>
+            <a:r>
+              <a:rPr lang="en-US" dirty="0" err="1"/>
+              <a:t>mmiika.wordpress.com</a:t>
+            </a:r>
+            <a:r>
+              <a:rPr lang="en-US" dirty="0"/>
+              <a:t>/</a:t>
+            </a:r>
+            <a:r>
+              <a:rPr lang="en-US" dirty="0" err="1"/>
+              <a:t>oo</a:t>
+            </a:r>
+            <a:r>
+              <a:rPr lang="en-US" dirty="0"/>
+              <a:t>-design-principles/</a:t>
+            </a:r>
+          </a:p>
+        </p:txBody>
+      </p:sp>
+    </p:spTree>
+    <p:extLst>
+      <p:ext uri="{BB962C8B-B14F-4D97-AF65-F5344CB8AC3E}">
+        <p14:creationId xmlns:p14="http://schemas.microsoft.com/office/powerpoint/2010/main" val="3948961850"/>
       </p:ext>
     </p:extLst>
   </p:cSld>
@@ -4961,9 +6163,18 @@
           <a:p>
             <a:pPr algn="l"/>
             <a:r>
+              <a:rPr lang="en-US" dirty="0" smtClean="0"/>
+              <a:t>Who has built an </a:t>
+            </a:r>
+            <a:r>
               <a:rPr lang="en-US" dirty="0"/>
-              <a:t>When did you last build an application that didn't change?</a:t>
-            </a:r>
+              <a:t>application that </a:t>
+            </a:r>
+            <a:r>
+              <a:rPr lang="en-US" dirty="0" smtClean="0"/>
+              <a:t>hasn’t changed?</a:t>
+            </a:r>
+            <a:endParaRPr lang="en-US" dirty="0"/>
           </a:p>
         </p:txBody>
       </p:sp>
@@ -5029,7 +6240,15 @@
             <a:pPr algn="l"/>
             <a:r>
               <a:rPr lang="en-US" dirty="0"/>
-              <a:t>How is your app going to adjust to change?</a:t>
+              <a:t>How is your </a:t>
+            </a:r>
+            <a:r>
+              <a:rPr lang="en-US" dirty="0" smtClean="0"/>
+              <a:t>application going </a:t>
+            </a:r>
+            <a:r>
+              <a:rPr lang="en-US" dirty="0"/>
+              <a:t>to adjust to change?</a:t>
             </a:r>
           </a:p>
         </p:txBody>
@@ -5686,4 +6905,324 @@
   <a:objectDefaults/>
   <a:extraClrSchemeLst/>
 </a:theme>
+</file>
+
+<file path=ppt/theme/theme2.xml><?xml version="1.0" encoding="utf-8"?>
+<a:theme xmlns:a="http://schemas.openxmlformats.org/drawingml/2006/main" name="Office Theme">
+  <a:themeElements>
+    <a:clrScheme name="Office">
+      <a:dk1>
+        <a:sysClr val="windowText" lastClr="000000"/>
+      </a:dk1>
+      <a:lt1>
+        <a:sysClr val="window" lastClr="FFFFFF"/>
+      </a:lt1>
+      <a:dk2>
+        <a:srgbClr val="1F497D"/>
+      </a:dk2>
+      <a:lt2>
+        <a:srgbClr val="EEECE1"/>
+      </a:lt2>
+      <a:accent1>
+        <a:srgbClr val="4F81BD"/>
+      </a:accent1>
+      <a:accent2>
+        <a:srgbClr val="C0504D"/>
+      </a:accent2>
+      <a:accent3>
+        <a:srgbClr val="9BBB59"/>
+      </a:accent3>
+      <a:accent4>
+        <a:srgbClr val="8064A2"/>
+      </a:accent4>
+      <a:accent5>
+        <a:srgbClr val="4BACC6"/>
+      </a:accent5>
+      <a:accent6>
+        <a:srgbClr val="F79646"/>
+      </a:accent6>
+      <a:hlink>
+        <a:srgbClr val="0000FF"/>
+      </a:hlink>
+      <a:folHlink>
+        <a:srgbClr val="800080"/>
+      </a:folHlink>
+    </a:clrScheme>
+    <a:fontScheme name="Office">
+      <a:majorFont>
+        <a:latin typeface="Calibri"/>
+        <a:ea typeface=""/>
+        <a:cs typeface=""/>
+        <a:font script="Jpan" typeface="ＭＳ Ｐゴシック"/>
+        <a:font script="Hang" typeface="맑은 고딕"/>
+        <a:font script="Hans" typeface="宋体"/>
+        <a:font script="Hant" typeface="新細明體"/>
+        <a:font script="Arab" typeface="Times New Roman"/>
+        <a:font script="Hebr" typeface="Times New Roman"/>
+        <a:font script="Thai" typeface="Angsana New"/>
+        <a:font script="Ethi" typeface="Nyala"/>
+        <a:font script="Beng" typeface="Vrinda"/>
+        <a:font script="Gujr" typeface="Shruti"/>
+        <a:font script="Khmr" typeface="MoolBoran"/>
+        <a:font script="Knda" typeface="Tunga"/>
+        <a:font script="Guru" typeface="Raavi"/>
+        <a:font script="Cans" typeface="Euphemia"/>
+        <a:font script="Cher" typeface="Plantagenet Cherokee"/>
+        <a:font script="Yiii" typeface="Microsoft Yi Baiti"/>
+        <a:font script="Tibt" typeface="Microsoft Himalaya"/>
+        <a:font script="Thaa" typeface="MV Boli"/>
+        <a:font script="Deva" typeface="Mangal"/>
+        <a:font script="Telu" typeface="Gautami"/>
+        <a:font script="Taml" typeface="Latha"/>
+        <a:font script="Syrc" typeface="Estrangelo Edessa"/>
+        <a:font script="Orya" typeface="Kalinga"/>
+        <a:font script="Mlym" typeface="Kartika"/>
+        <a:font script="Laoo" typeface="DokChampa"/>
+        <a:font script="Sinh" typeface="Iskoola Pota"/>
+        <a:font script="Mong" typeface="Mongolian Baiti"/>
+        <a:font script="Viet" typeface="Times New Roman"/>
+        <a:font script="Uigh" typeface="Microsoft Uighur"/>
+        <a:font script="Geor" typeface="Sylfaen"/>
+      </a:majorFont>
+      <a:minorFont>
+        <a:latin typeface="Calibri"/>
+        <a:ea typeface=""/>
+        <a:cs typeface=""/>
+        <a:font script="Jpan" typeface="ＭＳ Ｐゴシック"/>
+        <a:font script="Hang" typeface="맑은 고딕"/>
+        <a:font script="Hans" typeface="宋体"/>
+        <a:font script="Hant" typeface="新細明體"/>
+        <a:font script="Arab" typeface="Arial"/>
+        <a:font script="Hebr" typeface="Arial"/>
+        <a:font script="Thai" typeface="Cordia New"/>
+        <a:font script="Ethi" typeface="Nyala"/>
+        <a:font script="Beng" typeface="Vrinda"/>
+        <a:font script="Gujr" typeface="Shruti"/>
+        <a:font script="Khmr" typeface="DaunPenh"/>
+        <a:font script="Knda" typeface="Tunga"/>
+        <a:font script="Guru" typeface="Raavi"/>
+        <a:font script="Cans" typeface="Euphemia"/>
+        <a:font script="Cher" typeface="Plantagenet Cherokee"/>
+        <a:font script="Yiii" typeface="Microsoft Yi Baiti"/>
+        <a:font script="Tibt" typeface="Microsoft Himalaya"/>
+        <a:font script="Thaa" typeface="MV Boli"/>
+        <a:font script="Deva" typeface="Mangal"/>
+        <a:font script="Telu" typeface="Gautami"/>
+        <a:font script="Taml" typeface="Latha"/>
+        <a:font script="Syrc" typeface="Estrangelo Edessa"/>
+        <a:font script="Orya" typeface="Kalinga"/>
+        <a:font script="Mlym" typeface="Kartika"/>
+        <a:font script="Laoo" typeface="DokChampa"/>
+        <a:font script="Sinh" typeface="Iskoola Pota"/>
+        <a:font script="Mong" typeface="Mongolian Baiti"/>
+        <a:font script="Viet" typeface="Arial"/>
+        <a:font script="Uigh" typeface="Microsoft Uighur"/>
+        <a:font script="Geor" typeface="Sylfaen"/>
+      </a:minorFont>
+    </a:fontScheme>
+    <a:fmtScheme name="Office">
+      <a:fillStyleLst>
+        <a:solidFill>
+          <a:schemeClr val="phClr"/>
+        </a:solidFill>
+        <a:gradFill rotWithShape="1">
+          <a:gsLst>
+            <a:gs pos="0">
+              <a:schemeClr val="phClr">
+                <a:tint val="50000"/>
+                <a:satMod val="300000"/>
+              </a:schemeClr>
+            </a:gs>
+            <a:gs pos="35000">
+              <a:schemeClr val="phClr">
+                <a:tint val="37000"/>
+                <a:satMod val="300000"/>
+              </a:schemeClr>
+            </a:gs>
+            <a:gs pos="100000">
+              <a:schemeClr val="phClr">
+                <a:tint val="15000"/>
+                <a:satMod val="350000"/>
+              </a:schemeClr>
+            </a:gs>
+          </a:gsLst>
+          <a:lin ang="16200000" scaled="1"/>
+        </a:gradFill>
+        <a:gradFill rotWithShape="1">
+          <a:gsLst>
+            <a:gs pos="0">
+              <a:schemeClr val="phClr">
+                <a:tint val="100000"/>
+                <a:shade val="100000"/>
+                <a:satMod val="130000"/>
+              </a:schemeClr>
+            </a:gs>
+            <a:gs pos="100000">
+              <a:schemeClr val="phClr">
+                <a:tint val="50000"/>
+                <a:shade val="100000"/>
+                <a:satMod val="350000"/>
+              </a:schemeClr>
+            </a:gs>
+          </a:gsLst>
+          <a:lin ang="16200000" scaled="0"/>
+        </a:gradFill>
+      </a:fillStyleLst>
+      <a:lnStyleLst>
+        <a:ln w="9525" cap="flat" cmpd="sng" algn="ctr">
+          <a:solidFill>
+            <a:schemeClr val="phClr">
+              <a:shade val="95000"/>
+              <a:satMod val="105000"/>
+            </a:schemeClr>
+          </a:solidFill>
+          <a:prstDash val="solid"/>
+        </a:ln>
+        <a:ln w="25400" cap="flat" cmpd="sng" algn="ctr">
+          <a:solidFill>
+            <a:schemeClr val="phClr"/>
+          </a:solidFill>
+          <a:prstDash val="solid"/>
+        </a:ln>
+        <a:ln w="38100" cap="flat" cmpd="sng" algn="ctr">
+          <a:solidFill>
+            <a:schemeClr val="phClr"/>
+          </a:solidFill>
+          <a:prstDash val="solid"/>
+        </a:ln>
+      </a:lnStyleLst>
+      <a:effectStyleLst>
+        <a:effectStyle>
+          <a:effectLst>
+            <a:outerShdw blurRad="40000" dist="20000" dir="5400000" rotWithShape="0">
+              <a:srgbClr val="000000">
+                <a:alpha val="38000"/>
+              </a:srgbClr>
+            </a:outerShdw>
+          </a:effectLst>
+        </a:effectStyle>
+        <a:effectStyle>
+          <a:effectLst>
+            <a:outerShdw blurRad="40000" dist="23000" dir="5400000" rotWithShape="0">
+              <a:srgbClr val="000000">
+                <a:alpha val="35000"/>
+              </a:srgbClr>
+            </a:outerShdw>
+          </a:effectLst>
+        </a:effectStyle>
+        <a:effectStyle>
+          <a:effectLst>
+            <a:outerShdw blurRad="40000" dist="23000" dir="5400000" rotWithShape="0">
+              <a:srgbClr val="000000">
+                <a:alpha val="35000"/>
+              </a:srgbClr>
+            </a:outerShdw>
+          </a:effectLst>
+          <a:scene3d>
+            <a:camera prst="orthographicFront">
+              <a:rot lat="0" lon="0" rev="0"/>
+            </a:camera>
+            <a:lightRig rig="threePt" dir="t">
+              <a:rot lat="0" lon="0" rev="1200000"/>
+            </a:lightRig>
+          </a:scene3d>
+          <a:sp3d>
+            <a:bevelT w="63500" h="25400"/>
+          </a:sp3d>
+        </a:effectStyle>
+      </a:effectStyleLst>
+      <a:bgFillStyleLst>
+        <a:solidFill>
+          <a:schemeClr val="phClr"/>
+        </a:solidFill>
+        <a:gradFill rotWithShape="1">
+          <a:gsLst>
+            <a:gs pos="0">
+              <a:schemeClr val="phClr">
+                <a:tint val="40000"/>
+                <a:satMod val="350000"/>
+              </a:schemeClr>
+            </a:gs>
+            <a:gs pos="40000">
+              <a:schemeClr val="phClr">
+                <a:tint val="45000"/>
+                <a:shade val="99000"/>
+                <a:satMod val="350000"/>
+              </a:schemeClr>
+            </a:gs>
+            <a:gs pos="100000">
+              <a:schemeClr val="phClr">
+                <a:shade val="20000"/>
+                <a:satMod val="255000"/>
+              </a:schemeClr>
+            </a:gs>
+          </a:gsLst>
+          <a:path path="circle">
+            <a:fillToRect l="50000" t="-80000" r="50000" b="180000"/>
+          </a:path>
+        </a:gradFill>
+        <a:gradFill rotWithShape="1">
+          <a:gsLst>
+            <a:gs pos="0">
+              <a:schemeClr val="phClr">
+                <a:tint val="80000"/>
+                <a:satMod val="300000"/>
+              </a:schemeClr>
+            </a:gs>
+            <a:gs pos="100000">
+              <a:schemeClr val="phClr">
+                <a:shade val="30000"/>
+                <a:satMod val="200000"/>
+              </a:schemeClr>
+            </a:gs>
+          </a:gsLst>
+          <a:path path="circle">
+            <a:fillToRect l="50000" t="50000" r="50000" b="50000"/>
+          </a:path>
+        </a:gradFill>
+      </a:bgFillStyleLst>
+    </a:fmtScheme>
+  </a:themeElements>
+  <a:objectDefaults>
+    <a:spDef>
+      <a:spPr/>
+      <a:bodyPr/>
+      <a:lstStyle/>
+      <a:style>
+        <a:lnRef idx="1">
+          <a:schemeClr val="accent1"/>
+        </a:lnRef>
+        <a:fillRef idx="3">
+          <a:schemeClr val="accent1"/>
+        </a:fillRef>
+        <a:effectRef idx="2">
+          <a:schemeClr val="accent1"/>
+        </a:effectRef>
+        <a:fontRef idx="minor">
+          <a:schemeClr val="lt1"/>
+        </a:fontRef>
+      </a:style>
+    </a:spDef>
+    <a:lnDef>
+      <a:spPr/>
+      <a:bodyPr/>
+      <a:lstStyle/>
+      <a:style>
+        <a:lnRef idx="2">
+          <a:schemeClr val="accent1"/>
+        </a:lnRef>
+        <a:fillRef idx="0">
+          <a:schemeClr val="accent1"/>
+        </a:fillRef>
+        <a:effectRef idx="1">
+          <a:schemeClr val="accent1"/>
+        </a:effectRef>
+        <a:fontRef idx="minor">
+          <a:schemeClr val="tx1"/>
+        </a:fontRef>
+      </a:style>
+    </a:lnDef>
+  </a:objectDefaults>
+  <a:extraClrSchemeLst/>
+</a:theme>
 </file>
--- a/BetterRubyThroughDesignPatterns.pptx
+++ b/BetterRubyThroughDesignPatterns.pptx
@@ -5,7 +5,7 @@
     <p:sldMasterId id="2147483696" r:id="rId1"/>
   </p:sldMasterIdLst>
   <p:notesMasterIdLst>
-    <p:notesMasterId r:id="rId26"/>
+    <p:notesMasterId r:id="rId31"/>
   </p:notesMasterIdLst>
   <p:sldIdLst>
     <p:sldId id="256" r:id="rId2"/>
@@ -17,21 +17,26 @@
     <p:sldId id="262" r:id="rId8"/>
     <p:sldId id="263" r:id="rId9"/>
     <p:sldId id="264" r:id="rId10"/>
-    <p:sldId id="269" r:id="rId11"/>
-    <p:sldId id="270" r:id="rId12"/>
-    <p:sldId id="267" r:id="rId13"/>
-    <p:sldId id="268" r:id="rId14"/>
-    <p:sldId id="265" r:id="rId15"/>
-    <p:sldId id="273" r:id="rId16"/>
-    <p:sldId id="274" r:id="rId17"/>
-    <p:sldId id="278" r:id="rId18"/>
-    <p:sldId id="276" r:id="rId19"/>
-    <p:sldId id="279" r:id="rId20"/>
-    <p:sldId id="277" r:id="rId21"/>
-    <p:sldId id="280" r:id="rId22"/>
-    <p:sldId id="271" r:id="rId23"/>
-    <p:sldId id="266" r:id="rId24"/>
-    <p:sldId id="281" r:id="rId25"/>
+    <p:sldId id="270" r:id="rId11"/>
+    <p:sldId id="267" r:id="rId12"/>
+    <p:sldId id="268" r:id="rId13"/>
+    <p:sldId id="265" r:id="rId14"/>
+    <p:sldId id="273" r:id="rId15"/>
+    <p:sldId id="274" r:id="rId16"/>
+    <p:sldId id="278" r:id="rId17"/>
+    <p:sldId id="276" r:id="rId18"/>
+    <p:sldId id="279" r:id="rId19"/>
+    <p:sldId id="277" r:id="rId20"/>
+    <p:sldId id="280" r:id="rId21"/>
+    <p:sldId id="271" r:id="rId22"/>
+    <p:sldId id="282" r:id="rId23"/>
+    <p:sldId id="285" r:id="rId24"/>
+    <p:sldId id="286" r:id="rId25"/>
+    <p:sldId id="287" r:id="rId26"/>
+    <p:sldId id="288" r:id="rId27"/>
+    <p:sldId id="289" r:id="rId28"/>
+    <p:sldId id="290" r:id="rId29"/>
+    <p:sldId id="266" r:id="rId30"/>
   </p:sldIdLst>
   <p:sldSz cx="9144000" cy="6858000" type="screen4x3"/>
   <p:notesSz cx="6858000" cy="9144000"/>
@@ -144,7 +149,6 @@
             <p14:sldId id="262"/>
             <p14:sldId id="263"/>
             <p14:sldId id="264"/>
-            <p14:sldId id="269"/>
             <p14:sldId id="270"/>
             <p14:sldId id="267"/>
             <p14:sldId id="268"/>
@@ -157,8 +161,14 @@
             <p14:sldId id="277"/>
             <p14:sldId id="280"/>
             <p14:sldId id="271"/>
+            <p14:sldId id="282"/>
+            <p14:sldId id="285"/>
+            <p14:sldId id="286"/>
+            <p14:sldId id="287"/>
+            <p14:sldId id="288"/>
+            <p14:sldId id="289"/>
+            <p14:sldId id="290"/>
             <p14:sldId id="266"/>
-            <p14:sldId id="281"/>
           </p14:sldIdLst>
         </p14:section>
       </p14:sectionLst>
@@ -249,7 +259,7 @@
           <a:p>
             <a:fld id="{5A1F8130-46FA-7040-B513-FDA7EF4EBAF4}" type="datetimeFigureOut">
               <a:rPr lang="en-US" smtClean="0"/>
-              <a:t>3/11/12</a:t>
+              <a:t>3/12/12</a:t>
             </a:fld>
             <a:endParaRPr lang="en-US"/>
           </a:p>
@@ -690,7 +700,7 @@
           <a:p>
             <a:fld id="{5B0F0E0A-5925-EE41-9E85-45EE46DBCCF5}" type="slidenum">
               <a:rPr lang="en-US" smtClean="0"/>
-              <a:t>14</a:t>
+              <a:t>13</a:t>
             </a:fld>
             <a:endParaRPr lang="en-US"/>
           </a:p>
@@ -781,7 +791,7 @@
           <a:p>
             <a:fld id="{5B0F0E0A-5925-EE41-9E85-45EE46DBCCF5}" type="slidenum">
               <a:rPr lang="en-US" smtClean="0"/>
-              <a:t>16</a:t>
+              <a:t>15</a:t>
             </a:fld>
             <a:endParaRPr lang="en-US"/>
           </a:p>
@@ -865,7 +875,7 @@
           <a:p>
             <a:fld id="{5B0F0E0A-5925-EE41-9E85-45EE46DBCCF5}" type="slidenum">
               <a:rPr lang="en-US" smtClean="0"/>
-              <a:t>17</a:t>
+              <a:t>16</a:t>
             </a:fld>
             <a:endParaRPr lang="en-US"/>
           </a:p>
@@ -1065,7 +1075,7 @@
           <a:p>
             <a:fld id="{6BFECD78-3C8E-49F2-8FAB-59489D168ABB}" type="datetimeFigureOut">
               <a:rPr lang="en-US" smtClean="0"/>
-              <a:t>3/11/12</a:t>
+              <a:t>3/12/12</a:t>
             </a:fld>
             <a:endParaRPr lang="en-US"/>
           </a:p>
@@ -1235,7 +1245,7 @@
           <a:p>
             <a:fld id="{6BFECD78-3C8E-49F2-8FAB-59489D168ABB}" type="datetimeFigureOut">
               <a:rPr lang="en-US" smtClean="0"/>
-              <a:t>3/11/12</a:t>
+              <a:t>3/12/12</a:t>
             </a:fld>
             <a:endParaRPr lang="en-US"/>
           </a:p>
@@ -1415,7 +1425,7 @@
           <a:p>
             <a:fld id="{6BFECD78-3C8E-49F2-8FAB-59489D168ABB}" type="datetimeFigureOut">
               <a:rPr lang="en-US" smtClean="0"/>
-              <a:t>3/11/12</a:t>
+              <a:t>3/12/12</a:t>
             </a:fld>
             <a:endParaRPr lang="en-US"/>
           </a:p>
@@ -1585,7 +1595,7 @@
           <a:p>
             <a:fld id="{6BFECD78-3C8E-49F2-8FAB-59489D168ABB}" type="datetimeFigureOut">
               <a:rPr lang="en-US" smtClean="0"/>
-              <a:t>3/11/12</a:t>
+              <a:t>3/12/12</a:t>
             </a:fld>
             <a:endParaRPr lang="en-US"/>
           </a:p>
@@ -1831,7 +1841,7 @@
           <a:p>
             <a:fld id="{6BFECD78-3C8E-49F2-8FAB-59489D168ABB}" type="datetimeFigureOut">
               <a:rPr lang="en-US" smtClean="0"/>
-              <a:t>3/11/12</a:t>
+              <a:t>3/12/12</a:t>
             </a:fld>
             <a:endParaRPr lang="en-US"/>
           </a:p>
@@ -2119,7 +2129,7 @@
           <a:p>
             <a:fld id="{6BFECD78-3C8E-49F2-8FAB-59489D168ABB}" type="datetimeFigureOut">
               <a:rPr lang="en-US" smtClean="0"/>
-              <a:t>3/11/12</a:t>
+              <a:t>3/12/12</a:t>
             </a:fld>
             <a:endParaRPr lang="en-US"/>
           </a:p>
@@ -2541,7 +2551,7 @@
           <a:p>
             <a:fld id="{6BFECD78-3C8E-49F2-8FAB-59489D168ABB}" type="datetimeFigureOut">
               <a:rPr lang="en-US" smtClean="0"/>
-              <a:t>3/11/12</a:t>
+              <a:t>3/12/12</a:t>
             </a:fld>
             <a:endParaRPr lang="en-US"/>
           </a:p>
@@ -2659,7 +2669,7 @@
           <a:p>
             <a:fld id="{6BFECD78-3C8E-49F2-8FAB-59489D168ABB}" type="datetimeFigureOut">
               <a:rPr lang="en-US" smtClean="0"/>
-              <a:t>3/11/12</a:t>
+              <a:t>3/12/12</a:t>
             </a:fld>
             <a:endParaRPr lang="en-US"/>
           </a:p>
@@ -2754,7 +2764,7 @@
           <a:p>
             <a:fld id="{6BFECD78-3C8E-49F2-8FAB-59489D168ABB}" type="datetimeFigureOut">
               <a:rPr lang="en-US" smtClean="0"/>
-              <a:t>3/11/12</a:t>
+              <a:t>3/12/12</a:t>
             </a:fld>
             <a:endParaRPr lang="en-US"/>
           </a:p>
@@ -3031,7 +3041,7 @@
           <a:p>
             <a:fld id="{6BFECD78-3C8E-49F2-8FAB-59489D168ABB}" type="datetimeFigureOut">
               <a:rPr lang="en-US" smtClean="0"/>
-              <a:t>3/11/12</a:t>
+              <a:t>3/12/12</a:t>
             </a:fld>
             <a:endParaRPr lang="en-US"/>
           </a:p>
@@ -3288,7 +3298,7 @@
           <a:p>
             <a:fld id="{6BFECD78-3C8E-49F2-8FAB-59489D168ABB}" type="datetimeFigureOut">
               <a:rPr lang="en-US" smtClean="0"/>
-              <a:t>3/11/12</a:t>
+              <a:t>3/12/12</a:t>
             </a:fld>
             <a:endParaRPr lang="en-US"/>
           </a:p>
@@ -3501,7 +3511,7 @@
           <a:p>
             <a:fld id="{6BFECD78-3C8E-49F2-8FAB-59489D168ABB}" type="datetimeFigureOut">
               <a:rPr lang="en-US" smtClean="0"/>
-              <a:t>3/11/12</a:t>
+              <a:t>3/12/12</a:t>
             </a:fld>
             <a:endParaRPr lang="en-US"/>
           </a:p>
@@ -3990,82 +4000,7 @@
 </file>
 
 <file path=ppt/slides/slide10.xml><?xml version="1.0" encoding="utf-8"?>
-<p:sld xmlns:a="http://schemas.openxmlformats.org/drawingml/2006/main" xmlns:r="http://schemas.openxmlformats.org/officeDocument/2006/relationships" xmlns:p="http://schemas.openxmlformats.org/presentationml/2006/main" show="0">
-  <p:cSld>
-    <p:spTree>
-      <p:nvGrpSpPr>
-        <p:cNvPr id="1" name=""/>
-        <p:cNvGrpSpPr/>
-        <p:nvPr/>
-      </p:nvGrpSpPr>
-      <p:grpSpPr>
-        <a:xfrm>
-          <a:off x="0" y="0"/>
-          <a:ext cx="0" cy="0"/>
-          <a:chOff x="0" y="0"/>
-          <a:chExt cx="0" cy="0"/>
-        </a:xfrm>
-      </p:grpSpPr>
-      <p:sp>
-        <p:nvSpPr>
-          <p:cNvPr id="2" name="Title 1"/>
-          <p:cNvSpPr>
-            <a:spLocks noGrp="1"/>
-          </p:cNvSpPr>
-          <p:nvPr>
-            <p:ph type="title"/>
-          </p:nvPr>
-        </p:nvSpPr>
-        <p:spPr>
-          <a:xfrm>
-            <a:off x="457200" y="2843946"/>
-            <a:ext cx="8229600" cy="1143000"/>
-          </a:xfrm>
-        </p:spPr>
-        <p:txBody>
-          <a:bodyPr>
-            <a:normAutofit fontScale="90000"/>
-          </a:bodyPr>
-          <a:lstStyle/>
-          <a:p>
-            <a:pPr algn="l"/>
-            <a:r>
-              <a:rPr lang="en-US" dirty="0"/>
-              <a:t>How do you measure the design of your application?</a:t>
-            </a:r>
-          </a:p>
-        </p:txBody>
-      </p:sp>
-    </p:spTree>
-    <p:extLst>
-      <p:ext uri="{BB962C8B-B14F-4D97-AF65-F5344CB8AC3E}">
-        <p14:creationId xmlns:p14="http://schemas.microsoft.com/office/powerpoint/2010/main" val="3808431009"/>
-      </p:ext>
-    </p:extLst>
-  </p:cSld>
-  <p:clrMapOvr>
-    <a:masterClrMapping/>
-  </p:clrMapOvr>
-  <mc:AlternateContent xmlns:mc="http://schemas.openxmlformats.org/markup-compatibility/2006">
-    <mc:Choice xmlns:p14="http://schemas.microsoft.com/office/powerpoint/2010/main" Requires="p14">
-      <p:transition spd="slow" p14:dur="2000"/>
-    </mc:Choice>
-    <mc:Fallback>
-      <p:transition xmlns:p14="http://schemas.microsoft.com/office/powerpoint/2010/main" spd="slow"/>
-    </mc:Fallback>
-  </mc:AlternateContent>
-  <p:timing>
-    <p:tnLst>
-      <p:par>
-        <p:cTn xmlns:p14="http://schemas.microsoft.com/office/powerpoint/2010/main" id="1" dur="indefinite" restart="never" nodeType="tmRoot"/>
-      </p:par>
-    </p:tnLst>
-  </p:timing>
-</p:sld>
-</file>
-
-<file path=ppt/slides/slide11.xml><?xml version="1.0" encoding="utf-8"?>
-<p:sld xmlns:a="http://schemas.openxmlformats.org/drawingml/2006/main" xmlns:r="http://schemas.openxmlformats.org/officeDocument/2006/relationships" xmlns:p="http://schemas.openxmlformats.org/presentationml/2006/main" show="0">
+<p:sld xmlns:a="http://schemas.openxmlformats.org/drawingml/2006/main" xmlns:r="http://schemas.openxmlformats.org/officeDocument/2006/relationships" xmlns:p="http://schemas.openxmlformats.org/presentationml/2006/main">
   <p:cSld>
     <p:spTree>
       <p:nvGrpSpPr>
@@ -4175,7 +4110,7 @@
 </p:sld>
 </file>
 
-<file path=ppt/slides/slide12.xml><?xml version="1.0" encoding="utf-8"?>
+<file path=ppt/slides/slide11.xml><?xml version="1.0" encoding="utf-8"?>
 <p:sld xmlns:a="http://schemas.openxmlformats.org/drawingml/2006/main" xmlns:r="http://schemas.openxmlformats.org/officeDocument/2006/relationships" xmlns:p="http://schemas.openxmlformats.org/presentationml/2006/main">
   <p:cSld>
     <p:spTree>
@@ -4273,7 +4208,7 @@
 </p:sld>
 </file>
 
-<file path=ppt/slides/slide13.xml><?xml version="1.0" encoding="utf-8"?>
+<file path=ppt/slides/slide12.xml><?xml version="1.0" encoding="utf-8"?>
 <p:sld xmlns:a="http://schemas.openxmlformats.org/drawingml/2006/main" xmlns:r="http://schemas.openxmlformats.org/officeDocument/2006/relationships" xmlns:p="http://schemas.openxmlformats.org/presentationml/2006/main">
   <p:cSld>
     <p:spTree>
@@ -4340,7 +4275,7 @@
 </p:sld>
 </file>
 
-<file path=ppt/slides/slide14.xml><?xml version="1.0" encoding="utf-8"?>
+<file path=ppt/slides/slide13.xml><?xml version="1.0" encoding="utf-8"?>
 <p:sld xmlns:a="http://schemas.openxmlformats.org/drawingml/2006/main" xmlns:r="http://schemas.openxmlformats.org/officeDocument/2006/relationships" xmlns:p="http://schemas.openxmlformats.org/presentationml/2006/main">
   <p:cSld>
     <p:bg>
@@ -4493,6 +4428,125 @@
 </p:sld>
 </file>
 
+<file path=ppt/slides/slide14.xml><?xml version="1.0" encoding="utf-8"?>
+<p:sld xmlns:a="http://schemas.openxmlformats.org/drawingml/2006/main" xmlns:r="http://schemas.openxmlformats.org/officeDocument/2006/relationships" xmlns:p="http://schemas.openxmlformats.org/presentationml/2006/main">
+  <p:cSld>
+    <p:spTree>
+      <p:nvGrpSpPr>
+        <p:cNvPr id="1" name=""/>
+        <p:cNvGrpSpPr/>
+        <p:nvPr/>
+      </p:nvGrpSpPr>
+      <p:grpSpPr>
+        <a:xfrm>
+          <a:off x="0" y="0"/>
+          <a:ext cx="0" cy="0"/>
+          <a:chOff x="0" y="0"/>
+          <a:chExt cx="0" cy="0"/>
+        </a:xfrm>
+      </p:grpSpPr>
+      <p:sp>
+        <p:nvSpPr>
+          <p:cNvPr id="2" name="Title 1"/>
+          <p:cNvSpPr>
+            <a:spLocks noGrp="1"/>
+          </p:cNvSpPr>
+          <p:nvPr>
+            <p:ph type="title"/>
+          </p:nvPr>
+        </p:nvSpPr>
+        <p:spPr>
+          <a:xfrm>
+            <a:off x="457199" y="2091709"/>
+            <a:ext cx="8229600" cy="790214"/>
+          </a:xfrm>
+        </p:spPr>
+        <p:txBody>
+          <a:bodyPr>
+            <a:normAutofit/>
+          </a:bodyPr>
+          <a:lstStyle/>
+          <a:p>
+            <a:pPr algn="l"/>
+            <a:r>
+              <a:rPr lang="en-US" sz="4000" dirty="0" smtClean="0"/>
+              <a:t>Processing Requirements</a:t>
+            </a:r>
+            <a:endParaRPr lang="en-US" sz="3200" dirty="0"/>
+          </a:p>
+        </p:txBody>
+      </p:sp>
+      <p:sp>
+        <p:nvSpPr>
+          <p:cNvPr id="3" name="TextBox 2"/>
+          <p:cNvSpPr txBox="1"/>
+          <p:nvPr/>
+        </p:nvSpPr>
+        <p:spPr>
+          <a:xfrm>
+            <a:off x="457199" y="2881923"/>
+            <a:ext cx="8229599" cy="1077218"/>
+          </a:xfrm>
+          <a:prstGeom prst="rect">
+            <a:avLst/>
+          </a:prstGeom>
+          <a:noFill/>
+        </p:spPr>
+        <p:txBody>
+          <a:bodyPr wrap="square" rtlCol="0">
+            <a:spAutoFit/>
+          </a:bodyPr>
+          <a:lstStyle/>
+          <a:p>
+            <a:pPr marL="342900" indent="-342900">
+              <a:buFont typeface="+mj-lt"/>
+              <a:buAutoNum type="arabicPeriod"/>
+            </a:pPr>
+            <a:r>
+              <a:rPr lang="en-US" sz="3200" dirty="0"/>
+              <a:t>Parse </a:t>
+            </a:r>
+            <a:r>
+              <a:rPr lang="en-US" sz="3200" dirty="0" smtClean="0"/>
+              <a:t>a CSV file</a:t>
+            </a:r>
+          </a:p>
+          <a:p>
+            <a:pPr marL="342900" indent="-342900">
+              <a:buFont typeface="+mj-lt"/>
+              <a:buAutoNum type="arabicPeriod"/>
+            </a:pPr>
+            <a:r>
+              <a:rPr lang="en-US" sz="3200" dirty="0" smtClean="0"/>
+              <a:t>Report </a:t>
+            </a:r>
+            <a:r>
+              <a:rPr lang="en-US" sz="3200" dirty="0"/>
+              <a:t>status of the parsing via email</a:t>
+            </a:r>
+          </a:p>
+        </p:txBody>
+      </p:sp>
+    </p:spTree>
+    <p:extLst>
+      <p:ext uri="{BB962C8B-B14F-4D97-AF65-F5344CB8AC3E}">
+        <p14:creationId xmlns:p14="http://schemas.microsoft.com/office/powerpoint/2010/main" val="1749495390"/>
+      </p:ext>
+    </p:extLst>
+  </p:cSld>
+  <p:clrMapOvr>
+    <a:masterClrMapping/>
+  </p:clrMapOvr>
+  <p:timing>
+    <p:tnLst>
+      <p:par>
+        <p:cTn xmlns:p14="http://schemas.microsoft.com/office/powerpoint/2010/main" id="1" dur="indefinite" restart="never" nodeType="tmRoot"/>
+      </p:par>
+    </p:tnLst>
+  </p:timing>
+</p:sld>
+</file>
+
 <file path=ppt/slides/slide15.xml><?xml version="1.0" encoding="utf-8"?>
 <p:sld xmlns:a="http://schemas.openxmlformats.org/drawingml/2006/main" xmlns:r="http://schemas.openxmlformats.org/officeDocument/2006/relationships" xmlns:p="http://schemas.openxmlformats.org/presentationml/2006/main">
   <p:cSld>
@@ -4535,7 +4589,7 @@
             <a:pPr algn="l"/>
             <a:r>
               <a:rPr lang="en-US" sz="4000" dirty="0" smtClean="0"/>
-              <a:t>Processing Requirements</a:t>
+              <a:t>Processing Requirements Week Two</a:t>
             </a:r>
             <a:endParaRPr lang="en-US" sz="3200" dirty="0"/>
           </a:p>
@@ -4573,7 +4627,7 @@
             </a:r>
             <a:r>
               <a:rPr lang="en-US" sz="3200" dirty="0" smtClean="0"/>
-              <a:t>a CSV file</a:t>
+              <a:t>either CSV or TSV file</a:t>
             </a:r>
           </a:p>
           <a:p>
@@ -4595,7 +4649,7 @@
     </p:spTree>
     <p:extLst>
       <p:ext uri="{BB962C8B-B14F-4D97-AF65-F5344CB8AC3E}">
-        <p14:creationId xmlns:p14="http://schemas.microsoft.com/office/powerpoint/2010/main" val="1749495390"/>
+        <p14:creationId xmlns:p14="http://schemas.microsoft.com/office/powerpoint/2010/main" val="2909344124"/>
       </p:ext>
     </p:extLst>
   </p:cSld>
@@ -4641,125 +4695,6 @@
         </p:nvSpPr>
         <p:spPr>
           <a:xfrm>
-            <a:off x="457199" y="2091709"/>
-            <a:ext cx="8229600" cy="790214"/>
-          </a:xfrm>
-        </p:spPr>
-        <p:txBody>
-          <a:bodyPr>
-            <a:normAutofit/>
-          </a:bodyPr>
-          <a:lstStyle/>
-          <a:p>
-            <a:pPr algn="l"/>
-            <a:r>
-              <a:rPr lang="en-US" sz="4000" dirty="0" smtClean="0"/>
-              <a:t>Processing Requirements Week Two</a:t>
-            </a:r>
-            <a:endParaRPr lang="en-US" sz="3200" dirty="0"/>
-          </a:p>
-        </p:txBody>
-      </p:sp>
-      <p:sp>
-        <p:nvSpPr>
-          <p:cNvPr id="3" name="TextBox 2"/>
-          <p:cNvSpPr txBox="1"/>
-          <p:nvPr/>
-        </p:nvSpPr>
-        <p:spPr>
-          <a:xfrm>
-            <a:off x="457199" y="2881923"/>
-            <a:ext cx="8229599" cy="1077218"/>
-          </a:xfrm>
-          <a:prstGeom prst="rect">
-            <a:avLst/>
-          </a:prstGeom>
-          <a:noFill/>
-        </p:spPr>
-        <p:txBody>
-          <a:bodyPr wrap="square" rtlCol="0">
-            <a:spAutoFit/>
-          </a:bodyPr>
-          <a:lstStyle/>
-          <a:p>
-            <a:pPr marL="342900" indent="-342900">
-              <a:buFont typeface="+mj-lt"/>
-              <a:buAutoNum type="arabicPeriod"/>
-            </a:pPr>
-            <a:r>
-              <a:rPr lang="en-US" sz="3200" dirty="0"/>
-              <a:t>Parse </a:t>
-            </a:r>
-            <a:r>
-              <a:rPr lang="en-US" sz="3200" dirty="0" smtClean="0"/>
-              <a:t>either CSV or TSV file</a:t>
-            </a:r>
-          </a:p>
-          <a:p>
-            <a:pPr marL="342900" indent="-342900">
-              <a:buFont typeface="+mj-lt"/>
-              <a:buAutoNum type="arabicPeriod"/>
-            </a:pPr>
-            <a:r>
-              <a:rPr lang="en-US" sz="3200" dirty="0" smtClean="0"/>
-              <a:t>Report </a:t>
-            </a:r>
-            <a:r>
-              <a:rPr lang="en-US" sz="3200" dirty="0"/>
-              <a:t>status of the parsing via email</a:t>
-            </a:r>
-          </a:p>
-        </p:txBody>
-      </p:sp>
-    </p:spTree>
-    <p:extLst>
-      <p:ext uri="{BB962C8B-B14F-4D97-AF65-F5344CB8AC3E}">
-        <p14:creationId xmlns:p14="http://schemas.microsoft.com/office/powerpoint/2010/main" val="2909344124"/>
-      </p:ext>
-    </p:extLst>
-  </p:cSld>
-  <p:clrMapOvr>
-    <a:masterClrMapping/>
-  </p:clrMapOvr>
-  <p:timing>
-    <p:tnLst>
-      <p:par>
-        <p:cTn xmlns:p14="http://schemas.microsoft.com/office/powerpoint/2010/main" id="1" dur="indefinite" restart="never" nodeType="tmRoot"/>
-      </p:par>
-    </p:tnLst>
-  </p:timing>
-</p:sld>
-</file>
-
-<file path=ppt/slides/slide17.xml><?xml version="1.0" encoding="utf-8"?>
-<p:sld xmlns:a="http://schemas.openxmlformats.org/drawingml/2006/main" xmlns:r="http://schemas.openxmlformats.org/officeDocument/2006/relationships" xmlns:p="http://schemas.openxmlformats.org/presentationml/2006/main">
-  <p:cSld>
-    <p:spTree>
-      <p:nvGrpSpPr>
-        <p:cNvPr id="1" name=""/>
-        <p:cNvGrpSpPr/>
-        <p:nvPr/>
-      </p:nvGrpSpPr>
-      <p:grpSpPr>
-        <a:xfrm>
-          <a:off x="0" y="0"/>
-          <a:ext cx="0" cy="0"/>
-          <a:chOff x="0" y="0"/>
-          <a:chExt cx="0" cy="0"/>
-        </a:xfrm>
-      </p:grpSpPr>
-      <p:sp>
-        <p:nvSpPr>
-          <p:cNvPr id="2" name="Title 1"/>
-          <p:cNvSpPr>
-            <a:spLocks noGrp="1"/>
-          </p:cNvSpPr>
-          <p:nvPr>
-            <p:ph type="title"/>
-          </p:nvPr>
-        </p:nvSpPr>
-        <p:spPr>
-          <a:xfrm>
             <a:off x="457200" y="1661869"/>
             <a:ext cx="8229600" cy="1143000"/>
           </a:xfrm>
@@ -4809,23 +4744,7 @@
             </a:r>
             <a:r>
               <a:rPr lang="en-US" sz="3200" dirty="0" smtClean="0"/>
-              <a:t> </a:t>
-            </a:r>
-            <a:r>
-              <a:rPr lang="en-US" sz="3200" dirty="0" smtClean="0"/>
-              <a:t>is </a:t>
-            </a:r>
-            <a:r>
-              <a:rPr lang="en-US" sz="3200" dirty="0" smtClean="0"/>
-              <a:t>no longer responsible </a:t>
-            </a:r>
-            <a:r>
-              <a:rPr lang="en-US" sz="3200" dirty="0" smtClean="0"/>
-              <a:t>for </a:t>
-            </a:r>
-            <a:r>
-              <a:rPr lang="en-US" sz="3200" dirty="0" smtClean="0"/>
-              <a:t>file processing.</a:t>
+              <a:t> is no longer responsible for file processing.</a:t>
             </a:r>
           </a:p>
           <a:p>
@@ -4839,23 +4758,7 @@
             </a:r>
             <a:r>
               <a:rPr lang="en-US" sz="3200" dirty="0" smtClean="0"/>
-              <a:t> </a:t>
-            </a:r>
-            <a:r>
-              <a:rPr lang="en-US" sz="3200" dirty="0" smtClean="0"/>
-              <a:t>can </a:t>
-            </a:r>
-            <a:r>
-              <a:rPr lang="en-US" sz="3200" dirty="0" smtClean="0"/>
-              <a:t>parse new file types </a:t>
-            </a:r>
-            <a:r>
-              <a:rPr lang="en-US" sz="3200" dirty="0" smtClean="0"/>
-              <a:t>without changing the class</a:t>
-            </a:r>
-            <a:r>
-              <a:rPr lang="en-US" sz="3200" dirty="0" smtClean="0"/>
-              <a:t>.</a:t>
+              <a:t> can parse new file types without changing the class.</a:t>
             </a:r>
           </a:p>
           <a:p>
@@ -4867,7 +4770,6 @@
               <a:rPr lang="en-US" sz="3200" dirty="0" smtClean="0"/>
               <a:t>Testing of parsing can be done in isolation.</a:t>
             </a:r>
-            <a:endParaRPr lang="en-US" sz="3200" dirty="0" smtClean="0"/>
           </a:p>
         </p:txBody>
       </p:sp>
@@ -4963,6 +4865,130 @@
 </p:sld>
 </file>
 
+<file path=ppt/slides/slide17.xml><?xml version="1.0" encoding="utf-8"?>
+<p:sld xmlns:a="http://schemas.openxmlformats.org/drawingml/2006/main" xmlns:r="http://schemas.openxmlformats.org/officeDocument/2006/relationships" xmlns:p="http://schemas.openxmlformats.org/presentationml/2006/main">
+  <p:cSld>
+    <p:spTree>
+      <p:nvGrpSpPr>
+        <p:cNvPr id="1" name=""/>
+        <p:cNvGrpSpPr/>
+        <p:nvPr/>
+      </p:nvGrpSpPr>
+      <p:grpSpPr>
+        <a:xfrm>
+          <a:off x="0" y="0"/>
+          <a:ext cx="0" cy="0"/>
+          <a:chOff x="0" y="0"/>
+          <a:chExt cx="0" cy="0"/>
+        </a:xfrm>
+      </p:grpSpPr>
+      <p:sp>
+        <p:nvSpPr>
+          <p:cNvPr id="2" name="Title 1"/>
+          <p:cNvSpPr>
+            <a:spLocks noGrp="1"/>
+          </p:cNvSpPr>
+          <p:nvPr>
+            <p:ph type="title"/>
+          </p:nvPr>
+        </p:nvSpPr>
+        <p:spPr>
+          <a:xfrm>
+            <a:off x="457199" y="2091709"/>
+            <a:ext cx="8229600" cy="790214"/>
+          </a:xfrm>
+        </p:spPr>
+        <p:txBody>
+          <a:bodyPr>
+            <a:normAutofit/>
+          </a:bodyPr>
+          <a:lstStyle/>
+          <a:p>
+            <a:pPr algn="l"/>
+            <a:r>
+              <a:rPr lang="en-US" sz="4000" dirty="0" smtClean="0"/>
+              <a:t>Processing Requirements Week Three</a:t>
+            </a:r>
+            <a:endParaRPr lang="en-US" sz="3200" dirty="0"/>
+          </a:p>
+        </p:txBody>
+      </p:sp>
+      <p:sp>
+        <p:nvSpPr>
+          <p:cNvPr id="3" name="TextBox 2"/>
+          <p:cNvSpPr txBox="1"/>
+          <p:nvPr/>
+        </p:nvSpPr>
+        <p:spPr>
+          <a:xfrm>
+            <a:off x="457199" y="2881923"/>
+            <a:ext cx="8229599" cy="1077218"/>
+          </a:xfrm>
+          <a:prstGeom prst="rect">
+            <a:avLst/>
+          </a:prstGeom>
+          <a:noFill/>
+        </p:spPr>
+        <p:txBody>
+          <a:bodyPr wrap="square" rtlCol="0">
+            <a:spAutoFit/>
+          </a:bodyPr>
+          <a:lstStyle/>
+          <a:p>
+            <a:pPr marL="342900" indent="-342900">
+              <a:buFont typeface="+mj-lt"/>
+              <a:buAutoNum type="arabicPeriod"/>
+            </a:pPr>
+            <a:r>
+              <a:rPr lang="en-US" sz="3200" dirty="0"/>
+              <a:t>Parse </a:t>
+            </a:r>
+            <a:r>
+              <a:rPr lang="en-US" sz="3200" dirty="0" smtClean="0"/>
+              <a:t>either CSV or TSV file</a:t>
+            </a:r>
+          </a:p>
+          <a:p>
+            <a:pPr marL="342900" indent="-342900">
+              <a:buFont typeface="+mj-lt"/>
+              <a:buAutoNum type="arabicPeriod"/>
+            </a:pPr>
+            <a:r>
+              <a:rPr lang="en-US" sz="3200" dirty="0" smtClean="0"/>
+              <a:t>Report </a:t>
+            </a:r>
+            <a:r>
+              <a:rPr lang="en-US" sz="3200" dirty="0"/>
+              <a:t>status of the parsing via </a:t>
+            </a:r>
+            <a:r>
+              <a:rPr lang="en-US" sz="3200" dirty="0" smtClean="0"/>
+              <a:t>Email or SMS</a:t>
+            </a:r>
+            <a:endParaRPr lang="en-US" sz="3200" dirty="0"/>
+          </a:p>
+        </p:txBody>
+      </p:sp>
+    </p:spTree>
+    <p:extLst>
+      <p:ext uri="{BB962C8B-B14F-4D97-AF65-F5344CB8AC3E}">
+        <p14:creationId xmlns:p14="http://schemas.microsoft.com/office/powerpoint/2010/main" val="600365853"/>
+      </p:ext>
+    </p:extLst>
+  </p:cSld>
+  <p:clrMapOvr>
+    <a:masterClrMapping/>
+  </p:clrMapOvr>
+  <p:timing>
+    <p:tnLst>
+      <p:par>
+        <p:cTn xmlns:p14="http://schemas.microsoft.com/office/powerpoint/2010/main" id="1" dur="indefinite" restart="never" nodeType="tmRoot"/>
+      </p:par>
+    </p:tnLst>
+  </p:timing>
+</p:sld>
+</file>
+
 <file path=ppt/slides/slide18.xml><?xml version="1.0" encoding="utf-8"?>
 <p:sld xmlns:a="http://schemas.openxmlformats.org/drawingml/2006/main" xmlns:r="http://schemas.openxmlformats.org/officeDocument/2006/relationships" xmlns:p="http://schemas.openxmlformats.org/presentationml/2006/main">
   <p:cSld>
@@ -4992,22 +5018,20 @@
         </p:nvSpPr>
         <p:spPr>
           <a:xfrm>
-            <a:off x="457199" y="2091709"/>
-            <a:ext cx="8229600" cy="790214"/>
+            <a:off x="457199" y="946272"/>
+            <a:ext cx="8229600" cy="920993"/>
           </a:xfrm>
         </p:spPr>
         <p:txBody>
-          <a:bodyPr>
-            <a:normAutofit/>
-          </a:bodyPr>
+          <a:bodyPr/>
           <a:lstStyle/>
           <a:p>
             <a:pPr algn="l"/>
             <a:r>
-              <a:rPr lang="en-US" sz="4000" dirty="0" smtClean="0"/>
-              <a:t>Processing Requirements Week Three</a:t>
-            </a:r>
-            <a:endParaRPr lang="en-US" sz="3200" dirty="0"/>
+              <a:rPr lang="en-US" dirty="0" smtClean="0"/>
+              <a:t>What is the difference?</a:t>
+            </a:r>
+            <a:endParaRPr lang="en-US" dirty="0"/>
           </a:p>
         </p:txBody>
       </p:sp>
@@ -5019,8 +5043,8 @@
         </p:nvSpPr>
         <p:spPr>
           <a:xfrm>
-            <a:off x="457199" y="2881923"/>
-            <a:ext cx="8229599" cy="1077218"/>
+            <a:off x="457199" y="1886804"/>
+            <a:ext cx="8229599" cy="3539430"/>
           </a:xfrm>
           <a:prstGeom prst="rect">
             <a:avLst/>
@@ -5039,11 +5063,7 @@
             </a:pPr>
             <a:r>
               <a:rPr lang="en-US" sz="3200" dirty="0"/>
-              <a:t>Parse </a:t>
-            </a:r>
-            <a:r>
-              <a:rPr lang="en-US" sz="3200" dirty="0" smtClean="0"/>
-              <a:t>either CSV or TSV file</a:t>
+              <a:t>Each class is responsible for one thing.</a:t>
             </a:r>
           </a:p>
           <a:p>
@@ -5053,24 +5073,61 @@
             </a:pPr>
             <a:r>
               <a:rPr lang="en-US" sz="3200" dirty="0" smtClean="0"/>
-              <a:t>Report </a:t>
+              <a:t>Reporters are functionally interchangeable.</a:t>
+            </a:r>
+          </a:p>
+          <a:p>
+            <a:pPr marL="342900" indent="-342900">
+              <a:buFont typeface="+mj-lt"/>
+              <a:buAutoNum type="arabicPeriod"/>
+            </a:pPr>
+            <a:r>
+              <a:rPr lang="en-US" sz="3200" dirty="0" smtClean="0"/>
+              <a:t>Contracts between </a:t>
+            </a:r>
+            <a:r>
+              <a:rPr lang="en-US" sz="3200" dirty="0" err="1" smtClean="0"/>
+              <a:t>FileReporter</a:t>
+            </a:r>
+            <a:r>
+              <a:rPr lang="en-US" sz="3200" dirty="0" smtClean="0"/>
+              <a:t> and supporting objects are small and easy to learn.</a:t>
+            </a:r>
+          </a:p>
+          <a:p>
+            <a:pPr marL="342900" indent="-342900">
+              <a:buFont typeface="+mj-lt"/>
+              <a:buAutoNum type="arabicPeriod"/>
+            </a:pPr>
+            <a:r>
+              <a:rPr lang="en-US" sz="3200" dirty="0" err="1"/>
+              <a:t>FileProcessor</a:t>
             </a:r>
             <a:r>
               <a:rPr lang="en-US" sz="3200" dirty="0"/>
-              <a:t>status of the parsing via </a:t>
+              <a:t> depends on abstract idea of a reporter</a:t>
             </a:r>
             <a:r>
               <a:rPr lang="en-US" sz="3200" dirty="0" smtClean="0"/>
-              <a:t>Email or SMS</a:t>
-            </a:r>
-            <a:endParaRPr lang="en-US" sz="3200" dirty="0"/>
+              <a:t>.</a:t>
+            </a:r>
+          </a:p>
+          <a:p>
+            <a:pPr marL="342900" indent="-342900">
+              <a:buFont typeface="+mj-lt"/>
+              <a:buAutoNum type="arabicPeriod"/>
+            </a:pPr>
+            <a:r>
+              <a:rPr lang="en-US" sz="3200" dirty="0" smtClean="0"/>
+              <a:t>Testing of reporting can be done in isolation.</a:t>
+            </a:r>
           </a:p>
         </p:txBody>
       </p:sp>
     </p:spTree>
     <p:extLst>
       <p:ext uri="{BB962C8B-B14F-4D97-AF65-F5344CB8AC3E}">
-        <p14:creationId xmlns:p14="http://schemas.microsoft.com/office/powerpoint/2010/main" val="600365853"/>
+        <p14:creationId xmlns:p14="http://schemas.microsoft.com/office/powerpoint/2010/main" val="3425361927"/>
       </p:ext>
     </p:extLst>
   </p:cSld>
@@ -5116,20 +5173,22 @@
         </p:nvSpPr>
         <p:spPr>
           <a:xfrm>
-            <a:off x="457199" y="946272"/>
-            <a:ext cx="8229600" cy="920993"/>
+            <a:off x="457199" y="2091709"/>
+            <a:ext cx="8229600" cy="790214"/>
           </a:xfrm>
         </p:spPr>
         <p:txBody>
-          <a:bodyPr/>
+          <a:bodyPr>
+            <a:normAutofit/>
+          </a:bodyPr>
           <a:lstStyle/>
           <a:p>
             <a:pPr algn="l"/>
             <a:r>
-              <a:rPr lang="en-US" dirty="0" smtClean="0"/>
-              <a:t>What is the difference?</a:t>
-            </a:r>
-            <a:endParaRPr lang="en-US" dirty="0"/>
+              <a:rPr lang="en-US" sz="4000" dirty="0" smtClean="0"/>
+              <a:t>Future Processing Requirements</a:t>
+            </a:r>
+            <a:endParaRPr lang="en-US" sz="3200" dirty="0"/>
           </a:p>
         </p:txBody>
       </p:sp>
@@ -5141,8 +5200,8 @@
         </p:nvSpPr>
         <p:spPr>
           <a:xfrm>
-            <a:off x="457199" y="1886804"/>
-            <a:ext cx="8229599" cy="3539430"/>
+            <a:off x="457199" y="2881923"/>
+            <a:ext cx="8229599" cy="1569660"/>
           </a:xfrm>
           <a:prstGeom prst="rect">
             <a:avLst/>
@@ -5161,7 +5220,11 @@
             </a:pPr>
             <a:r>
               <a:rPr lang="en-US" sz="3200" dirty="0"/>
-              <a:t>Each class is responsible for one thing.</a:t>
+              <a:t>Parse </a:t>
+            </a:r>
+            <a:r>
+              <a:rPr lang="en-US" sz="3200" dirty="0" smtClean="0"/>
+              <a:t>either CSV, TSV or PDF files</a:t>
             </a:r>
           </a:p>
           <a:p>
@@ -5171,82 +5234,32 @@
             </a:pPr>
             <a:r>
               <a:rPr lang="en-US" sz="3200" dirty="0" smtClean="0"/>
-              <a:t>Reporters </a:t>
+              <a:t>Report </a:t>
+            </a:r>
+            <a:r>
+              <a:rPr lang="en-US" sz="3200" dirty="0"/>
+              <a:t>status of the parsing via </a:t>
             </a:r>
             <a:r>
               <a:rPr lang="en-US" sz="3200" dirty="0" smtClean="0"/>
-              <a:t>are </a:t>
-            </a:r>
-            <a:r>
-              <a:rPr lang="en-US" sz="3200" dirty="0" smtClean="0"/>
-              <a:t>functionally interchangeable</a:t>
+              <a:t>Email, SMS or </a:t>
+            </a:r>
+            <a:r>
+              <a:rPr lang="en-US" sz="3200" dirty="0" err="1" smtClean="0"/>
+              <a:t>Nagios</a:t>
             </a:r>
             <a:r>
               <a:rPr lang="en-US" sz="3200" dirty="0" smtClean="0"/>
               <a:t>.</a:t>
             </a:r>
-            <a:endParaRPr lang="en-US" sz="3200" dirty="0" smtClean="0"/>
-          </a:p>
-          <a:p>
-            <a:pPr marL="342900" indent="-342900">
-              <a:buFont typeface="+mj-lt"/>
-              <a:buAutoNum type="arabicPeriod"/>
-            </a:pPr>
-            <a:r>
-              <a:rPr lang="en-US" sz="3200" dirty="0" smtClean="0"/>
-              <a:t>Contracts </a:t>
-            </a:r>
-            <a:r>
-              <a:rPr lang="en-US" sz="3200" dirty="0" smtClean="0"/>
-              <a:t>between </a:t>
-            </a:r>
-            <a:r>
-              <a:rPr lang="en-US" sz="3200" dirty="0" err="1" smtClean="0"/>
-              <a:t>FileReporter</a:t>
-            </a:r>
-            <a:r>
-              <a:rPr lang="en-US" sz="3200" dirty="0" smtClean="0"/>
-              <a:t> and supporting objects are small and easy to learn</a:t>
-            </a:r>
-            <a:r>
-              <a:rPr lang="en-US" sz="3200" dirty="0" smtClean="0"/>
-              <a:t>.</a:t>
-            </a:r>
-          </a:p>
-          <a:p>
-            <a:pPr marL="342900" indent="-342900">
-              <a:buFont typeface="+mj-lt"/>
-              <a:buAutoNum type="arabicPeriod"/>
-            </a:pPr>
-            <a:r>
-              <a:rPr lang="en-US" sz="3200" dirty="0" err="1"/>
-              <a:t>FileProcessor</a:t>
-            </a:r>
-            <a:r>
-              <a:rPr lang="en-US" sz="3200" dirty="0"/>
-              <a:t> depends on abstract idea of a reporter</a:t>
-            </a:r>
-            <a:r>
-              <a:rPr lang="en-US" sz="3200" dirty="0" smtClean="0"/>
-              <a:t>.</a:t>
-            </a:r>
-          </a:p>
-          <a:p>
-            <a:pPr marL="342900" indent="-342900">
-              <a:buFont typeface="+mj-lt"/>
-              <a:buAutoNum type="arabicPeriod"/>
-            </a:pPr>
-            <a:r>
-              <a:rPr lang="en-US" sz="3200" dirty="0" smtClean="0"/>
-              <a:t>Testing of reporting can be done in isolation.</a:t>
-            </a:r>
+            <a:endParaRPr lang="en-US" sz="3200" dirty="0"/>
           </a:p>
         </p:txBody>
       </p:sp>
     </p:spTree>
     <p:extLst>
       <p:ext uri="{BB962C8B-B14F-4D97-AF65-F5344CB8AC3E}">
-        <p14:creationId xmlns:p14="http://schemas.microsoft.com/office/powerpoint/2010/main" val="3425361927"/>
+        <p14:creationId xmlns:p14="http://schemas.microsoft.com/office/powerpoint/2010/main" val="42081683"/>
       </p:ext>
     </p:extLst>
   </p:cSld>
@@ -5409,138 +5422,11 @@
         </p:nvSpPr>
         <p:spPr>
           <a:xfrm>
-            <a:off x="457199" y="2091709"/>
-            <a:ext cx="8229600" cy="790214"/>
+            <a:off x="457200" y="2843946"/>
+            <a:ext cx="8229600" cy="1143000"/>
           </a:xfrm>
         </p:spPr>
         <p:txBody>
-          <a:bodyPr>
-            <a:normAutofit/>
-          </a:bodyPr>
-          <a:lstStyle/>
-          <a:p>
-            <a:pPr algn="l"/>
-            <a:r>
-              <a:rPr lang="en-US" sz="4000" dirty="0" smtClean="0"/>
-              <a:t>Future Processing Requirements</a:t>
-            </a:r>
-            <a:endParaRPr lang="en-US" sz="3200" dirty="0"/>
-          </a:p>
-        </p:txBody>
-      </p:sp>
-      <p:sp>
-        <p:nvSpPr>
-          <p:cNvPr id="3" name="TextBox 2"/>
-          <p:cNvSpPr txBox="1"/>
-          <p:nvPr/>
-        </p:nvSpPr>
-        <p:spPr>
-          <a:xfrm>
-            <a:off x="457199" y="2881923"/>
-            <a:ext cx="8229599" cy="1569660"/>
-          </a:xfrm>
-          <a:prstGeom prst="rect">
-            <a:avLst/>
-          </a:prstGeom>
-          <a:noFill/>
-        </p:spPr>
-        <p:txBody>
-          <a:bodyPr wrap="square" rtlCol="0">
-            <a:spAutoFit/>
-          </a:bodyPr>
-          <a:lstStyle/>
-          <a:p>
-            <a:pPr marL="342900" indent="-342900">
-              <a:buFont typeface="+mj-lt"/>
-              <a:buAutoNum type="arabicPeriod"/>
-            </a:pPr>
-            <a:r>
-              <a:rPr lang="en-US" sz="3200" dirty="0"/>
-              <a:t>Parse </a:t>
-            </a:r>
-            <a:r>
-              <a:rPr lang="en-US" sz="3200" dirty="0" smtClean="0"/>
-              <a:t>either CSV, TSV or PDF files</a:t>
-            </a:r>
-          </a:p>
-          <a:p>
-            <a:pPr marL="342900" indent="-342900">
-              <a:buFont typeface="+mj-lt"/>
-              <a:buAutoNum type="arabicPeriod"/>
-            </a:pPr>
-            <a:r>
-              <a:rPr lang="en-US" sz="3200" dirty="0" smtClean="0"/>
-              <a:t>Report </a:t>
-            </a:r>
-            <a:r>
-              <a:rPr lang="en-US" sz="3200" dirty="0"/>
-              <a:t>status of the parsing via </a:t>
-            </a:r>
-            <a:r>
-              <a:rPr lang="en-US" sz="3200" dirty="0" smtClean="0"/>
-              <a:t>Email, SMS or </a:t>
-            </a:r>
-            <a:r>
-              <a:rPr lang="en-US" sz="3200" dirty="0" err="1" smtClean="0"/>
-              <a:t>Nagios</a:t>
-            </a:r>
-            <a:r>
-              <a:rPr lang="en-US" sz="3200" dirty="0" smtClean="0"/>
-              <a:t>.</a:t>
-            </a:r>
-            <a:endParaRPr lang="en-US" sz="3200" dirty="0"/>
-          </a:p>
-        </p:txBody>
-      </p:sp>
-    </p:spTree>
-    <p:extLst>
-      <p:ext uri="{BB962C8B-B14F-4D97-AF65-F5344CB8AC3E}">
-        <p14:creationId xmlns:p14="http://schemas.microsoft.com/office/powerpoint/2010/main" val="42081683"/>
-      </p:ext>
-    </p:extLst>
-  </p:cSld>
-  <p:clrMapOvr>
-    <a:masterClrMapping/>
-  </p:clrMapOvr>
-  <p:timing>
-    <p:tnLst>
-      <p:par>
-        <p:cTn xmlns:p14="http://schemas.microsoft.com/office/powerpoint/2010/main" id="1" dur="indefinite" restart="never" nodeType="tmRoot"/>
-      </p:par>
-    </p:tnLst>
-  </p:timing>
-</p:sld>
-</file>
-
-<file path=ppt/slides/slide21.xml><?xml version="1.0" encoding="utf-8"?>
-<p:sld xmlns:a="http://schemas.openxmlformats.org/drawingml/2006/main" xmlns:r="http://schemas.openxmlformats.org/officeDocument/2006/relationships" xmlns:p="http://schemas.openxmlformats.org/presentationml/2006/main">
-  <p:cSld>
-    <p:spTree>
-      <p:nvGrpSpPr>
-        <p:cNvPr id="1" name=""/>
-        <p:cNvGrpSpPr/>
-        <p:nvPr/>
-      </p:nvGrpSpPr>
-      <p:grpSpPr>
-        <a:xfrm>
-          <a:off x="0" y="0"/>
-          <a:ext cx="0" cy="0"/>
-          <a:chOff x="0" y="0"/>
-          <a:chExt cx="0" cy="0"/>
-        </a:xfrm>
-      </p:grpSpPr>
-      <p:sp>
-        <p:nvSpPr>
-          <p:cNvPr id="2" name="Title 1"/>
-          <p:cNvSpPr>
-            <a:spLocks noGrp="1"/>
-          </p:cNvSpPr>
-          <p:nvPr>
-            <p:ph type="title"/>
-          </p:nvPr>
-        </p:nvSpPr>
-        <p:spPr/>
-        <p:txBody>
           <a:bodyPr/>
           <a:lstStyle/>
           <a:p>
@@ -5549,84 +5435,6 @@
               <a:t>SOLID</a:t>
             </a:r>
             <a:endParaRPr lang="en-US" dirty="0"/>
-          </a:p>
-        </p:txBody>
-      </p:sp>
-      <p:sp>
-        <p:nvSpPr>
-          <p:cNvPr id="3" name="TextBox 2"/>
-          <p:cNvSpPr txBox="1"/>
-          <p:nvPr/>
-        </p:nvSpPr>
-        <p:spPr>
-          <a:xfrm>
-            <a:off x="457200" y="2012462"/>
-            <a:ext cx="8229600" cy="2554545"/>
-          </a:xfrm>
-          <a:prstGeom prst="rect">
-            <a:avLst/>
-          </a:prstGeom>
-          <a:noFill/>
-        </p:spPr>
-        <p:txBody>
-          <a:bodyPr wrap="square" rtlCol="0">
-            <a:spAutoFit/>
-          </a:bodyPr>
-          <a:lstStyle/>
-          <a:p>
-            <a:r>
-              <a:rPr lang="en-US" sz="3200" u="sng" dirty="0" smtClean="0"/>
-              <a:t>S</a:t>
-            </a:r>
-            <a:r>
-              <a:rPr lang="en-US" sz="3200" dirty="0" smtClean="0"/>
-              <a:t>ingle Responsibility Principle</a:t>
-            </a:r>
-          </a:p>
-          <a:p>
-            <a:r>
-              <a:rPr lang="en-US" sz="3200" u="sng" dirty="0" smtClean="0"/>
-              <a:t>O</a:t>
-            </a:r>
-            <a:r>
-              <a:rPr lang="en-US" sz="3200" dirty="0" smtClean="0"/>
-              <a:t>pen for extension/ closed to modification</a:t>
-            </a:r>
-          </a:p>
-          <a:p>
-            <a:r>
-              <a:rPr lang="en-US" sz="3200" u="sng" dirty="0" err="1" smtClean="0"/>
-              <a:t>L</a:t>
-            </a:r>
-            <a:r>
-              <a:rPr lang="en-US" sz="3200" dirty="0" err="1" smtClean="0"/>
-              <a:t>iskov</a:t>
-            </a:r>
-            <a:r>
-              <a:rPr lang="en-US" sz="3200" dirty="0" smtClean="0"/>
-              <a:t> Substitution Principle</a:t>
-            </a:r>
-          </a:p>
-          <a:p>
-            <a:r>
-              <a:rPr lang="en-US" sz="3200" u="sng" dirty="0" smtClean="0"/>
-              <a:t>I</a:t>
-            </a:r>
-            <a:r>
-              <a:rPr lang="en-US" sz="3200" dirty="0" smtClean="0"/>
-              <a:t>nterface Segregation</a:t>
-            </a:r>
-          </a:p>
-          <a:p>
-            <a:r>
-              <a:rPr lang="en-US" sz="3200" u="sng" dirty="0" smtClean="0"/>
-              <a:t>D</a:t>
-            </a:r>
-            <a:r>
-              <a:rPr lang="en-US" sz="3200" dirty="0" smtClean="0"/>
-              <a:t>ependency Inversion</a:t>
-            </a:r>
-            <a:endParaRPr lang="en-US" sz="3200" dirty="0"/>
           </a:p>
         </p:txBody>
       </p:sp>
@@ -5650,7 +5458,7 @@
 </p:sld>
 </file>
 
-<file path=ppt/slides/slide22.xml><?xml version="1.0" encoding="utf-8"?>
+<file path=ppt/slides/slide21.xml><?xml version="1.0" encoding="utf-8"?>
 <p:sld xmlns:a="http://schemas.openxmlformats.org/drawingml/2006/main" xmlns:r="http://schemas.openxmlformats.org/officeDocument/2006/relationships" xmlns:p="http://schemas.openxmlformats.org/presentationml/2006/main">
   <p:cSld>
     <p:bg>
@@ -5725,6 +5533,76 @@
 </p:sld>
 </file>
 
+<file path=ppt/slides/slide22.xml><?xml version="1.0" encoding="utf-8"?>
+<p:sld xmlns:a="http://schemas.openxmlformats.org/drawingml/2006/main" xmlns:r="http://schemas.openxmlformats.org/officeDocument/2006/relationships" xmlns:p="http://schemas.openxmlformats.org/presentationml/2006/main">
+  <p:cSld>
+    <p:spTree>
+      <p:nvGrpSpPr>
+        <p:cNvPr id="1" name=""/>
+        <p:cNvGrpSpPr/>
+        <p:nvPr/>
+      </p:nvGrpSpPr>
+      <p:grpSpPr>
+        <a:xfrm>
+          <a:off x="0" y="0"/>
+          <a:ext cx="0" cy="0"/>
+          <a:chOff x="0" y="0"/>
+          <a:chExt cx="0" cy="0"/>
+        </a:xfrm>
+      </p:grpSpPr>
+      <p:sp>
+        <p:nvSpPr>
+          <p:cNvPr id="3" name="TextBox 2"/>
+          <p:cNvSpPr txBox="1"/>
+          <p:nvPr/>
+        </p:nvSpPr>
+        <p:spPr>
+          <a:xfrm>
+            <a:off x="623277" y="3077308"/>
+            <a:ext cx="8229600" cy="707886"/>
+          </a:xfrm>
+          <a:prstGeom prst="rect">
+            <a:avLst/>
+          </a:prstGeom>
+          <a:noFill/>
+        </p:spPr>
+        <p:txBody>
+          <a:bodyPr wrap="square" rtlCol="0">
+            <a:spAutoFit/>
+          </a:bodyPr>
+          <a:lstStyle/>
+          <a:p>
+            <a:r>
+              <a:rPr lang="en-US" sz="4000" u="sng" dirty="0" smtClean="0"/>
+              <a:t>S</a:t>
+            </a:r>
+            <a:r>
+              <a:rPr lang="en-US" sz="4000" dirty="0" smtClean="0"/>
+              <a:t>ingle Responsibility Principle</a:t>
+            </a:r>
+          </a:p>
+        </p:txBody>
+      </p:sp>
+    </p:spTree>
+    <p:extLst>
+      <p:ext uri="{BB962C8B-B14F-4D97-AF65-F5344CB8AC3E}">
+        <p14:creationId xmlns:p14="http://schemas.microsoft.com/office/powerpoint/2010/main" val="242496255"/>
+      </p:ext>
+    </p:extLst>
+  </p:cSld>
+  <p:clrMapOvr>
+    <a:masterClrMapping/>
+  </p:clrMapOvr>
+  <p:timing>
+    <p:tnLst>
+      <p:par>
+        <p:cTn xmlns:p14="http://schemas.microsoft.com/office/powerpoint/2010/main" id="1" dur="indefinite" restart="never" nodeType="tmRoot"/>
+      </p:par>
+    </p:tnLst>
+  </p:timing>
+</p:sld>
+</file>
+
 <file path=ppt/slides/slide23.xml><?xml version="1.0" encoding="utf-8"?>
 <p:sld xmlns:a="http://schemas.openxmlformats.org/drawingml/2006/main" xmlns:r="http://schemas.openxmlformats.org/officeDocument/2006/relationships" xmlns:p="http://schemas.openxmlformats.org/presentationml/2006/main">
   <p:cSld>
@@ -5744,84 +5622,48 @@
       </p:grpSpPr>
       <p:sp>
         <p:nvSpPr>
-          <p:cNvPr id="2" name="Title 1"/>
-          <p:cNvSpPr>
-            <a:spLocks noGrp="1"/>
-          </p:cNvSpPr>
-          <p:nvPr>
-            <p:ph type="title"/>
-          </p:nvPr>
+          <p:cNvPr id="3" name="TextBox 2"/>
+          <p:cNvSpPr txBox="1"/>
+          <p:nvPr/>
         </p:nvSpPr>
         <p:spPr>
           <a:xfrm>
-            <a:off x="457200" y="605692"/>
-            <a:ext cx="8229600" cy="2765792"/>
+            <a:off x="623277" y="2774462"/>
+            <a:ext cx="8229600" cy="1323439"/>
           </a:xfrm>
+          <a:prstGeom prst="rect">
+            <a:avLst/>
+          </a:prstGeom>
+          <a:noFill/>
         </p:spPr>
         <p:txBody>
-          <a:bodyPr>
-            <a:normAutofit/>
+          <a:bodyPr wrap="square" rtlCol="0">
+            <a:spAutoFit/>
           </a:bodyPr>
           <a:lstStyle/>
           <a:p>
-            <a:pPr algn="l"/>
-            <a:r>
-              <a:rPr lang="en-US" dirty="0"/>
-              <a:t>Image Attributions</a:t>
-            </a:r>
-            <a:br>
-              <a:rPr lang="en-US" dirty="0"/>
-            </a:br>
-            <a:r>
-              <a:rPr lang="en-US" sz="2400" dirty="0" smtClean="0"/>
-              <a:t>(1</a:t>
-            </a:r>
-            <a:r>
-              <a:rPr lang="en-US" sz="2400" dirty="0"/>
-              <a:t>) http://</a:t>
-            </a:r>
-            <a:r>
-              <a:rPr lang="en-US" sz="2400" dirty="0" err="1"/>
-              <a:t>www.flickr.com</a:t>
-            </a:r>
-            <a:r>
-              <a:rPr lang="en-US" sz="2400" dirty="0"/>
-              <a:t>/people/span112</a:t>
-            </a:r>
-            <a:r>
-              <a:rPr lang="en-US" sz="2400" dirty="0" smtClean="0"/>
-              <a:t>/</a:t>
-            </a:r>
-            <a:br>
-              <a:rPr lang="en-US" sz="2400" dirty="0" smtClean="0"/>
-            </a:br>
-            <a:r>
-              <a:rPr lang="en-US" sz="2400" dirty="0"/>
-              <a:t>(2) http://</a:t>
-            </a:r>
-            <a:r>
-              <a:rPr lang="en-US" sz="2400" dirty="0" err="1"/>
-              <a:t>www.flickr.com</a:t>
-            </a:r>
-            <a:r>
-              <a:rPr lang="en-US" sz="2400" dirty="0"/>
-              <a:t>/people/</a:t>
-            </a:r>
-            <a:r>
-              <a:rPr lang="en-US" sz="2400" dirty="0" err="1"/>
-              <a:t>emsl</a:t>
-            </a:r>
-            <a:r>
-              <a:rPr lang="en-US" sz="2400" dirty="0"/>
-              <a:t>/</a:t>
-            </a:r>
+            <a:r>
+              <a:rPr lang="en-US" sz="4000" u="sng" dirty="0" smtClean="0"/>
+              <a:t>O</a:t>
+            </a:r>
+            <a:r>
+              <a:rPr lang="en-US" sz="4000" dirty="0" smtClean="0"/>
+              <a:t>pen for extension</a:t>
+            </a:r>
+          </a:p>
+          <a:p>
+            <a:r>
+              <a:rPr lang="en-US" sz="4000" dirty="0" smtClean="0"/>
+              <a:t>Closed to modification</a:t>
+            </a:r>
+            <a:endParaRPr lang="en-US" sz="4000" dirty="0"/>
           </a:p>
         </p:txBody>
       </p:sp>
     </p:spTree>
     <p:extLst>
       <p:ext uri="{BB962C8B-B14F-4D97-AF65-F5344CB8AC3E}">
-        <p14:creationId xmlns:p14="http://schemas.microsoft.com/office/powerpoint/2010/main" val="536189703"/>
+        <p14:creationId xmlns:p14="http://schemas.microsoft.com/office/powerpoint/2010/main" val="4273581512"/>
       </p:ext>
     </p:extLst>
   </p:cSld>
@@ -5857,18 +5699,431 @@
       </p:grpSpPr>
       <p:sp>
         <p:nvSpPr>
-          <p:cNvPr id="2" name="Title 1"/>
-          <p:cNvSpPr>
-            <a:spLocks noGrp="1"/>
-          </p:cNvSpPr>
-          <p:nvPr>
-            <p:ph type="title"/>
-          </p:nvPr>
+          <p:cNvPr id="3" name="TextBox 2"/>
+          <p:cNvSpPr txBox="1"/>
+          <p:nvPr/>
         </p:nvSpPr>
         <p:spPr>
           <a:xfrm>
-            <a:off x="457200" y="605692"/>
-            <a:ext cx="8229600" cy="859693"/>
+            <a:off x="623277" y="2774462"/>
+            <a:ext cx="8229600" cy="707886"/>
+          </a:xfrm>
+          <a:prstGeom prst="rect">
+            <a:avLst/>
+          </a:prstGeom>
+          <a:noFill/>
+        </p:spPr>
+        <p:txBody>
+          <a:bodyPr wrap="square" rtlCol="0">
+            <a:spAutoFit/>
+          </a:bodyPr>
+          <a:lstStyle/>
+          <a:p>
+            <a:r>
+              <a:rPr lang="en-US" sz="4000" u="sng" dirty="0" err="1"/>
+              <a:t>L</a:t>
+            </a:r>
+            <a:r>
+              <a:rPr lang="en-US" sz="4000" dirty="0" err="1"/>
+              <a:t>iskov</a:t>
+            </a:r>
+            <a:r>
+              <a:rPr lang="en-US" sz="4000" dirty="0"/>
+              <a:t> Substitution Principle</a:t>
+            </a:r>
+          </a:p>
+        </p:txBody>
+      </p:sp>
+    </p:spTree>
+    <p:extLst>
+      <p:ext uri="{BB962C8B-B14F-4D97-AF65-F5344CB8AC3E}">
+        <p14:creationId xmlns:p14="http://schemas.microsoft.com/office/powerpoint/2010/main" val="2070299927"/>
+      </p:ext>
+    </p:extLst>
+  </p:cSld>
+  <p:clrMapOvr>
+    <a:masterClrMapping/>
+  </p:clrMapOvr>
+  <p:timing>
+    <p:tnLst>
+      <p:par>
+        <p:cTn xmlns:p14="http://schemas.microsoft.com/office/powerpoint/2010/main" id="1" dur="indefinite" restart="never" nodeType="tmRoot"/>
+      </p:par>
+    </p:tnLst>
+  </p:timing>
+</p:sld>
+</file>
+
+<file path=ppt/slides/slide25.xml><?xml version="1.0" encoding="utf-8"?>
+<p:sld xmlns:a="http://schemas.openxmlformats.org/drawingml/2006/main" xmlns:r="http://schemas.openxmlformats.org/officeDocument/2006/relationships" xmlns:p="http://schemas.openxmlformats.org/presentationml/2006/main">
+  <p:cSld>
+    <p:spTree>
+      <p:nvGrpSpPr>
+        <p:cNvPr id="1" name=""/>
+        <p:cNvGrpSpPr/>
+        <p:nvPr/>
+      </p:nvGrpSpPr>
+      <p:grpSpPr>
+        <a:xfrm>
+          <a:off x="0" y="0"/>
+          <a:ext cx="0" cy="0"/>
+          <a:chOff x="0" y="0"/>
+          <a:chExt cx="0" cy="0"/>
+        </a:xfrm>
+      </p:grpSpPr>
+      <p:sp>
+        <p:nvSpPr>
+          <p:cNvPr id="3" name="TextBox 2"/>
+          <p:cNvSpPr txBox="1"/>
+          <p:nvPr/>
+        </p:nvSpPr>
+        <p:spPr>
+          <a:xfrm>
+            <a:off x="623277" y="2774462"/>
+            <a:ext cx="8229600" cy="707886"/>
+          </a:xfrm>
+          <a:prstGeom prst="rect">
+            <a:avLst/>
+          </a:prstGeom>
+          <a:noFill/>
+        </p:spPr>
+        <p:txBody>
+          <a:bodyPr wrap="square" rtlCol="0">
+            <a:spAutoFit/>
+          </a:bodyPr>
+          <a:lstStyle/>
+          <a:p>
+            <a:r>
+              <a:rPr lang="en-US" sz="4000" u="sng" dirty="0"/>
+              <a:t>I</a:t>
+            </a:r>
+            <a:r>
+              <a:rPr lang="en-US" sz="4000" dirty="0"/>
+              <a:t>nterface Segregation</a:t>
+            </a:r>
+          </a:p>
+        </p:txBody>
+      </p:sp>
+    </p:spTree>
+    <p:extLst>
+      <p:ext uri="{BB962C8B-B14F-4D97-AF65-F5344CB8AC3E}">
+        <p14:creationId xmlns:p14="http://schemas.microsoft.com/office/powerpoint/2010/main" val="2923803041"/>
+      </p:ext>
+    </p:extLst>
+  </p:cSld>
+  <p:clrMapOvr>
+    <a:masterClrMapping/>
+  </p:clrMapOvr>
+  <p:timing>
+    <p:tnLst>
+      <p:par>
+        <p:cTn xmlns:p14="http://schemas.microsoft.com/office/powerpoint/2010/main" id="1" dur="indefinite" restart="never" nodeType="tmRoot"/>
+      </p:par>
+    </p:tnLst>
+  </p:timing>
+</p:sld>
+</file>
+
+<file path=ppt/slides/slide26.xml><?xml version="1.0" encoding="utf-8"?>
+<p:sld xmlns:a="http://schemas.openxmlformats.org/drawingml/2006/main" xmlns:r="http://schemas.openxmlformats.org/officeDocument/2006/relationships" xmlns:p="http://schemas.openxmlformats.org/presentationml/2006/main">
+  <p:cSld>
+    <p:spTree>
+      <p:nvGrpSpPr>
+        <p:cNvPr id="1" name=""/>
+        <p:cNvGrpSpPr/>
+        <p:nvPr/>
+      </p:nvGrpSpPr>
+      <p:grpSpPr>
+        <a:xfrm>
+          <a:off x="0" y="0"/>
+          <a:ext cx="0" cy="0"/>
+          <a:chOff x="0" y="0"/>
+          <a:chExt cx="0" cy="0"/>
+        </a:xfrm>
+      </p:grpSpPr>
+      <p:sp>
+        <p:nvSpPr>
+          <p:cNvPr id="3" name="TextBox 2"/>
+          <p:cNvSpPr txBox="1"/>
+          <p:nvPr/>
+        </p:nvSpPr>
+        <p:spPr>
+          <a:xfrm>
+            <a:off x="623277" y="2774462"/>
+            <a:ext cx="8229600" cy="707886"/>
+          </a:xfrm>
+          <a:prstGeom prst="rect">
+            <a:avLst/>
+          </a:prstGeom>
+          <a:noFill/>
+        </p:spPr>
+        <p:txBody>
+          <a:bodyPr wrap="square" rtlCol="0">
+            <a:spAutoFit/>
+          </a:bodyPr>
+          <a:lstStyle/>
+          <a:p>
+            <a:r>
+              <a:rPr lang="en-US" sz="4000" u="sng" dirty="0"/>
+              <a:t>D</a:t>
+            </a:r>
+            <a:r>
+              <a:rPr lang="en-US" sz="4000" dirty="0"/>
+              <a:t>ependency Inversion</a:t>
+            </a:r>
+          </a:p>
+        </p:txBody>
+      </p:sp>
+    </p:spTree>
+    <p:extLst>
+      <p:ext uri="{BB962C8B-B14F-4D97-AF65-F5344CB8AC3E}">
+        <p14:creationId xmlns:p14="http://schemas.microsoft.com/office/powerpoint/2010/main" val="854779033"/>
+      </p:ext>
+    </p:extLst>
+  </p:cSld>
+  <p:clrMapOvr>
+    <a:masterClrMapping/>
+  </p:clrMapOvr>
+  <p:timing>
+    <p:tnLst>
+      <p:par>
+        <p:cTn xmlns:p14="http://schemas.microsoft.com/office/powerpoint/2010/main" id="1" dur="indefinite" restart="never" nodeType="tmRoot"/>
+      </p:par>
+    </p:tnLst>
+  </p:timing>
+</p:sld>
+</file>
+
+<file path=ppt/slides/slide27.xml><?xml version="1.0" encoding="utf-8"?>
+<p:sld xmlns:a="http://schemas.openxmlformats.org/drawingml/2006/main" xmlns:r="http://schemas.openxmlformats.org/officeDocument/2006/relationships" xmlns:p="http://schemas.openxmlformats.org/presentationml/2006/main">
+  <p:cSld>
+    <p:spTree>
+      <p:nvGrpSpPr>
+        <p:cNvPr id="1" name=""/>
+        <p:cNvGrpSpPr/>
+        <p:nvPr/>
+      </p:nvGrpSpPr>
+      <p:grpSpPr>
+        <a:xfrm>
+          <a:off x="0" y="0"/>
+          <a:ext cx="0" cy="0"/>
+          <a:chOff x="0" y="0"/>
+          <a:chExt cx="0" cy="0"/>
+        </a:xfrm>
+      </p:grpSpPr>
+      <p:pic>
+        <p:nvPicPr>
+          <p:cNvPr id="3" name="Picture 2" descr="mileage.jpg"/>
+          <p:cNvPicPr>
+            <a:picLocks noChangeAspect="1"/>
+          </p:cNvPicPr>
+          <p:nvPr/>
+        </p:nvPicPr>
+        <p:blipFill>
+          <a:blip r:embed="rId2">
+            <a:extLst>
+              <a:ext uri="{28A0092B-C50C-407E-A947-70E740481C1C}">
+                <a14:useLocalDpi xmlns:a14="http://schemas.microsoft.com/office/drawing/2010/main" val="0"/>
+              </a:ext>
+            </a:extLst>
+          </a:blip>
+          <a:stretch>
+            <a:fillRect/>
+          </a:stretch>
+        </p:blipFill>
+        <p:spPr>
+          <a:xfrm>
+            <a:off x="0" y="-6350"/>
+            <a:ext cx="9144000" cy="6858000"/>
+          </a:xfrm>
+          <a:prstGeom prst="rect">
+            <a:avLst/>
+          </a:prstGeom>
+        </p:spPr>
+      </p:pic>
+      <p:sp>
+        <p:nvSpPr>
+          <p:cNvPr id="5" name="TextBox 4"/>
+          <p:cNvSpPr txBox="1"/>
+          <p:nvPr/>
+        </p:nvSpPr>
+        <p:spPr>
+          <a:xfrm>
+            <a:off x="0" y="1914768"/>
+            <a:ext cx="5988538" cy="707886"/>
+          </a:xfrm>
+          <a:prstGeom prst="rect">
+            <a:avLst/>
+          </a:prstGeom>
+          <a:solidFill>
+            <a:schemeClr val="bg1"/>
+          </a:solidFill>
+        </p:spPr>
+        <p:txBody>
+          <a:bodyPr wrap="square" rtlCol="0">
+            <a:spAutoFit/>
+          </a:bodyPr>
+          <a:lstStyle/>
+          <a:p>
+            <a:r>
+              <a:rPr lang="en-US" sz="4000" dirty="0" smtClean="0"/>
+              <a:t>Your mileage may vary </a:t>
+            </a:r>
+            <a:r>
+              <a:rPr lang="en-US" sz="4000" baseline="30000" dirty="0" smtClean="0"/>
+              <a:t>(3)</a:t>
+            </a:r>
+            <a:endParaRPr lang="en-US" sz="4000" baseline="30000" dirty="0"/>
+          </a:p>
+        </p:txBody>
+      </p:sp>
+    </p:spTree>
+    <p:extLst>
+      <p:ext uri="{BB962C8B-B14F-4D97-AF65-F5344CB8AC3E}">
+        <p14:creationId xmlns:p14="http://schemas.microsoft.com/office/powerpoint/2010/main" val="3270619223"/>
+      </p:ext>
+    </p:extLst>
+  </p:cSld>
+  <p:clrMapOvr>
+    <a:masterClrMapping/>
+  </p:clrMapOvr>
+  <p:timing>
+    <p:tnLst>
+      <p:par>
+        <p:cTn xmlns:p14="http://schemas.microsoft.com/office/powerpoint/2010/main" id="1" dur="indefinite" restart="never" nodeType="tmRoot"/>
+      </p:par>
+    </p:tnLst>
+  </p:timing>
+</p:sld>
+</file>
+
+<file path=ppt/slides/slide28.xml><?xml version="1.0" encoding="utf-8"?>
+<p:sld xmlns:a="http://schemas.openxmlformats.org/drawingml/2006/main" xmlns:r="http://schemas.openxmlformats.org/officeDocument/2006/relationships" xmlns:p="http://schemas.openxmlformats.org/presentationml/2006/main">
+  <p:cSld>
+    <p:spTree>
+      <p:nvGrpSpPr>
+        <p:cNvPr id="1" name=""/>
+        <p:cNvGrpSpPr/>
+        <p:nvPr/>
+      </p:nvGrpSpPr>
+      <p:grpSpPr>
+        <a:xfrm>
+          <a:off x="0" y="0"/>
+          <a:ext cx="0" cy="0"/>
+          <a:chOff x="0" y="0"/>
+          <a:chExt cx="0" cy="0"/>
+        </a:xfrm>
+      </p:grpSpPr>
+      <p:pic>
+        <p:nvPicPr>
+          <p:cNvPr id="3" name="Picture 2" descr="thankYou.jpg"/>
+          <p:cNvPicPr>
+            <a:picLocks noChangeAspect="1"/>
+          </p:cNvPicPr>
+          <p:nvPr/>
+        </p:nvPicPr>
+        <p:blipFill>
+          <a:blip r:embed="rId2">
+            <a:extLst>
+              <a:ext uri="{28A0092B-C50C-407E-A947-70E740481C1C}">
+                <a14:useLocalDpi xmlns:a14="http://schemas.microsoft.com/office/drawing/2010/main" val="0"/>
+              </a:ext>
+            </a:extLst>
+          </a:blip>
+          <a:stretch>
+            <a:fillRect/>
+          </a:stretch>
+        </p:blipFill>
+        <p:spPr>
+          <a:xfrm>
+            <a:off x="0" y="0"/>
+            <a:ext cx="9144000" cy="6858000"/>
+          </a:xfrm>
+          <a:prstGeom prst="rect">
+            <a:avLst/>
+          </a:prstGeom>
+        </p:spPr>
+      </p:pic>
+      <p:sp>
+        <p:nvSpPr>
+          <p:cNvPr id="4" name="TextBox 3"/>
+          <p:cNvSpPr txBox="1"/>
+          <p:nvPr/>
+        </p:nvSpPr>
+        <p:spPr>
+          <a:xfrm>
+            <a:off x="-1" y="3214076"/>
+            <a:ext cx="4064001" cy="707886"/>
+          </a:xfrm>
+          <a:prstGeom prst="rect">
+            <a:avLst/>
+          </a:prstGeom>
+          <a:solidFill>
+            <a:schemeClr val="bg1"/>
+          </a:solidFill>
+        </p:spPr>
+        <p:txBody>
+          <a:bodyPr wrap="square" rtlCol="0">
+            <a:spAutoFit/>
+          </a:bodyPr>
+          <a:lstStyle/>
+          <a:p>
+            <a:r>
+              <a:rPr lang="en-US" sz="4000" dirty="0" smtClean="0"/>
+              <a:t>Any questions? </a:t>
+            </a:r>
+            <a:r>
+              <a:rPr lang="en-US" sz="4000" baseline="30000" dirty="0" smtClean="0"/>
+              <a:t>(4)</a:t>
+            </a:r>
+            <a:endParaRPr lang="en-US" sz="4000" baseline="30000" dirty="0"/>
+          </a:p>
+        </p:txBody>
+      </p:sp>
+    </p:spTree>
+    <p:extLst>
+      <p:ext uri="{BB962C8B-B14F-4D97-AF65-F5344CB8AC3E}">
+        <p14:creationId xmlns:p14="http://schemas.microsoft.com/office/powerpoint/2010/main" val="3510348804"/>
+      </p:ext>
+    </p:extLst>
+  </p:cSld>
+  <p:clrMapOvr>
+    <a:masterClrMapping/>
+  </p:clrMapOvr>
+</p:sld>
+</file>
+
+<file path=ppt/slides/slide29.xml><?xml version="1.0" encoding="utf-8"?>
+<p:sld xmlns:a="http://schemas.openxmlformats.org/drawingml/2006/main" xmlns:r="http://schemas.openxmlformats.org/officeDocument/2006/relationships" xmlns:p="http://schemas.openxmlformats.org/presentationml/2006/main">
+  <p:cSld>
+    <p:spTree>
+      <p:nvGrpSpPr>
+        <p:cNvPr id="1" name=""/>
+        <p:cNvGrpSpPr/>
+        <p:nvPr/>
+      </p:nvGrpSpPr>
+      <p:grpSpPr>
+        <a:xfrm>
+          <a:off x="0" y="0"/>
+          <a:ext cx="0" cy="0"/>
+          <a:chOff x="0" y="0"/>
+          <a:chExt cx="0" cy="0"/>
+        </a:xfrm>
+      </p:grpSpPr>
+      <p:sp>
+        <p:nvSpPr>
+          <p:cNvPr id="2" name="Title 1"/>
+          <p:cNvSpPr>
+            <a:spLocks noGrp="1"/>
+          </p:cNvSpPr>
+          <p:nvPr>
+            <p:ph type="title"/>
+          </p:nvPr>
+        </p:nvSpPr>
+        <p:spPr>
+          <a:xfrm>
+            <a:off x="457200" y="298511"/>
+            <a:ext cx="8229600" cy="2765792"/>
           </a:xfrm>
         </p:spPr>
         <p:txBody>
@@ -5879,7 +6134,141 @@
           <a:p>
             <a:pPr algn="l"/>
             <a:r>
-              <a:rPr lang="en-US" dirty="0" smtClean="0"/>
+              <a:rPr lang="en-US" dirty="0"/>
+              <a:t>Image Attributions</a:t>
+            </a:r>
+            <a:br>
+              <a:rPr lang="en-US" dirty="0"/>
+            </a:br>
+            <a:r>
+              <a:rPr lang="en-US" sz="2400" dirty="0" smtClean="0"/>
+              <a:t>(1</a:t>
+            </a:r>
+            <a:r>
+              <a:rPr lang="en-US" sz="2400" dirty="0"/>
+              <a:t>) http://</a:t>
+            </a:r>
+            <a:r>
+              <a:rPr lang="en-US" sz="2400" dirty="0" err="1"/>
+              <a:t>www.flickr.com</a:t>
+            </a:r>
+            <a:r>
+              <a:rPr lang="en-US" sz="2400" dirty="0"/>
+              <a:t>/people/span112</a:t>
+            </a:r>
+            <a:r>
+              <a:rPr lang="en-US" sz="2400" dirty="0" smtClean="0"/>
+              <a:t>/</a:t>
+            </a:r>
+            <a:br>
+              <a:rPr lang="en-US" sz="2400" dirty="0" smtClean="0"/>
+            </a:br>
+            <a:r>
+              <a:rPr lang="en-US" sz="2400" dirty="0"/>
+              <a:t>(2) http://</a:t>
+            </a:r>
+            <a:r>
+              <a:rPr lang="en-US" sz="2400" dirty="0" err="1"/>
+              <a:t>www.flickr.com</a:t>
+            </a:r>
+            <a:r>
+              <a:rPr lang="en-US" sz="2400" dirty="0"/>
+              <a:t>/people/</a:t>
+            </a:r>
+            <a:r>
+              <a:rPr lang="en-US" sz="2400" dirty="0" err="1"/>
+              <a:t>emsl</a:t>
+            </a:r>
+            <a:r>
+              <a:rPr lang="en-US" sz="2400" dirty="0"/>
+              <a:t>/</a:t>
+            </a:r>
+            <a:br>
+              <a:rPr lang="en-US" sz="2400" dirty="0"/>
+            </a:br>
+            <a:r>
+              <a:rPr lang="en-US" sz="2400" dirty="0" smtClean="0"/>
+              <a:t>(3) http</a:t>
+            </a:r>
+            <a:r>
+              <a:rPr lang="en-US" sz="2400" dirty="0"/>
+              <a:t>://</a:t>
+            </a:r>
+            <a:r>
+              <a:rPr lang="en-US" sz="2400" dirty="0" err="1"/>
+              <a:t>www.flickr.com</a:t>
+            </a:r>
+            <a:r>
+              <a:rPr lang="en-US" sz="2400" dirty="0"/>
+              <a:t>/people/</a:t>
+            </a:r>
+            <a:r>
+              <a:rPr lang="en-US" sz="2400" dirty="0" err="1"/>
+              <a:t>kennejima</a:t>
+            </a:r>
+            <a:r>
+              <a:rPr lang="en-US" sz="2400" dirty="0"/>
+              <a:t>/</a:t>
+            </a:r>
+            <a:br>
+              <a:rPr lang="en-US" sz="2400" dirty="0"/>
+            </a:br>
+            <a:r>
+              <a:rPr lang="en-US" sz="2400" dirty="0"/>
+              <a:t>(4) http://</a:t>
+            </a:r>
+            <a:r>
+              <a:rPr lang="en-US" sz="2400" dirty="0" err="1"/>
+              <a:t>www.flickr.com</a:t>
+            </a:r>
+            <a:r>
+              <a:rPr lang="en-US" sz="2400" dirty="0"/>
+              <a:t>/people/27282406@N03/</a:t>
+            </a:r>
+          </a:p>
+        </p:txBody>
+      </p:sp>
+      <p:sp>
+        <p:nvSpPr>
+          <p:cNvPr id="3" name="Title 1"/>
+          <p:cNvSpPr txBox="1">
+            <a:spLocks/>
+          </p:cNvSpPr>
+          <p:nvPr/>
+        </p:nvSpPr>
+        <p:spPr>
+          <a:xfrm>
+            <a:off x="457200" y="3663461"/>
+            <a:ext cx="8229600" cy="859693"/>
+          </a:xfrm>
+          <a:prstGeom prst="rect">
+            <a:avLst/>
+          </a:prstGeom>
+        </p:spPr>
+        <p:txBody>
+          <a:bodyPr vert="horz" lIns="91440" tIns="45720" rIns="91440" bIns="45720" rtlCol="0" anchor="ctr">
+            <a:normAutofit/>
+          </a:bodyPr>
+          <a:lstStyle>
+            <a:lvl1pPr algn="ctr" defTabSz="914400" rtl="0" eaLnBrk="1" latinLnBrk="0" hangingPunct="1">
+              <a:spcBef>
+                <a:spcPct val="0"/>
+              </a:spcBef>
+              <a:buNone/>
+              <a:defRPr sz="4400" kern="1200">
+                <a:solidFill>
+                  <a:schemeClr val="tx1"/>
+                </a:solidFill>
+                <a:latin typeface="+mj-lt"/>
+                <a:ea typeface="+mj-ea"/>
+                <a:cs typeface="+mj-cs"/>
+              </a:defRPr>
+            </a:lvl1pPr>
+          </a:lstStyle>
+          <a:p>
+            <a:pPr algn="l"/>
+            <a:r>
+              <a:rPr lang="en-US" smtClean="0"/>
               <a:t>References</a:t>
             </a:r>
             <a:endParaRPr lang="en-US" sz="2400" dirty="0"/>
@@ -5888,13 +6277,13 @@
       </p:sp>
       <p:sp>
         <p:nvSpPr>
-          <p:cNvPr id="3" name="TextBox 2"/>
+          <p:cNvPr id="4" name="TextBox 3"/>
           <p:cNvSpPr txBox="1"/>
           <p:nvPr/>
         </p:nvSpPr>
         <p:spPr>
           <a:xfrm>
-            <a:off x="457200" y="1465385"/>
+            <a:off x="457200" y="4523154"/>
             <a:ext cx="8229600" cy="1754327"/>
           </a:xfrm>
           <a:prstGeom prst="rect">
@@ -5947,7 +6336,6 @@
               <a:rPr lang="en-US" dirty="0" smtClean="0"/>
               <a:t>ArticleS.UncleBob.PrinciplesOfOod</a:t>
             </a:r>
-            <a:endParaRPr lang="en-US" dirty="0" smtClean="0"/>
           </a:p>
           <a:p>
             <a:pPr marL="285750" indent="-285750">
@@ -6038,7 +6426,7 @@
     </p:spTree>
     <p:extLst>
       <p:ext uri="{BB962C8B-B14F-4D97-AF65-F5344CB8AC3E}">
-        <p14:creationId xmlns:p14="http://schemas.microsoft.com/office/powerpoint/2010/main" val="3948961850"/>
+        <p14:creationId xmlns:p14="http://schemas.microsoft.com/office/powerpoint/2010/main" val="536189703"/>
       </p:ext>
     </p:extLst>
   </p:cSld>
@@ -6164,15 +6552,7 @@
             <a:pPr algn="l"/>
             <a:r>
               <a:rPr lang="en-US" dirty="0" smtClean="0"/>
-              <a:t>Who has built an </a:t>
-            </a:r>
-            <a:r>
-              <a:rPr lang="en-US" dirty="0"/>
-              <a:t>application that </a:t>
-            </a:r>
-            <a:r>
-              <a:rPr lang="en-US" dirty="0" smtClean="0"/>
-              <a:t>hasn’t changed?</a:t>
+              <a:t>Who has built an application that hasn’t changed?</a:t>
             </a:r>
             <a:endParaRPr lang="en-US" dirty="0"/>
           </a:p>

--- a/BetterRubyThroughDesignPatterns.pptx
+++ b/BetterRubyThroughDesignPatterns.pptx
@@ -5,7 +5,7 @@
     <p:sldMasterId id="2147483696" r:id="rId1"/>
   </p:sldMasterIdLst>
   <p:notesMasterIdLst>
-    <p:notesMasterId r:id="rId31"/>
+    <p:notesMasterId r:id="rId39"/>
   </p:notesMasterIdLst>
   <p:sldIdLst>
     <p:sldId id="256" r:id="rId2"/>
@@ -24,19 +24,27 @@
     <p:sldId id="273" r:id="rId15"/>
     <p:sldId id="274" r:id="rId16"/>
     <p:sldId id="278" r:id="rId17"/>
-    <p:sldId id="276" r:id="rId18"/>
-    <p:sldId id="279" r:id="rId19"/>
-    <p:sldId id="277" r:id="rId20"/>
-    <p:sldId id="280" r:id="rId21"/>
-    <p:sldId id="271" r:id="rId22"/>
-    <p:sldId id="282" r:id="rId23"/>
-    <p:sldId id="285" r:id="rId24"/>
-    <p:sldId id="286" r:id="rId25"/>
-    <p:sldId id="287" r:id="rId26"/>
-    <p:sldId id="288" r:id="rId27"/>
-    <p:sldId id="289" r:id="rId28"/>
-    <p:sldId id="290" r:id="rId29"/>
-    <p:sldId id="266" r:id="rId30"/>
+    <p:sldId id="291" r:id="rId18"/>
+    <p:sldId id="292" r:id="rId19"/>
+    <p:sldId id="293" r:id="rId20"/>
+    <p:sldId id="276" r:id="rId21"/>
+    <p:sldId id="279" r:id="rId22"/>
+    <p:sldId id="294" r:id="rId23"/>
+    <p:sldId id="295" r:id="rId24"/>
+    <p:sldId id="296" r:id="rId25"/>
+    <p:sldId id="297" r:id="rId26"/>
+    <p:sldId id="298" r:id="rId27"/>
+    <p:sldId id="277" r:id="rId28"/>
+    <p:sldId id="280" r:id="rId29"/>
+    <p:sldId id="271" r:id="rId30"/>
+    <p:sldId id="282" r:id="rId31"/>
+    <p:sldId id="285" r:id="rId32"/>
+    <p:sldId id="286" r:id="rId33"/>
+    <p:sldId id="287" r:id="rId34"/>
+    <p:sldId id="288" r:id="rId35"/>
+    <p:sldId id="289" r:id="rId36"/>
+    <p:sldId id="290" r:id="rId37"/>
+    <p:sldId id="266" r:id="rId38"/>
   </p:sldIdLst>
   <p:sldSz cx="9144000" cy="6858000" type="screen4x3"/>
   <p:notesSz cx="6858000" cy="9144000"/>
@@ -156,8 +164,16 @@
             <p14:sldId id="273"/>
             <p14:sldId id="274"/>
             <p14:sldId id="278"/>
+            <p14:sldId id="291"/>
+            <p14:sldId id="292"/>
+            <p14:sldId id="293"/>
             <p14:sldId id="276"/>
             <p14:sldId id="279"/>
+            <p14:sldId id="294"/>
+            <p14:sldId id="295"/>
+            <p14:sldId id="296"/>
+            <p14:sldId id="297"/>
+            <p14:sldId id="298"/>
             <p14:sldId id="277"/>
             <p14:sldId id="280"/>
             <p14:sldId id="271"/>
@@ -259,7 +275,7 @@
           <a:p>
             <a:fld id="{5A1F8130-46FA-7040-B513-FDA7EF4EBAF4}" type="datetimeFigureOut">
               <a:rPr lang="en-US" smtClean="0"/>
-              <a:t>3/12/12</a:t>
+              <a:t>3/13/12</a:t>
             </a:fld>
             <a:endParaRPr lang="en-US"/>
           </a:p>
@@ -894,6 +910,475 @@
 </p:notes>
 </file>
 
+<file path=ppt/notesSlides/notesSlide5.xml><?xml version="1.0" encoding="utf-8"?>
+<p:notes xmlns:a="http://schemas.openxmlformats.org/drawingml/2006/main" xmlns:r="http://schemas.openxmlformats.org/officeDocument/2006/relationships" xmlns:p="http://schemas.openxmlformats.org/presentationml/2006/main">
+  <p:cSld>
+    <p:spTree>
+      <p:nvGrpSpPr>
+        <p:cNvPr id="1" name=""/>
+        <p:cNvGrpSpPr/>
+        <p:nvPr/>
+      </p:nvGrpSpPr>
+      <p:grpSpPr>
+        <a:xfrm>
+          <a:off x="0" y="0"/>
+          <a:ext cx="0" cy="0"/>
+          <a:chOff x="0" y="0"/>
+          <a:chExt cx="0" cy="0"/>
+        </a:xfrm>
+      </p:grpSpPr>
+      <p:sp>
+        <p:nvSpPr>
+          <p:cNvPr id="2" name="Slide Image Placeholder 1"/>
+          <p:cNvSpPr>
+            <a:spLocks noGrp="1" noRot="1" noChangeAspect="1"/>
+          </p:cNvSpPr>
+          <p:nvPr>
+            <p:ph type="sldImg"/>
+          </p:nvPr>
+        </p:nvSpPr>
+        <p:spPr/>
+      </p:sp>
+      <p:sp>
+        <p:nvSpPr>
+          <p:cNvPr id="3" name="Notes Placeholder 2"/>
+          <p:cNvSpPr>
+            <a:spLocks noGrp="1"/>
+          </p:cNvSpPr>
+          <p:nvPr>
+            <p:ph type="body" idx="1"/>
+          </p:nvPr>
+        </p:nvSpPr>
+        <p:spPr/>
+        <p:txBody>
+          <a:bodyPr/>
+          <a:lstStyle/>
+          <a:p>
+            <a:endParaRPr lang="en-US" dirty="0"/>
+          </a:p>
+        </p:txBody>
+      </p:sp>
+      <p:sp>
+        <p:nvSpPr>
+          <p:cNvPr id="4" name="Slide Number Placeholder 3"/>
+          <p:cNvSpPr>
+            <a:spLocks noGrp="1"/>
+          </p:cNvSpPr>
+          <p:nvPr>
+            <p:ph type="sldNum" sz="quarter" idx="10"/>
+          </p:nvPr>
+        </p:nvSpPr>
+        <p:spPr/>
+        <p:txBody>
+          <a:bodyPr/>
+          <a:lstStyle/>
+          <a:p>
+            <a:fld id="{5B0F0E0A-5925-EE41-9E85-45EE46DBCCF5}" type="slidenum">
+              <a:rPr lang="en-US" smtClean="0"/>
+              <a:t>17</a:t>
+            </a:fld>
+            <a:endParaRPr lang="en-US"/>
+          </a:p>
+        </p:txBody>
+      </p:sp>
+    </p:spTree>
+    <p:extLst>
+      <p:ext uri="{BB962C8B-B14F-4D97-AF65-F5344CB8AC3E}">
+        <p14:creationId xmlns:p14="http://schemas.microsoft.com/office/powerpoint/2010/main" val="2402981392"/>
+      </p:ext>
+    </p:extLst>
+  </p:cSld>
+  <p:clrMapOvr>
+    <a:masterClrMapping/>
+  </p:clrMapOvr>
+</p:notes>
+</file>
+
+<file path=ppt/notesSlides/notesSlide6.xml><?xml version="1.0" encoding="utf-8"?>
+<p:notes xmlns:a="http://schemas.openxmlformats.org/drawingml/2006/main" xmlns:r="http://schemas.openxmlformats.org/officeDocument/2006/relationships" xmlns:p="http://schemas.openxmlformats.org/presentationml/2006/main">
+  <p:cSld>
+    <p:spTree>
+      <p:nvGrpSpPr>
+        <p:cNvPr id="1" name=""/>
+        <p:cNvGrpSpPr/>
+        <p:nvPr/>
+      </p:nvGrpSpPr>
+      <p:grpSpPr>
+        <a:xfrm>
+          <a:off x="0" y="0"/>
+          <a:ext cx="0" cy="0"/>
+          <a:chOff x="0" y="0"/>
+          <a:chExt cx="0" cy="0"/>
+        </a:xfrm>
+      </p:grpSpPr>
+      <p:sp>
+        <p:nvSpPr>
+          <p:cNvPr id="2" name="Slide Image Placeholder 1"/>
+          <p:cNvSpPr>
+            <a:spLocks noGrp="1" noRot="1" noChangeAspect="1"/>
+          </p:cNvSpPr>
+          <p:nvPr>
+            <p:ph type="sldImg"/>
+          </p:nvPr>
+        </p:nvSpPr>
+        <p:spPr/>
+      </p:sp>
+      <p:sp>
+        <p:nvSpPr>
+          <p:cNvPr id="3" name="Notes Placeholder 2"/>
+          <p:cNvSpPr>
+            <a:spLocks noGrp="1"/>
+          </p:cNvSpPr>
+          <p:nvPr>
+            <p:ph type="body" idx="1"/>
+          </p:nvPr>
+        </p:nvSpPr>
+        <p:spPr/>
+        <p:txBody>
+          <a:bodyPr/>
+          <a:lstStyle/>
+          <a:p>
+            <a:endParaRPr lang="en-US" dirty="0"/>
+          </a:p>
+        </p:txBody>
+      </p:sp>
+      <p:sp>
+        <p:nvSpPr>
+          <p:cNvPr id="4" name="Slide Number Placeholder 3"/>
+          <p:cNvSpPr>
+            <a:spLocks noGrp="1"/>
+          </p:cNvSpPr>
+          <p:nvPr>
+            <p:ph type="sldNum" sz="quarter" idx="10"/>
+          </p:nvPr>
+        </p:nvSpPr>
+        <p:spPr/>
+        <p:txBody>
+          <a:bodyPr/>
+          <a:lstStyle/>
+          <a:p>
+            <a:fld id="{5B0F0E0A-5925-EE41-9E85-45EE46DBCCF5}" type="slidenum">
+              <a:rPr lang="en-US" smtClean="0"/>
+              <a:t>18</a:t>
+            </a:fld>
+            <a:endParaRPr lang="en-US"/>
+          </a:p>
+        </p:txBody>
+      </p:sp>
+    </p:spTree>
+    <p:extLst>
+      <p:ext uri="{BB962C8B-B14F-4D97-AF65-F5344CB8AC3E}">
+        <p14:creationId xmlns:p14="http://schemas.microsoft.com/office/powerpoint/2010/main" val="2402981392"/>
+      </p:ext>
+    </p:extLst>
+  </p:cSld>
+  <p:clrMapOvr>
+    <a:masterClrMapping/>
+  </p:clrMapOvr>
+</p:notes>
+</file>
+
+<file path=ppt/notesSlides/notesSlide7.xml><?xml version="1.0" encoding="utf-8"?>
+<p:notes xmlns:a="http://schemas.openxmlformats.org/drawingml/2006/main" xmlns:r="http://schemas.openxmlformats.org/officeDocument/2006/relationships" xmlns:p="http://schemas.openxmlformats.org/presentationml/2006/main">
+  <p:cSld>
+    <p:spTree>
+      <p:nvGrpSpPr>
+        <p:cNvPr id="1" name=""/>
+        <p:cNvGrpSpPr/>
+        <p:nvPr/>
+      </p:nvGrpSpPr>
+      <p:grpSpPr>
+        <a:xfrm>
+          <a:off x="0" y="0"/>
+          <a:ext cx="0" cy="0"/>
+          <a:chOff x="0" y="0"/>
+          <a:chExt cx="0" cy="0"/>
+        </a:xfrm>
+      </p:grpSpPr>
+      <p:sp>
+        <p:nvSpPr>
+          <p:cNvPr id="2" name="Slide Image Placeholder 1"/>
+          <p:cNvSpPr>
+            <a:spLocks noGrp="1" noRot="1" noChangeAspect="1"/>
+          </p:cNvSpPr>
+          <p:nvPr>
+            <p:ph type="sldImg"/>
+          </p:nvPr>
+        </p:nvSpPr>
+        <p:spPr/>
+      </p:sp>
+      <p:sp>
+        <p:nvSpPr>
+          <p:cNvPr id="3" name="Notes Placeholder 2"/>
+          <p:cNvSpPr>
+            <a:spLocks noGrp="1"/>
+          </p:cNvSpPr>
+          <p:nvPr>
+            <p:ph type="body" idx="1"/>
+          </p:nvPr>
+        </p:nvSpPr>
+        <p:spPr/>
+        <p:txBody>
+          <a:bodyPr/>
+          <a:lstStyle/>
+          <a:p>
+            <a:endParaRPr lang="en-US" dirty="0"/>
+          </a:p>
+        </p:txBody>
+      </p:sp>
+      <p:sp>
+        <p:nvSpPr>
+          <p:cNvPr id="4" name="Slide Number Placeholder 3"/>
+          <p:cNvSpPr>
+            <a:spLocks noGrp="1"/>
+          </p:cNvSpPr>
+          <p:nvPr>
+            <p:ph type="sldNum" sz="quarter" idx="10"/>
+          </p:nvPr>
+        </p:nvSpPr>
+        <p:spPr/>
+        <p:txBody>
+          <a:bodyPr/>
+          <a:lstStyle/>
+          <a:p>
+            <a:fld id="{5B0F0E0A-5925-EE41-9E85-45EE46DBCCF5}" type="slidenum">
+              <a:rPr lang="en-US" smtClean="0"/>
+              <a:t>19</a:t>
+            </a:fld>
+            <a:endParaRPr lang="en-US"/>
+          </a:p>
+        </p:txBody>
+      </p:sp>
+    </p:spTree>
+    <p:extLst>
+      <p:ext uri="{BB962C8B-B14F-4D97-AF65-F5344CB8AC3E}">
+        <p14:creationId xmlns:p14="http://schemas.microsoft.com/office/powerpoint/2010/main" val="2402981392"/>
+      </p:ext>
+    </p:extLst>
+  </p:cSld>
+  <p:clrMapOvr>
+    <a:masterClrMapping/>
+  </p:clrMapOvr>
+</p:notes>
+</file>
+
+<file path=ppt/notesSlides/notesSlide8.xml><?xml version="1.0" encoding="utf-8"?>
+<p:notes xmlns:a="http://schemas.openxmlformats.org/drawingml/2006/main" xmlns:r="http://schemas.openxmlformats.org/officeDocument/2006/relationships" xmlns:p="http://schemas.openxmlformats.org/presentationml/2006/main">
+  <p:cSld>
+    <p:spTree>
+      <p:nvGrpSpPr>
+        <p:cNvPr id="1" name=""/>
+        <p:cNvGrpSpPr/>
+        <p:nvPr/>
+      </p:nvGrpSpPr>
+      <p:grpSpPr>
+        <a:xfrm>
+          <a:off x="0" y="0"/>
+          <a:ext cx="0" cy="0"/>
+          <a:chOff x="0" y="0"/>
+          <a:chExt cx="0" cy="0"/>
+        </a:xfrm>
+      </p:grpSpPr>
+      <p:sp>
+        <p:nvSpPr>
+          <p:cNvPr id="2" name="Slide Image Placeholder 1"/>
+          <p:cNvSpPr>
+            <a:spLocks noGrp="1" noRot="1" noChangeAspect="1"/>
+          </p:cNvSpPr>
+          <p:nvPr>
+            <p:ph type="sldImg"/>
+          </p:nvPr>
+        </p:nvSpPr>
+        <p:spPr/>
+      </p:sp>
+      <p:sp>
+        <p:nvSpPr>
+          <p:cNvPr id="3" name="Notes Placeholder 2"/>
+          <p:cNvSpPr>
+            <a:spLocks noGrp="1"/>
+          </p:cNvSpPr>
+          <p:nvPr>
+            <p:ph type="body" idx="1"/>
+          </p:nvPr>
+        </p:nvSpPr>
+        <p:spPr/>
+        <p:txBody>
+          <a:bodyPr/>
+          <a:lstStyle/>
+          <a:p>
+            <a:r>
+              <a:rPr lang="en-US" dirty="0" smtClean="0"/>
+              <a:t>These</a:t>
+            </a:r>
+            <a:r>
+              <a:rPr lang="en-US" baseline="0" dirty="0" smtClean="0"/>
+              <a:t> are principles, not hard and fast rules.</a:t>
+            </a:r>
+          </a:p>
+          <a:p>
+            <a:r>
+              <a:rPr lang="en-US" baseline="0" dirty="0" smtClean="0"/>
+              <a:t>Sometimes they conflict with other principles or just don’t make sense.</a:t>
+            </a:r>
+            <a:endParaRPr lang="en-US" dirty="0"/>
+          </a:p>
+        </p:txBody>
+      </p:sp>
+      <p:sp>
+        <p:nvSpPr>
+          <p:cNvPr id="4" name="Slide Number Placeholder 3"/>
+          <p:cNvSpPr>
+            <a:spLocks noGrp="1"/>
+          </p:cNvSpPr>
+          <p:nvPr>
+            <p:ph type="sldNum" sz="quarter" idx="10"/>
+          </p:nvPr>
+        </p:nvSpPr>
+        <p:spPr/>
+        <p:txBody>
+          <a:bodyPr/>
+          <a:lstStyle/>
+          <a:p>
+            <a:fld id="{5B0F0E0A-5925-EE41-9E85-45EE46DBCCF5}" type="slidenum">
+              <a:rPr lang="en-US" smtClean="0"/>
+              <a:t>35</a:t>
+            </a:fld>
+            <a:endParaRPr lang="en-US"/>
+          </a:p>
+        </p:txBody>
+      </p:sp>
+    </p:spTree>
+    <p:extLst>
+      <p:ext uri="{BB962C8B-B14F-4D97-AF65-F5344CB8AC3E}">
+        <p14:creationId xmlns:p14="http://schemas.microsoft.com/office/powerpoint/2010/main" val="1172683172"/>
+      </p:ext>
+    </p:extLst>
+  </p:cSld>
+  <p:clrMapOvr>
+    <a:masterClrMapping/>
+  </p:clrMapOvr>
+</p:notes>
+</file>
+
+<file path=ppt/notesSlides/notesSlide9.xml><?xml version="1.0" encoding="utf-8"?>
+<p:notes xmlns:a="http://schemas.openxmlformats.org/drawingml/2006/main" xmlns:r="http://schemas.openxmlformats.org/officeDocument/2006/relationships" xmlns:p="http://schemas.openxmlformats.org/presentationml/2006/main">
+  <p:cSld>
+    <p:spTree>
+      <p:nvGrpSpPr>
+        <p:cNvPr id="1" name=""/>
+        <p:cNvGrpSpPr/>
+        <p:nvPr/>
+      </p:nvGrpSpPr>
+      <p:grpSpPr>
+        <a:xfrm>
+          <a:off x="0" y="0"/>
+          <a:ext cx="0" cy="0"/>
+          <a:chOff x="0" y="0"/>
+          <a:chExt cx="0" cy="0"/>
+        </a:xfrm>
+      </p:grpSpPr>
+      <p:sp>
+        <p:nvSpPr>
+          <p:cNvPr id="2" name="Slide Image Placeholder 1"/>
+          <p:cNvSpPr>
+            <a:spLocks noGrp="1" noRot="1" noChangeAspect="1"/>
+          </p:cNvSpPr>
+          <p:nvPr>
+            <p:ph type="sldImg"/>
+          </p:nvPr>
+        </p:nvSpPr>
+        <p:spPr/>
+      </p:sp>
+      <p:sp>
+        <p:nvSpPr>
+          <p:cNvPr id="3" name="Notes Placeholder 2"/>
+          <p:cNvSpPr>
+            <a:spLocks noGrp="1"/>
+          </p:cNvSpPr>
+          <p:nvPr>
+            <p:ph type="body" idx="1"/>
+          </p:nvPr>
+        </p:nvSpPr>
+        <p:spPr/>
+        <p:txBody>
+          <a:bodyPr/>
+          <a:lstStyle/>
+          <a:p>
+            <a:r>
+              <a:rPr lang="en-US" dirty="0" smtClean="0"/>
+              <a:t>Thanks to the conference</a:t>
+            </a:r>
+            <a:r>
+              <a:rPr lang="en-US" baseline="0" dirty="0" smtClean="0"/>
+              <a:t> organizers.</a:t>
+            </a:r>
+            <a:endParaRPr lang="en-US" dirty="0" smtClean="0"/>
+          </a:p>
+          <a:p>
+            <a:r>
+              <a:rPr lang="en-US" dirty="0" smtClean="0"/>
+              <a:t>Thanks to</a:t>
+            </a:r>
+            <a:r>
+              <a:rPr lang="en-US" baseline="0" dirty="0" smtClean="0"/>
+              <a:t> you all for listening.</a:t>
+            </a:r>
+          </a:p>
+          <a:p>
+            <a:r>
+              <a:rPr lang="en-US" baseline="0" dirty="0" smtClean="0"/>
+              <a:t>Thanks to the Boulder Ruby Group, especially David </a:t>
+            </a:r>
+            <a:r>
+              <a:rPr lang="en-US" baseline="0" dirty="0" err="1" smtClean="0"/>
+              <a:t>Hassler</a:t>
+            </a:r>
+            <a:r>
+              <a:rPr lang="en-US" baseline="0" dirty="0" smtClean="0"/>
+              <a:t>, for improving this talk via feedback.</a:t>
+            </a:r>
+          </a:p>
+          <a:p>
+            <a:endParaRPr lang="en-US" dirty="0"/>
+          </a:p>
+        </p:txBody>
+      </p:sp>
+      <p:sp>
+        <p:nvSpPr>
+          <p:cNvPr id="4" name="Slide Number Placeholder 3"/>
+          <p:cNvSpPr>
+            <a:spLocks noGrp="1"/>
+          </p:cNvSpPr>
+          <p:nvPr>
+            <p:ph type="sldNum" sz="quarter" idx="10"/>
+          </p:nvPr>
+        </p:nvSpPr>
+        <p:spPr/>
+        <p:txBody>
+          <a:bodyPr/>
+          <a:lstStyle/>
+          <a:p>
+            <a:fld id="{5B0F0E0A-5925-EE41-9E85-45EE46DBCCF5}" type="slidenum">
+              <a:rPr lang="en-US" smtClean="0"/>
+              <a:t>36</a:t>
+            </a:fld>
+            <a:endParaRPr lang="en-US"/>
+          </a:p>
+        </p:txBody>
+      </p:sp>
+    </p:spTree>
+    <p:extLst>
+      <p:ext uri="{BB962C8B-B14F-4D97-AF65-F5344CB8AC3E}">
+        <p14:creationId xmlns:p14="http://schemas.microsoft.com/office/powerpoint/2010/main" val="3353908841"/>
+      </p:ext>
+    </p:extLst>
+  </p:cSld>
+  <p:clrMapOvr>
+    <a:masterClrMapping/>
+  </p:clrMapOvr>
+</p:notes>
+</file>
+
 <file path=ppt/slideLayouts/slideLayout1.xml><?xml version="1.0" encoding="utf-8"?>
 <p:sldLayout xmlns:a="http://schemas.openxmlformats.org/drawingml/2006/main" xmlns:r="http://schemas.openxmlformats.org/officeDocument/2006/relationships" xmlns:p="http://schemas.openxmlformats.org/presentationml/2006/main" type="title" preserve="1">
   <p:cSld name="Title Slide">
@@ -1075,7 +1560,7 @@
           <a:p>
             <a:fld id="{6BFECD78-3C8E-49F2-8FAB-59489D168ABB}" type="datetimeFigureOut">
               <a:rPr lang="en-US" smtClean="0"/>
-              <a:t>3/12/12</a:t>
+              <a:t>3/13/12</a:t>
             </a:fld>
             <a:endParaRPr lang="en-US"/>
           </a:p>
@@ -1245,7 +1730,7 @@
           <a:p>
             <a:fld id="{6BFECD78-3C8E-49F2-8FAB-59489D168ABB}" type="datetimeFigureOut">
               <a:rPr lang="en-US" smtClean="0"/>
-              <a:t>3/12/12</a:t>
+              <a:t>3/13/12</a:t>
             </a:fld>
             <a:endParaRPr lang="en-US"/>
           </a:p>
@@ -1425,7 +1910,7 @@
           <a:p>
             <a:fld id="{6BFECD78-3C8E-49F2-8FAB-59489D168ABB}" type="datetimeFigureOut">
               <a:rPr lang="en-US" smtClean="0"/>
-              <a:t>3/12/12</a:t>
+              <a:t>3/13/12</a:t>
             </a:fld>
             <a:endParaRPr lang="en-US"/>
           </a:p>
@@ -1595,7 +2080,7 @@
           <a:p>
             <a:fld id="{6BFECD78-3C8E-49F2-8FAB-59489D168ABB}" type="datetimeFigureOut">
               <a:rPr lang="en-US" smtClean="0"/>
-              <a:t>3/12/12</a:t>
+              <a:t>3/13/12</a:t>
             </a:fld>
             <a:endParaRPr lang="en-US"/>
           </a:p>
@@ -1841,7 +2326,7 @@
           <a:p>
             <a:fld id="{6BFECD78-3C8E-49F2-8FAB-59489D168ABB}" type="datetimeFigureOut">
               <a:rPr lang="en-US" smtClean="0"/>
-              <a:t>3/12/12</a:t>
+              <a:t>3/13/12</a:t>
             </a:fld>
             <a:endParaRPr lang="en-US"/>
           </a:p>
@@ -2129,7 +2614,7 @@
           <a:p>
             <a:fld id="{6BFECD78-3C8E-49F2-8FAB-59489D168ABB}" type="datetimeFigureOut">
               <a:rPr lang="en-US" smtClean="0"/>
-              <a:t>3/12/12</a:t>
+              <a:t>3/13/12</a:t>
             </a:fld>
             <a:endParaRPr lang="en-US"/>
           </a:p>
@@ -2551,7 +3036,7 @@
           <a:p>
             <a:fld id="{6BFECD78-3C8E-49F2-8FAB-59489D168ABB}" type="datetimeFigureOut">
               <a:rPr lang="en-US" smtClean="0"/>
-              <a:t>3/12/12</a:t>
+              <a:t>3/13/12</a:t>
             </a:fld>
             <a:endParaRPr lang="en-US"/>
           </a:p>
@@ -2669,7 +3154,7 @@
           <a:p>
             <a:fld id="{6BFECD78-3C8E-49F2-8FAB-59489D168ABB}" type="datetimeFigureOut">
               <a:rPr lang="en-US" smtClean="0"/>
-              <a:t>3/12/12</a:t>
+              <a:t>3/13/12</a:t>
             </a:fld>
             <a:endParaRPr lang="en-US"/>
           </a:p>
@@ -2764,7 +3249,7 @@
           <a:p>
             <a:fld id="{6BFECD78-3C8E-49F2-8FAB-59489D168ABB}" type="datetimeFigureOut">
               <a:rPr lang="en-US" smtClean="0"/>
-              <a:t>3/12/12</a:t>
+              <a:t>3/13/12</a:t>
             </a:fld>
             <a:endParaRPr lang="en-US"/>
           </a:p>
@@ -3041,7 +3526,7 @@
           <a:p>
             <a:fld id="{6BFECD78-3C8E-49F2-8FAB-59489D168ABB}" type="datetimeFigureOut">
               <a:rPr lang="en-US" smtClean="0"/>
-              <a:t>3/12/12</a:t>
+              <a:t>3/13/12</a:t>
             </a:fld>
             <a:endParaRPr lang="en-US"/>
           </a:p>
@@ -3298,7 +3783,7 @@
           <a:p>
             <a:fld id="{6BFECD78-3C8E-49F2-8FAB-59489D168ABB}" type="datetimeFigureOut">
               <a:rPr lang="en-US" smtClean="0"/>
-              <a:t>3/12/12</a:t>
+              <a:t>3/13/12</a:t>
             </a:fld>
             <a:endParaRPr lang="en-US"/>
           </a:p>
@@ -3511,7 +3996,7 @@
           <a:p>
             <a:fld id="{6BFECD78-3C8E-49F2-8FAB-59489D168ABB}" type="datetimeFigureOut">
               <a:rPr lang="en-US" smtClean="0"/>
-              <a:t>3/12/12</a:t>
+              <a:t>3/13/12</a:t>
             </a:fld>
             <a:endParaRPr lang="en-US"/>
           </a:p>
@@ -4092,11 +4577,11 @@
   <p:clrMapOvr>
     <a:masterClrMapping/>
   </p:clrMapOvr>
-  <mc:AlternateContent xmlns:mc="http://schemas.openxmlformats.org/markup-compatibility/2006">
-    <mc:Choice xmlns:p14="http://schemas.microsoft.com/office/powerpoint/2010/main" Requires="p14">
+  <mc:AlternateContent xmlns:mc="http://schemas.openxmlformats.org/markup-compatibility/2006" xmlns:p14="http://schemas.microsoft.com/office/powerpoint/2010/main">
+    <mc:Choice Requires="p14">
       <p:transition spd="slow" p14:dur="2000"/>
     </mc:Choice>
-    <mc:Fallback>
+    <mc:Fallback xmlns="">
       <p:transition xmlns:p14="http://schemas.microsoft.com/office/powerpoint/2010/main" spd="slow"/>
     </mc:Fallback>
   </mc:AlternateContent>
@@ -4695,7 +5180,7 @@
         </p:nvSpPr>
         <p:spPr>
           <a:xfrm>
-            <a:off x="457200" y="1661869"/>
+            <a:off x="457200" y="2805969"/>
             <a:ext cx="8229600" cy="1143000"/>
           </a:xfrm>
         </p:spPr>
@@ -4712,6 +5197,43 @@
           </a:p>
         </p:txBody>
       </p:sp>
+    </p:spTree>
+    <p:extLst>
+      <p:ext uri="{BB962C8B-B14F-4D97-AF65-F5344CB8AC3E}">
+        <p14:creationId xmlns:p14="http://schemas.microsoft.com/office/powerpoint/2010/main" val="3956439195"/>
+      </p:ext>
+    </p:extLst>
+  </p:cSld>
+  <p:clrMapOvr>
+    <a:masterClrMapping/>
+  </p:clrMapOvr>
+  <p:timing>
+    <p:tnLst>
+      <p:par>
+        <p:cTn xmlns:p14="http://schemas.microsoft.com/office/powerpoint/2010/main" id="1" dur="indefinite" restart="never" nodeType="tmRoot"/>
+      </p:par>
+    </p:tnLst>
+  </p:timing>
+</p:sld>
+</file>
+
+<file path=ppt/slides/slide17.xml><?xml version="1.0" encoding="utf-8"?>
+<p:sld xmlns:a="http://schemas.openxmlformats.org/drawingml/2006/main" xmlns:r="http://schemas.openxmlformats.org/officeDocument/2006/relationships" xmlns:p="http://schemas.openxmlformats.org/presentationml/2006/main">
+  <p:cSld>
+    <p:spTree>
+      <p:nvGrpSpPr>
+        <p:cNvPr id="1" name=""/>
+        <p:cNvGrpSpPr/>
+        <p:nvPr/>
+      </p:nvGrpSpPr>
+      <p:grpSpPr>
+        <a:xfrm>
+          <a:off x="0" y="0"/>
+          <a:ext cx="0" cy="0"/>
+          <a:chOff x="0" y="0"/>
+          <a:chExt cx="0" cy="0"/>
+        </a:xfrm>
+      </p:grpSpPr>
       <p:sp>
         <p:nvSpPr>
           <p:cNvPr id="3" name="TextBox 2"/>
@@ -4721,7 +5243,7 @@
         <p:spPr>
           <a:xfrm>
             <a:off x="457200" y="2775562"/>
-            <a:ext cx="8229600" cy="2554545"/>
+            <a:ext cx="8229600" cy="1323439"/>
           </a:xfrm>
           <a:prstGeom prst="rect">
             <a:avLst/>
@@ -4734,49 +5256,26 @@
           </a:bodyPr>
           <a:lstStyle/>
           <a:p>
-            <a:pPr marL="342900" indent="-342900">
-              <a:buFont typeface="+mj-lt"/>
-              <a:buAutoNum type="arabicPeriod"/>
-            </a:pPr>
-            <a:r>
-              <a:rPr lang="en-US" sz="3200" dirty="0" err="1" smtClean="0"/>
+            <a:r>
+              <a:rPr lang="en-US" sz="4000" dirty="0" err="1" smtClean="0"/>
               <a:t>FileProcessor</a:t>
             </a:r>
             <a:r>
-              <a:rPr lang="en-US" sz="3200" dirty="0" smtClean="0"/>
-              <a:t> is no longer responsible for file processing.</a:t>
-            </a:r>
-          </a:p>
-          <a:p>
-            <a:pPr marL="342900" indent="-342900">
-              <a:buFont typeface="+mj-lt"/>
-              <a:buAutoNum type="arabicPeriod"/>
-            </a:pPr>
-            <a:r>
-              <a:rPr lang="en-US" sz="3200" dirty="0" err="1" smtClean="0"/>
-              <a:t>FileProcessor</a:t>
-            </a:r>
-            <a:r>
-              <a:rPr lang="en-US" sz="3200" dirty="0" smtClean="0"/>
-              <a:t> can parse new file types without changing the class.</a:t>
-            </a:r>
-          </a:p>
-          <a:p>
-            <a:pPr marL="342900" indent="-342900">
-              <a:buFont typeface="+mj-lt"/>
-              <a:buAutoNum type="arabicPeriod"/>
-            </a:pPr>
-            <a:r>
-              <a:rPr lang="en-US" sz="3200" dirty="0" smtClean="0"/>
-              <a:t>Testing of parsing can be done in isolation.</a:t>
-            </a:r>
+              <a:rPr lang="en-US" sz="4000" dirty="0" smtClean="0"/>
+              <a:t> is no longer responsible for file </a:t>
+            </a:r>
+            <a:r>
+              <a:rPr lang="en-US" sz="4000" dirty="0" smtClean="0"/>
+              <a:t>parsing, only the orchestration.</a:t>
+            </a:r>
+            <a:endParaRPr lang="en-US" sz="4000" dirty="0" smtClean="0"/>
           </a:p>
         </p:txBody>
       </p:sp>
     </p:spTree>
     <p:extLst>
       <p:ext uri="{BB962C8B-B14F-4D97-AF65-F5344CB8AC3E}">
-        <p14:creationId xmlns:p14="http://schemas.microsoft.com/office/powerpoint/2010/main" val="3956439195"/>
+        <p14:creationId xmlns:p14="http://schemas.microsoft.com/office/powerpoint/2010/main" val="2810516927"/>
       </p:ext>
     </p:extLst>
   </p:cSld>
@@ -4865,130 +5364,6 @@
 </p:sld>
 </file>
 
-<file path=ppt/slides/slide17.xml><?xml version="1.0" encoding="utf-8"?>
-<p:sld xmlns:a="http://schemas.openxmlformats.org/drawingml/2006/main" xmlns:r="http://schemas.openxmlformats.org/officeDocument/2006/relationships" xmlns:p="http://schemas.openxmlformats.org/presentationml/2006/main">
-  <p:cSld>
-    <p:spTree>
-      <p:nvGrpSpPr>
-        <p:cNvPr id="1" name=""/>
-        <p:cNvGrpSpPr/>
-        <p:nvPr/>
-      </p:nvGrpSpPr>
-      <p:grpSpPr>
-        <a:xfrm>
-          <a:off x="0" y="0"/>
-          <a:ext cx="0" cy="0"/>
-          <a:chOff x="0" y="0"/>
-          <a:chExt cx="0" cy="0"/>
-        </a:xfrm>
-      </p:grpSpPr>
-      <p:sp>
-        <p:nvSpPr>
-          <p:cNvPr id="2" name="Title 1"/>
-          <p:cNvSpPr>
-            <a:spLocks noGrp="1"/>
-          </p:cNvSpPr>
-          <p:nvPr>
-            <p:ph type="title"/>
-          </p:nvPr>
-        </p:nvSpPr>
-        <p:spPr>
-          <a:xfrm>
-            <a:off x="457199" y="2091709"/>
-            <a:ext cx="8229600" cy="790214"/>
-          </a:xfrm>
-        </p:spPr>
-        <p:txBody>
-          <a:bodyPr>
-            <a:normAutofit/>
-          </a:bodyPr>
-          <a:lstStyle/>
-          <a:p>
-            <a:pPr algn="l"/>
-            <a:r>
-              <a:rPr lang="en-US" sz="4000" dirty="0" smtClean="0"/>
-              <a:t>Processing Requirements Week Three</a:t>
-            </a:r>
-            <a:endParaRPr lang="en-US" sz="3200" dirty="0"/>
-          </a:p>
-        </p:txBody>
-      </p:sp>
-      <p:sp>
-        <p:nvSpPr>
-          <p:cNvPr id="3" name="TextBox 2"/>
-          <p:cNvSpPr txBox="1"/>
-          <p:nvPr/>
-        </p:nvSpPr>
-        <p:spPr>
-          <a:xfrm>
-            <a:off x="457199" y="2881923"/>
-            <a:ext cx="8229599" cy="1077218"/>
-          </a:xfrm>
-          <a:prstGeom prst="rect">
-            <a:avLst/>
-          </a:prstGeom>
-          <a:noFill/>
-        </p:spPr>
-        <p:txBody>
-          <a:bodyPr wrap="square" rtlCol="0">
-            <a:spAutoFit/>
-          </a:bodyPr>
-          <a:lstStyle/>
-          <a:p>
-            <a:pPr marL="342900" indent="-342900">
-              <a:buFont typeface="+mj-lt"/>
-              <a:buAutoNum type="arabicPeriod"/>
-            </a:pPr>
-            <a:r>
-              <a:rPr lang="en-US" sz="3200" dirty="0"/>
-              <a:t>Parse </a:t>
-            </a:r>
-            <a:r>
-              <a:rPr lang="en-US" sz="3200" dirty="0" smtClean="0"/>
-              <a:t>either CSV or TSV file</a:t>
-            </a:r>
-          </a:p>
-          <a:p>
-            <a:pPr marL="342900" indent="-342900">
-              <a:buFont typeface="+mj-lt"/>
-              <a:buAutoNum type="arabicPeriod"/>
-            </a:pPr>
-            <a:r>
-              <a:rPr lang="en-US" sz="3200" dirty="0" smtClean="0"/>
-              <a:t>Report </a:t>
-            </a:r>
-            <a:r>
-              <a:rPr lang="en-US" sz="3200" dirty="0"/>
-              <a:t>status of the parsing via </a:t>
-            </a:r>
-            <a:r>
-              <a:rPr lang="en-US" sz="3200" dirty="0" smtClean="0"/>
-              <a:t>Email or SMS</a:t>
-            </a:r>
-            <a:endParaRPr lang="en-US" sz="3200" dirty="0"/>
-          </a:p>
-        </p:txBody>
-      </p:sp>
-    </p:spTree>
-    <p:extLst>
-      <p:ext uri="{BB962C8B-B14F-4D97-AF65-F5344CB8AC3E}">
-        <p14:creationId xmlns:p14="http://schemas.microsoft.com/office/powerpoint/2010/main" val="600365853"/>
-      </p:ext>
-    </p:extLst>
-  </p:cSld>
-  <p:clrMapOvr>
-    <a:masterClrMapping/>
-  </p:clrMapOvr>
-  <p:timing>
-    <p:tnLst>
-      <p:par>
-        <p:cTn xmlns:p14="http://schemas.microsoft.com/office/powerpoint/2010/main" id="1" dur="indefinite" restart="never" nodeType="tmRoot"/>
-      </p:par>
-    </p:tnLst>
-  </p:timing>
-</p:sld>
-</file>
-
 <file path=ppt/slides/slide18.xml><?xml version="1.0" encoding="utf-8"?>
 <p:sld xmlns:a="http://schemas.openxmlformats.org/drawingml/2006/main" xmlns:r="http://schemas.openxmlformats.org/officeDocument/2006/relationships" xmlns:p="http://schemas.openxmlformats.org/presentationml/2006/main">
   <p:cSld>
@@ -5008,43 +5383,14 @@
       </p:grpSpPr>
       <p:sp>
         <p:nvSpPr>
-          <p:cNvPr id="2" name="Title 1"/>
-          <p:cNvSpPr>
-            <a:spLocks noGrp="1"/>
-          </p:cNvSpPr>
-          <p:nvPr>
-            <p:ph type="title"/>
-          </p:nvPr>
-        </p:nvSpPr>
-        <p:spPr>
-          <a:xfrm>
-            <a:off x="457199" y="946272"/>
-            <a:ext cx="8229600" cy="920993"/>
-          </a:xfrm>
-        </p:spPr>
-        <p:txBody>
-          <a:bodyPr/>
-          <a:lstStyle/>
-          <a:p>
-            <a:pPr algn="l"/>
-            <a:r>
-              <a:rPr lang="en-US" dirty="0" smtClean="0"/>
-              <a:t>What is the difference?</a:t>
-            </a:r>
-            <a:endParaRPr lang="en-US" dirty="0"/>
-          </a:p>
-        </p:txBody>
-      </p:sp>
-      <p:sp>
-        <p:nvSpPr>
           <p:cNvPr id="3" name="TextBox 2"/>
           <p:cNvSpPr txBox="1"/>
           <p:nvPr/>
         </p:nvSpPr>
         <p:spPr>
           <a:xfrm>
-            <a:off x="457199" y="1886804"/>
-            <a:ext cx="8229599" cy="3539430"/>
+            <a:off x="457200" y="2775562"/>
+            <a:ext cx="8229600" cy="1323439"/>
           </a:xfrm>
           <a:prstGeom prst="rect">
             <a:avLst/>
@@ -5057,77 +5403,30 @@
           </a:bodyPr>
           <a:lstStyle/>
           <a:p>
-            <a:pPr marL="342900" indent="-342900">
-              <a:buFont typeface="+mj-lt"/>
-              <a:buAutoNum type="arabicPeriod"/>
-            </a:pPr>
-            <a:r>
-              <a:rPr lang="en-US" sz="3200" dirty="0"/>
-              <a:t>Each class is responsible for one thing.</a:t>
-            </a:r>
-          </a:p>
-          <a:p>
-            <a:pPr marL="342900" indent="-342900">
-              <a:buFont typeface="+mj-lt"/>
-              <a:buAutoNum type="arabicPeriod"/>
-            </a:pPr>
-            <a:r>
-              <a:rPr lang="en-US" sz="3200" dirty="0" smtClean="0"/>
-              <a:t>Reporters are functionally interchangeable.</a:t>
-            </a:r>
-          </a:p>
-          <a:p>
-            <a:pPr marL="342900" indent="-342900">
-              <a:buFont typeface="+mj-lt"/>
-              <a:buAutoNum type="arabicPeriod"/>
-            </a:pPr>
-            <a:r>
-              <a:rPr lang="en-US" sz="3200" dirty="0" smtClean="0"/>
-              <a:t>Contracts between </a:t>
-            </a:r>
-            <a:r>
-              <a:rPr lang="en-US" sz="3200" dirty="0" err="1" smtClean="0"/>
-              <a:t>FileReporter</a:t>
-            </a:r>
-            <a:r>
-              <a:rPr lang="en-US" sz="3200" dirty="0" smtClean="0"/>
-              <a:t> and supporting objects are small and easy to learn.</a:t>
-            </a:r>
-          </a:p>
-          <a:p>
-            <a:pPr marL="342900" indent="-342900">
-              <a:buFont typeface="+mj-lt"/>
-              <a:buAutoNum type="arabicPeriod"/>
-            </a:pPr>
-            <a:r>
-              <a:rPr lang="en-US" sz="3200" dirty="0" err="1"/>
+            <a:r>
+              <a:rPr lang="en-US" sz="4000" dirty="0" err="1" smtClean="0"/>
               <a:t>FileProcessor</a:t>
             </a:r>
             <a:r>
-              <a:rPr lang="en-US" sz="3200" dirty="0"/>
-              <a:t> depends on abstract idea of a reporter</a:t>
-            </a:r>
-            <a:r>
-              <a:rPr lang="en-US" sz="3200" dirty="0" smtClean="0"/>
-              <a:t>.</a:t>
-            </a:r>
-          </a:p>
-          <a:p>
-            <a:pPr marL="342900" indent="-342900">
-              <a:buFont typeface="+mj-lt"/>
-              <a:buAutoNum type="arabicPeriod"/>
-            </a:pPr>
-            <a:r>
-              <a:rPr lang="en-US" sz="3200" dirty="0" smtClean="0"/>
-              <a:t>Testing of reporting can be done in isolation.</a:t>
-            </a:r>
+              <a:rPr lang="en-US" sz="4000" dirty="0" smtClean="0"/>
+              <a:t> </a:t>
+            </a:r>
+            <a:r>
+              <a:rPr lang="en-US" sz="4000" dirty="0" smtClean="0"/>
+              <a:t>can parse new file types </a:t>
+            </a:r>
+            <a:r>
+              <a:rPr lang="en-US" sz="4000" dirty="0" smtClean="0"/>
+              <a:t>without having to change.</a:t>
+            </a:r>
+            <a:endParaRPr lang="en-US" sz="4000" dirty="0" smtClean="0"/>
           </a:p>
         </p:txBody>
       </p:sp>
     </p:spTree>
     <p:extLst>
       <p:ext uri="{BB962C8B-B14F-4D97-AF65-F5344CB8AC3E}">
-        <p14:creationId xmlns:p14="http://schemas.microsoft.com/office/powerpoint/2010/main" val="3425361927"/>
+        <p14:creationId xmlns:p14="http://schemas.microsoft.com/office/powerpoint/2010/main" val="2810516927"/>
       </p:ext>
     </p:extLst>
   </p:cSld>
@@ -5163,45 +5462,14 @@
       </p:grpSpPr>
       <p:sp>
         <p:nvSpPr>
-          <p:cNvPr id="2" name="Title 1"/>
-          <p:cNvSpPr>
-            <a:spLocks noGrp="1"/>
-          </p:cNvSpPr>
-          <p:nvPr>
-            <p:ph type="title"/>
-          </p:nvPr>
-        </p:nvSpPr>
-        <p:spPr>
-          <a:xfrm>
-            <a:off x="457199" y="2091709"/>
-            <a:ext cx="8229600" cy="790214"/>
-          </a:xfrm>
-        </p:spPr>
-        <p:txBody>
-          <a:bodyPr>
-            <a:normAutofit/>
-          </a:bodyPr>
-          <a:lstStyle/>
-          <a:p>
-            <a:pPr algn="l"/>
-            <a:r>
-              <a:rPr lang="en-US" sz="4000" dirty="0" smtClean="0"/>
-              <a:t>Future Processing Requirements</a:t>
-            </a:r>
-            <a:endParaRPr lang="en-US" sz="3200" dirty="0"/>
-          </a:p>
-        </p:txBody>
-      </p:sp>
-      <p:sp>
-        <p:nvSpPr>
           <p:cNvPr id="3" name="TextBox 2"/>
           <p:cNvSpPr txBox="1"/>
           <p:nvPr/>
         </p:nvSpPr>
         <p:spPr>
           <a:xfrm>
-            <a:off x="457199" y="2881923"/>
-            <a:ext cx="8229599" cy="1569660"/>
+            <a:off x="457200" y="2775562"/>
+            <a:ext cx="8229600" cy="1323439"/>
           </a:xfrm>
           <a:prstGeom prst="rect">
             <a:avLst/>
@@ -5214,52 +5482,21 @@
           </a:bodyPr>
           <a:lstStyle/>
           <a:p>
-            <a:pPr marL="342900" indent="-342900">
-              <a:buFont typeface="+mj-lt"/>
-              <a:buAutoNum type="arabicPeriod"/>
-            </a:pPr>
-            <a:r>
-              <a:rPr lang="en-US" sz="3200" dirty="0"/>
-              <a:t>Parse </a:t>
-            </a:r>
-            <a:r>
-              <a:rPr lang="en-US" sz="3200" dirty="0" smtClean="0"/>
-              <a:t>either CSV, TSV or PDF files</a:t>
-            </a:r>
-          </a:p>
-          <a:p>
-            <a:pPr marL="342900" indent="-342900">
-              <a:buFont typeface="+mj-lt"/>
-              <a:buAutoNum type="arabicPeriod"/>
-            </a:pPr>
-            <a:r>
-              <a:rPr lang="en-US" sz="3200" dirty="0" smtClean="0"/>
-              <a:t>Report </a:t>
-            </a:r>
-            <a:r>
-              <a:rPr lang="en-US" sz="3200" dirty="0"/>
-              <a:t>status of the parsing via </a:t>
-            </a:r>
-            <a:r>
-              <a:rPr lang="en-US" sz="3200" dirty="0" smtClean="0"/>
-              <a:t>Email, SMS or </a:t>
-            </a:r>
-            <a:r>
-              <a:rPr lang="en-US" sz="3200" dirty="0" err="1" smtClean="0"/>
-              <a:t>Nagios</a:t>
-            </a:r>
-            <a:r>
-              <a:rPr lang="en-US" sz="3200" dirty="0" smtClean="0"/>
-              <a:t>.</a:t>
-            </a:r>
-            <a:endParaRPr lang="en-US" sz="3200" dirty="0"/>
+            <a:r>
+              <a:rPr lang="en-US" sz="4000" dirty="0" smtClean="0"/>
+              <a:t>Testing </a:t>
+            </a:r>
+            <a:r>
+              <a:rPr lang="en-US" sz="4000" dirty="0" smtClean="0"/>
+              <a:t>of parsing can be done in isolation.</a:t>
+            </a:r>
           </a:p>
         </p:txBody>
       </p:sp>
     </p:spTree>
     <p:extLst>
       <p:ext uri="{BB962C8B-B14F-4D97-AF65-F5344CB8AC3E}">
-        <p14:creationId xmlns:p14="http://schemas.microsoft.com/office/powerpoint/2010/main" val="42081683"/>
+        <p14:creationId xmlns:p14="http://schemas.microsoft.com/office/powerpoint/2010/main" val="2810516927"/>
       </p:ext>
     </p:extLst>
   </p:cSld>
@@ -5422,6 +5659,706 @@
         </p:nvSpPr>
         <p:spPr>
           <a:xfrm>
+            <a:off x="457199" y="2091709"/>
+            <a:ext cx="8229600" cy="790214"/>
+          </a:xfrm>
+        </p:spPr>
+        <p:txBody>
+          <a:bodyPr>
+            <a:normAutofit/>
+          </a:bodyPr>
+          <a:lstStyle/>
+          <a:p>
+            <a:pPr algn="l"/>
+            <a:r>
+              <a:rPr lang="en-US" sz="4000" dirty="0" smtClean="0"/>
+              <a:t>Processing Requirements Week Three</a:t>
+            </a:r>
+            <a:endParaRPr lang="en-US" sz="3200" dirty="0"/>
+          </a:p>
+        </p:txBody>
+      </p:sp>
+      <p:sp>
+        <p:nvSpPr>
+          <p:cNvPr id="3" name="TextBox 2"/>
+          <p:cNvSpPr txBox="1"/>
+          <p:nvPr/>
+        </p:nvSpPr>
+        <p:spPr>
+          <a:xfrm>
+            <a:off x="457199" y="2881923"/>
+            <a:ext cx="8229599" cy="1077218"/>
+          </a:xfrm>
+          <a:prstGeom prst="rect">
+            <a:avLst/>
+          </a:prstGeom>
+          <a:noFill/>
+        </p:spPr>
+        <p:txBody>
+          <a:bodyPr wrap="square" rtlCol="0">
+            <a:spAutoFit/>
+          </a:bodyPr>
+          <a:lstStyle/>
+          <a:p>
+            <a:pPr marL="342900" indent="-342900">
+              <a:buFont typeface="+mj-lt"/>
+              <a:buAutoNum type="arabicPeriod"/>
+            </a:pPr>
+            <a:r>
+              <a:rPr lang="en-US" sz="3200" dirty="0"/>
+              <a:t>Parse </a:t>
+            </a:r>
+            <a:r>
+              <a:rPr lang="en-US" sz="3200" dirty="0" smtClean="0"/>
+              <a:t>either CSV or TSV file</a:t>
+            </a:r>
+          </a:p>
+          <a:p>
+            <a:pPr marL="342900" indent="-342900">
+              <a:buFont typeface="+mj-lt"/>
+              <a:buAutoNum type="arabicPeriod"/>
+            </a:pPr>
+            <a:r>
+              <a:rPr lang="en-US" sz="3200" dirty="0" smtClean="0"/>
+              <a:t>Report </a:t>
+            </a:r>
+            <a:r>
+              <a:rPr lang="en-US" sz="3200" dirty="0"/>
+              <a:t>status of the parsing via </a:t>
+            </a:r>
+            <a:r>
+              <a:rPr lang="en-US" sz="3200" dirty="0" smtClean="0"/>
+              <a:t>Email or SMS</a:t>
+            </a:r>
+            <a:endParaRPr lang="en-US" sz="3200" dirty="0"/>
+          </a:p>
+        </p:txBody>
+      </p:sp>
+    </p:spTree>
+    <p:extLst>
+      <p:ext uri="{BB962C8B-B14F-4D97-AF65-F5344CB8AC3E}">
+        <p14:creationId xmlns:p14="http://schemas.microsoft.com/office/powerpoint/2010/main" val="600365853"/>
+      </p:ext>
+    </p:extLst>
+  </p:cSld>
+  <p:clrMapOvr>
+    <a:masterClrMapping/>
+  </p:clrMapOvr>
+  <p:timing>
+    <p:tnLst>
+      <p:par>
+        <p:cTn xmlns:p14="http://schemas.microsoft.com/office/powerpoint/2010/main" id="1" dur="indefinite" restart="never" nodeType="tmRoot"/>
+      </p:par>
+    </p:tnLst>
+  </p:timing>
+</p:sld>
+</file>
+
+<file path=ppt/slides/slide21.xml><?xml version="1.0" encoding="utf-8"?>
+<p:sld xmlns:a="http://schemas.openxmlformats.org/drawingml/2006/main" xmlns:r="http://schemas.openxmlformats.org/officeDocument/2006/relationships" xmlns:p="http://schemas.openxmlformats.org/presentationml/2006/main">
+  <p:cSld>
+    <p:spTree>
+      <p:nvGrpSpPr>
+        <p:cNvPr id="1" name=""/>
+        <p:cNvGrpSpPr/>
+        <p:nvPr/>
+      </p:nvGrpSpPr>
+      <p:grpSpPr>
+        <a:xfrm>
+          <a:off x="0" y="0"/>
+          <a:ext cx="0" cy="0"/>
+          <a:chOff x="0" y="0"/>
+          <a:chExt cx="0" cy="0"/>
+        </a:xfrm>
+      </p:grpSpPr>
+      <p:sp>
+        <p:nvSpPr>
+          <p:cNvPr id="2" name="Title 1"/>
+          <p:cNvSpPr>
+            <a:spLocks noGrp="1"/>
+          </p:cNvSpPr>
+          <p:nvPr>
+            <p:ph type="title"/>
+          </p:nvPr>
+        </p:nvSpPr>
+        <p:spPr>
+          <a:xfrm>
+            <a:off x="457199" y="2968502"/>
+            <a:ext cx="8229600" cy="920993"/>
+          </a:xfrm>
+        </p:spPr>
+        <p:txBody>
+          <a:bodyPr/>
+          <a:lstStyle/>
+          <a:p>
+            <a:pPr algn="l"/>
+            <a:r>
+              <a:rPr lang="en-US" dirty="0" smtClean="0"/>
+              <a:t>What is the difference?</a:t>
+            </a:r>
+            <a:endParaRPr lang="en-US" dirty="0"/>
+          </a:p>
+        </p:txBody>
+      </p:sp>
+    </p:spTree>
+    <p:extLst>
+      <p:ext uri="{BB962C8B-B14F-4D97-AF65-F5344CB8AC3E}">
+        <p14:creationId xmlns:p14="http://schemas.microsoft.com/office/powerpoint/2010/main" val="3425361927"/>
+      </p:ext>
+    </p:extLst>
+  </p:cSld>
+  <p:clrMapOvr>
+    <a:masterClrMapping/>
+  </p:clrMapOvr>
+  <p:timing>
+    <p:tnLst>
+      <p:par>
+        <p:cTn xmlns:p14="http://schemas.microsoft.com/office/powerpoint/2010/main" id="1" dur="indefinite" restart="never" nodeType="tmRoot"/>
+      </p:par>
+    </p:tnLst>
+  </p:timing>
+</p:sld>
+</file>
+
+<file path=ppt/slides/slide22.xml><?xml version="1.0" encoding="utf-8"?>
+<p:sld xmlns:a="http://schemas.openxmlformats.org/drawingml/2006/main" xmlns:r="http://schemas.openxmlformats.org/officeDocument/2006/relationships" xmlns:p="http://schemas.openxmlformats.org/presentationml/2006/main">
+  <p:cSld>
+    <p:spTree>
+      <p:nvGrpSpPr>
+        <p:cNvPr id="1" name=""/>
+        <p:cNvGrpSpPr/>
+        <p:nvPr/>
+      </p:nvGrpSpPr>
+      <p:grpSpPr>
+        <a:xfrm>
+          <a:off x="0" y="0"/>
+          <a:ext cx="0" cy="0"/>
+          <a:chOff x="0" y="0"/>
+          <a:chExt cx="0" cy="0"/>
+        </a:xfrm>
+      </p:grpSpPr>
+      <p:sp>
+        <p:nvSpPr>
+          <p:cNvPr id="3" name="TextBox 2"/>
+          <p:cNvSpPr txBox="1"/>
+          <p:nvPr/>
+        </p:nvSpPr>
+        <p:spPr>
+          <a:xfrm>
+            <a:off x="457199" y="3078650"/>
+            <a:ext cx="8229599" cy="707886"/>
+          </a:xfrm>
+          <a:prstGeom prst="rect">
+            <a:avLst/>
+          </a:prstGeom>
+          <a:noFill/>
+        </p:spPr>
+        <p:txBody>
+          <a:bodyPr wrap="square" rtlCol="0">
+            <a:spAutoFit/>
+          </a:bodyPr>
+          <a:lstStyle/>
+          <a:p>
+            <a:r>
+              <a:rPr lang="en-US" sz="4000" dirty="0"/>
+              <a:t>Each class is responsible for one thing</a:t>
+            </a:r>
+            <a:r>
+              <a:rPr lang="en-US" sz="4000" dirty="0" smtClean="0"/>
+              <a:t>.</a:t>
+            </a:r>
+            <a:endParaRPr lang="en-US" sz="4000" dirty="0"/>
+          </a:p>
+        </p:txBody>
+      </p:sp>
+    </p:spTree>
+    <p:extLst>
+      <p:ext uri="{BB962C8B-B14F-4D97-AF65-F5344CB8AC3E}">
+        <p14:creationId xmlns:p14="http://schemas.microsoft.com/office/powerpoint/2010/main" val="2650504756"/>
+      </p:ext>
+    </p:extLst>
+  </p:cSld>
+  <p:clrMapOvr>
+    <a:masterClrMapping/>
+  </p:clrMapOvr>
+  <p:timing>
+    <p:tnLst>
+      <p:par>
+        <p:cTn xmlns:p14="http://schemas.microsoft.com/office/powerpoint/2010/main" id="1" dur="indefinite" restart="never" nodeType="tmRoot"/>
+      </p:par>
+    </p:tnLst>
+  </p:timing>
+</p:sld>
+</file>
+
+<file path=ppt/slides/slide23.xml><?xml version="1.0" encoding="utf-8"?>
+<p:sld xmlns:a="http://schemas.openxmlformats.org/drawingml/2006/main" xmlns:r="http://schemas.openxmlformats.org/officeDocument/2006/relationships" xmlns:p="http://schemas.openxmlformats.org/presentationml/2006/main">
+  <p:cSld>
+    <p:spTree>
+      <p:nvGrpSpPr>
+        <p:cNvPr id="1" name=""/>
+        <p:cNvGrpSpPr/>
+        <p:nvPr/>
+      </p:nvGrpSpPr>
+      <p:grpSpPr>
+        <a:xfrm>
+          <a:off x="0" y="0"/>
+          <a:ext cx="0" cy="0"/>
+          <a:chOff x="0" y="0"/>
+          <a:chExt cx="0" cy="0"/>
+        </a:xfrm>
+      </p:grpSpPr>
+      <p:sp>
+        <p:nvSpPr>
+          <p:cNvPr id="3" name="TextBox 2"/>
+          <p:cNvSpPr txBox="1"/>
+          <p:nvPr/>
+        </p:nvSpPr>
+        <p:spPr>
+          <a:xfrm>
+            <a:off x="457199" y="2766035"/>
+            <a:ext cx="8229599" cy="1323439"/>
+          </a:xfrm>
+          <a:prstGeom prst="rect">
+            <a:avLst/>
+          </a:prstGeom>
+          <a:noFill/>
+        </p:spPr>
+        <p:txBody>
+          <a:bodyPr wrap="square" rtlCol="0">
+            <a:spAutoFit/>
+          </a:bodyPr>
+          <a:lstStyle/>
+          <a:p>
+            <a:r>
+              <a:rPr lang="en-US" sz="4000" dirty="0" smtClean="0"/>
+              <a:t>Reporters </a:t>
+            </a:r>
+            <a:r>
+              <a:rPr lang="en-US" sz="4000" dirty="0" smtClean="0"/>
+              <a:t>are functionally interchangeable</a:t>
+            </a:r>
+            <a:r>
+              <a:rPr lang="en-US" sz="4000" dirty="0" smtClean="0"/>
+              <a:t>.</a:t>
+            </a:r>
+            <a:endParaRPr lang="en-US" sz="4000" dirty="0" smtClean="0"/>
+          </a:p>
+        </p:txBody>
+      </p:sp>
+    </p:spTree>
+    <p:extLst>
+      <p:ext uri="{BB962C8B-B14F-4D97-AF65-F5344CB8AC3E}">
+        <p14:creationId xmlns:p14="http://schemas.microsoft.com/office/powerpoint/2010/main" val="4225296086"/>
+      </p:ext>
+    </p:extLst>
+  </p:cSld>
+  <p:clrMapOvr>
+    <a:masterClrMapping/>
+  </p:clrMapOvr>
+  <p:timing>
+    <p:tnLst>
+      <p:par>
+        <p:cTn xmlns:p14="http://schemas.microsoft.com/office/powerpoint/2010/main" id="1" dur="indefinite" restart="never" nodeType="tmRoot"/>
+      </p:par>
+    </p:tnLst>
+  </p:timing>
+</p:sld>
+</file>
+
+<file path=ppt/slides/slide24.xml><?xml version="1.0" encoding="utf-8"?>
+<p:sld xmlns:a="http://schemas.openxmlformats.org/drawingml/2006/main" xmlns:r="http://schemas.openxmlformats.org/officeDocument/2006/relationships" xmlns:p="http://schemas.openxmlformats.org/presentationml/2006/main">
+  <p:cSld>
+    <p:spTree>
+      <p:nvGrpSpPr>
+        <p:cNvPr id="1" name=""/>
+        <p:cNvGrpSpPr/>
+        <p:nvPr/>
+      </p:nvGrpSpPr>
+      <p:grpSpPr>
+        <a:xfrm>
+          <a:off x="0" y="0"/>
+          <a:ext cx="0" cy="0"/>
+          <a:chOff x="0" y="0"/>
+          <a:chExt cx="0" cy="0"/>
+        </a:xfrm>
+      </p:grpSpPr>
+      <p:sp>
+        <p:nvSpPr>
+          <p:cNvPr id="3" name="TextBox 2"/>
+          <p:cNvSpPr txBox="1"/>
+          <p:nvPr/>
+        </p:nvSpPr>
+        <p:spPr>
+          <a:xfrm>
+            <a:off x="457199" y="1886804"/>
+            <a:ext cx="8229599" cy="1938992"/>
+          </a:xfrm>
+          <a:prstGeom prst="rect">
+            <a:avLst/>
+          </a:prstGeom>
+          <a:noFill/>
+        </p:spPr>
+        <p:txBody>
+          <a:bodyPr wrap="square" rtlCol="0">
+            <a:spAutoFit/>
+          </a:bodyPr>
+          <a:lstStyle/>
+          <a:p>
+            <a:r>
+              <a:rPr lang="en-US" sz="4000" dirty="0" smtClean="0"/>
+              <a:t>Contracts </a:t>
+            </a:r>
+            <a:r>
+              <a:rPr lang="en-US" sz="4000" dirty="0" smtClean="0"/>
+              <a:t>between </a:t>
+            </a:r>
+            <a:r>
+              <a:rPr lang="en-US" sz="4000" dirty="0" err="1" smtClean="0"/>
+              <a:t>FileReporter</a:t>
+            </a:r>
+            <a:r>
+              <a:rPr lang="en-US" sz="4000" dirty="0" smtClean="0"/>
+              <a:t> and supporting objects are small and easy to learn</a:t>
+            </a:r>
+            <a:r>
+              <a:rPr lang="en-US" sz="4000" dirty="0" smtClean="0"/>
+              <a:t>.</a:t>
+            </a:r>
+            <a:endParaRPr lang="en-US" sz="4000" dirty="0" smtClean="0"/>
+          </a:p>
+        </p:txBody>
+      </p:sp>
+    </p:spTree>
+    <p:extLst>
+      <p:ext uri="{BB962C8B-B14F-4D97-AF65-F5344CB8AC3E}">
+        <p14:creationId xmlns:p14="http://schemas.microsoft.com/office/powerpoint/2010/main" val="4225296086"/>
+      </p:ext>
+    </p:extLst>
+  </p:cSld>
+  <p:clrMapOvr>
+    <a:masterClrMapping/>
+  </p:clrMapOvr>
+  <p:timing>
+    <p:tnLst>
+      <p:par>
+        <p:cTn xmlns:p14="http://schemas.microsoft.com/office/powerpoint/2010/main" id="1" dur="indefinite" restart="never" nodeType="tmRoot"/>
+      </p:par>
+    </p:tnLst>
+  </p:timing>
+</p:sld>
+</file>
+
+<file path=ppt/slides/slide25.xml><?xml version="1.0" encoding="utf-8"?>
+<p:sld xmlns:a="http://schemas.openxmlformats.org/drawingml/2006/main" xmlns:r="http://schemas.openxmlformats.org/officeDocument/2006/relationships" xmlns:p="http://schemas.openxmlformats.org/presentationml/2006/main">
+  <p:cSld>
+    <p:spTree>
+      <p:nvGrpSpPr>
+        <p:cNvPr id="1" name=""/>
+        <p:cNvGrpSpPr/>
+        <p:nvPr/>
+      </p:nvGrpSpPr>
+      <p:grpSpPr>
+        <a:xfrm>
+          <a:off x="0" y="0"/>
+          <a:ext cx="0" cy="0"/>
+          <a:chOff x="0" y="0"/>
+          <a:chExt cx="0" cy="0"/>
+        </a:xfrm>
+      </p:grpSpPr>
+      <p:sp>
+        <p:nvSpPr>
+          <p:cNvPr id="3" name="TextBox 2"/>
+          <p:cNvSpPr txBox="1"/>
+          <p:nvPr/>
+        </p:nvSpPr>
+        <p:spPr>
+          <a:xfrm>
+            <a:off x="457199" y="2766035"/>
+            <a:ext cx="8229599" cy="1323439"/>
+          </a:xfrm>
+          <a:prstGeom prst="rect">
+            <a:avLst/>
+          </a:prstGeom>
+          <a:noFill/>
+        </p:spPr>
+        <p:txBody>
+          <a:bodyPr wrap="square" rtlCol="0">
+            <a:spAutoFit/>
+          </a:bodyPr>
+          <a:lstStyle/>
+          <a:p>
+            <a:r>
+              <a:rPr lang="en-US" sz="4000" dirty="0" err="1" smtClean="0"/>
+              <a:t>FileProcessor</a:t>
+            </a:r>
+            <a:r>
+              <a:rPr lang="en-US" sz="4000" dirty="0" smtClean="0"/>
+              <a:t> </a:t>
+            </a:r>
+            <a:r>
+              <a:rPr lang="en-US" sz="4000" dirty="0"/>
+              <a:t>depends on abstract idea of a reporter</a:t>
+            </a:r>
+            <a:r>
+              <a:rPr lang="en-US" sz="4000" dirty="0" smtClean="0"/>
+              <a:t>.</a:t>
+            </a:r>
+            <a:endParaRPr lang="en-US" sz="4000" dirty="0" smtClean="0"/>
+          </a:p>
+        </p:txBody>
+      </p:sp>
+    </p:spTree>
+    <p:extLst>
+      <p:ext uri="{BB962C8B-B14F-4D97-AF65-F5344CB8AC3E}">
+        <p14:creationId xmlns:p14="http://schemas.microsoft.com/office/powerpoint/2010/main" val="4225296086"/>
+      </p:ext>
+    </p:extLst>
+  </p:cSld>
+  <p:clrMapOvr>
+    <a:masterClrMapping/>
+  </p:clrMapOvr>
+  <p:timing>
+    <p:tnLst>
+      <p:par>
+        <p:cTn xmlns:p14="http://schemas.microsoft.com/office/powerpoint/2010/main" id="1" dur="indefinite" restart="never" nodeType="tmRoot"/>
+      </p:par>
+    </p:tnLst>
+  </p:timing>
+</p:sld>
+</file>
+
+<file path=ppt/slides/slide26.xml><?xml version="1.0" encoding="utf-8"?>
+<p:sld xmlns:a="http://schemas.openxmlformats.org/drawingml/2006/main" xmlns:r="http://schemas.openxmlformats.org/officeDocument/2006/relationships" xmlns:p="http://schemas.openxmlformats.org/presentationml/2006/main">
+  <p:cSld>
+    <p:spTree>
+      <p:nvGrpSpPr>
+        <p:cNvPr id="1" name=""/>
+        <p:cNvGrpSpPr/>
+        <p:nvPr/>
+      </p:nvGrpSpPr>
+      <p:grpSpPr>
+        <a:xfrm>
+          <a:off x="0" y="0"/>
+          <a:ext cx="0" cy="0"/>
+          <a:chOff x="0" y="0"/>
+          <a:chExt cx="0" cy="0"/>
+        </a:xfrm>
+      </p:grpSpPr>
+      <p:sp>
+        <p:nvSpPr>
+          <p:cNvPr id="3" name="TextBox 2"/>
+          <p:cNvSpPr txBox="1"/>
+          <p:nvPr/>
+        </p:nvSpPr>
+        <p:spPr>
+          <a:xfrm>
+            <a:off x="457199" y="2713357"/>
+            <a:ext cx="8229599" cy="1323439"/>
+          </a:xfrm>
+          <a:prstGeom prst="rect">
+            <a:avLst/>
+          </a:prstGeom>
+          <a:noFill/>
+        </p:spPr>
+        <p:txBody>
+          <a:bodyPr wrap="square" rtlCol="0">
+            <a:spAutoFit/>
+          </a:bodyPr>
+          <a:lstStyle/>
+          <a:p>
+            <a:r>
+              <a:rPr lang="en-US" sz="4000" dirty="0" smtClean="0"/>
+              <a:t>Testing </a:t>
+            </a:r>
+            <a:r>
+              <a:rPr lang="en-US" sz="4000" dirty="0" smtClean="0"/>
+              <a:t>of reporting can be done in isolation.</a:t>
+            </a:r>
+          </a:p>
+        </p:txBody>
+      </p:sp>
+    </p:spTree>
+    <p:extLst>
+      <p:ext uri="{BB962C8B-B14F-4D97-AF65-F5344CB8AC3E}">
+        <p14:creationId xmlns:p14="http://schemas.microsoft.com/office/powerpoint/2010/main" val="4225296086"/>
+      </p:ext>
+    </p:extLst>
+  </p:cSld>
+  <p:clrMapOvr>
+    <a:masterClrMapping/>
+  </p:clrMapOvr>
+  <p:timing>
+    <p:tnLst>
+      <p:par>
+        <p:cTn xmlns:p14="http://schemas.microsoft.com/office/powerpoint/2010/main" id="1" dur="indefinite" restart="never" nodeType="tmRoot"/>
+      </p:par>
+    </p:tnLst>
+  </p:timing>
+</p:sld>
+</file>
+
+<file path=ppt/slides/slide27.xml><?xml version="1.0" encoding="utf-8"?>
+<p:sld xmlns:a="http://schemas.openxmlformats.org/drawingml/2006/main" xmlns:r="http://schemas.openxmlformats.org/officeDocument/2006/relationships" xmlns:p="http://schemas.openxmlformats.org/presentationml/2006/main">
+  <p:cSld>
+    <p:spTree>
+      <p:nvGrpSpPr>
+        <p:cNvPr id="1" name=""/>
+        <p:cNvGrpSpPr/>
+        <p:nvPr/>
+      </p:nvGrpSpPr>
+      <p:grpSpPr>
+        <a:xfrm>
+          <a:off x="0" y="0"/>
+          <a:ext cx="0" cy="0"/>
+          <a:chOff x="0" y="0"/>
+          <a:chExt cx="0" cy="0"/>
+        </a:xfrm>
+      </p:grpSpPr>
+      <p:sp>
+        <p:nvSpPr>
+          <p:cNvPr id="2" name="Title 1"/>
+          <p:cNvSpPr>
+            <a:spLocks noGrp="1"/>
+          </p:cNvSpPr>
+          <p:nvPr>
+            <p:ph type="title"/>
+          </p:nvPr>
+        </p:nvSpPr>
+        <p:spPr>
+          <a:xfrm>
+            <a:off x="457199" y="2091709"/>
+            <a:ext cx="8229600" cy="790214"/>
+          </a:xfrm>
+        </p:spPr>
+        <p:txBody>
+          <a:bodyPr>
+            <a:normAutofit/>
+          </a:bodyPr>
+          <a:lstStyle/>
+          <a:p>
+            <a:pPr algn="l"/>
+            <a:r>
+              <a:rPr lang="en-US" sz="4000" dirty="0" smtClean="0"/>
+              <a:t>Future Processing Requirements</a:t>
+            </a:r>
+            <a:endParaRPr lang="en-US" sz="3200" dirty="0"/>
+          </a:p>
+        </p:txBody>
+      </p:sp>
+      <p:sp>
+        <p:nvSpPr>
+          <p:cNvPr id="3" name="TextBox 2"/>
+          <p:cNvSpPr txBox="1"/>
+          <p:nvPr/>
+        </p:nvSpPr>
+        <p:spPr>
+          <a:xfrm>
+            <a:off x="457199" y="2881923"/>
+            <a:ext cx="8229599" cy="1569660"/>
+          </a:xfrm>
+          <a:prstGeom prst="rect">
+            <a:avLst/>
+          </a:prstGeom>
+          <a:noFill/>
+        </p:spPr>
+        <p:txBody>
+          <a:bodyPr wrap="square" rtlCol="0">
+            <a:spAutoFit/>
+          </a:bodyPr>
+          <a:lstStyle/>
+          <a:p>
+            <a:pPr marL="342900" indent="-342900">
+              <a:buFont typeface="+mj-lt"/>
+              <a:buAutoNum type="arabicPeriod"/>
+            </a:pPr>
+            <a:r>
+              <a:rPr lang="en-US" sz="3200" dirty="0"/>
+              <a:t>Parse </a:t>
+            </a:r>
+            <a:r>
+              <a:rPr lang="en-US" sz="3200" dirty="0" smtClean="0"/>
+              <a:t>either CSV, TSV or PDF files</a:t>
+            </a:r>
+          </a:p>
+          <a:p>
+            <a:pPr marL="342900" indent="-342900">
+              <a:buFont typeface="+mj-lt"/>
+              <a:buAutoNum type="arabicPeriod"/>
+            </a:pPr>
+            <a:r>
+              <a:rPr lang="en-US" sz="3200" dirty="0" smtClean="0"/>
+              <a:t>Report </a:t>
+            </a:r>
+            <a:r>
+              <a:rPr lang="en-US" sz="3200" dirty="0"/>
+              <a:t>status of the parsing via </a:t>
+            </a:r>
+            <a:r>
+              <a:rPr lang="en-US" sz="3200" dirty="0" smtClean="0"/>
+              <a:t>Email, SMS or </a:t>
+            </a:r>
+            <a:r>
+              <a:rPr lang="en-US" sz="3200" dirty="0" err="1" smtClean="0"/>
+              <a:t>Nagios</a:t>
+            </a:r>
+            <a:r>
+              <a:rPr lang="en-US" sz="3200" dirty="0" smtClean="0"/>
+              <a:t>.</a:t>
+            </a:r>
+            <a:endParaRPr lang="en-US" sz="3200" dirty="0"/>
+          </a:p>
+        </p:txBody>
+      </p:sp>
+    </p:spTree>
+    <p:extLst>
+      <p:ext uri="{BB962C8B-B14F-4D97-AF65-F5344CB8AC3E}">
+        <p14:creationId xmlns:p14="http://schemas.microsoft.com/office/powerpoint/2010/main" val="42081683"/>
+      </p:ext>
+    </p:extLst>
+  </p:cSld>
+  <p:clrMapOvr>
+    <a:masterClrMapping/>
+  </p:clrMapOvr>
+  <p:timing>
+    <p:tnLst>
+      <p:par>
+        <p:cTn xmlns:p14="http://schemas.microsoft.com/office/powerpoint/2010/main" id="1" dur="indefinite" restart="never" nodeType="tmRoot"/>
+      </p:par>
+    </p:tnLst>
+  </p:timing>
+</p:sld>
+</file>
+
+<file path=ppt/slides/slide28.xml><?xml version="1.0" encoding="utf-8"?>
+<p:sld xmlns:a="http://schemas.openxmlformats.org/drawingml/2006/main" xmlns:r="http://schemas.openxmlformats.org/officeDocument/2006/relationships" xmlns:p="http://schemas.openxmlformats.org/presentationml/2006/main">
+  <p:cSld>
+    <p:spTree>
+      <p:nvGrpSpPr>
+        <p:cNvPr id="1" name=""/>
+        <p:cNvGrpSpPr/>
+        <p:nvPr/>
+      </p:nvGrpSpPr>
+      <p:grpSpPr>
+        <a:xfrm>
+          <a:off x="0" y="0"/>
+          <a:ext cx="0" cy="0"/>
+          <a:chOff x="0" y="0"/>
+          <a:chExt cx="0" cy="0"/>
+        </a:xfrm>
+      </p:grpSpPr>
+      <p:sp>
+        <p:nvSpPr>
+          <p:cNvPr id="2" name="Title 1"/>
+          <p:cNvSpPr>
+            <a:spLocks noGrp="1"/>
+          </p:cNvSpPr>
+          <p:nvPr>
+            <p:ph type="title"/>
+          </p:nvPr>
+        </p:nvSpPr>
+        <p:spPr>
+          <a:xfrm>
             <a:off x="457200" y="2843946"/>
             <a:ext cx="8229600" cy="1143000"/>
           </a:xfrm>
@@ -5458,7 +6395,7 @@
 </p:sld>
 </file>
 
-<file path=ppt/slides/slide21.xml><?xml version="1.0" encoding="utf-8"?>
+<file path=ppt/slides/slide29.xml><?xml version="1.0" encoding="utf-8"?>
 <p:sld xmlns:a="http://schemas.openxmlformats.org/drawingml/2006/main" xmlns:r="http://schemas.openxmlformats.org/officeDocument/2006/relationships" xmlns:p="http://schemas.openxmlformats.org/presentationml/2006/main">
   <p:cSld>
     <p:bg>
@@ -5533,7 +6470,74 @@
 </p:sld>
 </file>
 
-<file path=ppt/slides/slide22.xml><?xml version="1.0" encoding="utf-8"?>
+<file path=ppt/slides/slide3.xml><?xml version="1.0" encoding="utf-8"?>
+<p:sld xmlns:a="http://schemas.openxmlformats.org/drawingml/2006/main" xmlns:r="http://schemas.openxmlformats.org/officeDocument/2006/relationships" xmlns:p="http://schemas.openxmlformats.org/presentationml/2006/main">
+  <p:cSld>
+    <p:spTree>
+      <p:nvGrpSpPr>
+        <p:cNvPr id="1" name=""/>
+        <p:cNvGrpSpPr/>
+        <p:nvPr/>
+      </p:nvGrpSpPr>
+      <p:grpSpPr>
+        <a:xfrm>
+          <a:off x="0" y="0"/>
+          <a:ext cx="0" cy="0"/>
+          <a:chOff x="0" y="0"/>
+          <a:chExt cx="0" cy="0"/>
+        </a:xfrm>
+      </p:grpSpPr>
+      <p:sp>
+        <p:nvSpPr>
+          <p:cNvPr id="4" name="Title 3"/>
+          <p:cNvSpPr>
+            <a:spLocks noGrp="1"/>
+          </p:cNvSpPr>
+          <p:nvPr>
+            <p:ph type="title"/>
+          </p:nvPr>
+        </p:nvSpPr>
+        <p:spPr>
+          <a:xfrm>
+            <a:off x="457200" y="2711170"/>
+            <a:ext cx="8229600" cy="1428103"/>
+          </a:xfrm>
+        </p:spPr>
+        <p:txBody>
+          <a:bodyPr>
+            <a:normAutofit fontScale="90000"/>
+          </a:bodyPr>
+          <a:lstStyle/>
+          <a:p>
+            <a:pPr algn="l"/>
+            <a:r>
+              <a:rPr lang="en-US" dirty="0"/>
+              <a:t>That's great but how does that apply to Ruby?</a:t>
+            </a:r>
+          </a:p>
+        </p:txBody>
+      </p:sp>
+    </p:spTree>
+    <p:extLst>
+      <p:ext uri="{BB962C8B-B14F-4D97-AF65-F5344CB8AC3E}">
+        <p14:creationId xmlns:p14="http://schemas.microsoft.com/office/powerpoint/2010/main" val="3102091573"/>
+      </p:ext>
+    </p:extLst>
+  </p:cSld>
+  <p:clrMapOvr>
+    <a:masterClrMapping/>
+  </p:clrMapOvr>
+  <p:timing>
+    <p:tnLst>
+      <p:par>
+        <p:cTn xmlns:p14="http://schemas.microsoft.com/office/powerpoint/2010/main" id="1" dur="indefinite" restart="never" nodeType="tmRoot"/>
+      </p:par>
+    </p:tnLst>
+  </p:timing>
+</p:sld>
+</file>
+
+<file path=ppt/slides/slide30.xml><?xml version="1.0" encoding="utf-8"?>
 <p:sld xmlns:a="http://schemas.openxmlformats.org/drawingml/2006/main" xmlns:r="http://schemas.openxmlformats.org/officeDocument/2006/relationships" xmlns:p="http://schemas.openxmlformats.org/presentationml/2006/main">
   <p:cSld>
     <p:spTree>
@@ -5603,7 +6607,7 @@
 </p:sld>
 </file>
 
-<file path=ppt/slides/slide23.xml><?xml version="1.0" encoding="utf-8"?>
+<file path=ppt/slides/slide31.xml><?xml version="1.0" encoding="utf-8"?>
 <p:sld xmlns:a="http://schemas.openxmlformats.org/drawingml/2006/main" xmlns:r="http://schemas.openxmlformats.org/officeDocument/2006/relationships" xmlns:p="http://schemas.openxmlformats.org/presentationml/2006/main">
   <p:cSld>
     <p:spTree>
@@ -5680,7 +6684,7 @@
 </p:sld>
 </file>
 
-<file path=ppt/slides/slide24.xml><?xml version="1.0" encoding="utf-8"?>
+<file path=ppt/slides/slide32.xml><?xml version="1.0" encoding="utf-8"?>
 <p:sld xmlns:a="http://schemas.openxmlformats.org/drawingml/2006/main" xmlns:r="http://schemas.openxmlformats.org/officeDocument/2006/relationships" xmlns:p="http://schemas.openxmlformats.org/presentationml/2006/main">
   <p:cSld>
     <p:spTree>
@@ -5754,7 +6758,7 @@
 </p:sld>
 </file>
 
-<file path=ppt/slides/slide25.xml><?xml version="1.0" encoding="utf-8"?>
+<file path=ppt/slides/slide33.xml><?xml version="1.0" encoding="utf-8"?>
 <p:sld xmlns:a="http://schemas.openxmlformats.org/drawingml/2006/main" xmlns:r="http://schemas.openxmlformats.org/officeDocument/2006/relationships" xmlns:p="http://schemas.openxmlformats.org/presentationml/2006/main">
   <p:cSld>
     <p:spTree>
@@ -5824,7 +6828,7 @@
 </p:sld>
 </file>
 
-<file path=ppt/slides/slide26.xml><?xml version="1.0" encoding="utf-8"?>
+<file path=ppt/slides/slide34.xml><?xml version="1.0" encoding="utf-8"?>
 <p:sld xmlns:a="http://schemas.openxmlformats.org/drawingml/2006/main" xmlns:r="http://schemas.openxmlformats.org/officeDocument/2006/relationships" xmlns:p="http://schemas.openxmlformats.org/presentationml/2006/main">
   <p:cSld>
     <p:spTree>
@@ -5894,7 +6898,7 @@
 </p:sld>
 </file>
 
-<file path=ppt/slides/slide27.xml><?xml version="1.0" encoding="utf-8"?>
+<file path=ppt/slides/slide35.xml><?xml version="1.0" encoding="utf-8"?>
 <p:sld xmlns:a="http://schemas.openxmlformats.org/drawingml/2006/main" xmlns:r="http://schemas.openxmlformats.org/officeDocument/2006/relationships" xmlns:p="http://schemas.openxmlformats.org/presentationml/2006/main">
   <p:cSld>
     <p:spTree>
@@ -5920,7 +6924,7 @@
           <p:nvPr/>
         </p:nvPicPr>
         <p:blipFill>
-          <a:blip r:embed="rId2">
+          <a:blip r:embed="rId3">
             <a:extLst>
               <a:ext uri="{28A0092B-C50C-407E-A947-70E740481C1C}">
                 <a14:useLocalDpi xmlns:a14="http://schemas.microsoft.com/office/drawing/2010/main" val="0"/>
@@ -5997,7 +7001,7 @@
 </p:sld>
 </file>
 
-<file path=ppt/slides/slide28.xml><?xml version="1.0" encoding="utf-8"?>
+<file path=ppt/slides/slide36.xml><?xml version="1.0" encoding="utf-8"?>
 <p:sld xmlns:a="http://schemas.openxmlformats.org/drawingml/2006/main" xmlns:r="http://schemas.openxmlformats.org/officeDocument/2006/relationships" xmlns:p="http://schemas.openxmlformats.org/presentationml/2006/main">
   <p:cSld>
     <p:spTree>
@@ -6023,7 +7027,7 @@
           <p:nvPr/>
         </p:nvPicPr>
         <p:blipFill>
-          <a:blip r:embed="rId2">
+          <a:blip r:embed="rId3">
             <a:extLst>
               <a:ext uri="{28A0092B-C50C-407E-A947-70E740481C1C}">
                 <a14:useLocalDpi xmlns:a14="http://schemas.microsoft.com/office/drawing/2010/main" val="0"/>
@@ -6093,7 +7097,7 @@
 </p:sld>
 </file>
 
-<file path=ppt/slides/slide29.xml><?xml version="1.0" encoding="utf-8"?>
+<file path=ppt/slides/slide37.xml><?xml version="1.0" encoding="utf-8"?>
 <p:sld xmlns:a="http://schemas.openxmlformats.org/drawingml/2006/main" xmlns:r="http://schemas.openxmlformats.org/officeDocument/2006/relationships" xmlns:p="http://schemas.openxmlformats.org/presentationml/2006/main">
   <p:cSld>
     <p:spTree>
@@ -6427,73 +7431,6 @@
     <p:extLst>
       <p:ext uri="{BB962C8B-B14F-4D97-AF65-F5344CB8AC3E}">
         <p14:creationId xmlns:p14="http://schemas.microsoft.com/office/powerpoint/2010/main" val="536189703"/>
-      </p:ext>
-    </p:extLst>
-  </p:cSld>
-  <p:clrMapOvr>
-    <a:masterClrMapping/>
-  </p:clrMapOvr>
-  <p:timing>
-    <p:tnLst>
-      <p:par>
-        <p:cTn xmlns:p14="http://schemas.microsoft.com/office/powerpoint/2010/main" id="1" dur="indefinite" restart="never" nodeType="tmRoot"/>
-      </p:par>
-    </p:tnLst>
-  </p:timing>
-</p:sld>
-</file>
-
-<file path=ppt/slides/slide3.xml><?xml version="1.0" encoding="utf-8"?>
-<p:sld xmlns:a="http://schemas.openxmlformats.org/drawingml/2006/main" xmlns:r="http://schemas.openxmlformats.org/officeDocument/2006/relationships" xmlns:p="http://schemas.openxmlformats.org/presentationml/2006/main">
-  <p:cSld>
-    <p:spTree>
-      <p:nvGrpSpPr>
-        <p:cNvPr id="1" name=""/>
-        <p:cNvGrpSpPr/>
-        <p:nvPr/>
-      </p:nvGrpSpPr>
-      <p:grpSpPr>
-        <a:xfrm>
-          <a:off x="0" y="0"/>
-          <a:ext cx="0" cy="0"/>
-          <a:chOff x="0" y="0"/>
-          <a:chExt cx="0" cy="0"/>
-        </a:xfrm>
-      </p:grpSpPr>
-      <p:sp>
-        <p:nvSpPr>
-          <p:cNvPr id="4" name="Title 3"/>
-          <p:cNvSpPr>
-            <a:spLocks noGrp="1"/>
-          </p:cNvSpPr>
-          <p:nvPr>
-            <p:ph type="title"/>
-          </p:nvPr>
-        </p:nvSpPr>
-        <p:spPr>
-          <a:xfrm>
-            <a:off x="457200" y="2711170"/>
-            <a:ext cx="8229600" cy="1428103"/>
-          </a:xfrm>
-        </p:spPr>
-        <p:txBody>
-          <a:bodyPr>
-            <a:normAutofit fontScale="90000"/>
-          </a:bodyPr>
-          <a:lstStyle/>
-          <a:p>
-            <a:pPr algn="l"/>
-            <a:r>
-              <a:rPr lang="en-US" dirty="0"/>
-              <a:t>That's great but how does that apply to Ruby?</a:t>
-            </a:r>
-          </a:p>
-        </p:txBody>
-      </p:sp>
-    </p:spTree>
-    <p:extLst>
-      <p:ext uri="{BB962C8B-B14F-4D97-AF65-F5344CB8AC3E}">
-        <p14:creationId xmlns:p14="http://schemas.microsoft.com/office/powerpoint/2010/main" val="3102091573"/>
       </p:ext>
     </p:extLst>
   </p:cSld>

--- a/BetterRubyThroughDesignPatterns.pptx
+++ b/BetterRubyThroughDesignPatterns.pptx
@@ -5,7 +5,7 @@
     <p:sldMasterId id="2147483696" r:id="rId1"/>
   </p:sldMasterIdLst>
   <p:notesMasterIdLst>
-    <p:notesMasterId r:id="rId39"/>
+    <p:notesMasterId r:id="rId40"/>
   </p:notesMasterIdLst>
   <p:sldIdLst>
     <p:sldId id="256" r:id="rId2"/>
@@ -19,32 +19,33 @@
     <p:sldId id="264" r:id="rId10"/>
     <p:sldId id="270" r:id="rId11"/>
     <p:sldId id="267" r:id="rId12"/>
-    <p:sldId id="268" r:id="rId13"/>
-    <p:sldId id="265" r:id="rId14"/>
-    <p:sldId id="273" r:id="rId15"/>
-    <p:sldId id="274" r:id="rId16"/>
-    <p:sldId id="278" r:id="rId17"/>
-    <p:sldId id="291" r:id="rId18"/>
-    <p:sldId id="292" r:id="rId19"/>
-    <p:sldId id="293" r:id="rId20"/>
-    <p:sldId id="276" r:id="rId21"/>
-    <p:sldId id="279" r:id="rId22"/>
-    <p:sldId id="294" r:id="rId23"/>
-    <p:sldId id="295" r:id="rId24"/>
-    <p:sldId id="296" r:id="rId25"/>
-    <p:sldId id="297" r:id="rId26"/>
-    <p:sldId id="298" r:id="rId27"/>
-    <p:sldId id="277" r:id="rId28"/>
-    <p:sldId id="280" r:id="rId29"/>
-    <p:sldId id="271" r:id="rId30"/>
-    <p:sldId id="282" r:id="rId31"/>
-    <p:sldId id="285" r:id="rId32"/>
-    <p:sldId id="286" r:id="rId33"/>
-    <p:sldId id="287" r:id="rId34"/>
-    <p:sldId id="288" r:id="rId35"/>
-    <p:sldId id="289" r:id="rId36"/>
-    <p:sldId id="290" r:id="rId37"/>
-    <p:sldId id="266" r:id="rId38"/>
+    <p:sldId id="299" r:id="rId13"/>
+    <p:sldId id="268" r:id="rId14"/>
+    <p:sldId id="265" r:id="rId15"/>
+    <p:sldId id="273" r:id="rId16"/>
+    <p:sldId id="274" r:id="rId17"/>
+    <p:sldId id="278" r:id="rId18"/>
+    <p:sldId id="291" r:id="rId19"/>
+    <p:sldId id="292" r:id="rId20"/>
+    <p:sldId id="293" r:id="rId21"/>
+    <p:sldId id="276" r:id="rId22"/>
+    <p:sldId id="279" r:id="rId23"/>
+    <p:sldId id="294" r:id="rId24"/>
+    <p:sldId id="295" r:id="rId25"/>
+    <p:sldId id="296" r:id="rId26"/>
+    <p:sldId id="297" r:id="rId27"/>
+    <p:sldId id="298" r:id="rId28"/>
+    <p:sldId id="277" r:id="rId29"/>
+    <p:sldId id="280" r:id="rId30"/>
+    <p:sldId id="271" r:id="rId31"/>
+    <p:sldId id="282" r:id="rId32"/>
+    <p:sldId id="285" r:id="rId33"/>
+    <p:sldId id="286" r:id="rId34"/>
+    <p:sldId id="287" r:id="rId35"/>
+    <p:sldId id="288" r:id="rId36"/>
+    <p:sldId id="289" r:id="rId37"/>
+    <p:sldId id="290" r:id="rId38"/>
+    <p:sldId id="266" r:id="rId39"/>
   </p:sldIdLst>
   <p:sldSz cx="9144000" cy="6858000" type="screen4x3"/>
   <p:notesSz cx="6858000" cy="9144000"/>
@@ -159,6 +160,7 @@
             <p14:sldId id="264"/>
             <p14:sldId id="270"/>
             <p14:sldId id="267"/>
+            <p14:sldId id="299"/>
             <p14:sldId id="268"/>
             <p14:sldId id="265"/>
             <p14:sldId id="273"/>
@@ -275,7 +277,7 @@
           <a:p>
             <a:fld id="{5A1F8130-46FA-7040-B513-FDA7EF4EBAF4}" type="datetimeFigureOut">
               <a:rPr lang="en-US" smtClean="0"/>
-              <a:t>3/13/12</a:t>
+              <a:t>3/14/12</a:t>
             </a:fld>
             <a:endParaRPr lang="en-US"/>
           </a:p>
@@ -716,7 +718,7 @@
           <a:p>
             <a:fld id="{5B0F0E0A-5925-EE41-9E85-45EE46DBCCF5}" type="slidenum">
               <a:rPr lang="en-US" smtClean="0"/>
-              <a:t>13</a:t>
+              <a:t>14</a:t>
             </a:fld>
             <a:endParaRPr lang="en-US"/>
           </a:p>
@@ -807,7 +809,7 @@
           <a:p>
             <a:fld id="{5B0F0E0A-5925-EE41-9E85-45EE46DBCCF5}" type="slidenum">
               <a:rPr lang="en-US" smtClean="0"/>
-              <a:t>15</a:t>
+              <a:t>16</a:t>
             </a:fld>
             <a:endParaRPr lang="en-US"/>
           </a:p>
@@ -891,7 +893,7 @@
           <a:p>
             <a:fld id="{5B0F0E0A-5925-EE41-9E85-45EE46DBCCF5}" type="slidenum">
               <a:rPr lang="en-US" smtClean="0"/>
-              <a:t>16</a:t>
+              <a:t>17</a:t>
             </a:fld>
             <a:endParaRPr lang="en-US"/>
           </a:p>
@@ -975,7 +977,7 @@
           <a:p>
             <a:fld id="{5B0F0E0A-5925-EE41-9E85-45EE46DBCCF5}" type="slidenum">
               <a:rPr lang="en-US" smtClean="0"/>
-              <a:t>17</a:t>
+              <a:t>18</a:t>
             </a:fld>
             <a:endParaRPr lang="en-US"/>
           </a:p>
@@ -1059,7 +1061,7 @@
           <a:p>
             <a:fld id="{5B0F0E0A-5925-EE41-9E85-45EE46DBCCF5}" type="slidenum">
               <a:rPr lang="en-US" smtClean="0"/>
-              <a:t>18</a:t>
+              <a:t>19</a:t>
             </a:fld>
             <a:endParaRPr lang="en-US"/>
           </a:p>
@@ -1143,7 +1145,7 @@
           <a:p>
             <a:fld id="{5B0F0E0A-5925-EE41-9E85-45EE46DBCCF5}" type="slidenum">
               <a:rPr lang="en-US" smtClean="0"/>
-              <a:t>19</a:t>
+              <a:t>20</a:t>
             </a:fld>
             <a:endParaRPr lang="en-US"/>
           </a:p>
@@ -1241,7 +1243,7 @@
           <a:p>
             <a:fld id="{5B0F0E0A-5925-EE41-9E85-45EE46DBCCF5}" type="slidenum">
               <a:rPr lang="en-US" smtClean="0"/>
-              <a:t>35</a:t>
+              <a:t>36</a:t>
             </a:fld>
             <a:endParaRPr lang="en-US"/>
           </a:p>
@@ -1360,7 +1362,7 @@
           <a:p>
             <a:fld id="{5B0F0E0A-5925-EE41-9E85-45EE46DBCCF5}" type="slidenum">
               <a:rPr lang="en-US" smtClean="0"/>
-              <a:t>36</a:t>
+              <a:t>37</a:t>
             </a:fld>
             <a:endParaRPr lang="en-US"/>
           </a:p>
@@ -1560,7 +1562,7 @@
           <a:p>
             <a:fld id="{6BFECD78-3C8E-49F2-8FAB-59489D168ABB}" type="datetimeFigureOut">
               <a:rPr lang="en-US" smtClean="0"/>
-              <a:t>3/13/12</a:t>
+              <a:t>3/14/12</a:t>
             </a:fld>
             <a:endParaRPr lang="en-US"/>
           </a:p>
@@ -1730,7 +1732,7 @@
           <a:p>
             <a:fld id="{6BFECD78-3C8E-49F2-8FAB-59489D168ABB}" type="datetimeFigureOut">
               <a:rPr lang="en-US" smtClean="0"/>
-              <a:t>3/13/12</a:t>
+              <a:t>3/14/12</a:t>
             </a:fld>
             <a:endParaRPr lang="en-US"/>
           </a:p>
@@ -1910,7 +1912,7 @@
           <a:p>
             <a:fld id="{6BFECD78-3C8E-49F2-8FAB-59489D168ABB}" type="datetimeFigureOut">
               <a:rPr lang="en-US" smtClean="0"/>
-              <a:t>3/13/12</a:t>
+              <a:t>3/14/12</a:t>
             </a:fld>
             <a:endParaRPr lang="en-US"/>
           </a:p>
@@ -2080,7 +2082,7 @@
           <a:p>
             <a:fld id="{6BFECD78-3C8E-49F2-8FAB-59489D168ABB}" type="datetimeFigureOut">
               <a:rPr lang="en-US" smtClean="0"/>
-              <a:t>3/13/12</a:t>
+              <a:t>3/14/12</a:t>
             </a:fld>
             <a:endParaRPr lang="en-US"/>
           </a:p>
@@ -2326,7 +2328,7 @@
           <a:p>
             <a:fld id="{6BFECD78-3C8E-49F2-8FAB-59489D168ABB}" type="datetimeFigureOut">
               <a:rPr lang="en-US" smtClean="0"/>
-              <a:t>3/13/12</a:t>
+              <a:t>3/14/12</a:t>
             </a:fld>
             <a:endParaRPr lang="en-US"/>
           </a:p>
@@ -2614,7 +2616,7 @@
           <a:p>
             <a:fld id="{6BFECD78-3C8E-49F2-8FAB-59489D168ABB}" type="datetimeFigureOut">
               <a:rPr lang="en-US" smtClean="0"/>
-              <a:t>3/13/12</a:t>
+              <a:t>3/14/12</a:t>
             </a:fld>
             <a:endParaRPr lang="en-US"/>
           </a:p>
@@ -3036,7 +3038,7 @@
           <a:p>
             <a:fld id="{6BFECD78-3C8E-49F2-8FAB-59489D168ABB}" type="datetimeFigureOut">
               <a:rPr lang="en-US" smtClean="0"/>
-              <a:t>3/13/12</a:t>
+              <a:t>3/14/12</a:t>
             </a:fld>
             <a:endParaRPr lang="en-US"/>
           </a:p>
@@ -3154,7 +3156,7 @@
           <a:p>
             <a:fld id="{6BFECD78-3C8E-49F2-8FAB-59489D168ABB}" type="datetimeFigureOut">
               <a:rPr lang="en-US" smtClean="0"/>
-              <a:t>3/13/12</a:t>
+              <a:t>3/14/12</a:t>
             </a:fld>
             <a:endParaRPr lang="en-US"/>
           </a:p>
@@ -3249,7 +3251,7 @@
           <a:p>
             <a:fld id="{6BFECD78-3C8E-49F2-8FAB-59489D168ABB}" type="datetimeFigureOut">
               <a:rPr lang="en-US" smtClean="0"/>
-              <a:t>3/13/12</a:t>
+              <a:t>3/14/12</a:t>
             </a:fld>
             <a:endParaRPr lang="en-US"/>
           </a:p>
@@ -3526,7 +3528,7 @@
           <a:p>
             <a:fld id="{6BFECD78-3C8E-49F2-8FAB-59489D168ABB}" type="datetimeFigureOut">
               <a:rPr lang="en-US" smtClean="0"/>
-              <a:t>3/13/12</a:t>
+              <a:t>3/14/12</a:t>
             </a:fld>
             <a:endParaRPr lang="en-US"/>
           </a:p>
@@ -3783,7 +3785,7 @@
           <a:p>
             <a:fld id="{6BFECD78-3C8E-49F2-8FAB-59489D168ABB}" type="datetimeFigureOut">
               <a:rPr lang="en-US" smtClean="0"/>
-              <a:t>3/13/12</a:t>
+              <a:t>3/14/12</a:t>
             </a:fld>
             <a:endParaRPr lang="en-US"/>
           </a:p>
@@ -3996,7 +3998,7 @@
           <a:p>
             <a:fld id="{6BFECD78-3C8E-49F2-8FAB-59489D168ABB}" type="datetimeFigureOut">
               <a:rPr lang="en-US" smtClean="0"/>
-              <a:t>3/13/12</a:t>
+              <a:t>3/14/12</a:t>
             </a:fld>
             <a:endParaRPr lang="en-US"/>
           </a:p>
@@ -4712,6 +4714,66 @@
       </p:grpSpPr>
       <p:pic>
         <p:nvPicPr>
+          <p:cNvPr id="3" name="Picture 2" descr="objectsOnRails.png"/>
+          <p:cNvPicPr>
+            <a:picLocks noChangeAspect="1"/>
+          </p:cNvPicPr>
+          <p:nvPr/>
+        </p:nvPicPr>
+        <p:blipFill>
+          <a:blip r:embed="rId2">
+            <a:extLst>
+              <a:ext uri="{28A0092B-C50C-407E-A947-70E740481C1C}">
+                <a14:useLocalDpi xmlns:a14="http://schemas.microsoft.com/office/drawing/2010/main" val="0"/>
+              </a:ext>
+            </a:extLst>
+          </a:blip>
+          <a:stretch>
+            <a:fillRect/>
+          </a:stretch>
+        </p:blipFill>
+        <p:spPr>
+          <a:xfrm>
+            <a:off x="1917700" y="0"/>
+            <a:ext cx="5294399" cy="6858000"/>
+          </a:xfrm>
+          <a:prstGeom prst="rect">
+            <a:avLst/>
+          </a:prstGeom>
+        </p:spPr>
+      </p:pic>
+    </p:spTree>
+    <p:extLst>
+      <p:ext uri="{BB962C8B-B14F-4D97-AF65-F5344CB8AC3E}">
+        <p14:creationId xmlns:p14="http://schemas.microsoft.com/office/powerpoint/2010/main" val="2320922125"/>
+      </p:ext>
+    </p:extLst>
+  </p:cSld>
+  <p:clrMapOvr>
+    <a:masterClrMapping/>
+  </p:clrMapOvr>
+</p:sld>
+</file>
+
+<file path=ppt/slides/slide13.xml><?xml version="1.0" encoding="utf-8"?>
+<p:sld xmlns:a="http://schemas.openxmlformats.org/drawingml/2006/main" xmlns:r="http://schemas.openxmlformats.org/officeDocument/2006/relationships" xmlns:p="http://schemas.openxmlformats.org/presentationml/2006/main">
+  <p:cSld>
+    <p:spTree>
+      <p:nvGrpSpPr>
+        <p:cNvPr id="1" name=""/>
+        <p:cNvGrpSpPr/>
+        <p:nvPr/>
+      </p:nvGrpSpPr>
+      <p:grpSpPr>
+        <a:xfrm>
+          <a:off x="0" y="0"/>
+          <a:ext cx="0" cy="0"/>
+          <a:chOff x="0" y="0"/>
+          <a:chExt cx="0" cy="0"/>
+        </a:xfrm>
+      </p:grpSpPr>
+      <p:pic>
+        <p:nvPicPr>
           <p:cNvPr id="3" name="Picture 2" descr="fatActiveRecordModel.png"/>
           <p:cNvPicPr>
             <a:picLocks noChangeAspect="1"/>
@@ -4760,7 +4822,7 @@
 </p:sld>
 </file>
 
-<file path=ppt/slides/slide13.xml><?xml version="1.0" encoding="utf-8"?>
+<file path=ppt/slides/slide14.xml><?xml version="1.0" encoding="utf-8"?>
 <p:sld xmlns:a="http://schemas.openxmlformats.org/drawingml/2006/main" xmlns:r="http://schemas.openxmlformats.org/officeDocument/2006/relationships" xmlns:p="http://schemas.openxmlformats.org/presentationml/2006/main">
   <p:cSld>
     <p:bg>
@@ -4913,125 +4975,6 @@
 </p:sld>
 </file>
 
-<file path=ppt/slides/slide14.xml><?xml version="1.0" encoding="utf-8"?>
-<p:sld xmlns:a="http://schemas.openxmlformats.org/drawingml/2006/main" xmlns:r="http://schemas.openxmlformats.org/officeDocument/2006/relationships" xmlns:p="http://schemas.openxmlformats.org/presentationml/2006/main">
-  <p:cSld>
-    <p:spTree>
-      <p:nvGrpSpPr>
-        <p:cNvPr id="1" name=""/>
-        <p:cNvGrpSpPr/>
-        <p:nvPr/>
-      </p:nvGrpSpPr>
-      <p:grpSpPr>
-        <a:xfrm>
-          <a:off x="0" y="0"/>
-          <a:ext cx="0" cy="0"/>
-          <a:chOff x="0" y="0"/>
-          <a:chExt cx="0" cy="0"/>
-        </a:xfrm>
-      </p:grpSpPr>
-      <p:sp>
-        <p:nvSpPr>
-          <p:cNvPr id="2" name="Title 1"/>
-          <p:cNvSpPr>
-            <a:spLocks noGrp="1"/>
-          </p:cNvSpPr>
-          <p:nvPr>
-            <p:ph type="title"/>
-          </p:nvPr>
-        </p:nvSpPr>
-        <p:spPr>
-          <a:xfrm>
-            <a:off x="457199" y="2091709"/>
-            <a:ext cx="8229600" cy="790214"/>
-          </a:xfrm>
-        </p:spPr>
-        <p:txBody>
-          <a:bodyPr>
-            <a:normAutofit/>
-          </a:bodyPr>
-          <a:lstStyle/>
-          <a:p>
-            <a:pPr algn="l"/>
-            <a:r>
-              <a:rPr lang="en-US" sz="4000" dirty="0" smtClean="0"/>
-              <a:t>Processing Requirements</a:t>
-            </a:r>
-            <a:endParaRPr lang="en-US" sz="3200" dirty="0"/>
-          </a:p>
-        </p:txBody>
-      </p:sp>
-      <p:sp>
-        <p:nvSpPr>
-          <p:cNvPr id="3" name="TextBox 2"/>
-          <p:cNvSpPr txBox="1"/>
-          <p:nvPr/>
-        </p:nvSpPr>
-        <p:spPr>
-          <a:xfrm>
-            <a:off x="457199" y="2881923"/>
-            <a:ext cx="8229599" cy="1077218"/>
-          </a:xfrm>
-          <a:prstGeom prst="rect">
-            <a:avLst/>
-          </a:prstGeom>
-          <a:noFill/>
-        </p:spPr>
-        <p:txBody>
-          <a:bodyPr wrap="square" rtlCol="0">
-            <a:spAutoFit/>
-          </a:bodyPr>
-          <a:lstStyle/>
-          <a:p>
-            <a:pPr marL="342900" indent="-342900">
-              <a:buFont typeface="+mj-lt"/>
-              <a:buAutoNum type="arabicPeriod"/>
-            </a:pPr>
-            <a:r>
-              <a:rPr lang="en-US" sz="3200" dirty="0"/>
-              <a:t>Parse </a:t>
-            </a:r>
-            <a:r>
-              <a:rPr lang="en-US" sz="3200" dirty="0" smtClean="0"/>
-              <a:t>a CSV file</a:t>
-            </a:r>
-          </a:p>
-          <a:p>
-            <a:pPr marL="342900" indent="-342900">
-              <a:buFont typeface="+mj-lt"/>
-              <a:buAutoNum type="arabicPeriod"/>
-            </a:pPr>
-            <a:r>
-              <a:rPr lang="en-US" sz="3200" dirty="0" smtClean="0"/>
-              <a:t>Report </a:t>
-            </a:r>
-            <a:r>
-              <a:rPr lang="en-US" sz="3200" dirty="0"/>
-              <a:t>status of the parsing via email</a:t>
-            </a:r>
-          </a:p>
-        </p:txBody>
-      </p:sp>
-    </p:spTree>
-    <p:extLst>
-      <p:ext uri="{BB962C8B-B14F-4D97-AF65-F5344CB8AC3E}">
-        <p14:creationId xmlns:p14="http://schemas.microsoft.com/office/powerpoint/2010/main" val="1749495390"/>
-      </p:ext>
-    </p:extLst>
-  </p:cSld>
-  <p:clrMapOvr>
-    <a:masterClrMapping/>
-  </p:clrMapOvr>
-  <p:timing>
-    <p:tnLst>
-      <p:par>
-        <p:cTn xmlns:p14="http://schemas.microsoft.com/office/powerpoint/2010/main" id="1" dur="indefinite" restart="never" nodeType="tmRoot"/>
-      </p:par>
-    </p:tnLst>
-  </p:timing>
-</p:sld>
-</file>
-
 <file path=ppt/slides/slide15.xml><?xml version="1.0" encoding="utf-8"?>
 <p:sld xmlns:a="http://schemas.openxmlformats.org/drawingml/2006/main" xmlns:r="http://schemas.openxmlformats.org/officeDocument/2006/relationships" xmlns:p="http://schemas.openxmlformats.org/presentationml/2006/main">
   <p:cSld>
@@ -5074,7 +5017,7 @@
             <a:pPr algn="l"/>
             <a:r>
               <a:rPr lang="en-US" sz="4000" dirty="0" smtClean="0"/>
-              <a:t>Processing Requirements Week Two</a:t>
+              <a:t>Processing Requirements</a:t>
             </a:r>
             <a:endParaRPr lang="en-US" sz="3200" dirty="0"/>
           </a:p>
@@ -5112,7 +5055,7 @@
             </a:r>
             <a:r>
               <a:rPr lang="en-US" sz="3200" dirty="0" smtClean="0"/>
-              <a:t>either CSV or TSV file</a:t>
+              <a:t>a CSV file</a:t>
             </a:r>
           </a:p>
           <a:p>
@@ -5134,7 +5077,7 @@
     </p:spTree>
     <p:extLst>
       <p:ext uri="{BB962C8B-B14F-4D97-AF65-F5344CB8AC3E}">
-        <p14:creationId xmlns:p14="http://schemas.microsoft.com/office/powerpoint/2010/main" val="2909344124"/>
+        <p14:creationId xmlns:p14="http://schemas.microsoft.com/office/powerpoint/2010/main" val="1749495390"/>
       </p:ext>
     </p:extLst>
   </p:cSld>
@@ -5180,27 +5123,80 @@
         </p:nvSpPr>
         <p:spPr>
           <a:xfrm>
-            <a:off x="457200" y="2805969"/>
-            <a:ext cx="8229600" cy="1143000"/>
+            <a:off x="457199" y="2091709"/>
+            <a:ext cx="8229600" cy="790214"/>
           </a:xfrm>
         </p:spPr>
         <p:txBody>
-          <a:bodyPr/>
+          <a:bodyPr>
+            <a:normAutofit/>
+          </a:bodyPr>
           <a:lstStyle/>
           <a:p>
             <a:pPr algn="l"/>
             <a:r>
-              <a:rPr lang="en-US" dirty="0" smtClean="0"/>
-              <a:t>What is the difference?</a:t>
-            </a:r>
-            <a:endParaRPr lang="en-US" dirty="0"/>
+              <a:rPr lang="en-US" sz="4000" dirty="0" smtClean="0"/>
+              <a:t>Processing Requirements Week Two</a:t>
+            </a:r>
+            <a:endParaRPr lang="en-US" sz="3200" dirty="0"/>
+          </a:p>
+        </p:txBody>
+      </p:sp>
+      <p:sp>
+        <p:nvSpPr>
+          <p:cNvPr id="3" name="TextBox 2"/>
+          <p:cNvSpPr txBox="1"/>
+          <p:nvPr/>
+        </p:nvSpPr>
+        <p:spPr>
+          <a:xfrm>
+            <a:off x="457199" y="2881923"/>
+            <a:ext cx="8229599" cy="1077218"/>
+          </a:xfrm>
+          <a:prstGeom prst="rect">
+            <a:avLst/>
+          </a:prstGeom>
+          <a:noFill/>
+        </p:spPr>
+        <p:txBody>
+          <a:bodyPr wrap="square" rtlCol="0">
+            <a:spAutoFit/>
+          </a:bodyPr>
+          <a:lstStyle/>
+          <a:p>
+            <a:pPr marL="342900" indent="-342900">
+              <a:buFont typeface="+mj-lt"/>
+              <a:buAutoNum type="arabicPeriod"/>
+            </a:pPr>
+            <a:r>
+              <a:rPr lang="en-US" sz="3200" dirty="0"/>
+              <a:t>Parse </a:t>
+            </a:r>
+            <a:r>
+              <a:rPr lang="en-US" sz="3200" dirty="0" smtClean="0"/>
+              <a:t>either CSV or TSV file</a:t>
+            </a:r>
+          </a:p>
+          <a:p>
+            <a:pPr marL="342900" indent="-342900">
+              <a:buFont typeface="+mj-lt"/>
+              <a:buAutoNum type="arabicPeriod"/>
+            </a:pPr>
+            <a:r>
+              <a:rPr lang="en-US" sz="3200" dirty="0" smtClean="0"/>
+              <a:t>Report </a:t>
+            </a:r>
+            <a:r>
+              <a:rPr lang="en-US" sz="3200" dirty="0"/>
+              <a:t>status of the parsing via email</a:t>
+            </a:r>
           </a:p>
         </p:txBody>
       </p:sp>
     </p:spTree>
     <p:extLst>
       <p:ext uri="{BB962C8B-B14F-4D97-AF65-F5344CB8AC3E}">
-        <p14:creationId xmlns:p14="http://schemas.microsoft.com/office/powerpoint/2010/main" val="3956439195"/>
+        <p14:creationId xmlns:p14="http://schemas.microsoft.com/office/powerpoint/2010/main" val="2909344124"/>
       </p:ext>
     </p:extLst>
   </p:cSld>
@@ -5236,6 +5232,72 @@
       </p:grpSpPr>
       <p:sp>
         <p:nvSpPr>
+          <p:cNvPr id="2" name="Title 1"/>
+          <p:cNvSpPr>
+            <a:spLocks noGrp="1"/>
+          </p:cNvSpPr>
+          <p:nvPr>
+            <p:ph type="title"/>
+          </p:nvPr>
+        </p:nvSpPr>
+        <p:spPr>
+          <a:xfrm>
+            <a:off x="457200" y="2805969"/>
+            <a:ext cx="8229600" cy="1143000"/>
+          </a:xfrm>
+        </p:spPr>
+        <p:txBody>
+          <a:bodyPr/>
+          <a:lstStyle/>
+          <a:p>
+            <a:pPr algn="l"/>
+            <a:r>
+              <a:rPr lang="en-US" dirty="0" smtClean="0"/>
+              <a:t>What is the difference?</a:t>
+            </a:r>
+            <a:endParaRPr lang="en-US" dirty="0"/>
+          </a:p>
+        </p:txBody>
+      </p:sp>
+    </p:spTree>
+    <p:extLst>
+      <p:ext uri="{BB962C8B-B14F-4D97-AF65-F5344CB8AC3E}">
+        <p14:creationId xmlns:p14="http://schemas.microsoft.com/office/powerpoint/2010/main" val="3956439195"/>
+      </p:ext>
+    </p:extLst>
+  </p:cSld>
+  <p:clrMapOvr>
+    <a:masterClrMapping/>
+  </p:clrMapOvr>
+  <p:timing>
+    <p:tnLst>
+      <p:par>
+        <p:cTn xmlns:p14="http://schemas.microsoft.com/office/powerpoint/2010/main" id="1" dur="indefinite" restart="never" nodeType="tmRoot"/>
+      </p:par>
+    </p:tnLst>
+  </p:timing>
+</p:sld>
+</file>
+
+<file path=ppt/slides/slide18.xml><?xml version="1.0" encoding="utf-8"?>
+<p:sld xmlns:a="http://schemas.openxmlformats.org/drawingml/2006/main" xmlns:r="http://schemas.openxmlformats.org/officeDocument/2006/relationships" xmlns:p="http://schemas.openxmlformats.org/presentationml/2006/main">
+  <p:cSld>
+    <p:spTree>
+      <p:nvGrpSpPr>
+        <p:cNvPr id="1" name=""/>
+        <p:cNvGrpSpPr/>
+        <p:nvPr/>
+      </p:nvGrpSpPr>
+      <p:grpSpPr>
+        <a:xfrm>
+          <a:off x="0" y="0"/>
+          <a:ext cx="0" cy="0"/>
+          <a:chOff x="0" y="0"/>
+          <a:chExt cx="0" cy="0"/>
+        </a:xfrm>
+      </p:grpSpPr>
+      <p:sp>
+        <p:nvSpPr>
           <p:cNvPr id="3" name="TextBox 2"/>
           <p:cNvSpPr txBox="1"/>
           <p:nvPr/>
@@ -5262,13 +5324,8 @@
             </a:r>
             <a:r>
               <a:rPr lang="en-US" sz="4000" dirty="0" smtClean="0"/>
-              <a:t> is no longer responsible for file </a:t>
-            </a:r>
-            <a:r>
-              <a:rPr lang="en-US" sz="4000" dirty="0" smtClean="0"/>
-              <a:t>parsing, only the orchestration.</a:t>
-            </a:r>
-            <a:endParaRPr lang="en-US" sz="4000" dirty="0" smtClean="0"/>
+              <a:t> is no longer responsible for file parsing, only the orchestration.</a:t>
+            </a:r>
           </a:p>
         </p:txBody>
       </p:sp>
@@ -5364,85 +5421,6 @@
 </p:sld>
 </file>
 
-<file path=ppt/slides/slide18.xml><?xml version="1.0" encoding="utf-8"?>
-<p:sld xmlns:a="http://schemas.openxmlformats.org/drawingml/2006/main" xmlns:r="http://schemas.openxmlformats.org/officeDocument/2006/relationships" xmlns:p="http://schemas.openxmlformats.org/presentationml/2006/main">
-  <p:cSld>
-    <p:spTree>
-      <p:nvGrpSpPr>
-        <p:cNvPr id="1" name=""/>
-        <p:cNvGrpSpPr/>
-        <p:nvPr/>
-      </p:nvGrpSpPr>
-      <p:grpSpPr>
-        <a:xfrm>
-          <a:off x="0" y="0"/>
-          <a:ext cx="0" cy="0"/>
-          <a:chOff x="0" y="0"/>
-          <a:chExt cx="0" cy="0"/>
-        </a:xfrm>
-      </p:grpSpPr>
-      <p:sp>
-        <p:nvSpPr>
-          <p:cNvPr id="3" name="TextBox 2"/>
-          <p:cNvSpPr txBox="1"/>
-          <p:nvPr/>
-        </p:nvSpPr>
-        <p:spPr>
-          <a:xfrm>
-            <a:off x="457200" y="2775562"/>
-            <a:ext cx="8229600" cy="1323439"/>
-          </a:xfrm>
-          <a:prstGeom prst="rect">
-            <a:avLst/>
-          </a:prstGeom>
-          <a:noFill/>
-        </p:spPr>
-        <p:txBody>
-          <a:bodyPr wrap="square" rtlCol="0">
-            <a:spAutoFit/>
-          </a:bodyPr>
-          <a:lstStyle/>
-          <a:p>
-            <a:r>
-              <a:rPr lang="en-US" sz="4000" dirty="0" err="1" smtClean="0"/>
-              <a:t>FileProcessor</a:t>
-            </a:r>
-            <a:r>
-              <a:rPr lang="en-US" sz="4000" dirty="0" smtClean="0"/>
-              <a:t> </a:t>
-            </a:r>
-            <a:r>
-              <a:rPr lang="en-US" sz="4000" dirty="0" smtClean="0"/>
-              <a:t>can parse new file types </a:t>
-            </a:r>
-            <a:r>
-              <a:rPr lang="en-US" sz="4000" dirty="0" smtClean="0"/>
-              <a:t>without having to change.</a:t>
-            </a:r>
-            <a:endParaRPr lang="en-US" sz="4000" dirty="0" smtClean="0"/>
-          </a:p>
-        </p:txBody>
-      </p:sp>
-    </p:spTree>
-    <p:extLst>
-      <p:ext uri="{BB962C8B-B14F-4D97-AF65-F5344CB8AC3E}">
-        <p14:creationId xmlns:p14="http://schemas.microsoft.com/office/powerpoint/2010/main" val="2810516927"/>
-      </p:ext>
-    </p:extLst>
-  </p:cSld>
-  <p:clrMapOvr>
-    <a:masterClrMapping/>
-  </p:clrMapOvr>
-  <p:timing>
-    <p:tnLst>
-      <p:par>
-        <p:cTn xmlns:p14="http://schemas.microsoft.com/office/powerpoint/2010/main" id="1" dur="indefinite" restart="never" nodeType="tmRoot"/>
-      </p:par>
-    </p:tnLst>
-  </p:timing>
-</p:sld>
-</file>
-
 <file path=ppt/slides/slide19.xml><?xml version="1.0" encoding="utf-8"?>
 <p:sld xmlns:a="http://schemas.openxmlformats.org/drawingml/2006/main" xmlns:r="http://schemas.openxmlformats.org/officeDocument/2006/relationships" xmlns:p="http://schemas.openxmlformats.org/presentationml/2006/main">
   <p:cSld>
@@ -5483,12 +5461,12 @@
           <a:lstStyle/>
           <a:p>
             <a:r>
+              <a:rPr lang="en-US" sz="4000" dirty="0" err="1" smtClean="0"/>
+              <a:t>FileProcessor</a:t>
+            </a:r>
+            <a:r>
               <a:rPr lang="en-US" sz="4000" dirty="0" smtClean="0"/>
-              <a:t>Testing </a:t>
-            </a:r>
-            <a:r>
-              <a:rPr lang="en-US" sz="4000" dirty="0" smtClean="0"/>
-              <a:t>of parsing can be done in isolation.</a:t>
+              <a:t> can parse new file types without having to change.</a:t>
             </a:r>
           </a:p>
         </p:txBody>
@@ -5649,45 +5627,14 @@
       </p:grpSpPr>
       <p:sp>
         <p:nvSpPr>
-          <p:cNvPr id="2" name="Title 1"/>
-          <p:cNvSpPr>
-            <a:spLocks noGrp="1"/>
-          </p:cNvSpPr>
-          <p:nvPr>
-            <p:ph type="title"/>
-          </p:nvPr>
-        </p:nvSpPr>
-        <p:spPr>
-          <a:xfrm>
-            <a:off x="457199" y="2091709"/>
-            <a:ext cx="8229600" cy="790214"/>
-          </a:xfrm>
-        </p:spPr>
-        <p:txBody>
-          <a:bodyPr>
-            <a:normAutofit/>
-          </a:bodyPr>
-          <a:lstStyle/>
-          <a:p>
-            <a:pPr algn="l"/>
-            <a:r>
-              <a:rPr lang="en-US" sz="4000" dirty="0" smtClean="0"/>
-              <a:t>Processing Requirements Week Three</a:t>
-            </a:r>
-            <a:endParaRPr lang="en-US" sz="3200" dirty="0"/>
-          </a:p>
-        </p:txBody>
-      </p:sp>
-      <p:sp>
-        <p:nvSpPr>
           <p:cNvPr id="3" name="TextBox 2"/>
           <p:cNvSpPr txBox="1"/>
           <p:nvPr/>
         </p:nvSpPr>
         <p:spPr>
           <a:xfrm>
-            <a:off x="457199" y="2881923"/>
-            <a:ext cx="8229599" cy="1077218"/>
+            <a:off x="457200" y="2775562"/>
+            <a:ext cx="8229600" cy="1323439"/>
           </a:xfrm>
           <a:prstGeom prst="rect">
             <a:avLst/>
@@ -5700,44 +5647,17 @@
           </a:bodyPr>
           <a:lstStyle/>
           <a:p>
-            <a:pPr marL="342900" indent="-342900">
-              <a:buFont typeface="+mj-lt"/>
-              <a:buAutoNum type="arabicPeriod"/>
-            </a:pPr>
-            <a:r>
-              <a:rPr lang="en-US" sz="3200" dirty="0"/>
-              <a:t>Parse </a:t>
-            </a:r>
-            <a:r>
-              <a:rPr lang="en-US" sz="3200" dirty="0" smtClean="0"/>
-              <a:t>either CSV or TSV file</a:t>
-            </a:r>
-          </a:p>
-          <a:p>
-            <a:pPr marL="342900" indent="-342900">
-              <a:buFont typeface="+mj-lt"/>
-              <a:buAutoNum type="arabicPeriod"/>
-            </a:pPr>
-            <a:r>
-              <a:rPr lang="en-US" sz="3200" dirty="0" smtClean="0"/>
-              <a:t>Report </a:t>
-            </a:r>
-            <a:r>
-              <a:rPr lang="en-US" sz="3200" dirty="0"/>
-              <a:t>status of the parsing via </a:t>
-            </a:r>
-            <a:r>
-              <a:rPr lang="en-US" sz="3200" dirty="0" smtClean="0"/>
-              <a:t>Email or SMS</a:t>
-            </a:r>
-            <a:endParaRPr lang="en-US" sz="3200" dirty="0"/>
+            <a:r>
+              <a:rPr lang="en-US" sz="4000" dirty="0" smtClean="0"/>
+              <a:t>Testing of parsing can be done in isolation.</a:t>
+            </a:r>
           </a:p>
         </p:txBody>
       </p:sp>
     </p:spTree>
     <p:extLst>
       <p:ext uri="{BB962C8B-B14F-4D97-AF65-F5344CB8AC3E}">
-        <p14:creationId xmlns:p14="http://schemas.microsoft.com/office/powerpoint/2010/main" val="600365853"/>
+        <p14:creationId xmlns:p14="http://schemas.microsoft.com/office/powerpoint/2010/main" val="2810516927"/>
       </p:ext>
     </p:extLst>
   </p:cSld>
@@ -5783,27 +5703,85 @@
         </p:nvSpPr>
         <p:spPr>
           <a:xfrm>
-            <a:off x="457199" y="2968502"/>
-            <a:ext cx="8229600" cy="920993"/>
+            <a:off x="457199" y="2091709"/>
+            <a:ext cx="8229600" cy="790214"/>
           </a:xfrm>
         </p:spPr>
         <p:txBody>
-          <a:bodyPr/>
+          <a:bodyPr>
+            <a:normAutofit/>
+          </a:bodyPr>
           <a:lstStyle/>
           <a:p>
             <a:pPr algn="l"/>
             <a:r>
-              <a:rPr lang="en-US" dirty="0" smtClean="0"/>
-              <a:t>What is the difference?</a:t>
-            </a:r>
-            <a:endParaRPr lang="en-US" dirty="0"/>
+              <a:rPr lang="en-US" sz="4000" dirty="0" smtClean="0"/>
+              <a:t>Processing Requirements Week Three</a:t>
+            </a:r>
+            <a:endParaRPr lang="en-US" sz="3200" dirty="0"/>
+          </a:p>
+        </p:txBody>
+      </p:sp>
+      <p:sp>
+        <p:nvSpPr>
+          <p:cNvPr id="3" name="TextBox 2"/>
+          <p:cNvSpPr txBox="1"/>
+          <p:nvPr/>
+        </p:nvSpPr>
+        <p:spPr>
+          <a:xfrm>
+            <a:off x="457199" y="2881923"/>
+            <a:ext cx="8229599" cy="1077218"/>
+          </a:xfrm>
+          <a:prstGeom prst="rect">
+            <a:avLst/>
+          </a:prstGeom>
+          <a:noFill/>
+        </p:spPr>
+        <p:txBody>
+          <a:bodyPr wrap="square" rtlCol="0">
+            <a:spAutoFit/>
+          </a:bodyPr>
+          <a:lstStyle/>
+          <a:p>
+            <a:pPr marL="342900" indent="-342900">
+              <a:buFont typeface="+mj-lt"/>
+              <a:buAutoNum type="arabicPeriod"/>
+            </a:pPr>
+            <a:r>
+              <a:rPr lang="en-US" sz="3200" dirty="0"/>
+              <a:t>Parse </a:t>
+            </a:r>
+            <a:r>
+              <a:rPr lang="en-US" sz="3200" dirty="0" smtClean="0"/>
+              <a:t>either CSV or TSV file</a:t>
+            </a:r>
+          </a:p>
+          <a:p>
+            <a:pPr marL="342900" indent="-342900">
+              <a:buFont typeface="+mj-lt"/>
+              <a:buAutoNum type="arabicPeriod"/>
+            </a:pPr>
+            <a:r>
+              <a:rPr lang="en-US" sz="3200" dirty="0" smtClean="0"/>
+              <a:t>Report </a:t>
+            </a:r>
+            <a:r>
+              <a:rPr lang="en-US" sz="3200" dirty="0"/>
+              <a:t>status of the parsing via </a:t>
+            </a:r>
+            <a:r>
+              <a:rPr lang="en-US" sz="3200" dirty="0" smtClean="0"/>
+              <a:t>Email or SMS</a:t>
+            </a:r>
+            <a:endParaRPr lang="en-US" sz="3200" dirty="0"/>
           </a:p>
         </p:txBody>
       </p:sp>
     </p:spTree>
     <p:extLst>
       <p:ext uri="{BB962C8B-B14F-4D97-AF65-F5344CB8AC3E}">
-        <p14:creationId xmlns:p14="http://schemas.microsoft.com/office/powerpoint/2010/main" val="3425361927"/>
+        <p14:creationId xmlns:p14="http://schemas.microsoft.com/office/powerpoint/2010/main" val="600365853"/>
       </p:ext>
     </p:extLst>
   </p:cSld>
@@ -5839,42 +5817,37 @@
       </p:grpSpPr>
       <p:sp>
         <p:nvSpPr>
-          <p:cNvPr id="3" name="TextBox 2"/>
-          <p:cNvSpPr txBox="1"/>
-          <p:nvPr/>
+          <p:cNvPr id="2" name="Title 1"/>
+          <p:cNvSpPr>
+            <a:spLocks noGrp="1"/>
+          </p:cNvSpPr>
+          <p:nvPr>
+            <p:ph type="title"/>
+          </p:nvPr>
         </p:nvSpPr>
         <p:spPr>
           <a:xfrm>
-            <a:off x="457199" y="3078650"/>
-            <a:ext cx="8229599" cy="707886"/>
+            <a:off x="457199" y="2968502"/>
+            <a:ext cx="8229600" cy="920993"/>
           </a:xfrm>
-          <a:prstGeom prst="rect">
-            <a:avLst/>
-          </a:prstGeom>
-          <a:noFill/>
         </p:spPr>
         <p:txBody>
-          <a:bodyPr wrap="square" rtlCol="0">
-            <a:spAutoFit/>
-          </a:bodyPr>
-          <a:lstStyle/>
-          <a:p>
-            <a:r>
-              <a:rPr lang="en-US" sz="4000" dirty="0"/>
-              <a:t>Each class is responsible for one thing</a:t>
-            </a:r>
-            <a:r>
-              <a:rPr lang="en-US" sz="4000" dirty="0" smtClean="0"/>
-              <a:t>.</a:t>
-            </a:r>
-            <a:endParaRPr lang="en-US" sz="4000" dirty="0"/>
+          <a:bodyPr/>
+          <a:lstStyle/>
+          <a:p>
+            <a:pPr algn="l"/>
+            <a:r>
+              <a:rPr lang="en-US" dirty="0" smtClean="0"/>
+              <a:t>What is the difference?</a:t>
+            </a:r>
+            <a:endParaRPr lang="en-US" dirty="0"/>
           </a:p>
         </p:txBody>
       </p:sp>
     </p:spTree>
     <p:extLst>
       <p:ext uri="{BB962C8B-B14F-4D97-AF65-F5344CB8AC3E}">
-        <p14:creationId xmlns:p14="http://schemas.microsoft.com/office/powerpoint/2010/main" val="2650504756"/>
+        <p14:creationId xmlns:p14="http://schemas.microsoft.com/office/powerpoint/2010/main" val="3425361927"/>
       </p:ext>
     </p:extLst>
   </p:cSld>
@@ -5916,8 +5889,8 @@
         </p:nvSpPr>
         <p:spPr>
           <a:xfrm>
-            <a:off x="457199" y="2766035"/>
-            <a:ext cx="8229599" cy="1323439"/>
+            <a:off x="457199" y="3078650"/>
+            <a:ext cx="8229599" cy="707886"/>
           </a:xfrm>
           <a:prstGeom prst="rect">
             <a:avLst/>
@@ -5931,25 +5904,21 @@
           <a:lstStyle/>
           <a:p>
             <a:r>
-              <a:rPr lang="en-US" sz="4000" dirty="0" smtClean="0"/>
-              <a:t>Reporters </a:t>
-            </a:r>
-            <a:r>
-              <a:rPr lang="en-US" sz="4000" dirty="0" smtClean="0"/>
-              <a:t>are functionally interchangeable</a:t>
+              <a:rPr lang="en-US" sz="4000" dirty="0"/>
+              <a:t>Each class is responsible for one thing</a:t>
             </a:r>
             <a:r>
               <a:rPr lang="en-US" sz="4000" dirty="0" smtClean="0"/>
               <a:t>.</a:t>
             </a:r>
-            <a:endParaRPr lang="en-US" sz="4000" dirty="0" smtClean="0"/>
+            <a:endParaRPr lang="en-US" sz="4000" dirty="0"/>
           </a:p>
         </p:txBody>
       </p:sp>
     </p:spTree>
     <p:extLst>
       <p:ext uri="{BB962C8B-B14F-4D97-AF65-F5344CB8AC3E}">
-        <p14:creationId xmlns:p14="http://schemas.microsoft.com/office/powerpoint/2010/main" val="4225296086"/>
+        <p14:creationId xmlns:p14="http://schemas.microsoft.com/office/powerpoint/2010/main" val="2650504756"/>
       </p:ext>
     </p:extLst>
   </p:cSld>
@@ -5991,8 +5960,8 @@
         </p:nvSpPr>
         <p:spPr>
           <a:xfrm>
-            <a:off x="457199" y="1886804"/>
-            <a:ext cx="8229599" cy="1938992"/>
+            <a:off x="457199" y="2766035"/>
+            <a:ext cx="8229599" cy="1323439"/>
           </a:xfrm>
           <a:prstGeom prst="rect">
             <a:avLst/>
@@ -6007,25 +5976,8 @@
           <a:p>
             <a:r>
               <a:rPr lang="en-US" sz="4000" dirty="0" smtClean="0"/>
-              <a:t>Contracts </a:t>
-            </a:r>
-            <a:r>
-              <a:rPr lang="en-US" sz="4000" dirty="0" smtClean="0"/>
-              <a:t>between </a:t>
-            </a:r>
-            <a:r>
-              <a:rPr lang="en-US" sz="4000" dirty="0" err="1" smtClean="0"/>
-              <a:t>FileReporter</a:t>
-            </a:r>
-            <a:r>
-              <a:rPr lang="en-US" sz="4000" dirty="0" smtClean="0"/>
-              <a:t> and supporting objects are small and easy to learn</a:t>
-            </a:r>
-            <a:r>
-              <a:rPr lang="en-US" sz="4000" dirty="0" smtClean="0"/>
-              <a:t>.</a:t>
-            </a:r>
-            <a:endParaRPr lang="en-US" sz="4000" dirty="0" smtClean="0"/>
+              <a:t>Reporters are functionally interchangeable.</a:t>
+            </a:r>
           </a:p>
         </p:txBody>
       </p:sp>
@@ -6074,8 +6026,8 @@
         </p:nvSpPr>
         <p:spPr>
           <a:xfrm>
-            <a:off x="457199" y="2766035"/>
-            <a:ext cx="8229599" cy="1323439"/>
+            <a:off x="457199" y="1886804"/>
+            <a:ext cx="8229599" cy="1938992"/>
           </a:xfrm>
           <a:prstGeom prst="rect">
             <a:avLst/>
@@ -6089,22 +6041,17 @@
           <a:lstStyle/>
           <a:p>
             <a:r>
+              <a:rPr lang="en-US" sz="4000" dirty="0" smtClean="0"/>
+              <a:t>Contracts between </a:t>
+            </a:r>
+            <a:r>
               <a:rPr lang="en-US" sz="4000" dirty="0" err="1" smtClean="0"/>
-              <a:t>FileProcessor</a:t>
+              <a:t>FileReporter</a:t>
             </a:r>
             <a:r>
               <a:rPr lang="en-US" sz="4000" dirty="0" smtClean="0"/>
-              <a:t> </a:t>
-            </a:r>
-            <a:r>
-              <a:rPr lang="en-US" sz="4000" dirty="0"/>
-              <a:t>depends on abstract idea of a reporter</a:t>
-            </a:r>
-            <a:r>
-              <a:rPr lang="en-US" sz="4000" dirty="0" smtClean="0"/>
-              <a:t>.</a:t>
-            </a:r>
-            <a:endParaRPr lang="en-US" sz="4000" dirty="0" smtClean="0"/>
+              <a:t> and supporting objects are small and easy to learn.</a:t>
+            </a:r>
           </a:p>
         </p:txBody>
       </p:sp>
@@ -6153,7 +6100,7 @@
         </p:nvSpPr>
         <p:spPr>
           <a:xfrm>
-            <a:off x="457199" y="2713357"/>
+            <a:off x="457199" y="2766035"/>
             <a:ext cx="8229599" cy="1323439"/>
           </a:xfrm>
           <a:prstGeom prst="rect">
@@ -6168,12 +6115,20 @@
           <a:lstStyle/>
           <a:p>
             <a:r>
+              <a:rPr lang="en-US" sz="4000" dirty="0" err="1" smtClean="0"/>
+              <a:t>FileProcessor</a:t>
+            </a:r>
+            <a:r>
               <a:rPr lang="en-US" sz="4000" dirty="0" smtClean="0"/>
-              <a:t>Testing </a:t>
+              <a:t> </a:t>
+            </a:r>
+            <a:r>
+              <a:rPr lang="en-US" sz="4000" dirty="0"/>
+              <a:t>depends on abstract idea of a reporter</a:t>
             </a:r>
             <a:r>
               <a:rPr lang="en-US" sz="4000" dirty="0" smtClean="0"/>
-              <a:t>of reporting can be done in isolation.</a:t>
+              <a:t>.</a:t>
             </a:r>
           </a:p>
         </p:txBody>
@@ -6217,45 +6172,14 @@
       </p:grpSpPr>
       <p:sp>
         <p:nvSpPr>
-          <p:cNvPr id="2" name="Title 1"/>
-          <p:cNvSpPr>
-            <a:spLocks noGrp="1"/>
-          </p:cNvSpPr>
-          <p:nvPr>
-            <p:ph type="title"/>
-          </p:nvPr>
-        </p:nvSpPr>
-        <p:spPr>
-          <a:xfrm>
-            <a:off x="457199" y="2091709"/>
-            <a:ext cx="8229600" cy="790214"/>
-          </a:xfrm>
-        </p:spPr>
-        <p:txBody>
-          <a:bodyPr>
-            <a:normAutofit/>
-          </a:bodyPr>
-          <a:lstStyle/>
-          <a:p>
-            <a:pPr algn="l"/>
-            <a:r>
-              <a:rPr lang="en-US" sz="4000" dirty="0" smtClean="0"/>
-              <a:t>Future Processing Requirements</a:t>
-            </a:r>
-            <a:endParaRPr lang="en-US" sz="3200" dirty="0"/>
-          </a:p>
-        </p:txBody>
-      </p:sp>
-      <p:sp>
-        <p:nvSpPr>
           <p:cNvPr id="3" name="TextBox 2"/>
           <p:cNvSpPr txBox="1"/>
           <p:nvPr/>
         </p:nvSpPr>
         <p:spPr>
           <a:xfrm>
-            <a:off x="457199" y="2881923"/>
-            <a:ext cx="8229599" cy="1569660"/>
+            <a:off x="457199" y="2713357"/>
+            <a:ext cx="8229599" cy="1323439"/>
           </a:xfrm>
           <a:prstGeom prst="rect">
             <a:avLst/>
@@ -6268,52 +6192,17 @@
           </a:bodyPr>
           <a:lstStyle/>
           <a:p>
-            <a:pPr marL="342900" indent="-342900">
-              <a:buFont typeface="+mj-lt"/>
-              <a:buAutoNum type="arabicPeriod"/>
-            </a:pPr>
-            <a:r>
-              <a:rPr lang="en-US" sz="3200" dirty="0"/>
-              <a:t>Parse </a:t>
-            </a:r>
-            <a:r>
-              <a:rPr lang="en-US" sz="3200" dirty="0" smtClean="0"/>
-              <a:t>either CSV, TSV or PDF files</a:t>
-            </a:r>
-          </a:p>
-          <a:p>
-            <a:pPr marL="342900" indent="-342900">
-              <a:buFont typeface="+mj-lt"/>
-              <a:buAutoNum type="arabicPeriod"/>
-            </a:pPr>
-            <a:r>
-              <a:rPr lang="en-US" sz="3200" dirty="0" smtClean="0"/>
-              <a:t>Report </a:t>
-            </a:r>
-            <a:r>
-              <a:rPr lang="en-US" sz="3200" dirty="0"/>
-              <a:t>status of the parsing via </a:t>
-            </a:r>
-            <a:r>
-              <a:rPr lang="en-US" sz="3200" dirty="0" smtClean="0"/>
-              <a:t>Email, SMS or </a:t>
-            </a:r>
-            <a:r>
-              <a:rPr lang="en-US" sz="3200" dirty="0" err="1" smtClean="0"/>
-              <a:t>Nagios</a:t>
-            </a:r>
-            <a:r>
-              <a:rPr lang="en-US" sz="3200" dirty="0" smtClean="0"/>
-              <a:t>.</a:t>
-            </a:r>
-            <a:endParaRPr lang="en-US" sz="3200" dirty="0"/>
+            <a:r>
+              <a:rPr lang="en-US" sz="4000" dirty="0" smtClean="0"/>
+              <a:t>Testing of reporting can be done in isolation.</a:t>
+            </a:r>
           </a:p>
         </p:txBody>
       </p:sp>
     </p:spTree>
     <p:extLst>
       <p:ext uri="{BB962C8B-B14F-4D97-AF65-F5344CB8AC3E}">
-        <p14:creationId xmlns:p14="http://schemas.microsoft.com/office/powerpoint/2010/main" val="42081683"/>
+        <p14:creationId xmlns:p14="http://schemas.microsoft.com/office/powerpoint/2010/main" val="4225296086"/>
       </p:ext>
     </p:extLst>
   </p:cSld>
@@ -6359,6 +6248,138 @@
         </p:nvSpPr>
         <p:spPr>
           <a:xfrm>
+            <a:off x="457199" y="2091709"/>
+            <a:ext cx="8229600" cy="790214"/>
+          </a:xfrm>
+        </p:spPr>
+        <p:txBody>
+          <a:bodyPr>
+            <a:normAutofit/>
+          </a:bodyPr>
+          <a:lstStyle/>
+          <a:p>
+            <a:pPr algn="l"/>
+            <a:r>
+              <a:rPr lang="en-US" sz="4000" dirty="0" smtClean="0"/>
+              <a:t>Future Processing Requirements</a:t>
+            </a:r>
+            <a:endParaRPr lang="en-US" sz="3200" dirty="0"/>
+          </a:p>
+        </p:txBody>
+      </p:sp>
+      <p:sp>
+        <p:nvSpPr>
+          <p:cNvPr id="3" name="TextBox 2"/>
+          <p:cNvSpPr txBox="1"/>
+          <p:nvPr/>
+        </p:nvSpPr>
+        <p:spPr>
+          <a:xfrm>
+            <a:off x="457199" y="2881923"/>
+            <a:ext cx="8229599" cy="1569660"/>
+          </a:xfrm>
+          <a:prstGeom prst="rect">
+            <a:avLst/>
+          </a:prstGeom>
+          <a:noFill/>
+        </p:spPr>
+        <p:txBody>
+          <a:bodyPr wrap="square" rtlCol="0">
+            <a:spAutoFit/>
+          </a:bodyPr>
+          <a:lstStyle/>
+          <a:p>
+            <a:pPr marL="342900" indent="-342900">
+              <a:buFont typeface="+mj-lt"/>
+              <a:buAutoNum type="arabicPeriod"/>
+            </a:pPr>
+            <a:r>
+              <a:rPr lang="en-US" sz="3200" dirty="0"/>
+              <a:t>Parse </a:t>
+            </a:r>
+            <a:r>
+              <a:rPr lang="en-US" sz="3200" dirty="0" smtClean="0"/>
+              <a:t>either CSV, TSV or PDF files</a:t>
+            </a:r>
+          </a:p>
+          <a:p>
+            <a:pPr marL="342900" indent="-342900">
+              <a:buFont typeface="+mj-lt"/>
+              <a:buAutoNum type="arabicPeriod"/>
+            </a:pPr>
+            <a:r>
+              <a:rPr lang="en-US" sz="3200" dirty="0" smtClean="0"/>
+              <a:t>Report </a:t>
+            </a:r>
+            <a:r>
+              <a:rPr lang="en-US" sz="3200" dirty="0"/>
+              <a:t>status of the parsing via </a:t>
+            </a:r>
+            <a:r>
+              <a:rPr lang="en-US" sz="3200" dirty="0" smtClean="0"/>
+              <a:t>Email, SMS or </a:t>
+            </a:r>
+            <a:r>
+              <a:rPr lang="en-US" sz="3200" dirty="0" err="1" smtClean="0"/>
+              <a:t>Nagios</a:t>
+            </a:r>
+            <a:r>
+              <a:rPr lang="en-US" sz="3200" dirty="0" smtClean="0"/>
+              <a:t>.</a:t>
+            </a:r>
+            <a:endParaRPr lang="en-US" sz="3200" dirty="0"/>
+          </a:p>
+        </p:txBody>
+      </p:sp>
+    </p:spTree>
+    <p:extLst>
+      <p:ext uri="{BB962C8B-B14F-4D97-AF65-F5344CB8AC3E}">
+        <p14:creationId xmlns:p14="http://schemas.microsoft.com/office/powerpoint/2010/main" val="42081683"/>
+      </p:ext>
+    </p:extLst>
+  </p:cSld>
+  <p:clrMapOvr>
+    <a:masterClrMapping/>
+  </p:clrMapOvr>
+  <p:timing>
+    <p:tnLst>
+      <p:par>
+        <p:cTn xmlns:p14="http://schemas.microsoft.com/office/powerpoint/2010/main" id="1" dur="indefinite" restart="never" nodeType="tmRoot"/>
+      </p:par>
+    </p:tnLst>
+  </p:timing>
+</p:sld>
+</file>
+
+<file path=ppt/slides/slide29.xml><?xml version="1.0" encoding="utf-8"?>
+<p:sld xmlns:a="http://schemas.openxmlformats.org/drawingml/2006/main" xmlns:r="http://schemas.openxmlformats.org/officeDocument/2006/relationships" xmlns:p="http://schemas.openxmlformats.org/presentationml/2006/main">
+  <p:cSld>
+    <p:spTree>
+      <p:nvGrpSpPr>
+        <p:cNvPr id="1" name=""/>
+        <p:cNvGrpSpPr/>
+        <p:nvPr/>
+      </p:nvGrpSpPr>
+      <p:grpSpPr>
+        <a:xfrm>
+          <a:off x="0" y="0"/>
+          <a:ext cx="0" cy="0"/>
+          <a:chOff x="0" y="0"/>
+          <a:chExt cx="0" cy="0"/>
+        </a:xfrm>
+      </p:grpSpPr>
+      <p:sp>
+        <p:nvSpPr>
+          <p:cNvPr id="2" name="Title 1"/>
+          <p:cNvSpPr>
+            <a:spLocks noGrp="1"/>
+          </p:cNvSpPr>
+          <p:nvPr>
+            <p:ph type="title"/>
+          </p:nvPr>
+        </p:nvSpPr>
+        <p:spPr>
+          <a:xfrm>
             <a:off x="457200" y="2843946"/>
             <a:ext cx="8229600" cy="1143000"/>
           </a:xfrm>
@@ -6395,7 +6416,74 @@
 </p:sld>
 </file>
 
-<file path=ppt/slides/slide29.xml><?xml version="1.0" encoding="utf-8"?>
+<file path=ppt/slides/slide3.xml><?xml version="1.0" encoding="utf-8"?>
+<p:sld xmlns:a="http://schemas.openxmlformats.org/drawingml/2006/main" xmlns:r="http://schemas.openxmlformats.org/officeDocument/2006/relationships" xmlns:p="http://schemas.openxmlformats.org/presentationml/2006/main">
+  <p:cSld>
+    <p:spTree>
+      <p:nvGrpSpPr>
+        <p:cNvPr id="1" name=""/>
+        <p:cNvGrpSpPr/>
+        <p:nvPr/>
+      </p:nvGrpSpPr>
+      <p:grpSpPr>
+        <a:xfrm>
+          <a:off x="0" y="0"/>
+          <a:ext cx="0" cy="0"/>
+          <a:chOff x="0" y="0"/>
+          <a:chExt cx="0" cy="0"/>
+        </a:xfrm>
+      </p:grpSpPr>
+      <p:sp>
+        <p:nvSpPr>
+          <p:cNvPr id="4" name="Title 3"/>
+          <p:cNvSpPr>
+            <a:spLocks noGrp="1"/>
+          </p:cNvSpPr>
+          <p:nvPr>
+            <p:ph type="title"/>
+          </p:nvPr>
+        </p:nvSpPr>
+        <p:spPr>
+          <a:xfrm>
+            <a:off x="457200" y="2711170"/>
+            <a:ext cx="8229600" cy="1428103"/>
+          </a:xfrm>
+        </p:spPr>
+        <p:txBody>
+          <a:bodyPr>
+            <a:normAutofit fontScale="90000"/>
+          </a:bodyPr>
+          <a:lstStyle/>
+          <a:p>
+            <a:pPr algn="l"/>
+            <a:r>
+              <a:rPr lang="en-US" dirty="0"/>
+              <a:t>That's great but how does that apply to Ruby?</a:t>
+            </a:r>
+          </a:p>
+        </p:txBody>
+      </p:sp>
+    </p:spTree>
+    <p:extLst>
+      <p:ext uri="{BB962C8B-B14F-4D97-AF65-F5344CB8AC3E}">
+        <p14:creationId xmlns:p14="http://schemas.microsoft.com/office/powerpoint/2010/main" val="3102091573"/>
+      </p:ext>
+    </p:extLst>
+  </p:cSld>
+  <p:clrMapOvr>
+    <a:masterClrMapping/>
+  </p:clrMapOvr>
+  <p:timing>
+    <p:tnLst>
+      <p:par>
+        <p:cTn xmlns:p14="http://schemas.microsoft.com/office/powerpoint/2010/main" id="1" dur="indefinite" restart="never" nodeType="tmRoot"/>
+      </p:par>
+    </p:tnLst>
+  </p:timing>
+</p:sld>
+</file>
+
+<file path=ppt/slides/slide30.xml><?xml version="1.0" encoding="utf-8"?>
 <p:sld xmlns:a="http://schemas.openxmlformats.org/drawingml/2006/main" xmlns:r="http://schemas.openxmlformats.org/officeDocument/2006/relationships" xmlns:p="http://schemas.openxmlformats.org/presentationml/2006/main">
   <p:cSld>
     <p:bg>
@@ -6470,143 +6558,6 @@
 </p:sld>
 </file>
 
-<file path=ppt/slides/slide3.xml><?xml version="1.0" encoding="utf-8"?>
-<p:sld xmlns:a="http://schemas.openxmlformats.org/drawingml/2006/main" xmlns:r="http://schemas.openxmlformats.org/officeDocument/2006/relationships" xmlns:p="http://schemas.openxmlformats.org/presentationml/2006/main">
-  <p:cSld>
-    <p:spTree>
-      <p:nvGrpSpPr>
-        <p:cNvPr id="1" name=""/>
-        <p:cNvGrpSpPr/>
-        <p:nvPr/>
-      </p:nvGrpSpPr>
-      <p:grpSpPr>
-        <a:xfrm>
-          <a:off x="0" y="0"/>
-          <a:ext cx="0" cy="0"/>
-          <a:chOff x="0" y="0"/>
-          <a:chExt cx="0" cy="0"/>
-        </a:xfrm>
-      </p:grpSpPr>
-      <p:sp>
-        <p:nvSpPr>
-          <p:cNvPr id="4" name="Title 3"/>
-          <p:cNvSpPr>
-            <a:spLocks noGrp="1"/>
-          </p:cNvSpPr>
-          <p:nvPr>
-            <p:ph type="title"/>
-          </p:nvPr>
-        </p:nvSpPr>
-        <p:spPr>
-          <a:xfrm>
-            <a:off x="457200" y="2711170"/>
-            <a:ext cx="8229600" cy="1428103"/>
-          </a:xfrm>
-        </p:spPr>
-        <p:txBody>
-          <a:bodyPr>
-            <a:normAutofit fontScale="90000"/>
-          </a:bodyPr>
-          <a:lstStyle/>
-          <a:p>
-            <a:pPr algn="l"/>
-            <a:r>
-              <a:rPr lang="en-US" dirty="0"/>
-              <a:t>That's great but how does that apply to Ruby?</a:t>
-            </a:r>
-          </a:p>
-        </p:txBody>
-      </p:sp>
-    </p:spTree>
-    <p:extLst>
-      <p:ext uri="{BB962C8B-B14F-4D97-AF65-F5344CB8AC3E}">
-        <p14:creationId xmlns:p14="http://schemas.microsoft.com/office/powerpoint/2010/main" val="3102091573"/>
-      </p:ext>
-    </p:extLst>
-  </p:cSld>
-  <p:clrMapOvr>
-    <a:masterClrMapping/>
-  </p:clrMapOvr>
-  <p:timing>
-    <p:tnLst>
-      <p:par>
-        <p:cTn xmlns:p14="http://schemas.microsoft.com/office/powerpoint/2010/main" id="1" dur="indefinite" restart="never" nodeType="tmRoot"/>
-      </p:par>
-    </p:tnLst>
-  </p:timing>
-</p:sld>
-</file>
-
-<file path=ppt/slides/slide30.xml><?xml version="1.0" encoding="utf-8"?>
-<p:sld xmlns:a="http://schemas.openxmlformats.org/drawingml/2006/main" xmlns:r="http://schemas.openxmlformats.org/officeDocument/2006/relationships" xmlns:p="http://schemas.openxmlformats.org/presentationml/2006/main">
-  <p:cSld>
-    <p:spTree>
-      <p:nvGrpSpPr>
-        <p:cNvPr id="1" name=""/>
-        <p:cNvGrpSpPr/>
-        <p:nvPr/>
-      </p:nvGrpSpPr>
-      <p:grpSpPr>
-        <a:xfrm>
-          <a:off x="0" y="0"/>
-          <a:ext cx="0" cy="0"/>
-          <a:chOff x="0" y="0"/>
-          <a:chExt cx="0" cy="0"/>
-        </a:xfrm>
-      </p:grpSpPr>
-      <p:sp>
-        <p:nvSpPr>
-          <p:cNvPr id="3" name="TextBox 2"/>
-          <p:cNvSpPr txBox="1"/>
-          <p:nvPr/>
-        </p:nvSpPr>
-        <p:spPr>
-          <a:xfrm>
-            <a:off x="623277" y="3077308"/>
-            <a:ext cx="8229600" cy="707886"/>
-          </a:xfrm>
-          <a:prstGeom prst="rect">
-            <a:avLst/>
-          </a:prstGeom>
-          <a:noFill/>
-        </p:spPr>
-        <p:txBody>
-          <a:bodyPr wrap="square" rtlCol="0">
-            <a:spAutoFit/>
-          </a:bodyPr>
-          <a:lstStyle/>
-          <a:p>
-            <a:r>
-              <a:rPr lang="en-US" sz="4000" u="sng" dirty="0" smtClean="0"/>
-              <a:t>S</a:t>
-            </a:r>
-            <a:r>
-              <a:rPr lang="en-US" sz="4000" dirty="0" smtClean="0"/>
-              <a:t>ingle Responsibility Principle</a:t>
-            </a:r>
-          </a:p>
-        </p:txBody>
-      </p:sp>
-    </p:spTree>
-    <p:extLst>
-      <p:ext uri="{BB962C8B-B14F-4D97-AF65-F5344CB8AC3E}">
-        <p14:creationId xmlns:p14="http://schemas.microsoft.com/office/powerpoint/2010/main" val="242496255"/>
-      </p:ext>
-    </p:extLst>
-  </p:cSld>
-  <p:clrMapOvr>
-    <a:masterClrMapping/>
-  </p:clrMapOvr>
-  <p:timing>
-    <p:tnLst>
-      <p:par>
-        <p:cTn xmlns:p14="http://schemas.microsoft.com/office/powerpoint/2010/main" id="1" dur="indefinite" restart="never" nodeType="tmRoot"/>
-      </p:par>
-    </p:tnLst>
-  </p:timing>
-</p:sld>
-</file>
-
 <file path=ppt/slides/slide31.xml><?xml version="1.0" encoding="utf-8"?>
 <p:sld xmlns:a="http://schemas.openxmlformats.org/drawingml/2006/main" xmlns:r="http://schemas.openxmlformats.org/officeDocument/2006/relationships" xmlns:p="http://schemas.openxmlformats.org/presentationml/2006/main">
   <p:cSld>
@@ -6632,8 +6583,8 @@
         </p:nvSpPr>
         <p:spPr>
           <a:xfrm>
-            <a:off x="623277" y="2774462"/>
-            <a:ext cx="8229600" cy="1323439"/>
+            <a:off x="623277" y="3077308"/>
+            <a:ext cx="8229600" cy="707886"/>
           </a:xfrm>
           <a:prstGeom prst="rect">
             <a:avLst/>
@@ -6648,26 +6599,19 @@
           <a:p>
             <a:r>
               <a:rPr lang="en-US" sz="4000" u="sng" dirty="0" smtClean="0"/>
-              <a:t>O</a:t>
+              <a:t>S</a:t>
             </a:r>
             <a:r>
               <a:rPr lang="en-US" sz="4000" dirty="0" smtClean="0"/>
-              <a:t>pen for extension</a:t>
-            </a:r>
-          </a:p>
-          <a:p>
-            <a:r>
-              <a:rPr lang="en-US" sz="4000" dirty="0" smtClean="0"/>
-              <a:t>Closed to modification</a:t>
-            </a:r>
-            <a:endParaRPr lang="en-US" sz="4000" dirty="0"/>
+              <a:t>ingle Responsibility Principle</a:t>
+            </a:r>
           </a:p>
         </p:txBody>
       </p:sp>
     </p:spTree>
     <p:extLst>
       <p:ext uri="{BB962C8B-B14F-4D97-AF65-F5344CB8AC3E}">
-        <p14:creationId xmlns:p14="http://schemas.microsoft.com/office/powerpoint/2010/main" val="4273581512"/>
+        <p14:creationId xmlns:p14="http://schemas.microsoft.com/office/powerpoint/2010/main" val="242496255"/>
       </p:ext>
     </p:extLst>
   </p:cSld>
@@ -6710,7 +6654,7 @@
         <p:spPr>
           <a:xfrm>
             <a:off x="623277" y="2774462"/>
-            <a:ext cx="8229600" cy="707886"/>
+            <a:ext cx="8229600" cy="1323439"/>
           </a:xfrm>
           <a:prstGeom prst="rect">
             <a:avLst/>
@@ -6724,24 +6668,27 @@
           <a:lstStyle/>
           <a:p>
             <a:r>
-              <a:rPr lang="en-US" sz="4000" u="sng" dirty="0" err="1"/>
-              <a:t>L</a:t>
-            </a:r>
-            <a:r>
-              <a:rPr lang="en-US" sz="4000" dirty="0" err="1"/>
-              <a:t>iskov</a:t>
-            </a:r>
-            <a:r>
-              <a:rPr lang="en-US" sz="4000" dirty="0"/>
-              <a:t> Substitution Principle</a:t>
-            </a:r>
+              <a:rPr lang="en-US" sz="4000" u="sng" dirty="0" smtClean="0"/>
+              <a:t>O</a:t>
+            </a:r>
+            <a:r>
+              <a:rPr lang="en-US" sz="4000" dirty="0" smtClean="0"/>
+              <a:t>pen for extension</a:t>
+            </a:r>
+          </a:p>
+          <a:p>
+            <a:r>
+              <a:rPr lang="en-US" sz="4000" dirty="0" smtClean="0"/>
+              <a:t>Closed to modification</a:t>
+            </a:r>
+            <a:endParaRPr lang="en-US" sz="4000" dirty="0"/>
           </a:p>
         </p:txBody>
       </p:sp>
     </p:spTree>
     <p:extLst>
       <p:ext uri="{BB962C8B-B14F-4D97-AF65-F5344CB8AC3E}">
-        <p14:creationId xmlns:p14="http://schemas.microsoft.com/office/powerpoint/2010/main" val="2070299927"/>
+        <p14:creationId xmlns:p14="http://schemas.microsoft.com/office/powerpoint/2010/main" val="4273581512"/>
       </p:ext>
     </p:extLst>
   </p:cSld>
@@ -6798,12 +6745,16 @@
           <a:lstStyle/>
           <a:p>
             <a:r>
-              <a:rPr lang="en-US" sz="4000" u="sng" dirty="0"/>
-              <a:t>I</a:t>
+              <a:rPr lang="en-US" sz="4000" u="sng" dirty="0" err="1"/>
+              <a:t>L</a:t>
+            </a:r>
+            <a:r>
+              <a:rPr lang="en-US" sz="4000" dirty="0" err="1"/>
+              <a:t>iskov</a:t>
             </a:r>
             <a:r>
               <a:rPr lang="en-US" sz="4000" dirty="0"/>
-              <a:t>nterface Segregation</a:t>
+              <a:t> Substitution Principle</a:t>
             </a:r>
           </a:p>
         </p:txBody>
@@ -6811,7 +6762,7 @@
     </p:spTree>
     <p:extLst>
       <p:ext uri="{BB962C8B-B14F-4D97-AF65-F5344CB8AC3E}">
-        <p14:creationId xmlns:p14="http://schemas.microsoft.com/office/powerpoint/2010/main" val="2923803041"/>
+        <p14:creationId xmlns:p14="http://schemas.microsoft.com/office/powerpoint/2010/main" val="2070299927"/>
       </p:ext>
     </p:extLst>
   </p:cSld>
@@ -6869,6 +6820,76 @@
           <a:p>
             <a:r>
               <a:rPr lang="en-US" sz="4000" u="sng" dirty="0"/>
+              <a:t>I</a:t>
+            </a:r>
+            <a:r>
+              <a:rPr lang="en-US" sz="4000" dirty="0"/>
+              <a:t>nterface Segregation</a:t>
+            </a:r>
+          </a:p>
+        </p:txBody>
+      </p:sp>
+    </p:spTree>
+    <p:extLst>
+      <p:ext uri="{BB962C8B-B14F-4D97-AF65-F5344CB8AC3E}">
+        <p14:creationId xmlns:p14="http://schemas.microsoft.com/office/powerpoint/2010/main" val="2923803041"/>
+      </p:ext>
+    </p:extLst>
+  </p:cSld>
+  <p:clrMapOvr>
+    <a:masterClrMapping/>
+  </p:clrMapOvr>
+  <p:timing>
+    <p:tnLst>
+      <p:par>
+        <p:cTn xmlns:p14="http://schemas.microsoft.com/office/powerpoint/2010/main" id="1" dur="indefinite" restart="never" nodeType="tmRoot"/>
+      </p:par>
+    </p:tnLst>
+  </p:timing>
+</p:sld>
+</file>
+
+<file path=ppt/slides/slide35.xml><?xml version="1.0" encoding="utf-8"?>
+<p:sld xmlns:a="http://schemas.openxmlformats.org/drawingml/2006/main" xmlns:r="http://schemas.openxmlformats.org/officeDocument/2006/relationships" xmlns:p="http://schemas.openxmlformats.org/presentationml/2006/main">
+  <p:cSld>
+    <p:spTree>
+      <p:nvGrpSpPr>
+        <p:cNvPr id="1" name=""/>
+        <p:cNvGrpSpPr/>
+        <p:nvPr/>
+      </p:nvGrpSpPr>
+      <p:grpSpPr>
+        <a:xfrm>
+          <a:off x="0" y="0"/>
+          <a:ext cx="0" cy="0"/>
+          <a:chOff x="0" y="0"/>
+          <a:chExt cx="0" cy="0"/>
+        </a:xfrm>
+      </p:grpSpPr>
+      <p:sp>
+        <p:nvSpPr>
+          <p:cNvPr id="3" name="TextBox 2"/>
+          <p:cNvSpPr txBox="1"/>
+          <p:nvPr/>
+        </p:nvSpPr>
+        <p:spPr>
+          <a:xfrm>
+            <a:off x="623277" y="2774462"/>
+            <a:ext cx="8229600" cy="707886"/>
+          </a:xfrm>
+          <a:prstGeom prst="rect">
+            <a:avLst/>
+          </a:prstGeom>
+          <a:noFill/>
+        </p:spPr>
+        <p:txBody>
+          <a:bodyPr wrap="square" rtlCol="0">
+            <a:spAutoFit/>
+          </a:bodyPr>
+          <a:lstStyle/>
+          <a:p>
+            <a:r>
+              <a:rPr lang="en-US" sz="4000" u="sng" dirty="0"/>
               <a:t>D</a:t>
             </a:r>
             <a:r>
@@ -6898,7 +6919,7 @@
 </p:sld>
 </file>
 
-<file path=ppt/slides/slide35.xml><?xml version="1.0" encoding="utf-8"?>
+<file path=ppt/slides/slide36.xml><?xml version="1.0" encoding="utf-8"?>
 <p:sld xmlns:a="http://schemas.openxmlformats.org/drawingml/2006/main" xmlns:r="http://schemas.openxmlformats.org/officeDocument/2006/relationships" xmlns:p="http://schemas.openxmlformats.org/presentationml/2006/main">
   <p:cSld>
     <p:spTree>
@@ -7001,7 +7022,7 @@
 </p:sld>
 </file>
 
-<file path=ppt/slides/slide36.xml><?xml version="1.0" encoding="utf-8"?>
+<file path=ppt/slides/slide37.xml><?xml version="1.0" encoding="utf-8"?>
 <p:sld xmlns:a="http://schemas.openxmlformats.org/drawingml/2006/main" xmlns:r="http://schemas.openxmlformats.org/officeDocument/2006/relationships" xmlns:p="http://schemas.openxmlformats.org/presentationml/2006/main">
   <p:cSld>
     <p:spTree>
@@ -7094,10 +7115,17 @@
   <p:clrMapOvr>
     <a:masterClrMapping/>
   </p:clrMapOvr>
+  <p:timing>
+    <p:tnLst>
+      <p:par>
+        <p:cTn xmlns:p14="http://schemas.microsoft.com/office/powerpoint/2010/main" id="1" dur="indefinite" restart="never" nodeType="tmRoot"/>
+      </p:par>
+    </p:tnLst>
+  </p:timing>
 </p:sld>
 </file>
 
-<file path=ppt/slides/slide37.xml><?xml version="1.0" encoding="utf-8"?>
+<file path=ppt/slides/slide38.xml><?xml version="1.0" encoding="utf-8"?>
 <p:sld xmlns:a="http://schemas.openxmlformats.org/drawingml/2006/main" xmlns:r="http://schemas.openxmlformats.org/officeDocument/2006/relationships" xmlns:p="http://schemas.openxmlformats.org/presentationml/2006/main">
   <p:cSld>
     <p:spTree>

--- a/BetterRubyThroughDesignPatterns.pptx
+++ b/BetterRubyThroughDesignPatterns.pptx
@@ -277,7 +277,7 @@
           <a:p>
             <a:fld id="{5A1F8130-46FA-7040-B513-FDA7EF4EBAF4}" type="datetimeFigureOut">
               <a:rPr lang="en-US" smtClean="0"/>
-              <a:t>3/14/12</a:t>
+              <a:t>3/15/12</a:t>
             </a:fld>
             <a:endParaRPr lang="en-US"/>
           </a:p>
@@ -1562,7 +1562,7 @@
           <a:p>
             <a:fld id="{6BFECD78-3C8E-49F2-8FAB-59489D168ABB}" type="datetimeFigureOut">
               <a:rPr lang="en-US" smtClean="0"/>
-              <a:t>3/14/12</a:t>
+              <a:t>3/15/12</a:t>
             </a:fld>
             <a:endParaRPr lang="en-US"/>
           </a:p>
@@ -1732,7 +1732,7 @@
           <a:p>
             <a:fld id="{6BFECD78-3C8E-49F2-8FAB-59489D168ABB}" type="datetimeFigureOut">
               <a:rPr lang="en-US" smtClean="0"/>
-              <a:t>3/14/12</a:t>
+              <a:t>3/15/12</a:t>
             </a:fld>
             <a:endParaRPr lang="en-US"/>
           </a:p>
@@ -1912,7 +1912,7 @@
           <a:p>
             <a:fld id="{6BFECD78-3C8E-49F2-8FAB-59489D168ABB}" type="datetimeFigureOut">
               <a:rPr lang="en-US" smtClean="0"/>
-              <a:t>3/14/12</a:t>
+              <a:t>3/15/12</a:t>
             </a:fld>
             <a:endParaRPr lang="en-US"/>
           </a:p>
@@ -2082,7 +2082,7 @@
           <a:p>
             <a:fld id="{6BFECD78-3C8E-49F2-8FAB-59489D168ABB}" type="datetimeFigureOut">
               <a:rPr lang="en-US" smtClean="0"/>
-              <a:t>3/14/12</a:t>
+              <a:t>3/15/12</a:t>
             </a:fld>
             <a:endParaRPr lang="en-US"/>
           </a:p>
@@ -2328,7 +2328,7 @@
           <a:p>
             <a:fld id="{6BFECD78-3C8E-49F2-8FAB-59489D168ABB}" type="datetimeFigureOut">
               <a:rPr lang="en-US" smtClean="0"/>
-              <a:t>3/14/12</a:t>
+              <a:t>3/15/12</a:t>
             </a:fld>
             <a:endParaRPr lang="en-US"/>
           </a:p>
@@ -2616,7 +2616,7 @@
           <a:p>
             <a:fld id="{6BFECD78-3C8E-49F2-8FAB-59489D168ABB}" type="datetimeFigureOut">
               <a:rPr lang="en-US" smtClean="0"/>
-              <a:t>3/14/12</a:t>
+              <a:t>3/15/12</a:t>
             </a:fld>
             <a:endParaRPr lang="en-US"/>
           </a:p>
@@ -3038,7 +3038,7 @@
           <a:p>
             <a:fld id="{6BFECD78-3C8E-49F2-8FAB-59489D168ABB}" type="datetimeFigureOut">
               <a:rPr lang="en-US" smtClean="0"/>
-              <a:t>3/14/12</a:t>
+              <a:t>3/15/12</a:t>
             </a:fld>
             <a:endParaRPr lang="en-US"/>
           </a:p>
@@ -3156,7 +3156,7 @@
           <a:p>
             <a:fld id="{6BFECD78-3C8E-49F2-8FAB-59489D168ABB}" type="datetimeFigureOut">
               <a:rPr lang="en-US" smtClean="0"/>
-              <a:t>3/14/12</a:t>
+              <a:t>3/15/12</a:t>
             </a:fld>
             <a:endParaRPr lang="en-US"/>
           </a:p>
@@ -3251,7 +3251,7 @@
           <a:p>
             <a:fld id="{6BFECD78-3C8E-49F2-8FAB-59489D168ABB}" type="datetimeFigureOut">
               <a:rPr lang="en-US" smtClean="0"/>
-              <a:t>3/14/12</a:t>
+              <a:t>3/15/12</a:t>
             </a:fld>
             <a:endParaRPr lang="en-US"/>
           </a:p>
@@ -3528,7 +3528,7 @@
           <a:p>
             <a:fld id="{6BFECD78-3C8E-49F2-8FAB-59489D168ABB}" type="datetimeFigureOut">
               <a:rPr lang="en-US" smtClean="0"/>
-              <a:t>3/14/12</a:t>
+              <a:t>3/15/12</a:t>
             </a:fld>
             <a:endParaRPr lang="en-US"/>
           </a:p>
@@ -3785,7 +3785,7 @@
           <a:p>
             <a:fld id="{6BFECD78-3C8E-49F2-8FAB-59489D168ABB}" type="datetimeFigureOut">
               <a:rPr lang="en-US" smtClean="0"/>
-              <a:t>3/14/12</a:t>
+              <a:t>3/15/12</a:t>
             </a:fld>
             <a:endParaRPr lang="en-US"/>
           </a:p>
@@ -3998,7 +3998,7 @@
           <a:p>
             <a:fld id="{6BFECD78-3C8E-49F2-8FAB-59489D168ABB}" type="datetimeFigureOut">
               <a:rPr lang="en-US" smtClean="0"/>
-              <a:t>3/14/12</a:t>
+              <a:t>3/15/12</a:t>
             </a:fld>
             <a:endParaRPr lang="en-US"/>
           </a:p>
@@ -4451,8 +4451,12 @@
               <a:t>Tech Lead – </a:t>
             </a:r>
             <a:r>
+              <a:rPr lang="en-US" dirty="0" smtClean="0"/>
+              <a:t>User </a:t>
+            </a:r>
+            <a:r>
               <a:rPr lang="en-US" dirty="0" err="1" smtClean="0"/>
-              <a:t>UserAcq</a:t>
+              <a:t>Acqusition</a:t>
             </a:r>
             <a:endParaRPr lang="en-US" dirty="0" smtClean="0"/>
           </a:p>
@@ -4734,7 +4738,7 @@
         </p:blipFill>
         <p:spPr>
           <a:xfrm>
-            <a:off x="1917700" y="0"/>
+            <a:off x="1917700" y="-87928"/>
             <a:ext cx="5294399" cy="6858000"/>
           </a:xfrm>
           <a:prstGeom prst="rect">
@@ -5324,7 +5328,7 @@
             </a:r>
             <a:r>
               <a:rPr lang="en-US" sz="4000" dirty="0" smtClean="0"/>
-              <a:t> is no longer responsible for file parsing, only the orchestration.</a:t>
+              <a:t> is no longer responsible for file parsing.</a:t>
             </a:r>
           </a:p>
         </p:txBody>
@@ -5976,8 +5980,13 @@
           <a:p>
             <a:r>
               <a:rPr lang="en-US" sz="4000" dirty="0" smtClean="0"/>
-              <a:t>Reporters are functionally interchangeable.</a:t>
-            </a:r>
+              <a:t>Reporters are functionally </a:t>
+            </a:r>
+            <a:r>
+              <a:rPr lang="en-US" sz="4000" dirty="0" smtClean="0"/>
+              <a:t>interchangeable and reusable.</a:t>
+            </a:r>
+            <a:endParaRPr lang="en-US" sz="4000" dirty="0" smtClean="0"/>
           </a:p>
         </p:txBody>
       </p:sp>
@@ -6026,7 +6035,7 @@
         </p:nvSpPr>
         <p:spPr>
           <a:xfrm>
-            <a:off x="457199" y="1886804"/>
+            <a:off x="457199" y="2463189"/>
             <a:ext cx="8229599" cy="1938992"/>
           </a:xfrm>
           <a:prstGeom prst="rect">
@@ -6076,7 +6085,7 @@
 </file>
 
 <file path=ppt/slides/slide26.xml><?xml version="1.0" encoding="utf-8"?>
-<p:sld xmlns:a="http://schemas.openxmlformats.org/drawingml/2006/main" xmlns:r="http://schemas.openxmlformats.org/officeDocument/2006/relationships" xmlns:p="http://schemas.openxmlformats.org/presentationml/2006/main">
+<p:sld xmlns:a="http://schemas.openxmlformats.org/drawingml/2006/main" xmlns:r="http://schemas.openxmlformats.org/officeDocument/2006/relationships" xmlns:p="http://schemas.openxmlformats.org/presentationml/2006/main" show="0">
   <p:cSld>
     <p:spTree>
       <p:nvGrpSpPr>
@@ -6143,6 +6152,14 @@
   <p:clrMapOvr>
     <a:masterClrMapping/>
   </p:clrMapOvr>
+  <mc:AlternateContent xmlns:mc="http://schemas.openxmlformats.org/markup-compatibility/2006">
+    <mc:Choice xmlns:p14="http://schemas.microsoft.com/office/powerpoint/2010/main" Requires="p14">
+      <p:transition spd="slow" p14:dur="2000"/>
+    </mc:Choice>
+    <mc:Fallback>
+      <p:transition xmlns:p14="http://schemas.microsoft.com/office/powerpoint/2010/main" spd="slow"/>
+    </mc:Fallback>
+  </mc:AlternateContent>
   <p:timing>
     <p:tnLst>
       <p:par>
@@ -6276,7 +6293,7 @@
         <p:spPr>
           <a:xfrm>
             <a:off x="457199" y="2881923"/>
-            <a:ext cx="8229599" cy="1569660"/>
+            <a:ext cx="8229599" cy="2062103"/>
           </a:xfrm>
           <a:prstGeom prst="rect">
             <a:avLst/>
@@ -6295,11 +6312,15 @@
             </a:pPr>
             <a:r>
               <a:rPr lang="en-US" sz="3200" dirty="0"/>
-              <a:t>Parse </a:t>
-            </a:r>
-            <a:r>
-              <a:rPr lang="en-US" sz="3200" dirty="0" smtClean="0"/>
-              <a:t>either CSV, TSV or PDF files</a:t>
+              <a:t>Download file from FTP site or </a:t>
+            </a:r>
+            <a:r>
+              <a:rPr lang="en-US" sz="3200" dirty="0" err="1"/>
+              <a:t>Dropbox</a:t>
+            </a:r>
+            <a:r>
+              <a:rPr lang="en-US" sz="3200" dirty="0"/>
+              <a:t>.</a:t>
             </a:r>
           </a:p>
           <a:p>
@@ -6309,6 +6330,25 @@
             </a:pPr>
             <a:r>
               <a:rPr lang="en-US" sz="3200" dirty="0" smtClean="0"/>
+              <a:t>Parse </a:t>
+            </a:r>
+            <a:r>
+              <a:rPr lang="en-US" sz="3200" dirty="0" smtClean="0"/>
+              <a:t>either CSV, TSV or PDF </a:t>
+            </a:r>
+            <a:r>
+              <a:rPr lang="en-US" sz="3200" dirty="0" smtClean="0"/>
+              <a:t>files</a:t>
+            </a:r>
+            <a:endParaRPr lang="en-US" sz="3200" dirty="0" smtClean="0"/>
+          </a:p>
+          <a:p>
+            <a:pPr marL="342900" indent="-342900">
+              <a:buFont typeface="+mj-lt"/>
+              <a:buAutoNum type="arabicPeriod"/>
+            </a:pPr>
+            <a:r>
+              <a:rPr lang="en-US" sz="3200" dirty="0" smtClean="0"/>
               <a:t>Report </a:t>
             </a:r>
             <a:r>
@@ -6327,7 +6367,6 @@
               <a:rPr lang="en-US" sz="3200" dirty="0" smtClean="0"/>
               <a:t>.</a:t>
             </a:r>
-            <a:endParaRPr lang="en-US" sz="3200" dirty="0"/>
           </a:p>
         </p:txBody>
       </p:sp>
@@ -7510,14 +7549,14 @@
         </p:spPr>
         <p:txBody>
           <a:bodyPr>
-            <a:normAutofit fontScale="90000"/>
+            <a:normAutofit/>
           </a:bodyPr>
           <a:lstStyle/>
           <a:p>
             <a:pPr algn="l"/>
             <a:r>
               <a:rPr lang="en-US" dirty="0" smtClean="0"/>
-              <a:t>Who has built an application that hasn’t changed?</a:t>
+              <a:t>Is my application going to change?</a:t>
             </a:r>
             <a:endParaRPr lang="en-US" dirty="0"/>
           </a:p>
@@ -7804,7 +7843,15 @@
             <a:pPr algn="l"/>
             <a:r>
               <a:rPr lang="en-US" dirty="0"/>
-              <a:t>What decides how your app is going to withstand change?</a:t>
+              <a:t>What decides how your app is going to </a:t>
+            </a:r>
+            <a:r>
+              <a:rPr lang="en-US" dirty="0" smtClean="0"/>
+              <a:t>respond to change</a:t>
+            </a:r>
+            <a:r>
+              <a:rPr lang="en-US" dirty="0"/>
+              <a:t>?</a:t>
             </a:r>
           </a:p>
         </p:txBody>

--- a/BetterRubyThroughDesignPatterns.pptx
+++ b/BetterRubyThroughDesignPatterns.pptx
@@ -19,8 +19,8 @@
     <p:sldId id="264" r:id="rId10"/>
     <p:sldId id="270" r:id="rId11"/>
     <p:sldId id="267" r:id="rId12"/>
-    <p:sldId id="299" r:id="rId13"/>
-    <p:sldId id="268" r:id="rId14"/>
+    <p:sldId id="268" r:id="rId13"/>
+    <p:sldId id="299" r:id="rId14"/>
     <p:sldId id="265" r:id="rId15"/>
     <p:sldId id="273" r:id="rId16"/>
     <p:sldId id="274" r:id="rId17"/>
@@ -160,8 +160,8 @@
             <p14:sldId id="264"/>
             <p14:sldId id="270"/>
             <p14:sldId id="267"/>
+            <p14:sldId id="268"/>
             <p14:sldId id="299"/>
-            <p14:sldId id="268"/>
             <p14:sldId id="265"/>
             <p14:sldId id="273"/>
             <p14:sldId id="274"/>
@@ -4383,7 +4383,12 @@
             <p:ph type="ctrTitle"/>
           </p:nvPr>
         </p:nvSpPr>
-        <p:spPr/>
+        <p:spPr>
+          <a:xfrm>
+            <a:off x="685800" y="1573592"/>
+            <a:ext cx="7772400" cy="1470025"/>
+          </a:xfrm>
+        </p:spPr>
         <p:txBody>
           <a:bodyPr/>
           <a:lstStyle/>
@@ -4425,7 +4430,7 @@
         </p:nvSpPr>
         <p:spPr>
           <a:xfrm>
-            <a:off x="685800" y="3886200"/>
+            <a:off x="685800" y="3329367"/>
             <a:ext cx="6400800" cy="1752600"/>
           </a:xfrm>
         </p:spPr>
@@ -4718,6 +4723,73 @@
       </p:grpSpPr>
       <p:pic>
         <p:nvPicPr>
+          <p:cNvPr id="3" name="Picture 2" descr="fatActiveRecordModel.png"/>
+          <p:cNvPicPr>
+            <a:picLocks noChangeAspect="1"/>
+          </p:cNvPicPr>
+          <p:nvPr/>
+        </p:nvPicPr>
+        <p:blipFill>
+          <a:blip r:embed="rId2">
+            <a:extLst>
+              <a:ext uri="{28A0092B-C50C-407E-A947-70E740481C1C}">
+                <a14:useLocalDpi xmlns:a14="http://schemas.microsoft.com/office/drawing/2010/main" val="0"/>
+              </a:ext>
+            </a:extLst>
+          </a:blip>
+          <a:stretch>
+            <a:fillRect/>
+          </a:stretch>
+        </p:blipFill>
+        <p:spPr>
+          <a:xfrm>
+            <a:off x="0" y="0"/>
+            <a:ext cx="9144000" cy="6858000"/>
+          </a:xfrm>
+          <a:prstGeom prst="rect">
+            <a:avLst/>
+          </a:prstGeom>
+        </p:spPr>
+      </p:pic>
+    </p:spTree>
+    <p:extLst>
+      <p:ext uri="{BB962C8B-B14F-4D97-AF65-F5344CB8AC3E}">
+        <p14:creationId xmlns:p14="http://schemas.microsoft.com/office/powerpoint/2010/main" val="3270257888"/>
+      </p:ext>
+    </p:extLst>
+  </p:cSld>
+  <p:clrMapOvr>
+    <a:masterClrMapping/>
+  </p:clrMapOvr>
+  <p:timing>
+    <p:tnLst>
+      <p:par>
+        <p:cTn xmlns:p14="http://schemas.microsoft.com/office/powerpoint/2010/main" id="1" dur="indefinite" restart="never" nodeType="tmRoot"/>
+      </p:par>
+    </p:tnLst>
+  </p:timing>
+</p:sld>
+</file>
+
+<file path=ppt/slides/slide13.xml><?xml version="1.0" encoding="utf-8"?>
+<p:sld xmlns:a="http://schemas.openxmlformats.org/drawingml/2006/main" xmlns:r="http://schemas.openxmlformats.org/officeDocument/2006/relationships" xmlns:p="http://schemas.openxmlformats.org/presentationml/2006/main">
+  <p:cSld>
+    <p:spTree>
+      <p:nvGrpSpPr>
+        <p:cNvPr id="1" name=""/>
+        <p:cNvGrpSpPr/>
+        <p:nvPr/>
+      </p:nvGrpSpPr>
+      <p:grpSpPr>
+        <a:xfrm>
+          <a:off x="0" y="0"/>
+          <a:ext cx="0" cy="0"/>
+          <a:chOff x="0" y="0"/>
+          <a:chExt cx="0" cy="0"/>
+        </a:xfrm>
+      </p:grpSpPr>
+      <p:pic>
+        <p:nvPicPr>
           <p:cNvPr id="3" name="Picture 2" descr="objectsOnRails.png"/>
           <p:cNvPicPr>
             <a:picLocks noChangeAspect="1"/>
@@ -4750,66 +4822,6 @@
     <p:extLst>
       <p:ext uri="{BB962C8B-B14F-4D97-AF65-F5344CB8AC3E}">
         <p14:creationId xmlns:p14="http://schemas.microsoft.com/office/powerpoint/2010/main" val="2320922125"/>
-      </p:ext>
-    </p:extLst>
-  </p:cSld>
-  <p:clrMapOvr>
-    <a:masterClrMapping/>
-  </p:clrMapOvr>
-</p:sld>
-</file>
-
-<file path=ppt/slides/slide13.xml><?xml version="1.0" encoding="utf-8"?>
-<p:sld xmlns:a="http://schemas.openxmlformats.org/drawingml/2006/main" xmlns:r="http://schemas.openxmlformats.org/officeDocument/2006/relationships" xmlns:p="http://schemas.openxmlformats.org/presentationml/2006/main">
-  <p:cSld>
-    <p:spTree>
-      <p:nvGrpSpPr>
-        <p:cNvPr id="1" name=""/>
-        <p:cNvGrpSpPr/>
-        <p:nvPr/>
-      </p:nvGrpSpPr>
-      <p:grpSpPr>
-        <a:xfrm>
-          <a:off x="0" y="0"/>
-          <a:ext cx="0" cy="0"/>
-          <a:chOff x="0" y="0"/>
-          <a:chExt cx="0" cy="0"/>
-        </a:xfrm>
-      </p:grpSpPr>
-      <p:pic>
-        <p:nvPicPr>
-          <p:cNvPr id="3" name="Picture 2" descr="fatActiveRecordModel.png"/>
-          <p:cNvPicPr>
-            <a:picLocks noChangeAspect="1"/>
-          </p:cNvPicPr>
-          <p:nvPr/>
-        </p:nvPicPr>
-        <p:blipFill>
-          <a:blip r:embed="rId2">
-            <a:extLst>
-              <a:ext uri="{28A0092B-C50C-407E-A947-70E740481C1C}">
-                <a14:useLocalDpi xmlns:a14="http://schemas.microsoft.com/office/drawing/2010/main" val="0"/>
-              </a:ext>
-            </a:extLst>
-          </a:blip>
-          <a:stretch>
-            <a:fillRect/>
-          </a:stretch>
-        </p:blipFill>
-        <p:spPr>
-          <a:xfrm>
-            <a:off x="0" y="0"/>
-            <a:ext cx="9144000" cy="6858000"/>
-          </a:xfrm>
-          <a:prstGeom prst="rect">
-            <a:avLst/>
-          </a:prstGeom>
-        </p:spPr>
-      </p:pic>
-    </p:spTree>
-    <p:extLst>
-      <p:ext uri="{BB962C8B-B14F-4D97-AF65-F5344CB8AC3E}">
-        <p14:creationId xmlns:p14="http://schemas.microsoft.com/office/powerpoint/2010/main" val="3270257888"/>
       </p:ext>
     </p:extLst>
   </p:cSld>
@@ -5346,79 +5358,7 @@
   <p:timing>
     <p:tnLst>
       <p:par>
-        <p:cTn xmlns:p14="http://schemas.microsoft.com/office/powerpoint/2010/main" id="1" dur="indefinite" restart="never" nodeType="tmRoot">
-          <p:childTnLst>
-            <p:seq concurrent="1" nextAc="seek">
-              <p:cTn id="2" dur="indefinite" nodeType="mainSeq">
-                <p:childTnLst>
-                  <p:par>
-                    <p:cTn id="3" fill="hold">
-                      <p:stCondLst>
-                        <p:cond delay="indefinite"/>
-                      </p:stCondLst>
-                      <p:childTnLst>
-                        <p:par>
-                          <p:cTn id="4" fill="hold">
-                            <p:stCondLst>
-                              <p:cond delay="0"/>
-                            </p:stCondLst>
-                            <p:childTnLst>
-                              <p:par>
-                                <p:cTn id="5" presetID="1" presetClass="entr" presetSubtype="0" fill="hold" nodeType="clickEffect">
-                                  <p:stCondLst>
-                                    <p:cond delay="0"/>
-                                  </p:stCondLst>
-                                  <p:childTnLst>
-                                    <p:set>
-                                      <p:cBhvr>
-                                        <p:cTn id="6" dur="1" fill="hold">
-                                          <p:stCondLst>
-                                            <p:cond delay="0"/>
-                                          </p:stCondLst>
-                                        </p:cTn>
-                                        <p:tgtEl>
-                                          <p:spTgt spid="3">
-                                            <p:txEl>
-                                              <p:pRg st="0" end="0"/>
-                                            </p:txEl>
-                                          </p:spTgt>
-                                        </p:tgtEl>
-                                        <p:attrNameLst>
-                                          <p:attrName>style.visibility</p:attrName>
-                                        </p:attrNameLst>
-                                      </p:cBhvr>
-                                      <p:to>
-                                        <p:strVal val="visible"/>
-                                      </p:to>
-                                    </p:set>
-                                  </p:childTnLst>
-                                </p:cTn>
-                              </p:par>
-                            </p:childTnLst>
-                          </p:cTn>
-                        </p:par>
-                      </p:childTnLst>
-                    </p:cTn>
-                  </p:par>
-                </p:childTnLst>
-              </p:cTn>
-              <p:prevCondLst>
-                <p:cond evt="onPrev" delay="0">
-                  <p:tgtEl>
-                    <p:sldTgt/>
-                  </p:tgtEl>
-                </p:cond>
-              </p:prevCondLst>
-              <p:nextCondLst>
-                <p:cond evt="onNext" delay="0">
-                  <p:tgtEl>
-                    <p:sldTgt/>
-                  </p:tgtEl>
-                </p:cond>
-              </p:nextCondLst>
-            </p:seq>
-          </p:childTnLst>
-        </p:cTn>
+        <p:cTn xmlns:p14="http://schemas.microsoft.com/office/powerpoint/2010/main" id="1" dur="indefinite" restart="never" nodeType="tmRoot"/>
       </p:par>
     </p:tnLst>
   </p:timing>

--- a/BetterRubyThroughDesignPatterns.pptx
+++ b/BetterRubyThroughDesignPatterns.pptx
@@ -4431,11 +4431,13 @@
         <p:spPr>
           <a:xfrm>
             <a:off x="685800" y="3329367"/>
-            <a:ext cx="6400800" cy="1752600"/>
+            <a:ext cx="6400800" cy="2327018"/>
           </a:xfrm>
         </p:spPr>
         <p:txBody>
-          <a:bodyPr/>
+          <a:bodyPr>
+            <a:normAutofit lnSpcReduction="10000"/>
+          </a:bodyPr>
           <a:lstStyle/>
           <a:p>
             <a:pPr algn="l"/>
@@ -4452,8 +4454,32 @@
           <a:p>
             <a:pPr algn="l"/>
             <a:r>
+              <a:rPr lang="de-DE" dirty="0"/>
+              <a:t>https://</a:t>
+            </a:r>
+            <a:r>
+              <a:rPr lang="de-DE" dirty="0" err="1"/>
+              <a:t>github.com</a:t>
+            </a:r>
+            <a:r>
+              <a:rPr lang="de-DE" dirty="0"/>
+              <a:t>/</a:t>
+            </a:r>
+            <a:r>
+              <a:rPr lang="de-DE" dirty="0" err="1"/>
+              <a:t>msgehard</a:t>
+            </a:r>
+            <a:endParaRPr lang="en-US" dirty="0" smtClean="0"/>
+          </a:p>
+          <a:p>
+            <a:pPr algn="l"/>
+            <a:r>
               <a:rPr lang="en-US" dirty="0" smtClean="0"/>
-              <a:t>Tech Lead – </a:t>
+              <a:t>Tech </a:t>
+            </a:r>
+            <a:r>
+              <a:rPr lang="en-US" dirty="0" smtClean="0"/>
+              <a:t>Lead – </a:t>
             </a:r>
             <a:r>
               <a:rPr lang="en-US" dirty="0" smtClean="0"/>
@@ -7056,8 +7082,8 @@
         </p:nvSpPr>
         <p:spPr>
           <a:xfrm>
-            <a:off x="-1" y="3214076"/>
-            <a:ext cx="4064001" cy="707886"/>
+            <a:off x="0" y="3214076"/>
+            <a:ext cx="5187462" cy="1528623"/>
           </a:xfrm>
           <a:prstGeom prst="rect">
             <a:avLst/>
@@ -7078,7 +7104,36 @@
             </a:r>
             <a:r>
               <a:rPr lang="en-US" sz="4000" baseline="30000" dirty="0" smtClean="0"/>
-              <a:t>(4)</a:t>
+              <a:t>(</a:t>
+            </a:r>
+            <a:r>
+              <a:rPr lang="en-US" sz="4000" baseline="30000" smtClean="0"/>
+              <a:t>4</a:t>
+            </a:r>
+            <a:r>
+              <a:rPr lang="en-US" sz="4000" baseline="30000" smtClean="0"/>
+              <a:t>)</a:t>
+            </a:r>
+          </a:p>
+          <a:p>
+            <a:endParaRPr lang="en-US" sz="4000" baseline="30000" dirty="0" smtClean="0"/>
+          </a:p>
+          <a:p>
+            <a:r>
+              <a:rPr lang="en-US" sz="4000" baseline="30000" dirty="0"/>
+              <a:t>http://</a:t>
+            </a:r>
+            <a:r>
+              <a:rPr lang="en-US" sz="4000" baseline="30000" dirty="0" err="1"/>
+              <a:t>speakerrate.com</a:t>
+            </a:r>
+            <a:r>
+              <a:rPr lang="en-US" sz="4000" baseline="30000" dirty="0"/>
+              <a:t>/talks/</a:t>
+            </a:r>
+            <a:r>
+              <a:rPr lang="en-US" sz="4000" baseline="30000" dirty="0" smtClean="0"/>
+              <a:t>9437</a:t>
             </a:r>
             <a:endParaRPr lang="en-US" sz="4000" baseline="30000" dirty="0"/>
           </a:p>

--- a/BetterRubyThroughDesignPatterns.pptx
+++ b/BetterRubyThroughDesignPatterns.pptx
@@ -44,8 +44,8 @@
     <p:sldId id="287" r:id="rId35"/>
     <p:sldId id="288" r:id="rId36"/>
     <p:sldId id="289" r:id="rId37"/>
-    <p:sldId id="290" r:id="rId38"/>
-    <p:sldId id="266" r:id="rId39"/>
+    <p:sldId id="266" r:id="rId38"/>
+    <p:sldId id="290" r:id="rId39"/>
   </p:sldIdLst>
   <p:sldSz cx="9144000" cy="6858000" type="screen4x3"/>
   <p:notesSz cx="6858000" cy="9144000"/>
@@ -185,8 +185,8 @@
             <p14:sldId id="287"/>
             <p14:sldId id="288"/>
             <p14:sldId id="289"/>
+            <p14:sldId id="266"/>
             <p14:sldId id="290"/>
-            <p14:sldId id="266"/>
           </p14:sldIdLst>
         </p14:section>
       </p14:sectionLst>
@@ -1362,7 +1362,7 @@
           <a:p>
             <a:fld id="{5B0F0E0A-5925-EE41-9E85-45EE46DBCCF5}" type="slidenum">
               <a:rPr lang="en-US" smtClean="0"/>
-              <a:t>37</a:t>
+              <a:t>38</a:t>
             </a:fld>
             <a:endParaRPr lang="en-US"/>
           </a:p>
@@ -4393,7 +4393,6 @@
           <a:bodyPr/>
           <a:lstStyle/>
           <a:p>
-            <a:pPr algn="l"/>
             <a:r>
               <a:rPr lang="nb-NO" dirty="0"/>
               <a:t>Better </a:t>
@@ -4403,12 +4402,23 @@
               <a:t>Ruby </a:t>
             </a:r>
             <a:r>
+              <a:rPr lang="nb-NO" dirty="0" smtClean="0"/>
+              <a:t/>
+            </a:r>
+            <a:br>
+              <a:rPr lang="nb-NO" dirty="0" smtClean="0"/>
+            </a:br>
+            <a:r>
               <a:rPr lang="nb-NO" dirty="0" err="1" smtClean="0"/>
               <a:t>Through</a:t>
             </a:r>
             <a:r>
               <a:rPr lang="nb-NO" dirty="0" smtClean="0"/>
-              <a:t> Design </a:t>
+              <a:t> </a:t>
+            </a:r>
+            <a:r>
+              <a:rPr lang="nb-NO" dirty="0" smtClean="0"/>
+              <a:t>Design </a:t>
             </a:r>
             <a:r>
               <a:rPr lang="nb-NO" dirty="0" err="1" smtClean="0"/>
@@ -4483,11 +4493,7 @@
             </a:r>
             <a:r>
               <a:rPr lang="en-US" dirty="0" smtClean="0"/>
-              <a:t>User </a:t>
-            </a:r>
-            <a:r>
-              <a:rPr lang="en-US" dirty="0" err="1" smtClean="0"/>
-              <a:t>Acqusition</a:t>
+              <a:t>User Acquisition</a:t>
             </a:r>
             <a:endParaRPr lang="en-US" dirty="0" smtClean="0"/>
           </a:p>
@@ -4836,7 +4842,7 @@
         </p:blipFill>
         <p:spPr>
           <a:xfrm>
-            <a:off x="1917700" y="-87928"/>
+            <a:off x="1917700" y="107456"/>
             <a:ext cx="5294399" cy="6858000"/>
           </a:xfrm>
           <a:prstGeom prst="rect">
@@ -7044,36 +7050,171 @@
           <a:chExt cx="0" cy="0"/>
         </a:xfrm>
       </p:grpSpPr>
-      <p:pic>
-        <p:nvPicPr>
-          <p:cNvPr id="3" name="Picture 2" descr="thankYou.jpg"/>
-          <p:cNvPicPr>
-            <a:picLocks noChangeAspect="1"/>
-          </p:cNvPicPr>
-          <p:nvPr/>
-        </p:nvPicPr>
-        <p:blipFill>
-          <a:blip r:embed="rId3">
-            <a:extLst>
-              <a:ext uri="{28A0092B-C50C-407E-A947-70E740481C1C}">
-                <a14:useLocalDpi xmlns:a14="http://schemas.microsoft.com/office/drawing/2010/main" val="0"/>
-              </a:ext>
-            </a:extLst>
-          </a:blip>
-          <a:stretch>
-            <a:fillRect/>
-          </a:stretch>
-        </p:blipFill>
+      <p:sp>
+        <p:nvSpPr>
+          <p:cNvPr id="2" name="Title 1"/>
+          <p:cNvSpPr>
+            <a:spLocks noGrp="1"/>
+          </p:cNvSpPr>
+          <p:nvPr>
+            <p:ph type="title"/>
+          </p:nvPr>
+        </p:nvSpPr>
         <p:spPr>
           <a:xfrm>
-            <a:off x="0" y="0"/>
-            <a:ext cx="9144000" cy="6858000"/>
+            <a:off x="457200" y="459153"/>
+            <a:ext cx="8229600" cy="2500923"/>
+          </a:xfrm>
+        </p:spPr>
+        <p:txBody>
+          <a:bodyPr>
+            <a:normAutofit/>
+          </a:bodyPr>
+          <a:lstStyle/>
+          <a:p>
+            <a:pPr algn="l"/>
+            <a:r>
+              <a:rPr lang="en-US" dirty="0"/>
+              <a:t>Image Attributions</a:t>
+            </a:r>
+            <a:br>
+              <a:rPr lang="en-US" dirty="0"/>
+            </a:br>
+            <a:r>
+              <a:rPr lang="en-US" sz="2400" dirty="0" smtClean="0"/>
+              <a:t>(1</a:t>
+            </a:r>
+            <a:r>
+              <a:rPr lang="en-US" sz="2400" dirty="0"/>
+              <a:t>) http://</a:t>
+            </a:r>
+            <a:r>
+              <a:rPr lang="en-US" sz="2400" dirty="0" err="1"/>
+              <a:t>www.flickr.com</a:t>
+            </a:r>
+            <a:r>
+              <a:rPr lang="en-US" sz="2400" dirty="0"/>
+              <a:t>/people/span112</a:t>
+            </a:r>
+            <a:r>
+              <a:rPr lang="en-US" sz="2400" dirty="0" smtClean="0"/>
+              <a:t>/</a:t>
+            </a:r>
+            <a:br>
+              <a:rPr lang="en-US" sz="2400" dirty="0" smtClean="0"/>
+            </a:br>
+            <a:r>
+              <a:rPr lang="en-US" sz="2400" dirty="0"/>
+              <a:t>(2) http://</a:t>
+            </a:r>
+            <a:r>
+              <a:rPr lang="en-US" sz="2400" dirty="0" err="1"/>
+              <a:t>www.flickr.com</a:t>
+            </a:r>
+            <a:r>
+              <a:rPr lang="en-US" sz="2400" dirty="0"/>
+              <a:t>/people/</a:t>
+            </a:r>
+            <a:r>
+              <a:rPr lang="en-US" sz="2400" dirty="0" err="1"/>
+              <a:t>emsl</a:t>
+            </a:r>
+            <a:r>
+              <a:rPr lang="en-US" sz="2400" dirty="0"/>
+              <a:t>/</a:t>
+            </a:r>
+            <a:br>
+              <a:rPr lang="en-US" sz="2400" dirty="0"/>
+            </a:br>
+            <a:r>
+              <a:rPr lang="en-US" sz="2400" dirty="0" smtClean="0"/>
+              <a:t>(3) http</a:t>
+            </a:r>
+            <a:r>
+              <a:rPr lang="en-US" sz="2400" dirty="0"/>
+              <a:t>://</a:t>
+            </a:r>
+            <a:r>
+              <a:rPr lang="en-US" sz="2400" dirty="0" err="1"/>
+              <a:t>www.flickr.com</a:t>
+            </a:r>
+            <a:r>
+              <a:rPr lang="en-US" sz="2400" dirty="0"/>
+              <a:t>/people/</a:t>
+            </a:r>
+            <a:r>
+              <a:rPr lang="en-US" sz="2400" dirty="0" err="1"/>
+              <a:t>kennejima</a:t>
+            </a:r>
+            <a:r>
+              <a:rPr lang="en-US" sz="2400" dirty="0"/>
+              <a:t>/</a:t>
+            </a:r>
+            <a:br>
+              <a:rPr lang="en-US" sz="2400" dirty="0"/>
+            </a:br>
+            <a:r>
+              <a:rPr lang="en-US" sz="2400" dirty="0"/>
+              <a:t>(4) http://</a:t>
+            </a:r>
+            <a:r>
+              <a:rPr lang="en-US" sz="2400" dirty="0" err="1"/>
+              <a:t>www.flickr.com</a:t>
+            </a:r>
+            <a:r>
+              <a:rPr lang="en-US" sz="2400" dirty="0"/>
+              <a:t>/people/27282406@N03/</a:t>
+            </a:r>
+          </a:p>
+        </p:txBody>
+      </p:sp>
+      <p:sp>
+        <p:nvSpPr>
+          <p:cNvPr id="3" name="Title 1"/>
+          <p:cNvSpPr txBox="1">
+            <a:spLocks/>
+          </p:cNvSpPr>
+          <p:nvPr/>
+        </p:nvSpPr>
+        <p:spPr>
+          <a:xfrm>
+            <a:off x="457200" y="2960076"/>
+            <a:ext cx="8229600" cy="859693"/>
           </a:xfrm>
           <a:prstGeom prst="rect">
             <a:avLst/>
           </a:prstGeom>
         </p:spPr>
-      </p:pic>
+        <p:txBody>
+          <a:bodyPr vert="horz" lIns="91440" tIns="45720" rIns="91440" bIns="45720" rtlCol="0" anchor="ctr">
+            <a:normAutofit/>
+          </a:bodyPr>
+          <a:lstStyle>
+            <a:lvl1pPr algn="ctr" defTabSz="914400" rtl="0" eaLnBrk="1" latinLnBrk="0" hangingPunct="1">
+              <a:spcBef>
+                <a:spcPct val="0"/>
+              </a:spcBef>
+              <a:buNone/>
+              <a:defRPr sz="4400" kern="1200">
+                <a:solidFill>
+                  <a:schemeClr val="tx1"/>
+                </a:solidFill>
+                <a:latin typeface="+mj-lt"/>
+                <a:ea typeface="+mj-ea"/>
+                <a:cs typeface="+mj-cs"/>
+              </a:defRPr>
+            </a:lvl1pPr>
+          </a:lstStyle>
+          <a:p>
+            <a:pPr algn="l"/>
+            <a:r>
+              <a:rPr lang="en-US" dirty="0" smtClean="0"/>
+              <a:t>References</a:t>
+            </a:r>
+            <a:endParaRPr lang="en-US" sz="2400" dirty="0"/>
+          </a:p>
+        </p:txBody>
+      </p:sp>
       <p:sp>
         <p:nvSpPr>
           <p:cNvPr id="4" name="TextBox 3"/>
@@ -7082,15 +7223,13 @@
         </p:nvSpPr>
         <p:spPr>
           <a:xfrm>
-            <a:off x="0" y="3214076"/>
-            <a:ext cx="5187462" cy="1528623"/>
+            <a:off x="457200" y="3810000"/>
+            <a:ext cx="8229600" cy="1754327"/>
           </a:xfrm>
           <a:prstGeom prst="rect">
             <a:avLst/>
           </a:prstGeom>
-          <a:solidFill>
-            <a:schemeClr val="bg1"/>
-          </a:solidFill>
+          <a:noFill/>
         </p:spPr>
         <p:txBody>
           <a:bodyPr wrap="square" rtlCol="0">
@@ -7098,51 +7237,136 @@
           </a:bodyPr>
           <a:lstStyle/>
           <a:p>
-            <a:r>
-              <a:rPr lang="en-US" sz="4000" dirty="0" smtClean="0"/>
-              <a:t>Any questions? </a:t>
-            </a:r>
-            <a:r>
-              <a:rPr lang="en-US" sz="4000" baseline="30000" dirty="0" smtClean="0"/>
-              <a:t>(</a:t>
-            </a:r>
-            <a:r>
-              <a:rPr lang="en-US" sz="4000" baseline="30000" smtClean="0"/>
-              <a:t>4</a:t>
-            </a:r>
-            <a:r>
-              <a:rPr lang="en-US" sz="4000" baseline="30000" smtClean="0"/>
-              <a:t>)</a:t>
-            </a:r>
-          </a:p>
-          <a:p>
-            <a:endParaRPr lang="en-US" sz="4000" baseline="30000" dirty="0" smtClean="0"/>
-          </a:p>
-          <a:p>
-            <a:r>
-              <a:rPr lang="en-US" sz="4000" baseline="30000" dirty="0"/>
+            <a:pPr marL="285750" indent="-285750">
+              <a:buFont typeface="Arial"/>
+              <a:buChar char="•"/>
+            </a:pPr>
+            <a:r>
+              <a:rPr lang="en-US" dirty="0"/>
               <a:t>http://</a:t>
             </a:r>
             <a:r>
-              <a:rPr lang="en-US" sz="4000" baseline="30000" dirty="0" err="1"/>
-              <a:t>speakerrate.com</a:t>
-            </a:r>
-            <a:r>
-              <a:rPr lang="en-US" sz="4000" baseline="30000" dirty="0"/>
-              <a:t>/talks/</a:t>
-            </a:r>
-            <a:r>
-              <a:rPr lang="en-US" sz="4000" baseline="30000" dirty="0" smtClean="0"/>
-              <a:t>9437</a:t>
-            </a:r>
-            <a:endParaRPr lang="en-US" sz="4000" baseline="30000" dirty="0"/>
+              <a:rPr lang="en-US" dirty="0" err="1"/>
+              <a:t>www.objectmentor.com</a:t>
+            </a:r>
+            <a:r>
+              <a:rPr lang="en-US" dirty="0"/>
+              <a:t>/resources/articles/</a:t>
+            </a:r>
+            <a:r>
+              <a:rPr lang="en-US" dirty="0" err="1" smtClean="0"/>
+              <a:t>Principles_and_Patterns.pdf</a:t>
+            </a:r>
+            <a:endParaRPr lang="en-US" dirty="0" smtClean="0"/>
+          </a:p>
+          <a:p>
+            <a:pPr marL="285750" indent="-285750">
+              <a:buFont typeface="Arial"/>
+              <a:buChar char="•"/>
+            </a:pPr>
+            <a:r>
+              <a:rPr lang="en-US" dirty="0" smtClean="0"/>
+              <a:t>http</a:t>
+            </a:r>
+            <a:r>
+              <a:rPr lang="en-US" dirty="0"/>
+              <a:t>://www.butunclebob.com/</a:t>
+            </a:r>
+            <a:r>
+              <a:rPr lang="en-US" dirty="0" smtClean="0"/>
+              <a:t>ArticleS.UncleBob.PrinciplesOfOod</a:t>
+            </a:r>
+          </a:p>
+          <a:p>
+            <a:pPr marL="285750" indent="-285750">
+              <a:buFont typeface="Arial"/>
+              <a:buChar char="•"/>
+            </a:pPr>
+            <a:r>
+              <a:rPr lang="en-US" dirty="0" smtClean="0"/>
+              <a:t>http</a:t>
+            </a:r>
+            <a:r>
+              <a:rPr lang="en-US" dirty="0"/>
+              <a:t>://confreaks.com/videos/240-goruco2009-solid-object-oriented-</a:t>
+            </a:r>
+            <a:r>
+              <a:rPr lang="en-US" dirty="0" smtClean="0"/>
+              <a:t>design</a:t>
+            </a:r>
+          </a:p>
+          <a:p>
+            <a:pPr marL="285750" indent="-285750">
+              <a:buFont typeface="Arial"/>
+              <a:buChar char="•"/>
+            </a:pPr>
+            <a:r>
+              <a:rPr lang="en-US" dirty="0" smtClean="0"/>
+              <a:t>http</a:t>
+            </a:r>
+            <a:r>
+              <a:rPr lang="en-US" dirty="0"/>
+              <a:t>://confreaks.com/videos/185-rubyconf2009-solid-</a:t>
+            </a:r>
+            <a:r>
+              <a:rPr lang="en-US" dirty="0" smtClean="0"/>
+              <a:t>ruby</a:t>
+            </a:r>
+          </a:p>
+          <a:p>
+            <a:pPr marL="285750" indent="-285750">
+              <a:buFont typeface="Arial"/>
+              <a:buChar char="•"/>
+            </a:pPr>
+            <a:r>
+              <a:rPr lang="en-US" dirty="0" smtClean="0"/>
+              <a:t>http</a:t>
+            </a:r>
+            <a:r>
+              <a:rPr lang="en-US" dirty="0"/>
+              <a:t>://blog.rubybestpractices.com/posts/gregory/055-issue-23-solid-</a:t>
+            </a:r>
+            <a:r>
+              <a:rPr lang="en-US" dirty="0" smtClean="0"/>
+              <a:t>design.html</a:t>
+            </a:r>
+          </a:p>
+          <a:p>
+            <a:pPr marL="285750" indent="-285750">
+              <a:buFont typeface="Arial"/>
+              <a:buChar char="•"/>
+            </a:pPr>
+            <a:r>
+              <a:rPr lang="en-US" dirty="0" smtClean="0"/>
+              <a:t>http</a:t>
+            </a:r>
+            <a:r>
+              <a:rPr lang="en-US" dirty="0"/>
+              <a:t>://</a:t>
+            </a:r>
+            <a:r>
+              <a:rPr lang="en-US" dirty="0" err="1"/>
+              <a:t>mmiika.wordpress.com</a:t>
+            </a:r>
+            <a:r>
+              <a:rPr lang="en-US" dirty="0"/>
+              <a:t>/</a:t>
+            </a:r>
+            <a:r>
+              <a:rPr lang="en-US" dirty="0" err="1"/>
+              <a:t>oo</a:t>
+            </a:r>
+            <a:r>
+              <a:rPr lang="en-US" dirty="0"/>
+              <a:t>-design-principles/</a:t>
+            </a:r>
           </a:p>
         </p:txBody>
       </p:sp>
     </p:spTree>
     <p:extLst>
       <p:ext uri="{BB962C8B-B14F-4D97-AF65-F5344CB8AC3E}">
-        <p14:creationId xmlns:p14="http://schemas.microsoft.com/office/powerpoint/2010/main" val="3510348804"/>
+        <p14:creationId xmlns:p14="http://schemas.microsoft.com/office/powerpoint/2010/main" val="536189703"/>
       </p:ext>
     </p:extLst>
   </p:cSld>
@@ -7176,171 +7400,36 @@
           <a:chExt cx="0" cy="0"/>
         </a:xfrm>
       </p:grpSpPr>
-      <p:sp>
-        <p:nvSpPr>
-          <p:cNvPr id="2" name="Title 1"/>
-          <p:cNvSpPr>
-            <a:spLocks noGrp="1"/>
-          </p:cNvSpPr>
-          <p:nvPr>
-            <p:ph type="title"/>
-          </p:nvPr>
-        </p:nvSpPr>
+      <p:pic>
+        <p:nvPicPr>
+          <p:cNvPr id="3" name="Picture 2" descr="thankYou.jpg"/>
+          <p:cNvPicPr>
+            <a:picLocks noChangeAspect="1"/>
+          </p:cNvPicPr>
+          <p:nvPr/>
+        </p:nvPicPr>
+        <p:blipFill>
+          <a:blip r:embed="rId3">
+            <a:extLst>
+              <a:ext uri="{28A0092B-C50C-407E-A947-70E740481C1C}">
+                <a14:useLocalDpi xmlns:a14="http://schemas.microsoft.com/office/drawing/2010/main" val="0"/>
+              </a:ext>
+            </a:extLst>
+          </a:blip>
+          <a:stretch>
+            <a:fillRect/>
+          </a:stretch>
+        </p:blipFill>
         <p:spPr>
           <a:xfrm>
-            <a:off x="457200" y="298511"/>
-            <a:ext cx="8229600" cy="2765792"/>
-          </a:xfrm>
-        </p:spPr>
-        <p:txBody>
-          <a:bodyPr>
-            <a:normAutofit/>
-          </a:bodyPr>
-          <a:lstStyle/>
-          <a:p>
-            <a:pPr algn="l"/>
-            <a:r>
-              <a:rPr lang="en-US" dirty="0"/>
-              <a:t>Image Attributions</a:t>
-            </a:r>
-            <a:br>
-              <a:rPr lang="en-US" dirty="0"/>
-            </a:br>
-            <a:r>
-              <a:rPr lang="en-US" sz="2400" dirty="0" smtClean="0"/>
-              <a:t>(1</a:t>
-            </a:r>
-            <a:r>
-              <a:rPr lang="en-US" sz="2400" dirty="0"/>
-              <a:t>) http://</a:t>
-            </a:r>
-            <a:r>
-              <a:rPr lang="en-US" sz="2400" dirty="0" err="1"/>
-              <a:t>www.flickr.com</a:t>
-            </a:r>
-            <a:r>
-              <a:rPr lang="en-US" sz="2400" dirty="0"/>
-              <a:t>/people/span112</a:t>
-            </a:r>
-            <a:r>
-              <a:rPr lang="en-US" sz="2400" dirty="0" smtClean="0"/>
-              <a:t>/</a:t>
-            </a:r>
-            <a:br>
-              <a:rPr lang="en-US" sz="2400" dirty="0" smtClean="0"/>
-            </a:br>
-            <a:r>
-              <a:rPr lang="en-US" sz="2400" dirty="0"/>
-              <a:t>(2) http://</a:t>
-            </a:r>
-            <a:r>
-              <a:rPr lang="en-US" sz="2400" dirty="0" err="1"/>
-              <a:t>www.flickr.com</a:t>
-            </a:r>
-            <a:r>
-              <a:rPr lang="en-US" sz="2400" dirty="0"/>
-              <a:t>/people/</a:t>
-            </a:r>
-            <a:r>
-              <a:rPr lang="en-US" sz="2400" dirty="0" err="1"/>
-              <a:t>emsl</a:t>
-            </a:r>
-            <a:r>
-              <a:rPr lang="en-US" sz="2400" dirty="0"/>
-              <a:t>/</a:t>
-            </a:r>
-            <a:br>
-              <a:rPr lang="en-US" sz="2400" dirty="0"/>
-            </a:br>
-            <a:r>
-              <a:rPr lang="en-US" sz="2400" dirty="0" smtClean="0"/>
-              <a:t>(3) http</a:t>
-            </a:r>
-            <a:r>
-              <a:rPr lang="en-US" sz="2400" dirty="0"/>
-              <a:t>://</a:t>
-            </a:r>
-            <a:r>
-              <a:rPr lang="en-US" sz="2400" dirty="0" err="1"/>
-              <a:t>www.flickr.com</a:t>
-            </a:r>
-            <a:r>
-              <a:rPr lang="en-US" sz="2400" dirty="0"/>
-              <a:t>/people/</a:t>
-            </a:r>
-            <a:r>
-              <a:rPr lang="en-US" sz="2400" dirty="0" err="1"/>
-              <a:t>kennejima</a:t>
-            </a:r>
-            <a:r>
-              <a:rPr lang="en-US" sz="2400" dirty="0"/>
-              <a:t>/</a:t>
-            </a:r>
-            <a:br>
-              <a:rPr lang="en-US" sz="2400" dirty="0"/>
-            </a:br>
-            <a:r>
-              <a:rPr lang="en-US" sz="2400" dirty="0"/>
-              <a:t>(4) http://</a:t>
-            </a:r>
-            <a:r>
-              <a:rPr lang="en-US" sz="2400" dirty="0" err="1"/>
-              <a:t>www.flickr.com</a:t>
-            </a:r>
-            <a:r>
-              <a:rPr lang="en-US" sz="2400" dirty="0"/>
-              <a:t>/people/27282406@N03/</a:t>
-            </a:r>
-          </a:p>
-        </p:txBody>
-      </p:sp>
-      <p:sp>
-        <p:nvSpPr>
-          <p:cNvPr id="3" name="Title 1"/>
-          <p:cNvSpPr txBox="1">
-            <a:spLocks/>
-          </p:cNvSpPr>
-          <p:nvPr/>
-        </p:nvSpPr>
-        <p:spPr>
-          <a:xfrm>
-            <a:off x="457200" y="3663461"/>
-            <a:ext cx="8229600" cy="859693"/>
+            <a:off x="0" y="0"/>
+            <a:ext cx="9144000" cy="6858000"/>
           </a:xfrm>
           <a:prstGeom prst="rect">
             <a:avLst/>
           </a:prstGeom>
         </p:spPr>
-        <p:txBody>
-          <a:bodyPr vert="horz" lIns="91440" tIns="45720" rIns="91440" bIns="45720" rtlCol="0" anchor="ctr">
-            <a:normAutofit/>
-          </a:bodyPr>
-          <a:lstStyle>
-            <a:lvl1pPr algn="ctr" defTabSz="914400" rtl="0" eaLnBrk="1" latinLnBrk="0" hangingPunct="1">
-              <a:spcBef>
-                <a:spcPct val="0"/>
-              </a:spcBef>
-              <a:buNone/>
-              <a:defRPr sz="4400" kern="1200">
-                <a:solidFill>
-                  <a:schemeClr val="tx1"/>
-                </a:solidFill>
-                <a:latin typeface="+mj-lt"/>
-                <a:ea typeface="+mj-ea"/>
-                <a:cs typeface="+mj-cs"/>
-              </a:defRPr>
-            </a:lvl1pPr>
-          </a:lstStyle>
-          <a:p>
-            <a:pPr algn="l"/>
-            <a:r>
-              <a:rPr lang="en-US" smtClean="0"/>
-              <a:t>References</a:t>
-            </a:r>
-            <a:endParaRPr lang="en-US" sz="2400" dirty="0"/>
-          </a:p>
-        </p:txBody>
-      </p:sp>
+      </p:pic>
       <p:sp>
         <p:nvSpPr>
           <p:cNvPr id="4" name="TextBox 3"/>
@@ -7349,13 +7438,15 @@
         </p:nvSpPr>
         <p:spPr>
           <a:xfrm>
-            <a:off x="457200" y="4523154"/>
-            <a:ext cx="8229600" cy="1754327"/>
+            <a:off x="0" y="2872161"/>
+            <a:ext cx="5187462" cy="1528623"/>
           </a:xfrm>
           <a:prstGeom prst="rect">
             <a:avLst/>
           </a:prstGeom>
-          <a:noFill/>
+          <a:solidFill>
+            <a:schemeClr val="bg1"/>
+          </a:solidFill>
         </p:spPr>
         <p:txBody>
           <a:bodyPr wrap="square" rtlCol="0">
@@ -7363,136 +7454,102 @@
           </a:bodyPr>
           <a:lstStyle/>
           <a:p>
-            <a:pPr marL="285750" indent="-285750">
-              <a:buFont typeface="Arial"/>
-              <a:buChar char="•"/>
-            </a:pPr>
+            <a:r>
+              <a:rPr lang="en-US" sz="4000" dirty="0" smtClean="0"/>
+              <a:t>Any questions? </a:t>
+            </a:r>
+            <a:r>
+              <a:rPr lang="en-US" sz="4000" baseline="30000" dirty="0" smtClean="0"/>
+              <a:t>(4</a:t>
+            </a:r>
+            <a:r>
+              <a:rPr lang="en-US" sz="4000" baseline="30000" dirty="0" smtClean="0"/>
+              <a:t>)</a:t>
+            </a:r>
+          </a:p>
+          <a:p>
+            <a:endParaRPr lang="en-US" sz="4000" baseline="30000" dirty="0" smtClean="0"/>
+          </a:p>
+          <a:p>
+            <a:r>
+              <a:rPr lang="en-US" sz="4000" baseline="30000" dirty="0" smtClean="0"/>
+              <a:t>http://</a:t>
+            </a:r>
+            <a:r>
+              <a:rPr lang="en-US" sz="4000" baseline="30000" dirty="0" err="1" smtClean="0"/>
+              <a:t>speakerrate.com</a:t>
+            </a:r>
+            <a:r>
+              <a:rPr lang="en-US" sz="4000" baseline="30000" dirty="0" smtClean="0"/>
+              <a:t>/talks/9437</a:t>
+            </a:r>
+            <a:endParaRPr lang="en-US" sz="4000" baseline="30000" dirty="0"/>
+          </a:p>
+        </p:txBody>
+      </p:sp>
+      <p:sp>
+        <p:nvSpPr>
+          <p:cNvPr id="2" name="TextBox 1"/>
+          <p:cNvSpPr txBox="1"/>
+          <p:nvPr/>
+        </p:nvSpPr>
+        <p:spPr>
+          <a:xfrm>
+            <a:off x="6105768" y="6223000"/>
+            <a:ext cx="3038231" cy="646331"/>
+          </a:xfrm>
+          <a:prstGeom prst="rect">
+            <a:avLst/>
+          </a:prstGeom>
+          <a:solidFill>
+            <a:schemeClr val="bg1"/>
+          </a:solidFill>
+        </p:spPr>
+        <p:txBody>
+          <a:bodyPr wrap="square" rtlCol="0">
+            <a:spAutoFit/>
+          </a:bodyPr>
+          <a:lstStyle/>
+          <a:p>
             <a:r>
               <a:rPr lang="en-US" dirty="0"/>
-              <a:t>http://</a:t>
-            </a:r>
-            <a:r>
-              <a:rPr lang="en-US" dirty="0" err="1"/>
-              <a:t>www.objectmentor.com</a:t>
-            </a:r>
-            <a:r>
-              <a:rPr lang="en-US" dirty="0"/>
-              <a:t>/resources/articles/</a:t>
+              <a:t>@</a:t>
             </a:r>
             <a:r>
               <a:rPr lang="en-US" dirty="0" err="1" smtClean="0"/>
-              <a:t>Principles_and_Patterns.pdf</a:t>
+              <a:t>mikegehard</a:t>
             </a:r>
             <a:endParaRPr lang="en-US" dirty="0" smtClean="0"/>
           </a:p>
           <a:p>
-            <a:pPr marL="285750" indent="-285750">
-              <a:buFont typeface="Arial"/>
-              <a:buChar char="•"/>
-            </a:pPr>
-            <a:r>
-              <a:rPr lang="en-US" dirty="0" smtClean="0"/>
-              <a:t>http</a:t>
-            </a:r>
-            <a:r>
-              <a:rPr lang="en-US" dirty="0"/>
-              <a:t>://www.butunclebob.com/</a:t>
-            </a:r>
-            <a:r>
-              <a:rPr lang="en-US" dirty="0" smtClean="0"/>
-              <a:t>ArticleS.UncleBob.PrinciplesOfOod</a:t>
-            </a:r>
-          </a:p>
-          <a:p>
-            <a:pPr marL="285750" indent="-285750">
-              <a:buFont typeface="Arial"/>
-              <a:buChar char="•"/>
-            </a:pPr>
-            <a:r>
-              <a:rPr lang="en-US" dirty="0" smtClean="0"/>
-              <a:t>http</a:t>
-            </a:r>
-            <a:r>
-              <a:rPr lang="en-US" dirty="0"/>
-              <a:t>://confreaks.com/videos/240-goruco2009-solid-object-oriented-</a:t>
-            </a:r>
-            <a:r>
-              <a:rPr lang="en-US" dirty="0" smtClean="0"/>
-              <a:t>design</a:t>
-            </a:r>
-          </a:p>
-          <a:p>
-            <a:pPr marL="285750" indent="-285750">
-              <a:buFont typeface="Arial"/>
-              <a:buChar char="•"/>
-            </a:pPr>
-            <a:r>
-              <a:rPr lang="en-US" dirty="0" smtClean="0"/>
-              <a:t>http</a:t>
-            </a:r>
-            <a:r>
-              <a:rPr lang="en-US" dirty="0"/>
-              <a:t>://confreaks.com/videos/185-rubyconf2009-solid-</a:t>
-            </a:r>
-            <a:r>
-              <a:rPr lang="en-US" dirty="0" smtClean="0"/>
-              <a:t>ruby</a:t>
-            </a:r>
-          </a:p>
-          <a:p>
-            <a:pPr marL="285750" indent="-285750">
-              <a:buFont typeface="Arial"/>
-              <a:buChar char="•"/>
-            </a:pPr>
-            <a:r>
-              <a:rPr lang="en-US" dirty="0" smtClean="0"/>
-              <a:t>http</a:t>
-            </a:r>
-            <a:r>
-              <a:rPr lang="en-US" dirty="0"/>
-              <a:t>://blog.rubybestpractices.com/posts/gregory/055-issue-23-solid-</a:t>
-            </a:r>
-            <a:r>
-              <a:rPr lang="en-US" dirty="0" smtClean="0"/>
-              <a:t>design.html</a:t>
-            </a:r>
-          </a:p>
-          <a:p>
-            <a:pPr marL="285750" indent="-285750">
-              <a:buFont typeface="Arial"/>
-              <a:buChar char="•"/>
-            </a:pPr>
-            <a:r>
-              <a:rPr lang="en-US" dirty="0" smtClean="0"/>
-              <a:t>http</a:t>
-            </a:r>
-            <a:r>
-              <a:rPr lang="en-US" dirty="0"/>
+            <a:r>
+              <a:rPr lang="de-DE" dirty="0" smtClean="0"/>
+              <a:t>https</a:t>
+            </a:r>
+            <a:r>
+              <a:rPr lang="de-DE" dirty="0"/>
               <a:t>://</a:t>
             </a:r>
             <a:r>
-              <a:rPr lang="en-US" dirty="0" err="1"/>
-              <a:t>mmiika.wordpress.com</a:t>
-            </a:r>
-            <a:r>
-              <a:rPr lang="en-US" dirty="0"/>
+              <a:rPr lang="de-DE" dirty="0" err="1"/>
+              <a:t>github.com</a:t>
+            </a:r>
+            <a:r>
+              <a:rPr lang="de-DE" dirty="0"/>
               <a:t>/</a:t>
             </a:r>
             <a:r>
-              <a:rPr lang="en-US" dirty="0" err="1"/>
-              <a:t>oo</a:t>
-            </a:r>
-            <a:r>
-              <a:rPr lang="en-US" dirty="0"/>
-              <a:t>-design-principles/</a:t>
-            </a:r>
+              <a:rPr lang="de-DE" dirty="0" err="1"/>
+              <a:t>msgehard</a:t>
+            </a:r>
+            <a:endParaRPr lang="en-US" dirty="0"/>
           </a:p>
         </p:txBody>
       </p:sp>
     </p:spTree>
     <p:extLst>
       <p:ext uri="{BB962C8B-B14F-4D97-AF65-F5344CB8AC3E}">
-        <p14:creationId xmlns:p14="http://schemas.microsoft.com/office/powerpoint/2010/main" val="536189703"/>
+        <p14:creationId xmlns:p14="http://schemas.microsoft.com/office/powerpoint/2010/main" val="3510348804"/>
       </p:ext>
     </p:extLst>
   </p:cSld>
